--- a/Документы/Презентация ВКР.pptx
+++ b/Документы/Презентация ВКР.pptx
@@ -5,7 +5,7 @@
     <p:sldMasterId id="2147483719" r:id="rId1"/>
   </p:sldMasterIdLst>
   <p:notesMasterIdLst>
-    <p:notesMasterId r:id="rId22"/>
+    <p:notesMasterId r:id="rId21"/>
   </p:notesMasterIdLst>
   <p:sldIdLst>
     <p:sldId id="256" r:id="rId2"/>
@@ -19,15 +19,14 @@
     <p:sldId id="261" r:id="rId10"/>
     <p:sldId id="268" r:id="rId11"/>
     <p:sldId id="263" r:id="rId12"/>
-    <p:sldId id="262" r:id="rId13"/>
-    <p:sldId id="273" r:id="rId14"/>
+    <p:sldId id="273" r:id="rId13"/>
+    <p:sldId id="262" r:id="rId14"/>
     <p:sldId id="264" r:id="rId15"/>
-    <p:sldId id="265" r:id="rId16"/>
-    <p:sldId id="266" r:id="rId17"/>
-    <p:sldId id="276" r:id="rId18"/>
-    <p:sldId id="279" r:id="rId19"/>
-    <p:sldId id="277" r:id="rId20"/>
-    <p:sldId id="278" r:id="rId21"/>
+    <p:sldId id="266" r:id="rId16"/>
+    <p:sldId id="280" r:id="rId17"/>
+    <p:sldId id="279" r:id="rId18"/>
+    <p:sldId id="276" r:id="rId19"/>
+    <p:sldId id="278" r:id="rId20"/>
   </p:sldIdLst>
   <p:sldSz cx="12192000" cy="6858000"/>
   <p:notesSz cx="6858000" cy="9144000"/>
@@ -216,7 +215,7 @@
           <a:p>
             <a:fld id="{F8E7A9AA-D791-4CE8-A528-0ED1B3A93F2C}" type="datetimeFigureOut">
               <a:rPr lang="ru-RU" smtClean="0"/>
-              <a:t>10.06.2023</a:t>
+              <a:t>14.06.2023</a:t>
             </a:fld>
             <a:endParaRPr lang="ru-RU"/>
           </a:p>
@@ -671,7 +670,7 @@
           <a:p>
             <a:fld id="{9A01286C-D24D-4039-9B79-188014B81EF0}" type="datetime1">
               <a:rPr lang="ru-RU" smtClean="0"/>
-              <a:t>10.06.2023</a:t>
+              <a:t>14.06.2023</a:t>
             </a:fld>
             <a:endParaRPr lang="ru-RU"/>
           </a:p>
@@ -1009,7 +1008,7 @@
           <a:p>
             <a:fld id="{C7435AC7-7EFC-4C6A-8B4A-3A0ABD863A85}" type="datetime1">
               <a:rPr lang="ru-RU" smtClean="0"/>
-              <a:t>10.06.2023</a:t>
+              <a:t>14.06.2023</a:t>
             </a:fld>
             <a:endParaRPr lang="ru-RU"/>
           </a:p>
@@ -1410,7 +1409,7 @@
           <a:p>
             <a:fld id="{04FCF316-177D-4002-A014-31E42C580843}" type="datetime1">
               <a:rPr lang="ru-RU" smtClean="0"/>
-              <a:t>10.06.2023</a:t>
+              <a:t>14.06.2023</a:t>
             </a:fld>
             <a:endParaRPr lang="ru-RU"/>
           </a:p>
@@ -1745,7 +1744,7 @@
           <a:p>
             <a:fld id="{029AEA95-4A9D-4EBF-8A5F-0F900F8488E6}" type="datetime1">
               <a:rPr lang="ru-RU" smtClean="0"/>
-              <a:t>10.06.2023</a:t>
+              <a:t>14.06.2023</a:t>
             </a:fld>
             <a:endParaRPr lang="ru-RU"/>
           </a:p>
@@ -2065,7 +2064,7 @@
           <a:p>
             <a:fld id="{BEC51906-DCF6-42EE-9502-5BFAF385E1B7}" type="datetime1">
               <a:rPr lang="ru-RU" smtClean="0"/>
-              <a:t>10.06.2023</a:t>
+              <a:t>14.06.2023</a:t>
             </a:fld>
             <a:endParaRPr lang="ru-RU"/>
           </a:p>
@@ -2461,7 +2460,7 @@
           <a:p>
             <a:fld id="{A9EE9BC4-D6AA-4323-AC58-7EDF0473E5CD}" type="datetime1">
               <a:rPr lang="ru-RU" smtClean="0"/>
-              <a:t>10.06.2023</a:t>
+              <a:t>14.06.2023</a:t>
             </a:fld>
             <a:endParaRPr lang="ru-RU"/>
           </a:p>
@@ -2718,7 +2717,7 @@
           <a:p>
             <a:fld id="{2AD07951-DEFF-4C64-8DD9-36A1A4C04CF7}" type="datetime1">
               <a:rPr lang="ru-RU" smtClean="0"/>
-              <a:t>10.06.2023</a:t>
+              <a:t>14.06.2023</a:t>
             </a:fld>
             <a:endParaRPr lang="ru-RU"/>
           </a:p>
@@ -2980,7 +2979,7 @@
           <a:p>
             <a:fld id="{053B07EB-F58D-4FCB-9B0B-E065C5A425E6}" type="datetime1">
               <a:rPr lang="ru-RU" smtClean="0"/>
-              <a:t>10.06.2023</a:t>
+              <a:t>14.06.2023</a:t>
             </a:fld>
             <a:endParaRPr lang="ru-RU"/>
           </a:p>
@@ -3242,7 +3241,7 @@
           <a:p>
             <a:fld id="{448B1765-DCBF-461E-87CB-534CF379D7B5}" type="datetime1">
               <a:rPr lang="ru-RU" smtClean="0"/>
-              <a:t>10.06.2023</a:t>
+              <a:t>14.06.2023</a:t>
             </a:fld>
             <a:endParaRPr lang="ru-RU"/>
           </a:p>
@@ -3571,7 +3570,7 @@
           <a:p>
             <a:fld id="{106EE73D-979C-4FB3-8935-F4F6660FD339}" type="datetime1">
               <a:rPr lang="ru-RU" smtClean="0"/>
-              <a:t>10.06.2023</a:t>
+              <a:t>14.06.2023</a:t>
             </a:fld>
             <a:endParaRPr lang="ru-RU"/>
           </a:p>
@@ -3894,7 +3893,7 @@
           <a:p>
             <a:fld id="{26CBC4E0-4BA5-458D-B31E-4DA4974DD756}" type="datetime1">
               <a:rPr lang="ru-RU" smtClean="0"/>
-              <a:t>10.06.2023</a:t>
+              <a:t>14.06.2023</a:t>
             </a:fld>
             <a:endParaRPr lang="ru-RU"/>
           </a:p>
@@ -4351,7 +4350,7 @@
           <a:p>
             <a:fld id="{8BEF53F8-F77F-4C56-9AA6-639780451998}" type="datetime1">
               <a:rPr lang="ru-RU" smtClean="0"/>
-              <a:t>10.06.2023</a:t>
+              <a:t>14.06.2023</a:t>
             </a:fld>
             <a:endParaRPr lang="ru-RU"/>
           </a:p>
@@ -4556,7 +4555,7 @@
           <a:p>
             <a:fld id="{9862B62C-BB0B-418E-993D-5ADBF2901EBB}" type="datetime1">
               <a:rPr lang="ru-RU" smtClean="0"/>
-              <a:t>10.06.2023</a:t>
+              <a:t>14.06.2023</a:t>
             </a:fld>
             <a:endParaRPr lang="ru-RU"/>
           </a:p>
@@ -4733,7 +4732,7 @@
           <a:p>
             <a:fld id="{3BA0CB8E-CC9C-47E0-B1BC-6C08AE270C44}" type="datetime1">
               <a:rPr lang="ru-RU" smtClean="0"/>
-              <a:t>10.06.2023</a:t>
+              <a:t>14.06.2023</a:t>
             </a:fld>
             <a:endParaRPr lang="ru-RU"/>
           </a:p>
@@ -5066,7 +5065,7 @@
           <a:p>
             <a:fld id="{000ADB6F-36E4-4869-9ACC-BB1E179B1F20}" type="datetime1">
               <a:rPr lang="ru-RU" smtClean="0"/>
-              <a:t>10.06.2023</a:t>
+              <a:t>14.06.2023</a:t>
             </a:fld>
             <a:endParaRPr lang="ru-RU"/>
           </a:p>
@@ -5411,7 +5410,7 @@
           <a:p>
             <a:fld id="{D86C6135-D033-4B44-BF55-13FADD15A79E}" type="datetime1">
               <a:rPr lang="ru-RU" smtClean="0"/>
-              <a:t>10.06.2023</a:t>
+              <a:t>14.06.2023</a:t>
             </a:fld>
             <a:endParaRPr lang="ru-RU"/>
           </a:p>
@@ -7528,7 +7527,7 @@
           <a:p>
             <a:fld id="{14878BB3-8E20-4CB9-9A47-56C32F53986A}" type="datetime1">
               <a:rPr lang="ru-RU" smtClean="0"/>
-              <a:t>10.06.2023</a:t>
+              <a:t>14.06.2023</a:t>
             </a:fld>
             <a:endParaRPr lang="ru-RU"/>
           </a:p>
@@ -8843,13 +8842,13 @@
         </p:nvSpPr>
         <p:spPr>
           <a:xfrm>
-            <a:off x="127821" y="0"/>
+            <a:off x="0" y="0"/>
             <a:ext cx="12172336" cy="762238"/>
           </a:xfrm>
         </p:spPr>
         <p:txBody>
           <a:bodyPr>
-            <a:normAutofit fontScale="90000"/>
+            <a:normAutofit/>
           </a:bodyPr>
           <a:lstStyle/>
           <a:p>
@@ -8859,26 +8858,51 @@
                 <a:latin typeface="Calibri" panose="020F0502020204030204" pitchFamily="34" charset="0"/>
                 <a:cs typeface="Calibri" panose="020F0502020204030204" pitchFamily="34" charset="0"/>
               </a:rPr>
-              <a:t>Макет прохождения тестирования и персонального отчёта</a:t>
-            </a:r>
-          </a:p>
-        </p:txBody>
-      </p:sp>
-      <p:pic>
-        <p:nvPicPr>
-          <p:cNvPr id="3" name="Объект 2">
+              <a:t>Конструктор вопросов</a:t>
+            </a:r>
+          </a:p>
+        </p:txBody>
+      </p:sp>
+      <p:sp>
+        <p:nvSpPr>
+          <p:cNvPr id="6" name="Номер слайда 5">
             <a:extLst>
               <a:ext uri="{FF2B5EF4-FFF2-40B4-BE49-F238E27FC236}">
-                <a16:creationId xmlns:a16="http://schemas.microsoft.com/office/drawing/2014/main" id="{F5F8BBBC-6985-42EA-AC97-82C796E5B994}"/>
+                <a16:creationId xmlns:a16="http://schemas.microsoft.com/office/drawing/2014/main" id="{64439D20-99F3-4D56-940A-C6B53D7C24CC}"/>
               </a:ext>
             </a:extLst>
           </p:cNvPr>
-          <p:cNvPicPr>
-            <a:picLocks noGrp="1" noChangeAspect="1"/>
-          </p:cNvPicPr>
-          <p:nvPr>
-            <p:ph idx="1"/>
-          </p:nvPr>
+          <p:cNvSpPr>
+            <a:spLocks noGrp="1"/>
+          </p:cNvSpPr>
+          <p:nvPr>
+            <p:ph type="sldNum" sz="quarter" idx="12"/>
+          </p:nvPr>
+        </p:nvSpPr>
+        <p:spPr/>
+        <p:txBody>
+          <a:bodyPr/>
+          <a:lstStyle/>
+          <a:p>
+            <a:fld id="{F846435F-278B-4F8D-8B6E-49BFC1C98D0D}" type="slidenum">
+              <a:rPr lang="ru-RU" smtClean="0"/>
+              <a:t>12</a:t>
+            </a:fld>
+            <a:endParaRPr lang="ru-RU"/>
+          </a:p>
+        </p:txBody>
+      </p:sp>
+      <p:pic>
+        <p:nvPicPr>
+          <p:cNvPr id="8" name="Рисунок 7">
+            <a:extLst>
+              <a:ext uri="{FF2B5EF4-FFF2-40B4-BE49-F238E27FC236}">
+                <a16:creationId xmlns:a16="http://schemas.microsoft.com/office/drawing/2014/main" id="{BF464E2C-0A91-4A0A-A6F8-11E37B80885A}"/>
+              </a:ext>
+            </a:extLst>
+          </p:cNvPr>
+          <p:cNvPicPr/>
+          <p:nvPr/>
         </p:nvPicPr>
         <p:blipFill>
           <a:blip r:embed="rId2"/>
@@ -8888,87 +8912,18 @@
         </p:blipFill>
         <p:spPr>
           <a:xfrm>
-            <a:off x="2392336" y="762238"/>
-            <a:ext cx="3289172" cy="5754162"/>
+            <a:off x="2280173" y="961466"/>
+            <a:ext cx="7631653" cy="5403823"/>
           </a:xfrm>
           <a:prstGeom prst="rect">
             <a:avLst/>
           </a:prstGeom>
-          <a:ln>
-            <a:solidFill>
-              <a:schemeClr val="tx1"/>
-            </a:solidFill>
-          </a:ln>
         </p:spPr>
       </p:pic>
-      <p:pic>
-        <p:nvPicPr>
-          <p:cNvPr id="4" name="Рисунок 3">
-            <a:extLst>
-              <a:ext uri="{FF2B5EF4-FFF2-40B4-BE49-F238E27FC236}">
-                <a16:creationId xmlns:a16="http://schemas.microsoft.com/office/drawing/2014/main" id="{008BC081-904E-47AB-A69E-7D75C9F4B0D0}"/>
-              </a:ext>
-            </a:extLst>
-          </p:cNvPr>
-          <p:cNvPicPr>
-            <a:picLocks noChangeAspect="1"/>
-          </p:cNvPicPr>
-          <p:nvPr/>
-        </p:nvPicPr>
-        <p:blipFill>
-          <a:blip r:embed="rId3"/>
-          <a:stretch>
-            <a:fillRect/>
-          </a:stretch>
-        </p:blipFill>
-        <p:spPr>
-          <a:xfrm>
-            <a:off x="6510493" y="764866"/>
-            <a:ext cx="3385956" cy="5835207"/>
-          </a:xfrm>
-          <a:prstGeom prst="rect">
-            <a:avLst/>
-          </a:prstGeom>
-          <a:ln>
-            <a:solidFill>
-              <a:schemeClr val="tx1"/>
-            </a:solidFill>
-          </a:ln>
-        </p:spPr>
-      </p:pic>
-      <p:sp>
-        <p:nvSpPr>
-          <p:cNvPr id="8" name="Номер слайда 7">
-            <a:extLst>
-              <a:ext uri="{FF2B5EF4-FFF2-40B4-BE49-F238E27FC236}">
-                <a16:creationId xmlns:a16="http://schemas.microsoft.com/office/drawing/2014/main" id="{1332CEC2-8F7B-4C79-BEB6-545EA341400D}"/>
-              </a:ext>
-            </a:extLst>
-          </p:cNvPr>
-          <p:cNvSpPr>
-            <a:spLocks noGrp="1"/>
-          </p:cNvSpPr>
-          <p:nvPr>
-            <p:ph type="sldNum" sz="quarter" idx="12"/>
-          </p:nvPr>
-        </p:nvSpPr>
-        <p:spPr/>
-        <p:txBody>
-          <a:bodyPr/>
-          <a:lstStyle/>
-          <a:p>
-            <a:fld id="{F846435F-278B-4F8D-8B6E-49BFC1C98D0D}" type="slidenum">
-              <a:rPr lang="ru-RU" smtClean="0"/>
-              <a:t>12</a:t>
-            </a:fld>
-            <a:endParaRPr lang="ru-RU"/>
-          </a:p>
-        </p:txBody>
-      </p:sp>
     </p:spTree>
     <p:extLst>
       <p:ext uri="{BB962C8B-B14F-4D97-AF65-F5344CB8AC3E}">
-        <p14:creationId xmlns:p14="http://schemas.microsoft.com/office/powerpoint/2010/main" val="1154482116"/>
+        <p14:creationId xmlns:p14="http://schemas.microsoft.com/office/powerpoint/2010/main" val="431220467"/>
       </p:ext>
     </p:extLst>
   </p:cSld>
@@ -9013,7 +8968,7 @@
         </p:nvSpPr>
         <p:spPr>
           <a:xfrm>
-            <a:off x="0" y="0"/>
+            <a:off x="127821" y="0"/>
             <a:ext cx="12172336" cy="762238"/>
           </a:xfrm>
         </p:spPr>
@@ -9029,49 +8984,17 @@
                 <a:latin typeface="Calibri" panose="020F0502020204030204" pitchFamily="34" charset="0"/>
                 <a:cs typeface="Calibri" panose="020F0502020204030204" pitchFamily="34" charset="0"/>
               </a:rPr>
-              <a:t>Макет конструктора вопросов</a:t>
-            </a:r>
-          </a:p>
-        </p:txBody>
-      </p:sp>
-      <p:pic>
-        <p:nvPicPr>
-          <p:cNvPr id="7" name="Объект 6">
+              <a:t>Тестирование и персональный отчёт</a:t>
+            </a:r>
+          </a:p>
+        </p:txBody>
+      </p:sp>
+      <p:sp>
+        <p:nvSpPr>
+          <p:cNvPr id="8" name="Номер слайда 7">
             <a:extLst>
               <a:ext uri="{FF2B5EF4-FFF2-40B4-BE49-F238E27FC236}">
-                <a16:creationId xmlns:a16="http://schemas.microsoft.com/office/drawing/2014/main" id="{76D54B97-8512-4852-827C-36B84073A8A7}"/>
-              </a:ext>
-            </a:extLst>
-          </p:cNvPr>
-          <p:cNvPicPr>
-            <a:picLocks noGrp="1" noChangeAspect="1"/>
-          </p:cNvPicPr>
-          <p:nvPr>
-            <p:ph idx="1"/>
-          </p:nvPr>
-        </p:nvPicPr>
-        <p:blipFill>
-          <a:blip r:embed="rId2"/>
-          <a:stretch>
-            <a:fillRect/>
-          </a:stretch>
-        </p:blipFill>
-        <p:spPr>
-          <a:xfrm>
-            <a:off x="1460878" y="787782"/>
-            <a:ext cx="9983870" cy="5600270"/>
-          </a:xfrm>
-          <a:prstGeom prst="rect">
-            <a:avLst/>
-          </a:prstGeom>
-        </p:spPr>
-      </p:pic>
-      <p:sp>
-        <p:nvSpPr>
-          <p:cNvPr id="6" name="Номер слайда 5">
-            <a:extLst>
-              <a:ext uri="{FF2B5EF4-FFF2-40B4-BE49-F238E27FC236}">
-                <a16:creationId xmlns:a16="http://schemas.microsoft.com/office/drawing/2014/main" id="{64439D20-99F3-4D56-940A-C6B53D7C24CC}"/>
+                <a16:creationId xmlns:a16="http://schemas.microsoft.com/office/drawing/2014/main" id="{1332CEC2-8F7B-4C79-BEB6-545EA341400D}"/>
               </a:ext>
             </a:extLst>
           </p:cNvPr>
@@ -9098,7 +9021,7 @@
     </p:spTree>
     <p:extLst>
       <p:ext uri="{BB962C8B-B14F-4D97-AF65-F5344CB8AC3E}">
-        <p14:creationId xmlns:p14="http://schemas.microsoft.com/office/powerpoint/2010/main" val="431220467"/>
+        <p14:creationId xmlns:p14="http://schemas.microsoft.com/office/powerpoint/2010/main" val="1154482116"/>
       </p:ext>
     </p:extLst>
   </p:cSld>
@@ -9258,7 +9181,7 @@
           <p:cNvPr id="2" name="Заголовок 1">
             <a:extLst>
               <a:ext uri="{FF2B5EF4-FFF2-40B4-BE49-F238E27FC236}">
-                <a16:creationId xmlns:a16="http://schemas.microsoft.com/office/drawing/2014/main" id="{26695ACF-84A7-41C2-94B4-53E50F9D1E0C}"/>
+                <a16:creationId xmlns:a16="http://schemas.microsoft.com/office/drawing/2014/main" id="{8F34746D-92E6-4740-86DB-42743C36705C}"/>
               </a:ext>
             </a:extLst>
           </p:cNvPr>
@@ -9271,35 +9194,22 @@
         </p:nvSpPr>
         <p:spPr>
           <a:xfrm>
-            <a:off x="1640156" y="515955"/>
-            <a:ext cx="8911687" cy="713077"/>
+            <a:off x="924444" y="226143"/>
+            <a:ext cx="10353761" cy="678426"/>
           </a:xfrm>
         </p:spPr>
         <p:txBody>
-          <a:bodyPr>
-            <a:normAutofit/>
-          </a:bodyPr>
+          <a:bodyPr/>
           <a:lstStyle/>
           <a:p>
             <a:pPr algn="ctr"/>
             <a:r>
-              <a:rPr lang="ru-RU" sz="4000" dirty="0">
+              <a:rPr lang="ru-RU" dirty="0">
                 <a:latin typeface="Calibri" panose="020F0502020204030204" pitchFamily="34" charset="0"/>
                 <a:cs typeface="Calibri" panose="020F0502020204030204" pitchFamily="34" charset="0"/>
               </a:rPr>
-              <a:t>Возможности </a:t>
-            </a:r>
-            <a:r>
-              <a:rPr lang="en-US" sz="4000" dirty="0">
-                <a:latin typeface="Calibri" panose="020F0502020204030204" pitchFamily="34" charset="0"/>
-                <a:cs typeface="Calibri" panose="020F0502020204030204" pitchFamily="34" charset="0"/>
-              </a:rPr>
-              <a:t>MVP </a:t>
-            </a:r>
-            <a:endParaRPr lang="ru-RU" sz="4000" dirty="0">
-              <a:latin typeface="Calibri" panose="020F0502020204030204" pitchFamily="34" charset="0"/>
-              <a:cs typeface="Calibri" panose="020F0502020204030204" pitchFamily="34" charset="0"/>
-            </a:endParaRPr>
+              <a:t>Результат</a:t>
+            </a:r>
           </a:p>
         </p:txBody>
       </p:sp>
@@ -9308,7 +9218,7 @@
           <p:cNvPr id="3" name="Объект 2">
             <a:extLst>
               <a:ext uri="{FF2B5EF4-FFF2-40B4-BE49-F238E27FC236}">
-                <a16:creationId xmlns:a16="http://schemas.microsoft.com/office/drawing/2014/main" id="{23997447-DAA6-4FAB-A2DD-550DD01DE896}"/>
+                <a16:creationId xmlns:a16="http://schemas.microsoft.com/office/drawing/2014/main" id="{FDEBC7F3-3270-43E7-9EDC-7C5E8335150D}"/>
               </a:ext>
             </a:extLst>
           </p:cNvPr>
@@ -9321,53 +9231,267 @@
         </p:nvSpPr>
         <p:spPr>
           <a:xfrm>
-            <a:off x="913795" y="1809135"/>
-            <a:ext cx="10353762" cy="3982065"/>
+            <a:off x="1372008" y="904569"/>
+            <a:ext cx="10112675" cy="5112774"/>
           </a:xfrm>
         </p:spPr>
         <p:txBody>
           <a:bodyPr>
-            <a:normAutofit/>
+            <a:noAutofit/>
           </a:bodyPr>
           <a:lstStyle/>
           <a:p>
-            <a:r>
-              <a:rPr lang="ru-RU" sz="3600" dirty="0">
+            <a:pPr>
+              <a:lnSpc>
+                <a:spcPct val="100000"/>
+              </a:lnSpc>
+              <a:spcBef>
+                <a:spcPts val="0"/>
+              </a:spcBef>
+            </a:pPr>
+            <a:r>
+              <a:rPr lang="ru-RU" sz="2400" dirty="0">
                 <a:latin typeface="Calibri" panose="020F0502020204030204" pitchFamily="34" charset="0"/>
                 <a:cs typeface="Calibri" panose="020F0502020204030204" pitchFamily="34" charset="0"/>
               </a:rPr>
-              <a:t>Прохождение тестирования</a:t>
-            </a:r>
-          </a:p>
-          <a:p>
-            <a:r>
-              <a:rPr lang="ru-RU" sz="3600" dirty="0">
+              <a:t>Произведен анализ предметной области</a:t>
+            </a:r>
+          </a:p>
+          <a:p>
+            <a:pPr lvl="1">
+              <a:lnSpc>
+                <a:spcPct val="100000"/>
+              </a:lnSpc>
+              <a:spcBef>
+                <a:spcPts val="0"/>
+              </a:spcBef>
+            </a:pPr>
+            <a:r>
+              <a:rPr lang="ru-RU" sz="2400" dirty="0">
                 <a:latin typeface="Calibri" panose="020F0502020204030204" pitchFamily="34" charset="0"/>
                 <a:cs typeface="Calibri" panose="020F0502020204030204" pitchFamily="34" charset="0"/>
               </a:rPr>
-              <a:t>Подсчёт и вывод результатов тестирования</a:t>
-            </a:r>
-          </a:p>
-          <a:p>
-            <a:r>
-              <a:rPr lang="ru-RU" sz="3600" dirty="0">
+              <a:t>Изучена методика проведения тестирований среди сотрудников АНХК</a:t>
+            </a:r>
+          </a:p>
+          <a:p>
+            <a:pPr lvl="1">
+              <a:lnSpc>
+                <a:spcPct val="100000"/>
+              </a:lnSpc>
+              <a:spcBef>
+                <a:spcPts val="0"/>
+              </a:spcBef>
+            </a:pPr>
+            <a:r>
+              <a:rPr lang="ru-RU" sz="2400" dirty="0">
                 <a:latin typeface="Calibri" panose="020F0502020204030204" pitchFamily="34" charset="0"/>
                 <a:cs typeface="Calibri" panose="020F0502020204030204" pitchFamily="34" charset="0"/>
               </a:rPr>
-              <a:t>Экспорт результатов в </a:t>
-            </a:r>
-            <a:r>
-              <a:rPr lang="en-US" sz="3600" dirty="0">
+              <a:t>Проведен критический анализ текущего подхода к проведению тестирований</a:t>
+            </a:r>
+          </a:p>
+          <a:p>
+            <a:pPr lvl="1">
+              <a:lnSpc>
+                <a:spcPct val="100000"/>
+              </a:lnSpc>
+              <a:spcBef>
+                <a:spcPts val="0"/>
+              </a:spcBef>
+            </a:pPr>
+            <a:r>
+              <a:rPr lang="ru-RU" sz="2400" dirty="0">
                 <a:latin typeface="Calibri" panose="020F0502020204030204" pitchFamily="34" charset="0"/>
                 <a:cs typeface="Calibri" panose="020F0502020204030204" pitchFamily="34" charset="0"/>
               </a:rPr>
-              <a:t>Excel</a:t>
-            </a:r>
-            <a:endParaRPr lang="ru-RU" sz="3600" dirty="0">
+              <a:t>Выполнен обзор ПО, предоставляющего средства для проведения тестирований</a:t>
+            </a:r>
+          </a:p>
+          <a:p>
+            <a:pPr marL="457200" lvl="1" indent="0">
+              <a:lnSpc>
+                <a:spcPct val="100000"/>
+              </a:lnSpc>
+              <a:spcBef>
+                <a:spcPts val="0"/>
+              </a:spcBef>
+              <a:buNone/>
+            </a:pPr>
+            <a:endParaRPr lang="ru-RU" sz="2400" dirty="0">
               <a:latin typeface="Calibri" panose="020F0502020204030204" pitchFamily="34" charset="0"/>
               <a:cs typeface="Calibri" panose="020F0502020204030204" pitchFamily="34" charset="0"/>
             </a:endParaRPr>
           </a:p>
+          <a:p>
+            <a:pPr>
+              <a:lnSpc>
+                <a:spcPct val="100000"/>
+              </a:lnSpc>
+              <a:spcBef>
+                <a:spcPts val="0"/>
+              </a:spcBef>
+            </a:pPr>
+            <a:r>
+              <a:rPr lang="ru-RU" sz="2400" dirty="0">
+                <a:latin typeface="Calibri" panose="020F0502020204030204" pitchFamily="34" charset="0"/>
+                <a:cs typeface="Calibri" panose="020F0502020204030204" pitchFamily="34" charset="0"/>
+              </a:rPr>
+              <a:t>Выполнено проектирование системы</a:t>
+            </a:r>
+          </a:p>
+          <a:p>
+            <a:pPr lvl="1">
+              <a:lnSpc>
+                <a:spcPct val="100000"/>
+              </a:lnSpc>
+              <a:spcBef>
+                <a:spcPts val="0"/>
+              </a:spcBef>
+            </a:pPr>
+            <a:r>
+              <a:rPr lang="ru-RU" sz="2400" dirty="0">
+                <a:latin typeface="Calibri" panose="020F0502020204030204" pitchFamily="34" charset="0"/>
+                <a:cs typeface="Calibri" panose="020F0502020204030204" pitchFamily="34" charset="0"/>
+              </a:rPr>
+              <a:t>Разработана архитектура системы</a:t>
+            </a:r>
+          </a:p>
+          <a:p>
+            <a:pPr lvl="1">
+              <a:lnSpc>
+                <a:spcPct val="100000"/>
+              </a:lnSpc>
+              <a:spcBef>
+                <a:spcPts val="0"/>
+              </a:spcBef>
+            </a:pPr>
+            <a:r>
+              <a:rPr lang="ru-RU" sz="2400" dirty="0">
+                <a:latin typeface="Calibri" panose="020F0502020204030204" pitchFamily="34" charset="0"/>
+                <a:cs typeface="Calibri" panose="020F0502020204030204" pitchFamily="34" charset="0"/>
+              </a:rPr>
+              <a:t>Обоснован выбор средств реализации</a:t>
+            </a:r>
+          </a:p>
+          <a:p>
+            <a:pPr lvl="1">
+              <a:lnSpc>
+                <a:spcPct val="100000"/>
+              </a:lnSpc>
+              <a:spcBef>
+                <a:spcPts val="0"/>
+              </a:spcBef>
+            </a:pPr>
+            <a:r>
+              <a:rPr lang="ru-RU" sz="2400" dirty="0">
+                <a:latin typeface="Calibri" panose="020F0502020204030204" pitchFamily="34" charset="0"/>
+                <a:cs typeface="Calibri" panose="020F0502020204030204" pitchFamily="34" charset="0"/>
+              </a:rPr>
+              <a:t>Спроектирован пользовательский интерфейс</a:t>
+            </a:r>
+          </a:p>
+          <a:p>
+            <a:pPr marL="0" indent="0">
+              <a:lnSpc>
+                <a:spcPct val="100000"/>
+              </a:lnSpc>
+              <a:spcBef>
+                <a:spcPts val="0"/>
+              </a:spcBef>
+              <a:buNone/>
+            </a:pPr>
+            <a:endParaRPr lang="ru-RU" sz="2400" dirty="0">
+              <a:latin typeface="Calibri" panose="020F0502020204030204" pitchFamily="34" charset="0"/>
+              <a:cs typeface="Calibri" panose="020F0502020204030204" pitchFamily="34" charset="0"/>
+            </a:endParaRPr>
+          </a:p>
+          <a:p>
+            <a:pPr>
+              <a:lnSpc>
+                <a:spcPct val="100000"/>
+              </a:lnSpc>
+              <a:spcBef>
+                <a:spcPts val="0"/>
+              </a:spcBef>
+            </a:pPr>
+            <a:r>
+              <a:rPr lang="ru-RU" sz="2400" dirty="0">
+                <a:latin typeface="Calibri" panose="020F0502020204030204" pitchFamily="34" charset="0"/>
+                <a:cs typeface="Calibri" panose="020F0502020204030204" pitchFamily="34" charset="0"/>
+              </a:rPr>
+              <a:t>Осуществлена реализация системы</a:t>
+            </a:r>
+          </a:p>
+          <a:p>
+            <a:pPr lvl="1">
+              <a:lnSpc>
+                <a:spcPct val="100000"/>
+              </a:lnSpc>
+              <a:spcBef>
+                <a:spcPts val="0"/>
+              </a:spcBef>
+            </a:pPr>
+            <a:r>
+              <a:rPr lang="ru-RU" sz="2400" dirty="0">
+                <a:latin typeface="Calibri" panose="020F0502020204030204" pitchFamily="34" charset="0"/>
+                <a:cs typeface="Calibri" panose="020F0502020204030204" pitchFamily="34" charset="0"/>
+              </a:rPr>
+              <a:t>Реализовано прохождение тестирования</a:t>
+            </a:r>
+          </a:p>
+          <a:p>
+            <a:pPr lvl="1">
+              <a:lnSpc>
+                <a:spcPct val="100000"/>
+              </a:lnSpc>
+              <a:spcBef>
+                <a:spcPts val="0"/>
+              </a:spcBef>
+            </a:pPr>
+            <a:r>
+              <a:rPr lang="ru-RU" sz="2400" dirty="0">
+                <a:latin typeface="Calibri" panose="020F0502020204030204" pitchFamily="34" charset="0"/>
+                <a:cs typeface="Calibri" panose="020F0502020204030204" pitchFamily="34" charset="0"/>
+              </a:rPr>
+              <a:t>Реализована генерация отчёта по результатам тестирования</a:t>
+            </a:r>
+          </a:p>
+          <a:p>
+            <a:pPr marL="0" indent="0">
+              <a:lnSpc>
+                <a:spcPct val="100000"/>
+              </a:lnSpc>
+              <a:spcBef>
+                <a:spcPts val="0"/>
+              </a:spcBef>
+              <a:buNone/>
+            </a:pPr>
+            <a:endParaRPr lang="ru-RU" sz="2400" dirty="0">
+              <a:latin typeface="Calibri" panose="020F0502020204030204" pitchFamily="34" charset="0"/>
+              <a:cs typeface="Calibri" panose="020F0502020204030204" pitchFamily="34" charset="0"/>
+            </a:endParaRPr>
+          </a:p>
+          <a:p>
+            <a:pPr lvl="1">
+              <a:lnSpc>
+                <a:spcPct val="100000"/>
+              </a:lnSpc>
+              <a:spcBef>
+                <a:spcPts val="0"/>
+              </a:spcBef>
+            </a:pPr>
+            <a:endParaRPr lang="ru-RU" sz="2400" dirty="0">
+              <a:latin typeface="Calibri" panose="020F0502020204030204" pitchFamily="34" charset="0"/>
+              <a:cs typeface="Calibri" panose="020F0502020204030204" pitchFamily="34" charset="0"/>
+            </a:endParaRPr>
+          </a:p>
+          <a:p>
+            <a:endParaRPr lang="ru-RU" sz="2400" dirty="0">
+              <a:latin typeface="Calibri" panose="020F0502020204030204" pitchFamily="34" charset="0"/>
+              <a:cs typeface="Calibri" panose="020F0502020204030204" pitchFamily="34" charset="0"/>
+            </a:endParaRPr>
+          </a:p>
         </p:txBody>
       </p:sp>
       <p:sp>
@@ -9375,7 +9499,7 @@
           <p:cNvPr id="7" name="Номер слайда 6">
             <a:extLst>
               <a:ext uri="{FF2B5EF4-FFF2-40B4-BE49-F238E27FC236}">
-                <a16:creationId xmlns:a16="http://schemas.microsoft.com/office/drawing/2014/main" id="{13828A61-FC47-4E42-80EE-409FC9F0553B}"/>
+                <a16:creationId xmlns:a16="http://schemas.microsoft.com/office/drawing/2014/main" id="{206692B5-100F-4936-9FA9-57E38E46D859}"/>
               </a:ext>
             </a:extLst>
           </p:cNvPr>
@@ -9402,7 +9526,7 @@
     </p:spTree>
     <p:extLst>
       <p:ext uri="{BB962C8B-B14F-4D97-AF65-F5344CB8AC3E}">
-        <p14:creationId xmlns:p14="http://schemas.microsoft.com/office/powerpoint/2010/main" val="282986556"/>
+        <p14:creationId xmlns:p14="http://schemas.microsoft.com/office/powerpoint/2010/main" val="382035696"/>
       </p:ext>
     </p:extLst>
   </p:cSld>
@@ -9431,10 +9555,10 @@
       </p:grpSpPr>
       <p:sp>
         <p:nvSpPr>
-          <p:cNvPr id="2" name="Заголовок 1">
+          <p:cNvPr id="4" name="Номер слайда 3">
             <a:extLst>
               <a:ext uri="{FF2B5EF4-FFF2-40B4-BE49-F238E27FC236}">
-                <a16:creationId xmlns:a16="http://schemas.microsoft.com/office/drawing/2014/main" id="{8F34746D-92E6-4740-86DB-42743C36705C}"/>
+                <a16:creationId xmlns:a16="http://schemas.microsoft.com/office/drawing/2014/main" id="{90B7BB18-884C-4D57-8C7B-63414399E3C4}"/>
               </a:ext>
             </a:extLst>
           </p:cNvPr>
@@ -9442,6 +9566,35 @@
             <a:spLocks noGrp="1"/>
           </p:cNvSpPr>
           <p:nvPr>
+            <p:ph type="sldNum" sz="quarter" idx="12"/>
+          </p:nvPr>
+        </p:nvSpPr>
+        <p:spPr/>
+        <p:txBody>
+          <a:bodyPr/>
+          <a:lstStyle/>
+          <a:p>
+            <a:fld id="{F846435F-278B-4F8D-8B6E-49BFC1C98D0D}" type="slidenum">
+              <a:rPr lang="ru-RU" smtClean="0"/>
+              <a:t>16</a:t>
+            </a:fld>
+            <a:endParaRPr lang="ru-RU"/>
+          </a:p>
+        </p:txBody>
+      </p:sp>
+      <p:sp>
+        <p:nvSpPr>
+          <p:cNvPr id="5" name="Заголовок 1">
+            <a:extLst>
+              <a:ext uri="{FF2B5EF4-FFF2-40B4-BE49-F238E27FC236}">
+                <a16:creationId xmlns:a16="http://schemas.microsoft.com/office/drawing/2014/main" id="{2014B287-ED2C-4F3C-9770-2942AF804E73}"/>
+              </a:ext>
+            </a:extLst>
+          </p:cNvPr>
+          <p:cNvSpPr>
+            <a:spLocks noGrp="1"/>
+          </p:cNvSpPr>
+          <p:nvPr>
             <p:ph type="title"/>
           </p:nvPr>
         </p:nvSpPr>
@@ -9461,325 +9614,173 @@
                 <a:latin typeface="Calibri" panose="020F0502020204030204" pitchFamily="34" charset="0"/>
                 <a:cs typeface="Calibri" panose="020F0502020204030204" pitchFamily="34" charset="0"/>
               </a:rPr>
-              <a:t>Результат</a:t>
-            </a:r>
-          </a:p>
-        </p:txBody>
-      </p:sp>
-      <p:sp>
-        <p:nvSpPr>
-          <p:cNvPr id="3" name="Объект 2">
+              <a:t>Стоимость услуг конкурентов</a:t>
+            </a:r>
+          </a:p>
+        </p:txBody>
+      </p:sp>
+      <p:sp>
+        <p:nvSpPr>
+          <p:cNvPr id="3" name="Прямоугольник 2">
             <a:extLst>
               <a:ext uri="{FF2B5EF4-FFF2-40B4-BE49-F238E27FC236}">
-                <a16:creationId xmlns:a16="http://schemas.microsoft.com/office/drawing/2014/main" id="{FDEBC7F3-3270-43E7-9EDC-7C5E8335150D}"/>
+                <a16:creationId xmlns:a16="http://schemas.microsoft.com/office/drawing/2014/main" id="{882DB96F-74E6-466B-85E1-D5345CFF2A12}"/>
               </a:ext>
             </a:extLst>
           </p:cNvPr>
-          <p:cNvSpPr>
-            <a:spLocks noGrp="1"/>
-          </p:cNvSpPr>
-          <p:nvPr>
-            <p:ph idx="1"/>
-          </p:nvPr>
+          <p:cNvSpPr/>
+          <p:nvPr/>
         </p:nvSpPr>
         <p:spPr>
           <a:xfrm>
-            <a:off x="1372008" y="904569"/>
-            <a:ext cx="10112675" cy="5112774"/>
+            <a:off x="1311579" y="1714546"/>
+            <a:ext cx="9809825" cy="3416320"/>
           </a:xfrm>
+          <a:prstGeom prst="rect">
+            <a:avLst/>
+          </a:prstGeom>
         </p:spPr>
         <p:txBody>
-          <a:bodyPr>
-            <a:noAutofit/>
+          <a:bodyPr wrap="square">
+            <a:spAutoFit/>
           </a:bodyPr>
           <a:lstStyle/>
           <a:p>
-            <a:pPr>
-              <a:lnSpc>
-                <a:spcPct val="100000"/>
-              </a:lnSpc>
-              <a:spcBef>
-                <a:spcPts val="0"/>
-              </a:spcBef>
-            </a:pPr>
+            <a:r>
+              <a:rPr lang="ru-RU" sz="2400" b="1" dirty="0" err="1">
+                <a:latin typeface="Calibri" panose="020F0502020204030204" pitchFamily="34" charset="0"/>
+                <a:cs typeface="Calibri" panose="020F0502020204030204" pitchFamily="34" charset="0"/>
+              </a:rPr>
+              <a:t>StartExam</a:t>
+            </a:r>
             <a:r>
               <a:rPr lang="ru-RU" sz="2400" dirty="0">
                 <a:latin typeface="Calibri" panose="020F0502020204030204" pitchFamily="34" charset="0"/>
                 <a:cs typeface="Calibri" panose="020F0502020204030204" pitchFamily="34" charset="0"/>
               </a:rPr>
-              <a:t>Произведен анализ предметной области</a:t>
-            </a:r>
-          </a:p>
-          <a:p>
-            <a:pPr lvl="1">
-              <a:lnSpc>
-                <a:spcPct val="100000"/>
-              </a:lnSpc>
-              <a:spcBef>
-                <a:spcPts val="0"/>
-              </a:spcBef>
-            </a:pPr>
+              <a:t> является предлагает тариф “Стандартный” за 10000 за 3 месяца или около </a:t>
+            </a:r>
+            <a:r>
+              <a:rPr lang="ru-RU" sz="2400" b="1" dirty="0">
+                <a:latin typeface="Calibri" panose="020F0502020204030204" pitchFamily="34" charset="0"/>
+                <a:cs typeface="Calibri" panose="020F0502020204030204" pitchFamily="34" charset="0"/>
+              </a:rPr>
+              <a:t>3333 руб</a:t>
+            </a:r>
             <a:r>
               <a:rPr lang="ru-RU" sz="2400" dirty="0">
                 <a:latin typeface="Calibri" panose="020F0502020204030204" pitchFamily="34" charset="0"/>
                 <a:cs typeface="Calibri" panose="020F0502020204030204" pitchFamily="34" charset="0"/>
               </a:rPr>
-              <a:t>Изучена методика проведения тестирований среди сотрудников АНХК</a:t>
-            </a:r>
-          </a:p>
-          <a:p>
-            <a:pPr lvl="1">
-              <a:lnSpc>
-                <a:spcPct val="100000"/>
-              </a:lnSpc>
-              <a:spcBef>
-                <a:spcPts val="0"/>
-              </a:spcBef>
-            </a:pPr>
+              <a:t>. за месяц.</a:t>
+            </a:r>
+          </a:p>
+          <a:p>
+            <a:endParaRPr lang="ru-RU" sz="2400" dirty="0">
+              <a:latin typeface="Calibri" panose="020F0502020204030204" pitchFamily="34" charset="0"/>
+              <a:cs typeface="Calibri" panose="020F0502020204030204" pitchFamily="34" charset="0"/>
+            </a:endParaRPr>
+          </a:p>
+          <a:p>
+            <a:r>
+              <a:rPr lang="ru-RU" sz="2400" b="1" dirty="0" err="1">
+                <a:latin typeface="Calibri" panose="020F0502020204030204" pitchFamily="34" charset="0"/>
+                <a:cs typeface="Calibri" panose="020F0502020204030204" pitchFamily="34" charset="0"/>
+              </a:rPr>
+              <a:t>Let's</a:t>
+            </a:r>
+            <a:r>
+              <a:rPr lang="ru-RU" sz="2400" b="1" dirty="0">
+                <a:latin typeface="Calibri" panose="020F0502020204030204" pitchFamily="34" charset="0"/>
+                <a:cs typeface="Calibri" panose="020F0502020204030204" pitchFamily="34" charset="0"/>
+              </a:rPr>
+              <a:t> </a:t>
+            </a:r>
+            <a:r>
+              <a:rPr lang="ru-RU" sz="2400" b="1" dirty="0" err="1">
+                <a:latin typeface="Calibri" panose="020F0502020204030204" pitchFamily="34" charset="0"/>
+                <a:cs typeface="Calibri" panose="020F0502020204030204" pitchFamily="34" charset="0"/>
+              </a:rPr>
+              <a:t>test</a:t>
+            </a:r>
+            <a:r>
+              <a:rPr lang="ru-RU" sz="2400" b="1" dirty="0">
+                <a:latin typeface="Calibri" panose="020F0502020204030204" pitchFamily="34" charset="0"/>
+                <a:cs typeface="Calibri" panose="020F0502020204030204" pitchFamily="34" charset="0"/>
+              </a:rPr>
+              <a:t> </a:t>
+            </a:r>
             <a:r>
               <a:rPr lang="ru-RU" sz="2400" dirty="0">
                 <a:latin typeface="Calibri" panose="020F0502020204030204" pitchFamily="34" charset="0"/>
                 <a:cs typeface="Calibri" panose="020F0502020204030204" pitchFamily="34" charset="0"/>
               </a:rPr>
-              <a:t>Проведен критический анализ текущего подхода к проведению тестирований</a:t>
-            </a:r>
-          </a:p>
-          <a:p>
-            <a:pPr lvl="1">
-              <a:lnSpc>
-                <a:spcPct val="100000"/>
-              </a:lnSpc>
-              <a:spcBef>
-                <a:spcPts val="0"/>
-              </a:spcBef>
-            </a:pPr>
+              <a:t>предлагает различные тарифы по тестированию, однако стоимость самого базового тарифа начинается с </a:t>
+            </a:r>
+            <a:r>
+              <a:rPr lang="ru-RU" sz="2400" b="1" dirty="0">
+                <a:latin typeface="Calibri" panose="020F0502020204030204" pitchFamily="34" charset="0"/>
+                <a:cs typeface="Calibri" panose="020F0502020204030204" pitchFamily="34" charset="0"/>
+              </a:rPr>
+              <a:t>5000 руб</a:t>
+            </a:r>
             <a:r>
               <a:rPr lang="ru-RU" sz="2400" dirty="0">
                 <a:latin typeface="Calibri" panose="020F0502020204030204" pitchFamily="34" charset="0"/>
                 <a:cs typeface="Calibri" panose="020F0502020204030204" pitchFamily="34" charset="0"/>
               </a:rPr>
-              <a:t>Выполнен обзор ПО, предоставляющего средства для проведения тестирований</a:t>
-            </a:r>
-          </a:p>
-          <a:p>
-            <a:pPr marL="457200" lvl="1" indent="0">
-              <a:lnSpc>
-                <a:spcPct val="100000"/>
-              </a:lnSpc>
-              <a:spcBef>
-                <a:spcPts val="0"/>
-              </a:spcBef>
-              <a:buNone/>
-            </a:pPr>
+              <a:t>.</a:t>
+            </a:r>
+          </a:p>
+          <a:p>
             <a:endParaRPr lang="ru-RU" sz="2400" dirty="0">
               <a:latin typeface="Calibri" panose="020F0502020204030204" pitchFamily="34" charset="0"/>
               <a:cs typeface="Calibri" panose="020F0502020204030204" pitchFamily="34" charset="0"/>
             </a:endParaRPr>
           </a:p>
           <a:p>
-            <a:pPr>
-              <a:lnSpc>
-                <a:spcPct val="100000"/>
-              </a:lnSpc>
-              <a:spcBef>
-                <a:spcPts val="0"/>
-              </a:spcBef>
-            </a:pPr>
             <a:r>
               <a:rPr lang="ru-RU" sz="2400" dirty="0">
                 <a:latin typeface="Calibri" panose="020F0502020204030204" pitchFamily="34" charset="0"/>
                 <a:cs typeface="Calibri" panose="020F0502020204030204" pitchFamily="34" charset="0"/>
               </a:rPr>
-              <a:t>Выполнено проектирование системы</a:t>
-            </a:r>
-          </a:p>
-          <a:p>
-            <a:pPr lvl="1">
-              <a:lnSpc>
-                <a:spcPct val="100000"/>
-              </a:lnSpc>
-              <a:spcBef>
-                <a:spcPts val="0"/>
-              </a:spcBef>
-            </a:pPr>
+              <a:t>Сервис платформы </a:t>
+            </a:r>
+            <a:r>
+              <a:rPr lang="ru-RU" sz="2400" b="1" dirty="0" err="1">
+                <a:latin typeface="Calibri" panose="020F0502020204030204" pitchFamily="34" charset="0"/>
+                <a:cs typeface="Calibri" panose="020F0502020204030204" pitchFamily="34" charset="0"/>
+              </a:rPr>
+              <a:t>Profdialog</a:t>
+            </a:r>
             <a:r>
               <a:rPr lang="ru-RU" sz="2400" dirty="0">
                 <a:latin typeface="Calibri" panose="020F0502020204030204" pitchFamily="34" charset="0"/>
                 <a:cs typeface="Calibri" panose="020F0502020204030204" pitchFamily="34" charset="0"/>
               </a:rPr>
-              <a:t>Разработана архитектура системы</a:t>
-            </a:r>
-          </a:p>
-          <a:p>
-            <a:pPr lvl="1">
-              <a:lnSpc>
-                <a:spcPct val="100000"/>
-              </a:lnSpc>
-              <a:spcBef>
-                <a:spcPts val="0"/>
-              </a:spcBef>
-            </a:pPr>
+              <a:t> предлагает уже подготовленные тестирования различной направленности. Стоимость 1 тестирования данной платформы начинается с </a:t>
+            </a:r>
+            <a:r>
+              <a:rPr lang="ru-RU" sz="2400" b="1" dirty="0">
+                <a:latin typeface="Calibri" panose="020F0502020204030204" pitchFamily="34" charset="0"/>
+                <a:cs typeface="Calibri" panose="020F0502020204030204" pitchFamily="34" charset="0"/>
+              </a:rPr>
+              <a:t>1490 руб</a:t>
+            </a:r>
             <a:r>
               <a:rPr lang="ru-RU" sz="2400" dirty="0">
                 <a:latin typeface="Calibri" panose="020F0502020204030204" pitchFamily="34" charset="0"/>
                 <a:cs typeface="Calibri" panose="020F0502020204030204" pitchFamily="34" charset="0"/>
               </a:rPr>
-              <a:t>Обоснован выбор средств реализации</a:t>
-            </a:r>
-          </a:p>
-          <a:p>
-            <a:pPr lvl="1">
-              <a:lnSpc>
-                <a:spcPct val="100000"/>
-              </a:lnSpc>
-              <a:spcBef>
-                <a:spcPts val="0"/>
-              </a:spcBef>
-            </a:pPr>
-            <a:r>
-              <a:rPr lang="ru-RU" sz="2400" dirty="0">
-                <a:latin typeface="Calibri" panose="020F0502020204030204" pitchFamily="34" charset="0"/>
-                <a:cs typeface="Calibri" panose="020F0502020204030204" pitchFamily="34" charset="0"/>
-              </a:rPr>
-              <a:t>Спроектирован пользовательский интерфейс</a:t>
-            </a:r>
-          </a:p>
-          <a:p>
-            <a:pPr marL="0" indent="0">
-              <a:lnSpc>
-                <a:spcPct val="100000"/>
-              </a:lnSpc>
-              <a:spcBef>
-                <a:spcPts val="0"/>
-              </a:spcBef>
-              <a:buNone/>
-            </a:pPr>
-            <a:endParaRPr lang="ru-RU" sz="2400" dirty="0">
-              <a:latin typeface="Calibri" panose="020F0502020204030204" pitchFamily="34" charset="0"/>
-              <a:cs typeface="Calibri" panose="020F0502020204030204" pitchFamily="34" charset="0"/>
-            </a:endParaRPr>
-          </a:p>
-          <a:p>
-            <a:pPr>
-              <a:lnSpc>
-                <a:spcPct val="100000"/>
-              </a:lnSpc>
-              <a:spcBef>
-                <a:spcPts val="0"/>
-              </a:spcBef>
-            </a:pPr>
-            <a:r>
-              <a:rPr lang="ru-RU" sz="2400" dirty="0">
-                <a:latin typeface="Calibri" panose="020F0502020204030204" pitchFamily="34" charset="0"/>
-                <a:cs typeface="Calibri" panose="020F0502020204030204" pitchFamily="34" charset="0"/>
-              </a:rPr>
-              <a:t>Осуществлена реализация системы</a:t>
-            </a:r>
-          </a:p>
-          <a:p>
-            <a:pPr lvl="1">
-              <a:lnSpc>
-                <a:spcPct val="100000"/>
-              </a:lnSpc>
-              <a:spcBef>
-                <a:spcPts val="0"/>
-              </a:spcBef>
-            </a:pPr>
-            <a:r>
-              <a:rPr lang="ru-RU" sz="2400" dirty="0">
-                <a:latin typeface="Calibri" panose="020F0502020204030204" pitchFamily="34" charset="0"/>
-                <a:cs typeface="Calibri" panose="020F0502020204030204" pitchFamily="34" charset="0"/>
-              </a:rPr>
-              <a:t>Реализовано прохождение тестирования</a:t>
-            </a:r>
-          </a:p>
-          <a:p>
-            <a:pPr lvl="1">
-              <a:lnSpc>
-                <a:spcPct val="100000"/>
-              </a:lnSpc>
-              <a:spcBef>
-                <a:spcPts val="0"/>
-              </a:spcBef>
-            </a:pPr>
-            <a:r>
-              <a:rPr lang="ru-RU" sz="2400" dirty="0">
-                <a:latin typeface="Calibri" panose="020F0502020204030204" pitchFamily="34" charset="0"/>
-                <a:cs typeface="Calibri" panose="020F0502020204030204" pitchFamily="34" charset="0"/>
-              </a:rPr>
-              <a:t>Реализована генерация отчёта по результатам тестирования</a:t>
-            </a:r>
-          </a:p>
-          <a:p>
-            <a:pPr marL="0" indent="0">
-              <a:lnSpc>
-                <a:spcPct val="100000"/>
-              </a:lnSpc>
-              <a:spcBef>
-                <a:spcPts val="0"/>
-              </a:spcBef>
-              <a:buNone/>
-            </a:pPr>
-            <a:endParaRPr lang="ru-RU" sz="2400" dirty="0">
-              <a:latin typeface="Calibri" panose="020F0502020204030204" pitchFamily="34" charset="0"/>
-              <a:cs typeface="Calibri" panose="020F0502020204030204" pitchFamily="34" charset="0"/>
-            </a:endParaRPr>
-          </a:p>
-          <a:p>
-            <a:pPr lvl="1">
-              <a:lnSpc>
-                <a:spcPct val="100000"/>
-              </a:lnSpc>
-              <a:spcBef>
-                <a:spcPts val="0"/>
-              </a:spcBef>
-            </a:pPr>
-            <a:endParaRPr lang="ru-RU" sz="2400" dirty="0">
-              <a:latin typeface="Calibri" panose="020F0502020204030204" pitchFamily="34" charset="0"/>
-              <a:cs typeface="Calibri" panose="020F0502020204030204" pitchFamily="34" charset="0"/>
-            </a:endParaRPr>
-          </a:p>
-          <a:p>
-            <a:endParaRPr lang="ru-RU" sz="2400" dirty="0">
-              <a:latin typeface="Calibri" panose="020F0502020204030204" pitchFamily="34" charset="0"/>
-              <a:cs typeface="Calibri" panose="020F0502020204030204" pitchFamily="34" charset="0"/>
-            </a:endParaRPr>
-          </a:p>
-        </p:txBody>
-      </p:sp>
-      <p:sp>
-        <p:nvSpPr>
-          <p:cNvPr id="7" name="Номер слайда 6">
-            <a:extLst>
-              <a:ext uri="{FF2B5EF4-FFF2-40B4-BE49-F238E27FC236}">
-                <a16:creationId xmlns:a16="http://schemas.microsoft.com/office/drawing/2014/main" id="{206692B5-100F-4936-9FA9-57E38E46D859}"/>
-              </a:ext>
-            </a:extLst>
-          </p:cNvPr>
-          <p:cNvSpPr>
-            <a:spLocks noGrp="1"/>
-          </p:cNvSpPr>
-          <p:nvPr>
-            <p:ph type="sldNum" sz="quarter" idx="12"/>
-          </p:nvPr>
-        </p:nvSpPr>
-        <p:spPr/>
-        <p:txBody>
-          <a:bodyPr/>
-          <a:lstStyle/>
-          <a:p>
-            <a:fld id="{F846435F-278B-4F8D-8B6E-49BFC1C98D0D}" type="slidenum">
-              <a:rPr lang="ru-RU" smtClean="0"/>
-              <a:t>16</a:t>
-            </a:fld>
-            <a:endParaRPr lang="ru-RU"/>
+              <a:t>.</a:t>
+            </a:r>
           </a:p>
         </p:txBody>
       </p:sp>
     </p:spTree>
     <p:extLst>
       <p:ext uri="{BB962C8B-B14F-4D97-AF65-F5344CB8AC3E}">
-        <p14:creationId xmlns:p14="http://schemas.microsoft.com/office/powerpoint/2010/main" val="382035696"/>
+        <p14:creationId xmlns:p14="http://schemas.microsoft.com/office/powerpoint/2010/main" val="1054895335"/>
       </p:ext>
     </p:extLst>
   </p:cSld>
@@ -9811,7 +9812,7 @@
           <p:cNvPr id="4" name="Номер слайда 3">
             <a:extLst>
               <a:ext uri="{FF2B5EF4-FFF2-40B4-BE49-F238E27FC236}">
-                <a16:creationId xmlns:a16="http://schemas.microsoft.com/office/drawing/2014/main" id="{7AFA3E83-26CE-452A-8FC6-DA2AB7190C8C}"/>
+                <a16:creationId xmlns:a16="http://schemas.microsoft.com/office/drawing/2014/main" id="{6161B9F1-1BC8-45A5-9A8B-57868D7E25A1}"/>
               </a:ext>
             </a:extLst>
           </p:cNvPr>
@@ -9840,7 +9841,7 @@
           <p:cNvPr id="5" name="Заголовок 1">
             <a:extLst>
               <a:ext uri="{FF2B5EF4-FFF2-40B4-BE49-F238E27FC236}">
-                <a16:creationId xmlns:a16="http://schemas.microsoft.com/office/drawing/2014/main" id="{C2BB0DE8-06CA-4B6B-87AF-8622676E70D6}"/>
+                <a16:creationId xmlns:a16="http://schemas.microsoft.com/office/drawing/2014/main" id="{80F5D998-1ECE-4264-BE9E-9B4842D4B017}"/>
               </a:ext>
             </a:extLst>
           </p:cNvPr>
@@ -9867,61 +9868,78 @@
                 <a:latin typeface="Calibri" panose="020F0502020204030204" pitchFamily="34" charset="0"/>
                 <a:cs typeface="Calibri" panose="020F0502020204030204" pitchFamily="34" charset="0"/>
               </a:rPr>
-              <a:t>Финансирование проекта</a:t>
-            </a:r>
-          </a:p>
-        </p:txBody>
-      </p:sp>
-      <p:sp>
-        <p:nvSpPr>
-          <p:cNvPr id="2" name="TextBox 1">
+              <a:t>Стоимость услуг и объем продаж</a:t>
+            </a:r>
+          </a:p>
+        </p:txBody>
+      </p:sp>
+      <p:graphicFrame>
+        <p:nvGraphicFramePr>
+          <p:cNvPr id="6" name="Объект 5">
             <a:extLst>
               <a:ext uri="{FF2B5EF4-FFF2-40B4-BE49-F238E27FC236}">
-                <a16:creationId xmlns:a16="http://schemas.microsoft.com/office/drawing/2014/main" id="{D03E45A8-C7DF-4F6A-A523-5C8A12A711BE}"/>
+                <a16:creationId xmlns:a16="http://schemas.microsoft.com/office/drawing/2014/main" id="{A7F0CD3A-2D9D-462D-BDCE-3420525A6C40}"/>
               </a:ext>
             </a:extLst>
           </p:cNvPr>
-          <p:cNvSpPr txBox="1"/>
-          <p:nvPr/>
-        </p:nvSpPr>
-        <p:spPr>
-          <a:xfrm>
-            <a:off x="1793289" y="1651247"/>
-            <a:ext cx="9484916" cy="646331"/>
-          </a:xfrm>
-          <a:prstGeom prst="rect">
-            <a:avLst/>
-          </a:prstGeom>
-          <a:noFill/>
-        </p:spPr>
-        <p:txBody>
-          <a:bodyPr wrap="square" rtlCol="0">
-            <a:spAutoFit/>
-          </a:bodyPr>
-          <a:lstStyle/>
-          <a:p>
-            <a:r>
-              <a:rPr lang="ru-RU" dirty="0"/>
-              <a:t>Инвестиции: руб.</a:t>
-            </a:r>
-          </a:p>
-          <a:p>
-            <a:r>
-              <a:rPr lang="ru-RU" dirty="0"/>
-              <a:t>Планируемый доход: </a:t>
-            </a:r>
-            <a:r>
-              <a:rPr lang="ru-RU" dirty="0" err="1"/>
-              <a:t>руб</a:t>
-            </a:r>
-            <a:endParaRPr lang="ru-RU" dirty="0"/>
-          </a:p>
-        </p:txBody>
-      </p:sp>
+          <p:cNvGraphicFramePr>
+            <a:graphicFrameLocks noChangeAspect="1"/>
+          </p:cNvGraphicFramePr>
+          <p:nvPr>
+            <p:extLst>
+              <p:ext uri="{D42A27DB-BD31-4B8C-83A1-F6EECF244321}">
+                <p14:modId xmlns:p14="http://schemas.microsoft.com/office/powerpoint/2010/main" val="3702249476"/>
+              </p:ext>
+            </p:extLst>
+          </p:nvPr>
+        </p:nvGraphicFramePr>
+        <p:xfrm>
+          <a:off x="1838556" y="1739252"/>
+          <a:ext cx="8514887" cy="3379496"/>
+        </p:xfrm>
+        <a:graphic>
+          <a:graphicData uri="http://schemas.openxmlformats.org/presentationml/2006/ole">
+            <mc:AlternateContent xmlns:mc="http://schemas.openxmlformats.org/markup-compatibility/2006">
+              <mc:Choice xmlns:v="urn:schemas-microsoft-com:vml" Requires="v">
+                <p:oleObj spid="_x0000_s2086" name="Worksheet" r:id="rId3" imgW="6743700" imgH="2676752" progId="Excel.Sheet.12">
+                  <p:embed/>
+                </p:oleObj>
+              </mc:Choice>
+              <mc:Fallback>
+                <p:oleObj name="Worksheet" r:id="rId3" imgW="6743700" imgH="2676752" progId="Excel.Sheet.12">
+                  <p:embed/>
+                  <p:pic>
+                    <p:nvPicPr>
+                      <p:cNvPr id="0" name=""/>
+                      <p:cNvPicPr/>
+                      <p:nvPr/>
+                    </p:nvPicPr>
+                    <p:blipFill>
+                      <a:blip r:embed="rId4"/>
+                      <a:stretch>
+                        <a:fillRect/>
+                      </a:stretch>
+                    </p:blipFill>
+                    <p:spPr>
+                      <a:xfrm>
+                        <a:off x="1838556" y="1739252"/>
+                        <a:ext cx="8514887" cy="3379496"/>
+                      </a:xfrm>
+                      <a:prstGeom prst="rect">
+                        <a:avLst/>
+                      </a:prstGeom>
+                    </p:spPr>
+                  </p:pic>
+                </p:oleObj>
+              </mc:Fallback>
+            </mc:AlternateContent>
+          </a:graphicData>
+        </a:graphic>
+      </p:graphicFrame>
     </p:spTree>
     <p:extLst>
       <p:ext uri="{BB962C8B-B14F-4D97-AF65-F5344CB8AC3E}">
-        <p14:creationId xmlns:p14="http://schemas.microsoft.com/office/powerpoint/2010/main" val="3802331893"/>
+        <p14:creationId xmlns:p14="http://schemas.microsoft.com/office/powerpoint/2010/main" val="4841279"/>
       </p:ext>
     </p:extLst>
   </p:cSld>
@@ -9950,10 +9968,10 @@
       </p:grpSpPr>
       <p:sp>
         <p:nvSpPr>
-          <p:cNvPr id="3" name="Объект 2">
+          <p:cNvPr id="4" name="Номер слайда 3">
             <a:extLst>
               <a:ext uri="{FF2B5EF4-FFF2-40B4-BE49-F238E27FC236}">
-                <a16:creationId xmlns:a16="http://schemas.microsoft.com/office/drawing/2014/main" id="{AF9FB8F9-8A89-4FE2-8220-5D9281D865F9}"/>
+                <a16:creationId xmlns:a16="http://schemas.microsoft.com/office/drawing/2014/main" id="{7AFA3E83-26CE-452A-8FC6-DA2AB7190C8C}"/>
               </a:ext>
             </a:extLst>
           </p:cNvPr>
@@ -9961,29 +9979,28 @@
             <a:spLocks noGrp="1"/>
           </p:cNvSpPr>
           <p:nvPr>
-            <p:ph idx="1"/>
-          </p:nvPr>
-        </p:nvSpPr>
-        <p:spPr>
-          <a:xfrm>
-            <a:off x="1143636" y="1295400"/>
-            <a:ext cx="10353761" cy="4267200"/>
-          </a:xfrm>
-        </p:spPr>
+            <p:ph type="sldNum" sz="quarter" idx="12"/>
+          </p:nvPr>
+        </p:nvSpPr>
+        <p:spPr/>
         <p:txBody>
           <a:bodyPr/>
           <a:lstStyle/>
           <a:p>
+            <a:fld id="{F846435F-278B-4F8D-8B6E-49BFC1C98D0D}" type="slidenum">
+              <a:rPr lang="ru-RU" smtClean="0"/>
+              <a:t>18</a:t>
+            </a:fld>
             <a:endParaRPr lang="ru-RU"/>
           </a:p>
         </p:txBody>
       </p:sp>
       <p:sp>
         <p:nvSpPr>
-          <p:cNvPr id="4" name="Номер слайда 3">
+          <p:cNvPr id="5" name="Заголовок 1">
             <a:extLst>
               <a:ext uri="{FF2B5EF4-FFF2-40B4-BE49-F238E27FC236}">
-                <a16:creationId xmlns:a16="http://schemas.microsoft.com/office/drawing/2014/main" id="{6161B9F1-1BC8-45A5-9A8B-57868D7E25A1}"/>
+                <a16:creationId xmlns:a16="http://schemas.microsoft.com/office/drawing/2014/main" id="{C2BB0DE8-06CA-4B6B-87AF-8622676E70D6}"/>
               </a:ext>
             </a:extLst>
           </p:cNvPr>
@@ -9991,35 +10008,6 @@
             <a:spLocks noGrp="1"/>
           </p:cNvSpPr>
           <p:nvPr>
-            <p:ph type="sldNum" sz="quarter" idx="12"/>
-          </p:nvPr>
-        </p:nvSpPr>
-        <p:spPr/>
-        <p:txBody>
-          <a:bodyPr/>
-          <a:lstStyle/>
-          <a:p>
-            <a:fld id="{F846435F-278B-4F8D-8B6E-49BFC1C98D0D}" type="slidenum">
-              <a:rPr lang="ru-RU" smtClean="0"/>
-              <a:t>18</a:t>
-            </a:fld>
-            <a:endParaRPr lang="ru-RU"/>
-          </a:p>
-        </p:txBody>
-      </p:sp>
-      <p:sp>
-        <p:nvSpPr>
-          <p:cNvPr id="5" name="Заголовок 1">
-            <a:extLst>
-              <a:ext uri="{FF2B5EF4-FFF2-40B4-BE49-F238E27FC236}">
-                <a16:creationId xmlns:a16="http://schemas.microsoft.com/office/drawing/2014/main" id="{80F5D998-1ECE-4264-BE9E-9B4842D4B017}"/>
-              </a:ext>
-            </a:extLst>
-          </p:cNvPr>
-          <p:cNvSpPr>
-            <a:spLocks noGrp="1"/>
-          </p:cNvSpPr>
-          <p:nvPr>
             <p:ph type="title"/>
           </p:nvPr>
         </p:nvSpPr>
@@ -10030,7 +10018,9 @@
           </a:xfrm>
         </p:spPr>
         <p:txBody>
-          <a:bodyPr/>
+          <a:bodyPr>
+            <a:normAutofit fontScale="90000"/>
+          </a:bodyPr>
           <a:lstStyle/>
           <a:p>
             <a:pPr algn="ctr"/>
@@ -10039,113 +10029,55 @@
                 <a:latin typeface="Calibri" panose="020F0502020204030204" pitchFamily="34" charset="0"/>
                 <a:cs typeface="Calibri" panose="020F0502020204030204" pitchFamily="34" charset="0"/>
               </a:rPr>
-              <a:t>Стоимость услуг и объем продаж</a:t>
-            </a:r>
-          </a:p>
-        </p:txBody>
-      </p:sp>
-    </p:spTree>
-    <p:extLst>
-      <p:ext uri="{BB962C8B-B14F-4D97-AF65-F5344CB8AC3E}">
-        <p14:creationId xmlns:p14="http://schemas.microsoft.com/office/powerpoint/2010/main" val="4841279"/>
-      </p:ext>
-    </p:extLst>
-  </p:cSld>
-  <p:clrMapOvr>
-    <a:masterClrMapping/>
-  </p:clrMapOvr>
-</p:sld>
-</file>
-
-<file path=ppt/slides/slide19.xml><?xml version="1.0" encoding="utf-8"?>
-<p:sld xmlns:a="http://schemas.openxmlformats.org/drawingml/2006/main" xmlns:r="http://schemas.openxmlformats.org/officeDocument/2006/relationships" xmlns:p="http://schemas.openxmlformats.org/presentationml/2006/main">
-  <p:cSld>
-    <p:spTree>
-      <p:nvGrpSpPr>
-        <p:cNvPr id="1" name=""/>
-        <p:cNvGrpSpPr/>
-        <p:nvPr/>
-      </p:nvGrpSpPr>
-      <p:grpSpPr>
-        <a:xfrm>
-          <a:off x="0" y="0"/>
-          <a:ext cx="0" cy="0"/>
-          <a:chOff x="0" y="0"/>
-          <a:chExt cx="0" cy="0"/>
-        </a:xfrm>
-      </p:grpSpPr>
-      <p:sp>
-        <p:nvSpPr>
-          <p:cNvPr id="4" name="Номер слайда 3">
+              <a:t>Финансирование и показатели эффективности проекта</a:t>
+            </a:r>
+          </a:p>
+        </p:txBody>
+      </p:sp>
+      <p:sp>
+        <p:nvSpPr>
+          <p:cNvPr id="2" name="TextBox 1">
             <a:extLst>
               <a:ext uri="{FF2B5EF4-FFF2-40B4-BE49-F238E27FC236}">
-                <a16:creationId xmlns:a16="http://schemas.microsoft.com/office/drawing/2014/main" id="{B444F072-44EC-4C98-B709-25221352610A}"/>
+                <a16:creationId xmlns:a16="http://schemas.microsoft.com/office/drawing/2014/main" id="{D03E45A8-C7DF-4F6A-A523-5C8A12A711BE}"/>
               </a:ext>
             </a:extLst>
           </p:cNvPr>
-          <p:cNvSpPr>
-            <a:spLocks noGrp="1"/>
-          </p:cNvSpPr>
-          <p:nvPr>
-            <p:ph type="sldNum" sz="quarter" idx="12"/>
-          </p:nvPr>
-        </p:nvSpPr>
-        <p:spPr/>
-        <p:txBody>
-          <a:bodyPr/>
-          <a:lstStyle/>
-          <a:p>
-            <a:fld id="{F846435F-278B-4F8D-8B6E-49BFC1C98D0D}" type="slidenum">
-              <a:rPr lang="ru-RU" smtClean="0"/>
-              <a:t>19</a:t>
-            </a:fld>
-            <a:endParaRPr lang="ru-RU"/>
-          </a:p>
-        </p:txBody>
-      </p:sp>
-      <p:sp>
-        <p:nvSpPr>
-          <p:cNvPr id="5" name="Заголовок 1">
-            <a:extLst>
-              <a:ext uri="{FF2B5EF4-FFF2-40B4-BE49-F238E27FC236}">
-                <a16:creationId xmlns:a16="http://schemas.microsoft.com/office/drawing/2014/main" id="{3B1C4C85-456A-4CB7-AC54-39AD3CD9CDBF}"/>
-              </a:ext>
-            </a:extLst>
-          </p:cNvPr>
-          <p:cNvSpPr>
-            <a:spLocks noGrp="1"/>
-          </p:cNvSpPr>
-          <p:nvPr>
-            <p:ph type="title"/>
-          </p:nvPr>
+          <p:cNvSpPr txBox="1"/>
+          <p:nvPr/>
         </p:nvSpPr>
         <p:spPr>
           <a:xfrm>
-            <a:off x="924444" y="226143"/>
-            <a:ext cx="10353761" cy="678426"/>
+            <a:off x="2032000" y="1481184"/>
+            <a:ext cx="8128000" cy="461665"/>
           </a:xfrm>
+          <a:prstGeom prst="rect">
+            <a:avLst/>
+          </a:prstGeom>
+          <a:noFill/>
         </p:spPr>
         <p:txBody>
-          <a:bodyPr/>
+          <a:bodyPr wrap="square" rtlCol="0">
+            <a:spAutoFit/>
+          </a:bodyPr>
           <a:lstStyle/>
           <a:p>
-            <a:pPr algn="ctr"/>
-            <a:r>
-              <a:rPr lang="ru-RU" dirty="0">
+            <a:r>
+              <a:rPr lang="ru-RU" sz="2400" dirty="0">
                 <a:latin typeface="Calibri" panose="020F0502020204030204" pitchFamily="34" charset="0"/>
                 <a:cs typeface="Calibri" panose="020F0502020204030204" pitchFamily="34" charset="0"/>
               </a:rPr>
-              <a:t>Показатели эффективности проекта</a:t>
+              <a:t>Инвестиции: 280770,72 руб.</a:t>
             </a:r>
           </a:p>
         </p:txBody>
       </p:sp>
       <p:graphicFrame>
         <p:nvGraphicFramePr>
-          <p:cNvPr id="8" name="Таблица 8">
+          <p:cNvPr id="6" name="Таблица 8">
             <a:extLst>
               <a:ext uri="{FF2B5EF4-FFF2-40B4-BE49-F238E27FC236}">
-                <a16:creationId xmlns:a16="http://schemas.microsoft.com/office/drawing/2014/main" id="{18C1AD6E-BAA0-47CC-AB15-5E103532AAFB}"/>
+                <a16:creationId xmlns:a16="http://schemas.microsoft.com/office/drawing/2014/main" id="{0A679B73-8A0A-44BA-9AD1-2D0B040367FD}"/>
               </a:ext>
             </a:extLst>
           </p:cNvPr>
@@ -10155,13 +10087,13 @@
           <p:nvPr>
             <p:extLst>
               <p:ext uri="{D42A27DB-BD31-4B8C-83A1-F6EECF244321}">
-                <p14:modId xmlns:p14="http://schemas.microsoft.com/office/powerpoint/2010/main" val="3345796613"/>
+                <p14:modId xmlns:p14="http://schemas.microsoft.com/office/powerpoint/2010/main" val="1612175280"/>
               </p:ext>
             </p:extLst>
           </p:nvPr>
         </p:nvGraphicFramePr>
         <p:xfrm>
-          <a:off x="2032000" y="2316480"/>
+          <a:off x="2032000" y="2858019"/>
           <a:ext cx="8128000" cy="2312023"/>
         </p:xfrm>
         <a:graphic>
@@ -10437,7 +10369,7 @@
     </p:spTree>
     <p:extLst>
       <p:ext uri="{BB962C8B-B14F-4D97-AF65-F5344CB8AC3E}">
-        <p14:creationId xmlns:p14="http://schemas.microsoft.com/office/powerpoint/2010/main" val="1758110988"/>
+        <p14:creationId xmlns:p14="http://schemas.microsoft.com/office/powerpoint/2010/main" val="3802331893"/>
       </p:ext>
     </p:extLst>
   </p:cSld>
@@ -10447,7 +10379,7 @@
 </p:sld>
 </file>
 
-<file path=ppt/slides/slide2.xml><?xml version="1.0" encoding="utf-8"?>
+<file path=ppt/slides/slide19.xml><?xml version="1.0" encoding="utf-8"?>
 <p:sld xmlns:a="http://schemas.openxmlformats.org/drawingml/2006/main" xmlns:r="http://schemas.openxmlformats.org/officeDocument/2006/relationships" xmlns:p="http://schemas.openxmlformats.org/presentationml/2006/main">
   <p:cSld>
     <p:spTree>
@@ -10466,153 +10398,6 @@
       </p:grpSpPr>
       <p:sp>
         <p:nvSpPr>
-          <p:cNvPr id="2" name="Заголовок 1">
-            <a:extLst>
-              <a:ext uri="{FF2B5EF4-FFF2-40B4-BE49-F238E27FC236}">
-                <a16:creationId xmlns:a16="http://schemas.microsoft.com/office/drawing/2014/main" id="{07D25D7A-969A-4341-B403-9D454615F387}"/>
-              </a:ext>
-            </a:extLst>
-          </p:cNvPr>
-          <p:cNvSpPr>
-            <a:spLocks noGrp="1"/>
-          </p:cNvSpPr>
-          <p:nvPr>
-            <p:ph type="title"/>
-          </p:nvPr>
-        </p:nvSpPr>
-        <p:spPr>
-          <a:xfrm>
-            <a:off x="805809" y="302527"/>
-            <a:ext cx="10580380" cy="644251"/>
-          </a:xfrm>
-        </p:spPr>
-        <p:txBody>
-          <a:bodyPr/>
-          <a:lstStyle/>
-          <a:p>
-            <a:pPr algn="ctr"/>
-            <a:r>
-              <a:rPr lang="en-US" dirty="0">
-                <a:latin typeface="Calibri" panose="020F0502020204030204" pitchFamily="34" charset="0"/>
-                <a:cs typeface="Calibri" panose="020F0502020204030204" pitchFamily="34" charset="0"/>
-              </a:rPr>
-              <a:t>Well-being</a:t>
-            </a:r>
-            <a:endParaRPr lang="ru-RU" dirty="0">
-              <a:latin typeface="Calibri" panose="020F0502020204030204" pitchFamily="34" charset="0"/>
-              <a:cs typeface="Calibri" panose="020F0502020204030204" pitchFamily="34" charset="0"/>
-            </a:endParaRPr>
-          </a:p>
-        </p:txBody>
-      </p:sp>
-      <p:pic>
-        <p:nvPicPr>
-          <p:cNvPr id="1026" name="Picture 2">
-            <a:extLst>
-              <a:ext uri="{FF2B5EF4-FFF2-40B4-BE49-F238E27FC236}">
-                <a16:creationId xmlns:a16="http://schemas.microsoft.com/office/drawing/2014/main" id="{97F11522-582B-43D8-B543-9C3C6B403974}"/>
-              </a:ext>
-            </a:extLst>
-          </p:cNvPr>
-          <p:cNvPicPr>
-            <a:picLocks noChangeAspect="1" noChangeArrowheads="1"/>
-          </p:cNvPicPr>
-          <p:nvPr/>
-        </p:nvPicPr>
-        <p:blipFill>
-          <a:blip r:embed="rId2">
-            <a:extLst>
-              <a:ext uri="{28A0092B-C50C-407E-A947-70E740481C1C}">
-                <a14:useLocalDpi xmlns:a14="http://schemas.microsoft.com/office/drawing/2010/main" val="0"/>
-              </a:ext>
-            </a:extLst>
-          </a:blip>
-          <a:srcRect/>
-          <a:stretch>
-            <a:fillRect/>
-          </a:stretch>
-        </p:blipFill>
-        <p:spPr bwMode="auto">
-          <a:xfrm>
-            <a:off x="3354240" y="946778"/>
-            <a:ext cx="5483519" cy="5483519"/>
-          </a:xfrm>
-          <a:prstGeom prst="rect">
-            <a:avLst/>
-          </a:prstGeom>
-          <a:noFill/>
-          <a:extLst>
-            <a:ext uri="{909E8E84-426E-40DD-AFC4-6F175D3DCCD1}">
-              <a14:hiddenFill xmlns:a14="http://schemas.microsoft.com/office/drawing/2010/main">
-                <a:solidFill>
-                  <a:srgbClr val="FFFFFF"/>
-                </a:solidFill>
-              </a14:hiddenFill>
-            </a:ext>
-          </a:extLst>
-        </p:spPr>
-      </p:pic>
-      <p:sp>
-        <p:nvSpPr>
-          <p:cNvPr id="6" name="Номер слайда 5">
-            <a:extLst>
-              <a:ext uri="{FF2B5EF4-FFF2-40B4-BE49-F238E27FC236}">
-                <a16:creationId xmlns:a16="http://schemas.microsoft.com/office/drawing/2014/main" id="{D63C5440-D86F-40A3-A365-AD4A94046DDD}"/>
-              </a:ext>
-            </a:extLst>
-          </p:cNvPr>
-          <p:cNvSpPr>
-            <a:spLocks noGrp="1"/>
-          </p:cNvSpPr>
-          <p:nvPr>
-            <p:ph type="sldNum" sz="quarter" idx="12"/>
-          </p:nvPr>
-        </p:nvSpPr>
-        <p:spPr/>
-        <p:txBody>
-          <a:bodyPr/>
-          <a:lstStyle/>
-          <a:p>
-            <a:fld id="{F846435F-278B-4F8D-8B6E-49BFC1C98D0D}" type="slidenum">
-              <a:rPr lang="ru-RU" smtClean="0"/>
-              <a:t>2</a:t>
-            </a:fld>
-            <a:endParaRPr lang="ru-RU"/>
-          </a:p>
-        </p:txBody>
-      </p:sp>
-    </p:spTree>
-    <p:extLst>
-      <p:ext uri="{BB962C8B-B14F-4D97-AF65-F5344CB8AC3E}">
-        <p14:creationId xmlns:p14="http://schemas.microsoft.com/office/powerpoint/2010/main" val="3216759468"/>
-      </p:ext>
-    </p:extLst>
-  </p:cSld>
-  <p:clrMapOvr>
-    <a:masterClrMapping/>
-  </p:clrMapOvr>
-</p:sld>
-</file>
-
-<file path=ppt/slides/slide20.xml><?xml version="1.0" encoding="utf-8"?>
-<p:sld xmlns:a="http://schemas.openxmlformats.org/drawingml/2006/main" xmlns:r="http://schemas.openxmlformats.org/officeDocument/2006/relationships" xmlns:p="http://schemas.openxmlformats.org/presentationml/2006/main">
-  <p:cSld>
-    <p:spTree>
-      <p:nvGrpSpPr>
-        <p:cNvPr id="1" name=""/>
-        <p:cNvGrpSpPr/>
-        <p:nvPr/>
-      </p:nvGrpSpPr>
-      <p:grpSpPr>
-        <a:xfrm>
-          <a:off x="0" y="0"/>
-          <a:ext cx="0" cy="0"/>
-          <a:chOff x="0" y="0"/>
-          <a:chExt cx="0" cy="0"/>
-        </a:xfrm>
-      </p:grpSpPr>
-      <p:sp>
-        <p:nvSpPr>
           <p:cNvPr id="4" name="Номер слайда 3">
             <a:extLst>
               <a:ext uri="{FF2B5EF4-FFF2-40B4-BE49-F238E27FC236}">
@@ -10634,7 +10419,7 @@
           <a:p>
             <a:fld id="{F846435F-278B-4F8D-8B6E-49BFC1C98D0D}" type="slidenum">
               <a:rPr lang="ru-RU" smtClean="0"/>
-              <a:t>20</a:t>
+              <a:t>19</a:t>
             </a:fld>
             <a:endParaRPr lang="ru-RU"/>
           </a:p>
@@ -10699,8 +10484,8 @@
         </p:blipFill>
         <p:spPr>
           <a:xfrm>
-            <a:off x="443605" y="1654697"/>
-            <a:ext cx="11677650" cy="400050"/>
+            <a:off x="443606" y="1583676"/>
+            <a:ext cx="10999712" cy="400050"/>
           </a:xfrm>
           <a:prstGeom prst="rect">
             <a:avLst/>
@@ -10765,7 +10550,7 @@
           <a:graphicData uri="http://schemas.openxmlformats.org/presentationml/2006/ole">
             <mc:AlternateContent xmlns:mc="http://schemas.openxmlformats.org/markup-compatibility/2006">
               <mc:Choice xmlns:v="urn:schemas-microsoft-com:vml" Requires="v">
-                <p:oleObj spid="_x0000_s1035" name="Worksheet" r:id="rId5" imgW="8029708" imgH="2266871" progId="Excel.Sheet.12">
+                <p:oleObj spid="_x0000_s1074" name="Worksheet" r:id="rId5" imgW="8029708" imgH="2266871" progId="Excel.Sheet.12">
                   <p:embed/>
                 </p:oleObj>
               </mc:Choice>
@@ -10813,6 +10598,153 @@
 </p:sld>
 </file>
 
+<file path=ppt/slides/slide2.xml><?xml version="1.0" encoding="utf-8"?>
+<p:sld xmlns:a="http://schemas.openxmlformats.org/drawingml/2006/main" xmlns:r="http://schemas.openxmlformats.org/officeDocument/2006/relationships" xmlns:p="http://schemas.openxmlformats.org/presentationml/2006/main">
+  <p:cSld>
+    <p:spTree>
+      <p:nvGrpSpPr>
+        <p:cNvPr id="1" name=""/>
+        <p:cNvGrpSpPr/>
+        <p:nvPr/>
+      </p:nvGrpSpPr>
+      <p:grpSpPr>
+        <a:xfrm>
+          <a:off x="0" y="0"/>
+          <a:ext cx="0" cy="0"/>
+          <a:chOff x="0" y="0"/>
+          <a:chExt cx="0" cy="0"/>
+        </a:xfrm>
+      </p:grpSpPr>
+      <p:sp>
+        <p:nvSpPr>
+          <p:cNvPr id="2" name="Заголовок 1">
+            <a:extLst>
+              <a:ext uri="{FF2B5EF4-FFF2-40B4-BE49-F238E27FC236}">
+                <a16:creationId xmlns:a16="http://schemas.microsoft.com/office/drawing/2014/main" id="{07D25D7A-969A-4341-B403-9D454615F387}"/>
+              </a:ext>
+            </a:extLst>
+          </p:cNvPr>
+          <p:cNvSpPr>
+            <a:spLocks noGrp="1"/>
+          </p:cNvSpPr>
+          <p:nvPr>
+            <p:ph type="title"/>
+          </p:nvPr>
+        </p:nvSpPr>
+        <p:spPr>
+          <a:xfrm>
+            <a:off x="805809" y="302527"/>
+            <a:ext cx="10580380" cy="644251"/>
+          </a:xfrm>
+        </p:spPr>
+        <p:txBody>
+          <a:bodyPr/>
+          <a:lstStyle/>
+          <a:p>
+            <a:pPr algn="ctr"/>
+            <a:r>
+              <a:rPr lang="en-US" dirty="0">
+                <a:latin typeface="Calibri" panose="020F0502020204030204" pitchFamily="34" charset="0"/>
+                <a:cs typeface="Calibri" panose="020F0502020204030204" pitchFamily="34" charset="0"/>
+              </a:rPr>
+              <a:t>Well-being</a:t>
+            </a:r>
+            <a:endParaRPr lang="ru-RU" dirty="0">
+              <a:latin typeface="Calibri" panose="020F0502020204030204" pitchFamily="34" charset="0"/>
+              <a:cs typeface="Calibri" panose="020F0502020204030204" pitchFamily="34" charset="0"/>
+            </a:endParaRPr>
+          </a:p>
+        </p:txBody>
+      </p:sp>
+      <p:pic>
+        <p:nvPicPr>
+          <p:cNvPr id="1026" name="Picture 2">
+            <a:extLst>
+              <a:ext uri="{FF2B5EF4-FFF2-40B4-BE49-F238E27FC236}">
+                <a16:creationId xmlns:a16="http://schemas.microsoft.com/office/drawing/2014/main" id="{97F11522-582B-43D8-B543-9C3C6B403974}"/>
+              </a:ext>
+            </a:extLst>
+          </p:cNvPr>
+          <p:cNvPicPr>
+            <a:picLocks noChangeAspect="1" noChangeArrowheads="1"/>
+          </p:cNvPicPr>
+          <p:nvPr/>
+        </p:nvPicPr>
+        <p:blipFill>
+          <a:blip r:embed="rId2">
+            <a:extLst>
+              <a:ext uri="{28A0092B-C50C-407E-A947-70E740481C1C}">
+                <a14:useLocalDpi xmlns:a14="http://schemas.microsoft.com/office/drawing/2010/main" val="0"/>
+              </a:ext>
+            </a:extLst>
+          </a:blip>
+          <a:srcRect/>
+          <a:stretch>
+            <a:fillRect/>
+          </a:stretch>
+        </p:blipFill>
+        <p:spPr bwMode="auto">
+          <a:xfrm>
+            <a:off x="3354240" y="946778"/>
+            <a:ext cx="5483519" cy="5483519"/>
+          </a:xfrm>
+          <a:prstGeom prst="rect">
+            <a:avLst/>
+          </a:prstGeom>
+          <a:noFill/>
+          <a:extLst>
+            <a:ext uri="{909E8E84-426E-40DD-AFC4-6F175D3DCCD1}">
+              <a14:hiddenFill xmlns:a14="http://schemas.microsoft.com/office/drawing/2010/main">
+                <a:solidFill>
+                  <a:srgbClr val="FFFFFF"/>
+                </a:solidFill>
+              </a14:hiddenFill>
+            </a:ext>
+          </a:extLst>
+        </p:spPr>
+      </p:pic>
+      <p:sp>
+        <p:nvSpPr>
+          <p:cNvPr id="6" name="Номер слайда 5">
+            <a:extLst>
+              <a:ext uri="{FF2B5EF4-FFF2-40B4-BE49-F238E27FC236}">
+                <a16:creationId xmlns:a16="http://schemas.microsoft.com/office/drawing/2014/main" id="{D63C5440-D86F-40A3-A365-AD4A94046DDD}"/>
+              </a:ext>
+            </a:extLst>
+          </p:cNvPr>
+          <p:cNvSpPr>
+            <a:spLocks noGrp="1"/>
+          </p:cNvSpPr>
+          <p:nvPr>
+            <p:ph type="sldNum" sz="quarter" idx="12"/>
+          </p:nvPr>
+        </p:nvSpPr>
+        <p:spPr/>
+        <p:txBody>
+          <a:bodyPr/>
+          <a:lstStyle/>
+          <a:p>
+            <a:fld id="{F846435F-278B-4F8D-8B6E-49BFC1C98D0D}" type="slidenum">
+              <a:rPr lang="ru-RU" smtClean="0"/>
+              <a:t>2</a:t>
+            </a:fld>
+            <a:endParaRPr lang="ru-RU"/>
+          </a:p>
+        </p:txBody>
+      </p:sp>
+    </p:spTree>
+    <p:extLst>
+      <p:ext uri="{BB962C8B-B14F-4D97-AF65-F5344CB8AC3E}">
+        <p14:creationId xmlns:p14="http://schemas.microsoft.com/office/powerpoint/2010/main" val="3216759468"/>
+      </p:ext>
+    </p:extLst>
+  </p:cSld>
+  <p:clrMapOvr>
+    <a:masterClrMapping/>
+  </p:clrMapOvr>
+</p:sld>
+</file>
+
 <file path=ppt/slides/slide3.xml><?xml version="1.0" encoding="utf-8"?>
 <p:sld xmlns:a="http://schemas.openxmlformats.org/drawingml/2006/main" xmlns:r="http://schemas.openxmlformats.org/officeDocument/2006/relationships" xmlns:p="http://schemas.openxmlformats.org/presentationml/2006/main">
   <p:cSld>
@@ -10925,13 +10857,10 @@
             <a:pPr algn="just"/>
             <a:r>
               <a:rPr lang="ru-RU" sz="3200" dirty="0">
-                <a:highlight>
-                  <a:srgbClr val="FFFF00"/>
-                </a:highlight>
                 <a:latin typeface="Calibri" panose="020F0502020204030204" pitchFamily="34" charset="0"/>
                 <a:cs typeface="Calibri" panose="020F0502020204030204" pitchFamily="34" charset="0"/>
               </a:rPr>
-              <a:t>В компании есть политика проведения тестирований, направленных на выявление потребностей сотрудников, и принятия решений для улучшения их условий. Для этого используются многофакторные тесты, которые оценивают различные стороны ожиданий сотрудников от компании.</a:t>
+              <a:t>В компании проводятся тестирования, направленные на улучшение условий их труда. Для этого используются тесты, позволяющие оценить различные стороны ожиданий сотрудников от компании.</a:t>
             </a:r>
           </a:p>
         </p:txBody>
@@ -13069,14 +12998,14 @@
             <p:ph idx="1"/>
             <p:extLst>
               <p:ext uri="{D42A27DB-BD31-4B8C-83A1-F6EECF244321}">
-                <p14:modId xmlns:p14="http://schemas.microsoft.com/office/powerpoint/2010/main" val="2758684862"/>
+                <p14:modId xmlns:p14="http://schemas.microsoft.com/office/powerpoint/2010/main" val="191347819"/>
               </p:ext>
             </p:extLst>
           </p:nvPr>
         </p:nvGraphicFramePr>
         <p:xfrm>
-          <a:off x="766916" y="1352174"/>
-          <a:ext cx="10737697" cy="4881716"/>
+          <a:off x="1311579" y="1352174"/>
+          <a:ext cx="10193034" cy="4476135"/>
         </p:xfrm>
         <a:graphic>
           <a:graphicData uri="http://schemas.openxmlformats.org/drawingml/2006/table">
@@ -13085,14 +13014,14 @@
                 <a:tableStyleId>{5C22544A-7EE6-4342-B048-85BDC9FD1C3A}</a:tableStyleId>
               </a:tblPr>
               <a:tblGrid>
-                <a:gridCol w="2826219">
+                <a:gridCol w="2682861">
                   <a:extLst>
                     <a:ext uri="{9D8B030D-6E8A-4147-A177-3AD203B41FA5}">
                       <a16:colId xmlns:a16="http://schemas.microsoft.com/office/drawing/2014/main" val="1397424458"/>
                     </a:ext>
                   </a:extLst>
                 </a:gridCol>
-                <a:gridCol w="7911478">
+                <a:gridCol w="7510173">
                   <a:extLst>
                     <a:ext uri="{9D8B030D-6E8A-4147-A177-3AD203B41FA5}">
                       <a16:colId xmlns:a16="http://schemas.microsoft.com/office/drawing/2014/main" val="3038717505"/>
@@ -13182,7 +13111,7 @@
                           <a:latin typeface="Calibri" panose="020F0502020204030204" pitchFamily="34" charset="0"/>
                           <a:cs typeface="Calibri" panose="020F0502020204030204" pitchFamily="34" charset="0"/>
                         </a:rPr>
-                        <a:t>Прохождение тестирования, получение персонального отчёта.</a:t>
+                        <a:t>Прохождение тестирований и просмотр личных показателей благополучия.</a:t>
                       </a:r>
                     </a:p>
                   </a:txBody>
@@ -13194,7 +13123,7 @@
                   </a:ext>
                 </a:extLst>
               </a:tr>
-              <a:tr h="2138264">
+              <a:tr h="1732683">
                 <a:tc>
                   <a:txBody>
                     <a:bodyPr/>
@@ -13231,21 +13160,7 @@
                           <a:latin typeface="Calibri" panose="020F0502020204030204" pitchFamily="34" charset="0"/>
                           <a:cs typeface="Calibri" panose="020F0502020204030204" pitchFamily="34" charset="0"/>
                         </a:rPr>
-                        <a:t>Составление и редактирование тестов, составление вопросов и ответов, создание факторов, формирование итогового отчёта и отчёта по прохождениям теста, экспорт итогового отчёта в </a:t>
-                      </a:r>
-                      <a:r>
-                        <a:rPr lang="en-US" sz="2400" dirty="0">
-                          <a:latin typeface="Calibri" panose="020F0502020204030204" pitchFamily="34" charset="0"/>
-                          <a:cs typeface="Calibri" panose="020F0502020204030204" pitchFamily="34" charset="0"/>
-                        </a:rPr>
-                        <a:t>Excel </a:t>
-                      </a:r>
-                      <a:r>
-                        <a:rPr lang="ru-RU" sz="2400" dirty="0">
-                          <a:latin typeface="Calibri" panose="020F0502020204030204" pitchFamily="34" charset="0"/>
-                          <a:cs typeface="Calibri" panose="020F0502020204030204" pitchFamily="34" charset="0"/>
-                        </a:rPr>
-                        <a:t>формате.</a:t>
+                        <a:t>Составление тестов и получение обработанных результатов тестирований. Контроль за прохождением тестирований.</a:t>
                       </a:r>
                     </a:p>
                   </a:txBody>

--- a/Документы/Презентация ВКР.pptx
+++ b/Документы/Презентация ВКР.pptx
@@ -8984,7 +8984,7 @@
                 <a:latin typeface="Calibri" panose="020F0502020204030204" pitchFamily="34" charset="0"/>
                 <a:cs typeface="Calibri" panose="020F0502020204030204" pitchFamily="34" charset="0"/>
               </a:rPr>
-              <a:t>Тестирование и персональный отчёт</a:t>
+              <a:t>Персональный отчёт</a:t>
             </a:r>
           </a:p>
         </p:txBody>
@@ -9018,6 +9018,41 @@
           </a:p>
         </p:txBody>
       </p:sp>
+      <p:pic>
+        <p:nvPicPr>
+          <p:cNvPr id="4" name="Рисунок 3">
+            <a:extLst>
+              <a:ext uri="{FF2B5EF4-FFF2-40B4-BE49-F238E27FC236}">
+                <a16:creationId xmlns:a16="http://schemas.microsoft.com/office/drawing/2014/main" id="{62007F94-987C-4E8F-A590-C98C29A9E1CC}"/>
+              </a:ext>
+            </a:extLst>
+          </p:cNvPr>
+          <p:cNvPicPr>
+            <a:picLocks noChangeAspect="1"/>
+          </p:cNvPicPr>
+          <p:nvPr/>
+        </p:nvPicPr>
+        <p:blipFill rotWithShape="1">
+          <a:blip r:embed="rId2">
+            <a:extLst>
+              <a:ext uri="{28A0092B-C50C-407E-A947-70E740481C1C}">
+                <a14:useLocalDpi xmlns:a14="http://schemas.microsoft.com/office/drawing/2010/main" val="0"/>
+              </a:ext>
+            </a:extLst>
+          </a:blip>
+          <a:srcRect r="4961"/>
+          <a:stretch/>
+        </p:blipFill>
+        <p:spPr>
+          <a:xfrm>
+            <a:off x="3487913" y="762238"/>
+            <a:ext cx="5452152" cy="5566582"/>
+          </a:xfrm>
+          <a:prstGeom prst="rect">
+            <a:avLst/>
+          </a:prstGeom>
+        </p:spPr>
+      </p:pic>
     </p:spTree>
     <p:extLst>
       <p:ext uri="{BB962C8B-B14F-4D97-AF65-F5344CB8AC3E}">
@@ -9901,7 +9936,7 @@
           <a:graphicData uri="http://schemas.openxmlformats.org/presentationml/2006/ole">
             <mc:AlternateContent xmlns:mc="http://schemas.openxmlformats.org/markup-compatibility/2006">
               <mc:Choice xmlns:v="urn:schemas-microsoft-com:vml" Requires="v">
-                <p:oleObj spid="_x0000_s2086" name="Worksheet" r:id="rId3" imgW="6743700" imgH="2676752" progId="Excel.Sheet.12">
+                <p:oleObj spid="_x0000_s2090" name="Worksheet" r:id="rId3" imgW="6743700" imgH="2676752" progId="Excel.Sheet.12">
                   <p:embed/>
                 </p:oleObj>
               </mc:Choice>
@@ -10550,7 +10585,7 @@
           <a:graphicData uri="http://schemas.openxmlformats.org/presentationml/2006/ole">
             <mc:AlternateContent xmlns:mc="http://schemas.openxmlformats.org/markup-compatibility/2006">
               <mc:Choice xmlns:v="urn:schemas-microsoft-com:vml" Requires="v">
-                <p:oleObj spid="_x0000_s1074" name="Worksheet" r:id="rId5" imgW="8029708" imgH="2266871" progId="Excel.Sheet.12">
+                <p:oleObj spid="_x0000_s1078" name="Worksheet" r:id="rId5" imgW="8029708" imgH="2266871" progId="Excel.Sheet.12">
                   <p:embed/>
                 </p:oleObj>
               </mc:Choice>

--- a/Документы/Презентация ВКР.pptx
+++ b/Документы/Презентация ВКР.pptx
@@ -5,7 +5,7 @@
     <p:sldMasterId id="2147483719" r:id="rId1"/>
   </p:sldMasterIdLst>
   <p:notesMasterIdLst>
-    <p:notesMasterId r:id="rId21"/>
+    <p:notesMasterId r:id="rId23"/>
   </p:notesMasterIdLst>
   <p:sldIdLst>
     <p:sldId id="256" r:id="rId2"/>
@@ -17,16 +17,18 @@
     <p:sldId id="260" r:id="rId8"/>
     <p:sldId id="272" r:id="rId9"/>
     <p:sldId id="261" r:id="rId10"/>
-    <p:sldId id="268" r:id="rId11"/>
-    <p:sldId id="263" r:id="rId12"/>
-    <p:sldId id="273" r:id="rId13"/>
-    <p:sldId id="262" r:id="rId14"/>
-    <p:sldId id="264" r:id="rId15"/>
-    <p:sldId id="266" r:id="rId16"/>
-    <p:sldId id="280" r:id="rId17"/>
-    <p:sldId id="279" r:id="rId18"/>
-    <p:sldId id="276" r:id="rId19"/>
-    <p:sldId id="278" r:id="rId20"/>
+    <p:sldId id="263" r:id="rId11"/>
+    <p:sldId id="281" r:id="rId12"/>
+    <p:sldId id="268" r:id="rId13"/>
+    <p:sldId id="273" r:id="rId14"/>
+    <p:sldId id="262" r:id="rId15"/>
+    <p:sldId id="264" r:id="rId16"/>
+    <p:sldId id="266" r:id="rId17"/>
+    <p:sldId id="280" r:id="rId18"/>
+    <p:sldId id="279" r:id="rId19"/>
+    <p:sldId id="276" r:id="rId20"/>
+    <p:sldId id="278" r:id="rId21"/>
+    <p:sldId id="282" r:id="rId22"/>
   </p:sldIdLst>
   <p:sldSz cx="12192000" cy="6858000"/>
   <p:notesSz cx="6858000" cy="9144000"/>
@@ -215,7 +217,7 @@
           <a:p>
             <a:fld id="{F8E7A9AA-D791-4CE8-A528-0ED1B3A93F2C}" type="datetimeFigureOut">
               <a:rPr lang="ru-RU" smtClean="0"/>
-              <a:t>14.06.2023</a:t>
+              <a:t>16.06.2023</a:t>
             </a:fld>
             <a:endParaRPr lang="ru-RU"/>
           </a:p>
@@ -670,7 +672,7 @@
           <a:p>
             <a:fld id="{9A01286C-D24D-4039-9B79-188014B81EF0}" type="datetime1">
               <a:rPr lang="ru-RU" smtClean="0"/>
-              <a:t>14.06.2023</a:t>
+              <a:t>16.06.2023</a:t>
             </a:fld>
             <a:endParaRPr lang="ru-RU"/>
           </a:p>
@@ -1008,7 +1010,7 @@
           <a:p>
             <a:fld id="{C7435AC7-7EFC-4C6A-8B4A-3A0ABD863A85}" type="datetime1">
               <a:rPr lang="ru-RU" smtClean="0"/>
-              <a:t>14.06.2023</a:t>
+              <a:t>16.06.2023</a:t>
             </a:fld>
             <a:endParaRPr lang="ru-RU"/>
           </a:p>
@@ -1409,7 +1411,7 @@
           <a:p>
             <a:fld id="{04FCF316-177D-4002-A014-31E42C580843}" type="datetime1">
               <a:rPr lang="ru-RU" smtClean="0"/>
-              <a:t>14.06.2023</a:t>
+              <a:t>16.06.2023</a:t>
             </a:fld>
             <a:endParaRPr lang="ru-RU"/>
           </a:p>
@@ -1744,7 +1746,7 @@
           <a:p>
             <a:fld id="{029AEA95-4A9D-4EBF-8A5F-0F900F8488E6}" type="datetime1">
               <a:rPr lang="ru-RU" smtClean="0"/>
-              <a:t>14.06.2023</a:t>
+              <a:t>16.06.2023</a:t>
             </a:fld>
             <a:endParaRPr lang="ru-RU"/>
           </a:p>
@@ -2064,7 +2066,7 @@
           <a:p>
             <a:fld id="{BEC51906-DCF6-42EE-9502-5BFAF385E1B7}" type="datetime1">
               <a:rPr lang="ru-RU" smtClean="0"/>
-              <a:t>14.06.2023</a:t>
+              <a:t>16.06.2023</a:t>
             </a:fld>
             <a:endParaRPr lang="ru-RU"/>
           </a:p>
@@ -2460,7 +2462,7 @@
           <a:p>
             <a:fld id="{A9EE9BC4-D6AA-4323-AC58-7EDF0473E5CD}" type="datetime1">
               <a:rPr lang="ru-RU" smtClean="0"/>
-              <a:t>14.06.2023</a:t>
+              <a:t>16.06.2023</a:t>
             </a:fld>
             <a:endParaRPr lang="ru-RU"/>
           </a:p>
@@ -2717,7 +2719,7 @@
           <a:p>
             <a:fld id="{2AD07951-DEFF-4C64-8DD9-36A1A4C04CF7}" type="datetime1">
               <a:rPr lang="ru-RU" smtClean="0"/>
-              <a:t>14.06.2023</a:t>
+              <a:t>16.06.2023</a:t>
             </a:fld>
             <a:endParaRPr lang="ru-RU"/>
           </a:p>
@@ -2979,7 +2981,7 @@
           <a:p>
             <a:fld id="{053B07EB-F58D-4FCB-9B0B-E065C5A425E6}" type="datetime1">
               <a:rPr lang="ru-RU" smtClean="0"/>
-              <a:t>14.06.2023</a:t>
+              <a:t>16.06.2023</a:t>
             </a:fld>
             <a:endParaRPr lang="ru-RU"/>
           </a:p>
@@ -3241,7 +3243,7 @@
           <a:p>
             <a:fld id="{448B1765-DCBF-461E-87CB-534CF379D7B5}" type="datetime1">
               <a:rPr lang="ru-RU" smtClean="0"/>
-              <a:t>14.06.2023</a:t>
+              <a:t>16.06.2023</a:t>
             </a:fld>
             <a:endParaRPr lang="ru-RU"/>
           </a:p>
@@ -3570,7 +3572,7 @@
           <a:p>
             <a:fld id="{106EE73D-979C-4FB3-8935-F4F6660FD339}" type="datetime1">
               <a:rPr lang="ru-RU" smtClean="0"/>
-              <a:t>14.06.2023</a:t>
+              <a:t>16.06.2023</a:t>
             </a:fld>
             <a:endParaRPr lang="ru-RU"/>
           </a:p>
@@ -3893,7 +3895,7 @@
           <a:p>
             <a:fld id="{26CBC4E0-4BA5-458D-B31E-4DA4974DD756}" type="datetime1">
               <a:rPr lang="ru-RU" smtClean="0"/>
-              <a:t>14.06.2023</a:t>
+              <a:t>16.06.2023</a:t>
             </a:fld>
             <a:endParaRPr lang="ru-RU"/>
           </a:p>
@@ -4350,7 +4352,7 @@
           <a:p>
             <a:fld id="{8BEF53F8-F77F-4C56-9AA6-639780451998}" type="datetime1">
               <a:rPr lang="ru-RU" smtClean="0"/>
-              <a:t>14.06.2023</a:t>
+              <a:t>16.06.2023</a:t>
             </a:fld>
             <a:endParaRPr lang="ru-RU"/>
           </a:p>
@@ -4555,7 +4557,7 @@
           <a:p>
             <a:fld id="{9862B62C-BB0B-418E-993D-5ADBF2901EBB}" type="datetime1">
               <a:rPr lang="ru-RU" smtClean="0"/>
-              <a:t>14.06.2023</a:t>
+              <a:t>16.06.2023</a:t>
             </a:fld>
             <a:endParaRPr lang="ru-RU"/>
           </a:p>
@@ -4732,7 +4734,7 @@
           <a:p>
             <a:fld id="{3BA0CB8E-CC9C-47E0-B1BC-6C08AE270C44}" type="datetime1">
               <a:rPr lang="ru-RU" smtClean="0"/>
-              <a:t>14.06.2023</a:t>
+              <a:t>16.06.2023</a:t>
             </a:fld>
             <a:endParaRPr lang="ru-RU"/>
           </a:p>
@@ -5065,7 +5067,7 @@
           <a:p>
             <a:fld id="{000ADB6F-36E4-4869-9ACC-BB1E179B1F20}" type="datetime1">
               <a:rPr lang="ru-RU" smtClean="0"/>
-              <a:t>14.06.2023</a:t>
+              <a:t>16.06.2023</a:t>
             </a:fld>
             <a:endParaRPr lang="ru-RU"/>
           </a:p>
@@ -5410,7 +5412,7 @@
           <a:p>
             <a:fld id="{D86C6135-D033-4B44-BF55-13FADD15A79E}" type="datetime1">
               <a:rPr lang="ru-RU" smtClean="0"/>
-              <a:t>14.06.2023</a:t>
+              <a:t>16.06.2023</a:t>
             </a:fld>
             <a:endParaRPr lang="ru-RU"/>
           </a:p>
@@ -7527,7 +7529,7 @@
           <a:p>
             <a:fld id="{14878BB3-8E20-4CB9-9A47-56C32F53986A}" type="datetime1">
               <a:rPr lang="ru-RU" smtClean="0"/>
-              <a:t>14.06.2023</a:t>
+              <a:t>16.06.2023</a:t>
             </a:fld>
             <a:endParaRPr lang="ru-RU"/>
           </a:p>
@@ -8236,6 +8238,305 @@
           <p:cNvPr id="2" name="Заголовок 1">
             <a:extLst>
               <a:ext uri="{FF2B5EF4-FFF2-40B4-BE49-F238E27FC236}">
+                <a16:creationId xmlns:a16="http://schemas.microsoft.com/office/drawing/2014/main" id="{A3FE710E-7386-4248-9726-0B6BF9EFE8D2}"/>
+              </a:ext>
+            </a:extLst>
+          </p:cNvPr>
+          <p:cNvSpPr>
+            <a:spLocks noGrp="1"/>
+          </p:cNvSpPr>
+          <p:nvPr>
+            <p:ph type="title"/>
+          </p:nvPr>
+        </p:nvSpPr>
+        <p:spPr>
+          <a:xfrm>
+            <a:off x="1135712" y="67530"/>
+            <a:ext cx="10403399" cy="675691"/>
+          </a:xfrm>
+        </p:spPr>
+        <p:txBody>
+          <a:bodyPr/>
+          <a:lstStyle/>
+          <a:p>
+            <a:pPr algn="ctr"/>
+            <a:r>
+              <a:rPr lang="ru-RU" dirty="0">
+                <a:latin typeface="Calibri" panose="020F0502020204030204" pitchFamily="34" charset="0"/>
+                <a:cs typeface="Calibri" panose="020F0502020204030204" pitchFamily="34" charset="0"/>
+              </a:rPr>
+              <a:t>Концептуальная архитектура системы</a:t>
+            </a:r>
+          </a:p>
+        </p:txBody>
+      </p:sp>
+      <p:pic>
+        <p:nvPicPr>
+          <p:cNvPr id="6" name="Объект 5">
+            <a:extLst>
+              <a:ext uri="{FF2B5EF4-FFF2-40B4-BE49-F238E27FC236}">
+                <a16:creationId xmlns:a16="http://schemas.microsoft.com/office/drawing/2014/main" id="{7C77FCF1-9C14-4AC8-8FCF-20E5A9098E10}"/>
+              </a:ext>
+            </a:extLst>
+          </p:cNvPr>
+          <p:cNvPicPr>
+            <a:picLocks noGrp="1" noChangeAspect="1"/>
+          </p:cNvPicPr>
+          <p:nvPr>
+            <p:ph idx="1"/>
+          </p:nvPr>
+        </p:nvPicPr>
+        <p:blipFill>
+          <a:blip r:embed="rId2">
+            <a:extLst>
+              <a:ext uri="{28A0092B-C50C-407E-A947-70E740481C1C}">
+                <a14:useLocalDpi xmlns:a14="http://schemas.microsoft.com/office/drawing/2010/main" val="0"/>
+              </a:ext>
+            </a:extLst>
+          </a:blip>
+          <a:stretch>
+            <a:fillRect/>
+          </a:stretch>
+        </p:blipFill>
+        <p:spPr>
+          <a:xfrm>
+            <a:off x="1990535" y="743221"/>
+            <a:ext cx="8693752" cy="5867844"/>
+          </a:xfrm>
+        </p:spPr>
+      </p:pic>
+      <p:sp>
+        <p:nvSpPr>
+          <p:cNvPr id="7" name="Номер слайда 6">
+            <a:extLst>
+              <a:ext uri="{FF2B5EF4-FFF2-40B4-BE49-F238E27FC236}">
+                <a16:creationId xmlns:a16="http://schemas.microsoft.com/office/drawing/2014/main" id="{A1FD8103-A8BB-437D-975D-073C20443FD3}"/>
+              </a:ext>
+            </a:extLst>
+          </p:cNvPr>
+          <p:cNvSpPr>
+            <a:spLocks noGrp="1"/>
+          </p:cNvSpPr>
+          <p:nvPr>
+            <p:ph type="sldNum" sz="quarter" idx="12"/>
+          </p:nvPr>
+        </p:nvSpPr>
+        <p:spPr/>
+        <p:txBody>
+          <a:bodyPr/>
+          <a:lstStyle/>
+          <a:p>
+            <a:fld id="{F846435F-278B-4F8D-8B6E-49BFC1C98D0D}" type="slidenum">
+              <a:rPr lang="ru-RU" smtClean="0"/>
+              <a:t>10</a:t>
+            </a:fld>
+            <a:endParaRPr lang="ru-RU"/>
+          </a:p>
+        </p:txBody>
+      </p:sp>
+    </p:spTree>
+    <p:extLst>
+      <p:ext uri="{BB962C8B-B14F-4D97-AF65-F5344CB8AC3E}">
+        <p14:creationId xmlns:p14="http://schemas.microsoft.com/office/powerpoint/2010/main" val="1834297963"/>
+      </p:ext>
+    </p:extLst>
+  </p:cSld>
+  <p:clrMapOvr>
+    <a:masterClrMapping/>
+  </p:clrMapOvr>
+</p:sld>
+</file>
+
+<file path=ppt/slides/slide11.xml><?xml version="1.0" encoding="utf-8"?>
+<p:sld xmlns:a="http://schemas.openxmlformats.org/drawingml/2006/main" xmlns:r="http://schemas.openxmlformats.org/officeDocument/2006/relationships" xmlns:p="http://schemas.openxmlformats.org/presentationml/2006/main">
+  <p:cSld>
+    <p:spTree>
+      <p:nvGrpSpPr>
+        <p:cNvPr id="1" name=""/>
+        <p:cNvGrpSpPr/>
+        <p:nvPr/>
+      </p:nvGrpSpPr>
+      <p:grpSpPr>
+        <a:xfrm>
+          <a:off x="0" y="0"/>
+          <a:ext cx="0" cy="0"/>
+          <a:chOff x="0" y="0"/>
+          <a:chExt cx="0" cy="0"/>
+        </a:xfrm>
+      </p:grpSpPr>
+      <p:sp>
+        <p:nvSpPr>
+          <p:cNvPr id="4" name="Номер слайда 3">
+            <a:extLst>
+              <a:ext uri="{FF2B5EF4-FFF2-40B4-BE49-F238E27FC236}">
+                <a16:creationId xmlns:a16="http://schemas.microsoft.com/office/drawing/2014/main" id="{E05FEB19-067B-4FD0-908F-67CB6C827FBA}"/>
+              </a:ext>
+            </a:extLst>
+          </p:cNvPr>
+          <p:cNvSpPr>
+            <a:spLocks noGrp="1"/>
+          </p:cNvSpPr>
+          <p:nvPr>
+            <p:ph type="sldNum" sz="quarter" idx="12"/>
+          </p:nvPr>
+        </p:nvSpPr>
+        <p:spPr/>
+        <p:txBody>
+          <a:bodyPr/>
+          <a:lstStyle/>
+          <a:p>
+            <a:fld id="{F846435F-278B-4F8D-8B6E-49BFC1C98D0D}" type="slidenum">
+              <a:rPr lang="ru-RU" smtClean="0"/>
+              <a:t>11</a:t>
+            </a:fld>
+            <a:endParaRPr lang="ru-RU"/>
+          </a:p>
+        </p:txBody>
+      </p:sp>
+      <p:sp>
+        <p:nvSpPr>
+          <p:cNvPr id="5" name="Заголовок 1">
+            <a:extLst>
+              <a:ext uri="{FF2B5EF4-FFF2-40B4-BE49-F238E27FC236}">
+                <a16:creationId xmlns:a16="http://schemas.microsoft.com/office/drawing/2014/main" id="{C560F487-0F08-494A-9D2F-B9FE9C65EF46}"/>
+              </a:ext>
+            </a:extLst>
+          </p:cNvPr>
+          <p:cNvSpPr>
+            <a:spLocks noGrp="1"/>
+          </p:cNvSpPr>
+          <p:nvPr>
+            <p:ph type="title"/>
+          </p:nvPr>
+        </p:nvSpPr>
+        <p:spPr>
+          <a:xfrm>
+            <a:off x="1135712" y="67530"/>
+            <a:ext cx="10403399" cy="675691"/>
+          </a:xfrm>
+        </p:spPr>
+        <p:txBody>
+          <a:bodyPr/>
+          <a:lstStyle/>
+          <a:p>
+            <a:pPr algn="ctr"/>
+            <a:r>
+              <a:rPr lang="ru-RU" dirty="0">
+                <a:latin typeface="Calibri" panose="020F0502020204030204" pitchFamily="34" charset="0"/>
+                <a:cs typeface="Calibri" panose="020F0502020204030204" pitchFamily="34" charset="0"/>
+              </a:rPr>
+              <a:t>Макеты пользовательского интерфейса</a:t>
+            </a:r>
+          </a:p>
+        </p:txBody>
+      </p:sp>
+      <p:pic>
+        <p:nvPicPr>
+          <p:cNvPr id="6" name="Объект 2">
+            <a:extLst>
+              <a:ext uri="{FF2B5EF4-FFF2-40B4-BE49-F238E27FC236}">
+                <a16:creationId xmlns:a16="http://schemas.microsoft.com/office/drawing/2014/main" id="{AF95DDD3-3539-4299-B560-0420D90F3E4B}"/>
+              </a:ext>
+            </a:extLst>
+          </p:cNvPr>
+          <p:cNvPicPr>
+            <a:picLocks noGrp="1" noChangeAspect="1"/>
+          </p:cNvPicPr>
+          <p:nvPr>
+            <p:ph idx="1"/>
+          </p:nvPr>
+        </p:nvPicPr>
+        <p:blipFill>
+          <a:blip r:embed="rId2"/>
+          <a:stretch>
+            <a:fillRect/>
+          </a:stretch>
+        </p:blipFill>
+        <p:spPr>
+          <a:xfrm>
+            <a:off x="2507745" y="781227"/>
+            <a:ext cx="3129821" cy="5475389"/>
+          </a:xfrm>
+          <a:prstGeom prst="rect">
+            <a:avLst/>
+          </a:prstGeom>
+          <a:ln>
+            <a:solidFill>
+              <a:schemeClr val="tx1"/>
+            </a:solidFill>
+          </a:ln>
+        </p:spPr>
+      </p:pic>
+      <p:pic>
+        <p:nvPicPr>
+          <p:cNvPr id="7" name="Рисунок 6">
+            <a:extLst>
+              <a:ext uri="{FF2B5EF4-FFF2-40B4-BE49-F238E27FC236}">
+                <a16:creationId xmlns:a16="http://schemas.microsoft.com/office/drawing/2014/main" id="{962513D2-D1DC-411B-8B1D-3365B290F4ED}"/>
+              </a:ext>
+            </a:extLst>
+          </p:cNvPr>
+          <p:cNvPicPr>
+            <a:picLocks noChangeAspect="1"/>
+          </p:cNvPicPr>
+          <p:nvPr/>
+        </p:nvPicPr>
+        <p:blipFill>
+          <a:blip r:embed="rId3"/>
+          <a:stretch>
+            <a:fillRect/>
+          </a:stretch>
+        </p:blipFill>
+        <p:spPr>
+          <a:xfrm>
+            <a:off x="6625902" y="787782"/>
+            <a:ext cx="3221916" cy="5552508"/>
+          </a:xfrm>
+          <a:prstGeom prst="rect">
+            <a:avLst/>
+          </a:prstGeom>
+          <a:ln>
+            <a:solidFill>
+              <a:schemeClr val="tx1"/>
+            </a:solidFill>
+          </a:ln>
+        </p:spPr>
+      </p:pic>
+    </p:spTree>
+    <p:extLst>
+      <p:ext uri="{BB962C8B-B14F-4D97-AF65-F5344CB8AC3E}">
+        <p14:creationId xmlns:p14="http://schemas.microsoft.com/office/powerpoint/2010/main" val="674195143"/>
+      </p:ext>
+    </p:extLst>
+  </p:cSld>
+  <p:clrMapOvr>
+    <a:masterClrMapping/>
+  </p:clrMapOvr>
+</p:sld>
+</file>
+
+<file path=ppt/slides/slide12.xml><?xml version="1.0" encoding="utf-8"?>
+<p:sld xmlns:a="http://schemas.openxmlformats.org/drawingml/2006/main" xmlns:r="http://schemas.openxmlformats.org/officeDocument/2006/relationships" xmlns:p="http://schemas.openxmlformats.org/presentationml/2006/main">
+  <p:cSld>
+    <p:spTree>
+      <p:nvGrpSpPr>
+        <p:cNvPr id="1" name=""/>
+        <p:cNvGrpSpPr/>
+        <p:nvPr/>
+      </p:nvGrpSpPr>
+      <p:grpSpPr>
+        <a:xfrm>
+          <a:off x="0" y="0"/>
+          <a:ext cx="0" cy="0"/>
+          <a:chOff x="0" y="0"/>
+          <a:chExt cx="0" cy="0"/>
+        </a:xfrm>
+      </p:grpSpPr>
+      <p:sp>
+        <p:nvSpPr>
+          <p:cNvPr id="2" name="Заголовок 1">
+            <a:extLst>
+              <a:ext uri="{FF2B5EF4-FFF2-40B4-BE49-F238E27FC236}">
                 <a16:creationId xmlns:a16="http://schemas.microsoft.com/office/drawing/2014/main" id="{130FEF77-737D-43DE-BE83-BDAD588E8FBD}"/>
               </a:ext>
             </a:extLst>
@@ -8446,13 +8747,6 @@
               <a:buChar char="•"/>
             </a:pPr>
             <a:r>
-              <a:rPr lang="ru-RU" sz="3300" dirty="0">
-                <a:latin typeface="Calibri" panose="020F0502020204030204" pitchFamily="34" charset="0"/>
-                <a:cs typeface="Calibri" panose="020F0502020204030204" pitchFamily="34" charset="0"/>
-              </a:rPr>
-              <a:t>Фреймворк </a:t>
-            </a:r>
-            <a:r>
               <a:rPr lang="en-US" sz="3300" dirty="0">
                 <a:latin typeface="Calibri" panose="020F0502020204030204" pitchFamily="34" charset="0"/>
                 <a:cs typeface="Calibri" panose="020F0502020204030204" pitchFamily="34" charset="0"/>
@@ -8562,13 +8856,6 @@
               <a:buChar char="•"/>
             </a:pPr>
             <a:r>
-              <a:rPr lang="ru-RU" sz="3300" dirty="0">
-                <a:latin typeface="Calibri" panose="020F0502020204030204" pitchFamily="34" charset="0"/>
-                <a:cs typeface="Calibri" panose="020F0502020204030204" pitchFamily="34" charset="0"/>
-              </a:rPr>
-              <a:t>Фреймворк </a:t>
-            </a:r>
-            <a:r>
               <a:rPr lang="en-US" sz="3300" dirty="0" err="1">
                 <a:latin typeface="Calibri" panose="020F0502020204030204" pitchFamily="34" charset="0"/>
                 <a:cs typeface="Calibri" panose="020F0502020204030204" pitchFamily="34" charset="0"/>
@@ -8657,7 +8944,7 @@
           <a:p>
             <a:fld id="{F846435F-278B-4F8D-8B6E-49BFC1C98D0D}" type="slidenum">
               <a:rPr lang="ru-RU" smtClean="0"/>
-              <a:t>10</a:t>
+              <a:t>12</a:t>
             </a:fld>
             <a:endParaRPr lang="ru-RU"/>
           </a:p>
@@ -8667,263 +8954,6 @@
     <p:extLst>
       <p:ext uri="{BB962C8B-B14F-4D97-AF65-F5344CB8AC3E}">
         <p14:creationId xmlns:p14="http://schemas.microsoft.com/office/powerpoint/2010/main" val="1152417413"/>
-      </p:ext>
-    </p:extLst>
-  </p:cSld>
-  <p:clrMapOvr>
-    <a:masterClrMapping/>
-  </p:clrMapOvr>
-</p:sld>
-</file>
-
-<file path=ppt/slides/slide11.xml><?xml version="1.0" encoding="utf-8"?>
-<p:sld xmlns:a="http://schemas.openxmlformats.org/drawingml/2006/main" xmlns:r="http://schemas.openxmlformats.org/officeDocument/2006/relationships" xmlns:p="http://schemas.openxmlformats.org/presentationml/2006/main">
-  <p:cSld>
-    <p:spTree>
-      <p:nvGrpSpPr>
-        <p:cNvPr id="1" name=""/>
-        <p:cNvGrpSpPr/>
-        <p:nvPr/>
-      </p:nvGrpSpPr>
-      <p:grpSpPr>
-        <a:xfrm>
-          <a:off x="0" y="0"/>
-          <a:ext cx="0" cy="0"/>
-          <a:chOff x="0" y="0"/>
-          <a:chExt cx="0" cy="0"/>
-        </a:xfrm>
-      </p:grpSpPr>
-      <p:sp>
-        <p:nvSpPr>
-          <p:cNvPr id="2" name="Заголовок 1">
-            <a:extLst>
-              <a:ext uri="{FF2B5EF4-FFF2-40B4-BE49-F238E27FC236}">
-                <a16:creationId xmlns:a16="http://schemas.microsoft.com/office/drawing/2014/main" id="{A3FE710E-7386-4248-9726-0B6BF9EFE8D2}"/>
-              </a:ext>
-            </a:extLst>
-          </p:cNvPr>
-          <p:cNvSpPr>
-            <a:spLocks noGrp="1"/>
-          </p:cNvSpPr>
-          <p:nvPr>
-            <p:ph type="title"/>
-          </p:nvPr>
-        </p:nvSpPr>
-        <p:spPr>
-          <a:xfrm>
-            <a:off x="1135712" y="67530"/>
-            <a:ext cx="10403399" cy="675691"/>
-          </a:xfrm>
-        </p:spPr>
-        <p:txBody>
-          <a:bodyPr/>
-          <a:lstStyle/>
-          <a:p>
-            <a:pPr algn="ctr"/>
-            <a:r>
-              <a:rPr lang="ru-RU" dirty="0">
-                <a:latin typeface="Calibri" panose="020F0502020204030204" pitchFamily="34" charset="0"/>
-                <a:cs typeface="Calibri" panose="020F0502020204030204" pitchFamily="34" charset="0"/>
-              </a:rPr>
-              <a:t>Концептуальная архитектура приложения</a:t>
-            </a:r>
-          </a:p>
-        </p:txBody>
-      </p:sp>
-      <p:pic>
-        <p:nvPicPr>
-          <p:cNvPr id="6" name="Объект 5">
-            <a:extLst>
-              <a:ext uri="{FF2B5EF4-FFF2-40B4-BE49-F238E27FC236}">
-                <a16:creationId xmlns:a16="http://schemas.microsoft.com/office/drawing/2014/main" id="{7C77FCF1-9C14-4AC8-8FCF-20E5A9098E10}"/>
-              </a:ext>
-            </a:extLst>
-          </p:cNvPr>
-          <p:cNvPicPr>
-            <a:picLocks noGrp="1" noChangeAspect="1"/>
-          </p:cNvPicPr>
-          <p:nvPr>
-            <p:ph idx="1"/>
-          </p:nvPr>
-        </p:nvPicPr>
-        <p:blipFill>
-          <a:blip r:embed="rId2">
-            <a:extLst>
-              <a:ext uri="{28A0092B-C50C-407E-A947-70E740481C1C}">
-                <a14:useLocalDpi xmlns:a14="http://schemas.microsoft.com/office/drawing/2010/main" val="0"/>
-              </a:ext>
-            </a:extLst>
-          </a:blip>
-          <a:stretch>
-            <a:fillRect/>
-          </a:stretch>
-        </p:blipFill>
-        <p:spPr>
-          <a:xfrm>
-            <a:off x="1932819" y="632028"/>
-            <a:ext cx="8809183" cy="5945754"/>
-          </a:xfrm>
-        </p:spPr>
-      </p:pic>
-      <p:sp>
-        <p:nvSpPr>
-          <p:cNvPr id="7" name="Номер слайда 6">
-            <a:extLst>
-              <a:ext uri="{FF2B5EF4-FFF2-40B4-BE49-F238E27FC236}">
-                <a16:creationId xmlns:a16="http://schemas.microsoft.com/office/drawing/2014/main" id="{A1FD8103-A8BB-437D-975D-073C20443FD3}"/>
-              </a:ext>
-            </a:extLst>
-          </p:cNvPr>
-          <p:cNvSpPr>
-            <a:spLocks noGrp="1"/>
-          </p:cNvSpPr>
-          <p:nvPr>
-            <p:ph type="sldNum" sz="quarter" idx="12"/>
-          </p:nvPr>
-        </p:nvSpPr>
-        <p:spPr/>
-        <p:txBody>
-          <a:bodyPr/>
-          <a:lstStyle/>
-          <a:p>
-            <a:fld id="{F846435F-278B-4F8D-8B6E-49BFC1C98D0D}" type="slidenum">
-              <a:rPr lang="ru-RU" smtClean="0"/>
-              <a:t>11</a:t>
-            </a:fld>
-            <a:endParaRPr lang="ru-RU"/>
-          </a:p>
-        </p:txBody>
-      </p:sp>
-    </p:spTree>
-    <p:extLst>
-      <p:ext uri="{BB962C8B-B14F-4D97-AF65-F5344CB8AC3E}">
-        <p14:creationId xmlns:p14="http://schemas.microsoft.com/office/powerpoint/2010/main" val="1834297963"/>
-      </p:ext>
-    </p:extLst>
-  </p:cSld>
-  <p:clrMapOvr>
-    <a:masterClrMapping/>
-  </p:clrMapOvr>
-</p:sld>
-</file>
-
-<file path=ppt/slides/slide12.xml><?xml version="1.0" encoding="utf-8"?>
-<p:sld xmlns:a="http://schemas.openxmlformats.org/drawingml/2006/main" xmlns:r="http://schemas.openxmlformats.org/officeDocument/2006/relationships" xmlns:p="http://schemas.openxmlformats.org/presentationml/2006/main">
-  <p:cSld>
-    <p:spTree>
-      <p:nvGrpSpPr>
-        <p:cNvPr id="1" name=""/>
-        <p:cNvGrpSpPr/>
-        <p:nvPr/>
-      </p:nvGrpSpPr>
-      <p:grpSpPr>
-        <a:xfrm>
-          <a:off x="0" y="0"/>
-          <a:ext cx="0" cy="0"/>
-          <a:chOff x="0" y="0"/>
-          <a:chExt cx="0" cy="0"/>
-        </a:xfrm>
-      </p:grpSpPr>
-      <p:sp>
-        <p:nvSpPr>
-          <p:cNvPr id="2" name="Заголовок 1">
-            <a:extLst>
-              <a:ext uri="{FF2B5EF4-FFF2-40B4-BE49-F238E27FC236}">
-                <a16:creationId xmlns:a16="http://schemas.microsoft.com/office/drawing/2014/main" id="{90044C76-8878-4D21-8551-D334446C67F8}"/>
-              </a:ext>
-            </a:extLst>
-          </p:cNvPr>
-          <p:cNvSpPr>
-            <a:spLocks noGrp="1"/>
-          </p:cNvSpPr>
-          <p:nvPr>
-            <p:ph type="title"/>
-          </p:nvPr>
-        </p:nvSpPr>
-        <p:spPr>
-          <a:xfrm>
-            <a:off x="0" y="0"/>
-            <a:ext cx="12172336" cy="762238"/>
-          </a:xfrm>
-        </p:spPr>
-        <p:txBody>
-          <a:bodyPr>
-            <a:normAutofit/>
-          </a:bodyPr>
-          <a:lstStyle/>
-          <a:p>
-            <a:pPr algn="ctr"/>
-            <a:r>
-              <a:rPr lang="ru-RU" sz="4000" dirty="0">
-                <a:latin typeface="Calibri" panose="020F0502020204030204" pitchFamily="34" charset="0"/>
-                <a:cs typeface="Calibri" panose="020F0502020204030204" pitchFamily="34" charset="0"/>
-              </a:rPr>
-              <a:t>Конструктор вопросов</a:t>
-            </a:r>
-          </a:p>
-        </p:txBody>
-      </p:sp>
-      <p:sp>
-        <p:nvSpPr>
-          <p:cNvPr id="6" name="Номер слайда 5">
-            <a:extLst>
-              <a:ext uri="{FF2B5EF4-FFF2-40B4-BE49-F238E27FC236}">
-                <a16:creationId xmlns:a16="http://schemas.microsoft.com/office/drawing/2014/main" id="{64439D20-99F3-4D56-940A-C6B53D7C24CC}"/>
-              </a:ext>
-            </a:extLst>
-          </p:cNvPr>
-          <p:cNvSpPr>
-            <a:spLocks noGrp="1"/>
-          </p:cNvSpPr>
-          <p:nvPr>
-            <p:ph type="sldNum" sz="quarter" idx="12"/>
-          </p:nvPr>
-        </p:nvSpPr>
-        <p:spPr/>
-        <p:txBody>
-          <a:bodyPr/>
-          <a:lstStyle/>
-          <a:p>
-            <a:fld id="{F846435F-278B-4F8D-8B6E-49BFC1C98D0D}" type="slidenum">
-              <a:rPr lang="ru-RU" smtClean="0"/>
-              <a:t>12</a:t>
-            </a:fld>
-            <a:endParaRPr lang="ru-RU"/>
-          </a:p>
-        </p:txBody>
-      </p:sp>
-      <p:pic>
-        <p:nvPicPr>
-          <p:cNvPr id="8" name="Рисунок 7">
-            <a:extLst>
-              <a:ext uri="{FF2B5EF4-FFF2-40B4-BE49-F238E27FC236}">
-                <a16:creationId xmlns:a16="http://schemas.microsoft.com/office/drawing/2014/main" id="{BF464E2C-0A91-4A0A-A6F8-11E37B80885A}"/>
-              </a:ext>
-            </a:extLst>
-          </p:cNvPr>
-          <p:cNvPicPr/>
-          <p:nvPr/>
-        </p:nvPicPr>
-        <p:blipFill>
-          <a:blip r:embed="rId2"/>
-          <a:stretch>
-            <a:fillRect/>
-          </a:stretch>
-        </p:blipFill>
-        <p:spPr>
-          <a:xfrm>
-            <a:off x="2280173" y="961466"/>
-            <a:ext cx="7631653" cy="5403823"/>
-          </a:xfrm>
-          <a:prstGeom prst="rect">
-            <a:avLst/>
-          </a:prstGeom>
-        </p:spPr>
-      </p:pic>
-    </p:spTree>
-    <p:extLst>
-      <p:ext uri="{BB962C8B-B14F-4D97-AF65-F5344CB8AC3E}">
-        <p14:creationId xmlns:p14="http://schemas.microsoft.com/office/powerpoint/2010/main" val="431220467"/>
       </p:ext>
     </p:extLst>
   </p:cSld>
@@ -8968,7 +8998,7 @@
         </p:nvSpPr>
         <p:spPr>
           <a:xfrm>
-            <a:off x="127821" y="0"/>
+            <a:off x="0" y="87688"/>
             <a:ext cx="12172336" cy="762238"/>
           </a:xfrm>
         </p:spPr>
@@ -8984,17 +9014,17 @@
                 <a:latin typeface="Calibri" panose="020F0502020204030204" pitchFamily="34" charset="0"/>
                 <a:cs typeface="Calibri" panose="020F0502020204030204" pitchFamily="34" charset="0"/>
               </a:rPr>
-              <a:t>Персональный отчёт</a:t>
-            </a:r>
-          </a:p>
-        </p:txBody>
-      </p:sp>
-      <p:sp>
-        <p:nvSpPr>
-          <p:cNvPr id="8" name="Номер слайда 7">
+              <a:t>Конструктор вопросов</a:t>
+            </a:r>
+          </a:p>
+        </p:txBody>
+      </p:sp>
+      <p:sp>
+        <p:nvSpPr>
+          <p:cNvPr id="6" name="Номер слайда 5">
             <a:extLst>
               <a:ext uri="{FF2B5EF4-FFF2-40B4-BE49-F238E27FC236}">
-                <a16:creationId xmlns:a16="http://schemas.microsoft.com/office/drawing/2014/main" id="{1332CEC2-8F7B-4C79-BEB6-545EA341400D}"/>
+                <a16:creationId xmlns:a16="http://schemas.microsoft.com/office/drawing/2014/main" id="{64439D20-99F3-4D56-940A-C6B53D7C24CC}"/>
               </a:ext>
             </a:extLst>
           </p:cNvPr>
@@ -9020,33 +9050,26 @@
       </p:sp>
       <p:pic>
         <p:nvPicPr>
-          <p:cNvPr id="4" name="Рисунок 3">
+          <p:cNvPr id="8" name="Рисунок 7">
             <a:extLst>
               <a:ext uri="{FF2B5EF4-FFF2-40B4-BE49-F238E27FC236}">
-                <a16:creationId xmlns:a16="http://schemas.microsoft.com/office/drawing/2014/main" id="{62007F94-987C-4E8F-A590-C98C29A9E1CC}"/>
+                <a16:creationId xmlns:a16="http://schemas.microsoft.com/office/drawing/2014/main" id="{BF464E2C-0A91-4A0A-A6F8-11E37B80885A}"/>
               </a:ext>
             </a:extLst>
           </p:cNvPr>
-          <p:cNvPicPr>
-            <a:picLocks noChangeAspect="1"/>
-          </p:cNvPicPr>
+          <p:cNvPicPr/>
           <p:nvPr/>
         </p:nvPicPr>
-        <p:blipFill rotWithShape="1">
-          <a:blip r:embed="rId2">
-            <a:extLst>
-              <a:ext uri="{28A0092B-C50C-407E-A947-70E740481C1C}">
-                <a14:useLocalDpi xmlns:a14="http://schemas.microsoft.com/office/drawing/2010/main" val="0"/>
-              </a:ext>
-            </a:extLst>
-          </a:blip>
-          <a:srcRect r="4961"/>
-          <a:stretch/>
+        <p:blipFill>
+          <a:blip r:embed="rId2"/>
+          <a:stretch>
+            <a:fillRect/>
+          </a:stretch>
         </p:blipFill>
         <p:spPr>
           <a:xfrm>
-            <a:off x="3487913" y="762238"/>
-            <a:ext cx="5452152" cy="5566582"/>
+            <a:off x="1891729" y="849926"/>
+            <a:ext cx="8408542" cy="5717219"/>
           </a:xfrm>
           <a:prstGeom prst="rect">
             <a:avLst/>
@@ -9056,7 +9079,7 @@
     </p:spTree>
     <p:extLst>
       <p:ext uri="{BB962C8B-B14F-4D97-AF65-F5344CB8AC3E}">
-        <p14:creationId xmlns:p14="http://schemas.microsoft.com/office/powerpoint/2010/main" val="1154482116"/>
+        <p14:creationId xmlns:p14="http://schemas.microsoft.com/office/powerpoint/2010/main" val="431220467"/>
       </p:ext>
     </p:extLst>
   </p:cSld>
@@ -9088,7 +9111,7 @@
           <p:cNvPr id="2" name="Заголовок 1">
             <a:extLst>
               <a:ext uri="{FF2B5EF4-FFF2-40B4-BE49-F238E27FC236}">
-                <a16:creationId xmlns:a16="http://schemas.microsoft.com/office/drawing/2014/main" id="{4B45C9CE-829F-4E22-B53F-94A17C8A6930}"/>
+                <a16:creationId xmlns:a16="http://schemas.microsoft.com/office/drawing/2014/main" id="{90044C76-8878-4D21-8551-D334446C67F8}"/>
               </a:ext>
             </a:extLst>
           </p:cNvPr>
@@ -9101,90 +9124,89 @@
         </p:nvSpPr>
         <p:spPr>
           <a:xfrm>
-            <a:off x="1640156" y="397968"/>
-            <a:ext cx="8911687" cy="703245"/>
+            <a:off x="19664" y="88777"/>
+            <a:ext cx="12172336" cy="762238"/>
           </a:xfrm>
         </p:spPr>
         <p:txBody>
-          <a:bodyPr/>
+          <a:bodyPr>
+            <a:normAutofit/>
+          </a:bodyPr>
           <a:lstStyle/>
           <a:p>
             <a:pPr algn="ctr"/>
             <a:r>
-              <a:rPr lang="ru-RU" dirty="0">
+              <a:rPr lang="ru-RU" sz="4000" dirty="0">
                 <a:latin typeface="Calibri" panose="020F0502020204030204" pitchFamily="34" charset="0"/>
                 <a:cs typeface="Calibri" panose="020F0502020204030204" pitchFamily="34" charset="0"/>
               </a:rPr>
-              <a:t>Пример итогового отчёта</a:t>
-            </a:r>
+              <a:t>Персональный отчёт</a:t>
+            </a:r>
+          </a:p>
+        </p:txBody>
+      </p:sp>
+      <p:sp>
+        <p:nvSpPr>
+          <p:cNvPr id="8" name="Номер слайда 7">
+            <a:extLst>
+              <a:ext uri="{FF2B5EF4-FFF2-40B4-BE49-F238E27FC236}">
+                <a16:creationId xmlns:a16="http://schemas.microsoft.com/office/drawing/2014/main" id="{1332CEC2-8F7B-4C79-BEB6-545EA341400D}"/>
+              </a:ext>
+            </a:extLst>
+          </p:cNvPr>
+          <p:cNvSpPr>
+            <a:spLocks noGrp="1"/>
+          </p:cNvSpPr>
+          <p:nvPr>
+            <p:ph type="sldNum" sz="quarter" idx="12"/>
+          </p:nvPr>
+        </p:nvSpPr>
+        <p:spPr/>
+        <p:txBody>
+          <a:bodyPr/>
+          <a:lstStyle/>
+          <a:p>
+            <a:fld id="{F846435F-278B-4F8D-8B6E-49BFC1C98D0D}" type="slidenum">
+              <a:rPr lang="ru-RU" smtClean="0"/>
+              <a:t>14</a:t>
+            </a:fld>
+            <a:endParaRPr lang="ru-RU"/>
           </a:p>
         </p:txBody>
       </p:sp>
       <p:pic>
         <p:nvPicPr>
-          <p:cNvPr id="4" name="Объект 3">
+          <p:cNvPr id="3" name="Рисунок 2">
             <a:extLst>
               <a:ext uri="{FF2B5EF4-FFF2-40B4-BE49-F238E27FC236}">
-                <a16:creationId xmlns:a16="http://schemas.microsoft.com/office/drawing/2014/main" id="{CF6A4D3C-8823-4A2A-B1A8-9737F78A2229}"/>
+                <a16:creationId xmlns:a16="http://schemas.microsoft.com/office/drawing/2014/main" id="{EE2B9426-C1CC-48CA-8DA8-E480C0A60E68}"/>
               </a:ext>
             </a:extLst>
           </p:cNvPr>
           <p:cNvPicPr>
-            <a:picLocks noGrp="1" noChangeAspect="1"/>
+            <a:picLocks noChangeAspect="1"/>
           </p:cNvPicPr>
-          <p:nvPr>
-            <p:ph idx="1"/>
-          </p:nvPr>
+          <p:nvPr/>
         </p:nvPicPr>
-        <p:blipFill>
+        <p:blipFill rotWithShape="1">
           <a:blip r:embed="rId2"/>
-          <a:stretch>
-            <a:fillRect/>
-          </a:stretch>
+          <a:srcRect l="4363" r="4409" b="1474"/>
+          <a:stretch/>
         </p:blipFill>
         <p:spPr>
           <a:xfrm>
-            <a:off x="127479" y="2382384"/>
-            <a:ext cx="12064521" cy="1715167"/>
+            <a:off x="3696970" y="987958"/>
+            <a:ext cx="4798059" cy="5174003"/>
           </a:xfrm>
           <a:prstGeom prst="rect">
             <a:avLst/>
           </a:prstGeom>
         </p:spPr>
       </p:pic>
-      <p:sp>
-        <p:nvSpPr>
-          <p:cNvPr id="7" name="Номер слайда 6">
-            <a:extLst>
-              <a:ext uri="{FF2B5EF4-FFF2-40B4-BE49-F238E27FC236}">
-                <a16:creationId xmlns:a16="http://schemas.microsoft.com/office/drawing/2014/main" id="{89794232-ADBB-408D-A0A8-BD0A879B271B}"/>
-              </a:ext>
-            </a:extLst>
-          </p:cNvPr>
-          <p:cNvSpPr>
-            <a:spLocks noGrp="1"/>
-          </p:cNvSpPr>
-          <p:nvPr>
-            <p:ph type="sldNum" sz="quarter" idx="12"/>
-          </p:nvPr>
-        </p:nvSpPr>
-        <p:spPr/>
-        <p:txBody>
-          <a:bodyPr/>
-          <a:lstStyle/>
-          <a:p>
-            <a:fld id="{F846435F-278B-4F8D-8B6E-49BFC1C98D0D}" type="slidenum">
-              <a:rPr lang="ru-RU" smtClean="0"/>
-              <a:t>14</a:t>
-            </a:fld>
-            <a:endParaRPr lang="ru-RU"/>
-          </a:p>
-        </p:txBody>
-      </p:sp>
     </p:spTree>
     <p:extLst>
       <p:ext uri="{BB962C8B-B14F-4D97-AF65-F5344CB8AC3E}">
-        <p14:creationId xmlns:p14="http://schemas.microsoft.com/office/powerpoint/2010/main" val="3119241129"/>
+        <p14:creationId xmlns:p14="http://schemas.microsoft.com/office/powerpoint/2010/main" val="1154482116"/>
       </p:ext>
     </p:extLst>
   </p:cSld>
@@ -9216,7 +9238,7 @@
           <p:cNvPr id="2" name="Заголовок 1">
             <a:extLst>
               <a:ext uri="{FF2B5EF4-FFF2-40B4-BE49-F238E27FC236}">
-                <a16:creationId xmlns:a16="http://schemas.microsoft.com/office/drawing/2014/main" id="{8F34746D-92E6-4740-86DB-42743C36705C}"/>
+                <a16:creationId xmlns:a16="http://schemas.microsoft.com/office/drawing/2014/main" id="{4B45C9CE-829F-4E22-B53F-94A17C8A6930}"/>
               </a:ext>
             </a:extLst>
           </p:cNvPr>
@@ -9229,303 +9251,24 @@
         </p:nvSpPr>
         <p:spPr>
           <a:xfrm>
-            <a:off x="924444" y="226143"/>
-            <a:ext cx="10353761" cy="678426"/>
+            <a:off x="1640156" y="176026"/>
+            <a:ext cx="8911687" cy="703245"/>
           </a:xfrm>
         </p:spPr>
         <p:txBody>
-          <a:bodyPr/>
+          <a:bodyPr>
+            <a:normAutofit/>
+          </a:bodyPr>
           <a:lstStyle/>
           <a:p>
             <a:pPr algn="ctr"/>
             <a:r>
-              <a:rPr lang="ru-RU" dirty="0">
+              <a:rPr lang="ru-RU" sz="4000" dirty="0">
                 <a:latin typeface="Calibri" panose="020F0502020204030204" pitchFamily="34" charset="0"/>
                 <a:cs typeface="Calibri" panose="020F0502020204030204" pitchFamily="34" charset="0"/>
               </a:rPr>
-              <a:t>Результат</a:t>
-            </a:r>
-          </a:p>
-        </p:txBody>
-      </p:sp>
-      <p:sp>
-        <p:nvSpPr>
-          <p:cNvPr id="3" name="Объект 2">
-            <a:extLst>
-              <a:ext uri="{FF2B5EF4-FFF2-40B4-BE49-F238E27FC236}">
-                <a16:creationId xmlns:a16="http://schemas.microsoft.com/office/drawing/2014/main" id="{FDEBC7F3-3270-43E7-9EDC-7C5E8335150D}"/>
-              </a:ext>
-            </a:extLst>
-          </p:cNvPr>
-          <p:cNvSpPr>
-            <a:spLocks noGrp="1"/>
-          </p:cNvSpPr>
-          <p:nvPr>
-            <p:ph idx="1"/>
-          </p:nvPr>
-        </p:nvSpPr>
-        <p:spPr>
-          <a:xfrm>
-            <a:off x="1372008" y="904569"/>
-            <a:ext cx="10112675" cy="5112774"/>
-          </a:xfrm>
-        </p:spPr>
-        <p:txBody>
-          <a:bodyPr>
-            <a:noAutofit/>
-          </a:bodyPr>
-          <a:lstStyle/>
-          <a:p>
-            <a:pPr>
-              <a:lnSpc>
-                <a:spcPct val="100000"/>
-              </a:lnSpc>
-              <a:spcBef>
-                <a:spcPts val="0"/>
-              </a:spcBef>
-            </a:pPr>
-            <a:r>
-              <a:rPr lang="ru-RU" sz="2400" dirty="0">
-                <a:latin typeface="Calibri" panose="020F0502020204030204" pitchFamily="34" charset="0"/>
-                <a:cs typeface="Calibri" panose="020F0502020204030204" pitchFamily="34" charset="0"/>
-              </a:rPr>
-              <a:t>Произведен анализ предметной области</a:t>
-            </a:r>
-          </a:p>
-          <a:p>
-            <a:pPr lvl="1">
-              <a:lnSpc>
-                <a:spcPct val="100000"/>
-              </a:lnSpc>
-              <a:spcBef>
-                <a:spcPts val="0"/>
-              </a:spcBef>
-            </a:pPr>
-            <a:r>
-              <a:rPr lang="ru-RU" sz="2400" dirty="0">
-                <a:latin typeface="Calibri" panose="020F0502020204030204" pitchFamily="34" charset="0"/>
-                <a:cs typeface="Calibri" panose="020F0502020204030204" pitchFamily="34" charset="0"/>
-              </a:rPr>
-              <a:t>Изучена методика проведения тестирований среди сотрудников АНХК</a:t>
-            </a:r>
-          </a:p>
-          <a:p>
-            <a:pPr lvl="1">
-              <a:lnSpc>
-                <a:spcPct val="100000"/>
-              </a:lnSpc>
-              <a:spcBef>
-                <a:spcPts val="0"/>
-              </a:spcBef>
-            </a:pPr>
-            <a:r>
-              <a:rPr lang="ru-RU" sz="2400" dirty="0">
-                <a:latin typeface="Calibri" panose="020F0502020204030204" pitchFamily="34" charset="0"/>
-                <a:cs typeface="Calibri" panose="020F0502020204030204" pitchFamily="34" charset="0"/>
-              </a:rPr>
-              <a:t>Проведен критический анализ текущего подхода к проведению тестирований</a:t>
-            </a:r>
-          </a:p>
-          <a:p>
-            <a:pPr lvl="1">
-              <a:lnSpc>
-                <a:spcPct val="100000"/>
-              </a:lnSpc>
-              <a:spcBef>
-                <a:spcPts val="0"/>
-              </a:spcBef>
-            </a:pPr>
-            <a:r>
-              <a:rPr lang="ru-RU" sz="2400" dirty="0">
-                <a:latin typeface="Calibri" panose="020F0502020204030204" pitchFamily="34" charset="0"/>
-                <a:cs typeface="Calibri" panose="020F0502020204030204" pitchFamily="34" charset="0"/>
-              </a:rPr>
-              <a:t>Выполнен обзор ПО, предоставляющего средства для проведения тестирований</a:t>
-            </a:r>
-          </a:p>
-          <a:p>
-            <a:pPr marL="457200" lvl="1" indent="0">
-              <a:lnSpc>
-                <a:spcPct val="100000"/>
-              </a:lnSpc>
-              <a:spcBef>
-                <a:spcPts val="0"/>
-              </a:spcBef>
-              <a:buNone/>
-            </a:pPr>
-            <a:endParaRPr lang="ru-RU" sz="2400" dirty="0">
-              <a:latin typeface="Calibri" panose="020F0502020204030204" pitchFamily="34" charset="0"/>
-              <a:cs typeface="Calibri" panose="020F0502020204030204" pitchFamily="34" charset="0"/>
-            </a:endParaRPr>
-          </a:p>
-          <a:p>
-            <a:pPr>
-              <a:lnSpc>
-                <a:spcPct val="100000"/>
-              </a:lnSpc>
-              <a:spcBef>
-                <a:spcPts val="0"/>
-              </a:spcBef>
-            </a:pPr>
-            <a:r>
-              <a:rPr lang="ru-RU" sz="2400" dirty="0">
-                <a:latin typeface="Calibri" panose="020F0502020204030204" pitchFamily="34" charset="0"/>
-                <a:cs typeface="Calibri" panose="020F0502020204030204" pitchFamily="34" charset="0"/>
-              </a:rPr>
-              <a:t>Выполнено проектирование системы</a:t>
-            </a:r>
-          </a:p>
-          <a:p>
-            <a:pPr lvl="1">
-              <a:lnSpc>
-                <a:spcPct val="100000"/>
-              </a:lnSpc>
-              <a:spcBef>
-                <a:spcPts val="0"/>
-              </a:spcBef>
-            </a:pPr>
-            <a:r>
-              <a:rPr lang="ru-RU" sz="2400" dirty="0">
-                <a:latin typeface="Calibri" panose="020F0502020204030204" pitchFamily="34" charset="0"/>
-                <a:cs typeface="Calibri" panose="020F0502020204030204" pitchFamily="34" charset="0"/>
-              </a:rPr>
-              <a:t>Разработана архитектура системы</a:t>
-            </a:r>
-          </a:p>
-          <a:p>
-            <a:pPr lvl="1">
-              <a:lnSpc>
-                <a:spcPct val="100000"/>
-              </a:lnSpc>
-              <a:spcBef>
-                <a:spcPts val="0"/>
-              </a:spcBef>
-            </a:pPr>
-            <a:r>
-              <a:rPr lang="ru-RU" sz="2400" dirty="0">
-                <a:latin typeface="Calibri" panose="020F0502020204030204" pitchFamily="34" charset="0"/>
-                <a:cs typeface="Calibri" panose="020F0502020204030204" pitchFamily="34" charset="0"/>
-              </a:rPr>
-              <a:t>Обоснован выбор средств реализации</a:t>
-            </a:r>
-          </a:p>
-          <a:p>
-            <a:pPr lvl="1">
-              <a:lnSpc>
-                <a:spcPct val="100000"/>
-              </a:lnSpc>
-              <a:spcBef>
-                <a:spcPts val="0"/>
-              </a:spcBef>
-            </a:pPr>
-            <a:r>
-              <a:rPr lang="ru-RU" sz="2400" dirty="0">
-                <a:latin typeface="Calibri" panose="020F0502020204030204" pitchFamily="34" charset="0"/>
-                <a:cs typeface="Calibri" panose="020F0502020204030204" pitchFamily="34" charset="0"/>
-              </a:rPr>
-              <a:t>Спроектирован пользовательский интерфейс</a:t>
-            </a:r>
-          </a:p>
-          <a:p>
-            <a:pPr marL="0" indent="0">
-              <a:lnSpc>
-                <a:spcPct val="100000"/>
-              </a:lnSpc>
-              <a:spcBef>
-                <a:spcPts val="0"/>
-              </a:spcBef>
-              <a:buNone/>
-            </a:pPr>
-            <a:endParaRPr lang="ru-RU" sz="2400" dirty="0">
-              <a:latin typeface="Calibri" panose="020F0502020204030204" pitchFamily="34" charset="0"/>
-              <a:cs typeface="Calibri" panose="020F0502020204030204" pitchFamily="34" charset="0"/>
-            </a:endParaRPr>
-          </a:p>
-          <a:p>
-            <a:pPr>
-              <a:lnSpc>
-                <a:spcPct val="100000"/>
-              </a:lnSpc>
-              <a:spcBef>
-                <a:spcPts val="0"/>
-              </a:spcBef>
-            </a:pPr>
-            <a:r>
-              <a:rPr lang="ru-RU" sz="2400" dirty="0">
-                <a:latin typeface="Calibri" panose="020F0502020204030204" pitchFamily="34" charset="0"/>
-                <a:cs typeface="Calibri" panose="020F0502020204030204" pitchFamily="34" charset="0"/>
-              </a:rPr>
-              <a:t>Осуществлена реализация системы</a:t>
-            </a:r>
-          </a:p>
-          <a:p>
-            <a:pPr lvl="1">
-              <a:lnSpc>
-                <a:spcPct val="100000"/>
-              </a:lnSpc>
-              <a:spcBef>
-                <a:spcPts val="0"/>
-              </a:spcBef>
-            </a:pPr>
-            <a:r>
-              <a:rPr lang="ru-RU" sz="2400" dirty="0">
-                <a:latin typeface="Calibri" panose="020F0502020204030204" pitchFamily="34" charset="0"/>
-                <a:cs typeface="Calibri" panose="020F0502020204030204" pitchFamily="34" charset="0"/>
-              </a:rPr>
-              <a:t>Реализовано прохождение тестирования</a:t>
-            </a:r>
-          </a:p>
-          <a:p>
-            <a:pPr lvl="1">
-              <a:lnSpc>
-                <a:spcPct val="100000"/>
-              </a:lnSpc>
-              <a:spcBef>
-                <a:spcPts val="0"/>
-              </a:spcBef>
-            </a:pPr>
-            <a:r>
-              <a:rPr lang="ru-RU" sz="2400" dirty="0">
-                <a:latin typeface="Calibri" panose="020F0502020204030204" pitchFamily="34" charset="0"/>
-                <a:cs typeface="Calibri" panose="020F0502020204030204" pitchFamily="34" charset="0"/>
-              </a:rPr>
-              <a:t>Реализована генерация отчёта по результатам тестирования</a:t>
-            </a:r>
-          </a:p>
-          <a:p>
-            <a:pPr marL="0" indent="0">
-              <a:lnSpc>
-                <a:spcPct val="100000"/>
-              </a:lnSpc>
-              <a:spcBef>
-                <a:spcPts val="0"/>
-              </a:spcBef>
-              <a:buNone/>
-            </a:pPr>
-            <a:endParaRPr lang="ru-RU" sz="2400" dirty="0">
-              <a:latin typeface="Calibri" panose="020F0502020204030204" pitchFamily="34" charset="0"/>
-              <a:cs typeface="Calibri" panose="020F0502020204030204" pitchFamily="34" charset="0"/>
-            </a:endParaRPr>
-          </a:p>
-          <a:p>
-            <a:pPr lvl="1">
-              <a:lnSpc>
-                <a:spcPct val="100000"/>
-              </a:lnSpc>
-              <a:spcBef>
-                <a:spcPts val="0"/>
-              </a:spcBef>
-            </a:pPr>
-            <a:endParaRPr lang="ru-RU" sz="2400" dirty="0">
-              <a:latin typeface="Calibri" panose="020F0502020204030204" pitchFamily="34" charset="0"/>
-              <a:cs typeface="Calibri" panose="020F0502020204030204" pitchFamily="34" charset="0"/>
-            </a:endParaRPr>
-          </a:p>
-          <a:p>
-            <a:endParaRPr lang="ru-RU" sz="2400" dirty="0">
-              <a:latin typeface="Calibri" panose="020F0502020204030204" pitchFamily="34" charset="0"/>
-              <a:cs typeface="Calibri" panose="020F0502020204030204" pitchFamily="34" charset="0"/>
-            </a:endParaRPr>
+              <a:t>Пример итогового отчёта</a:t>
+            </a:r>
           </a:p>
         </p:txBody>
       </p:sp>
@@ -9534,7 +9277,7 @@
           <p:cNvPr id="7" name="Номер слайда 6">
             <a:extLst>
               <a:ext uri="{FF2B5EF4-FFF2-40B4-BE49-F238E27FC236}">
-                <a16:creationId xmlns:a16="http://schemas.microsoft.com/office/drawing/2014/main" id="{206692B5-100F-4936-9FA9-57E38E46D859}"/>
+                <a16:creationId xmlns:a16="http://schemas.microsoft.com/office/drawing/2014/main" id="{89794232-ADBB-408D-A0A8-BD0A879B271B}"/>
               </a:ext>
             </a:extLst>
           </p:cNvPr>
@@ -9558,10 +9301,40 @@
           </a:p>
         </p:txBody>
       </p:sp>
+      <p:pic>
+        <p:nvPicPr>
+          <p:cNvPr id="6" name="Рисунок 5">
+            <a:extLst>
+              <a:ext uri="{FF2B5EF4-FFF2-40B4-BE49-F238E27FC236}">
+                <a16:creationId xmlns:a16="http://schemas.microsoft.com/office/drawing/2014/main" id="{E867B994-BDC7-47D1-8B4A-6558F5BB44AB}"/>
+              </a:ext>
+            </a:extLst>
+          </p:cNvPr>
+          <p:cNvPicPr>
+            <a:picLocks noChangeAspect="1"/>
+          </p:cNvPicPr>
+          <p:nvPr/>
+        </p:nvPicPr>
+        <p:blipFill>
+          <a:blip r:embed="rId2"/>
+          <a:stretch>
+            <a:fillRect/>
+          </a:stretch>
+        </p:blipFill>
+        <p:spPr>
+          <a:xfrm>
+            <a:off x="445361" y="2163520"/>
+            <a:ext cx="11301275" cy="2087076"/>
+          </a:xfrm>
+          <a:prstGeom prst="rect">
+            <a:avLst/>
+          </a:prstGeom>
+        </p:spPr>
+      </p:pic>
     </p:spTree>
     <p:extLst>
       <p:ext uri="{BB962C8B-B14F-4D97-AF65-F5344CB8AC3E}">
-        <p14:creationId xmlns:p14="http://schemas.microsoft.com/office/powerpoint/2010/main" val="382035696"/>
+        <p14:creationId xmlns:p14="http://schemas.microsoft.com/office/powerpoint/2010/main" val="3119241129"/>
       </p:ext>
     </p:extLst>
   </p:cSld>
@@ -9590,39 +9363,10 @@
       </p:grpSpPr>
       <p:sp>
         <p:nvSpPr>
-          <p:cNvPr id="4" name="Номер слайда 3">
+          <p:cNvPr id="2" name="Заголовок 1">
             <a:extLst>
               <a:ext uri="{FF2B5EF4-FFF2-40B4-BE49-F238E27FC236}">
-                <a16:creationId xmlns:a16="http://schemas.microsoft.com/office/drawing/2014/main" id="{90B7BB18-884C-4D57-8C7B-63414399E3C4}"/>
-              </a:ext>
-            </a:extLst>
-          </p:cNvPr>
-          <p:cNvSpPr>
-            <a:spLocks noGrp="1"/>
-          </p:cNvSpPr>
-          <p:nvPr>
-            <p:ph type="sldNum" sz="quarter" idx="12"/>
-          </p:nvPr>
-        </p:nvSpPr>
-        <p:spPr/>
-        <p:txBody>
-          <a:bodyPr/>
-          <a:lstStyle/>
-          <a:p>
-            <a:fld id="{F846435F-278B-4F8D-8B6E-49BFC1C98D0D}" type="slidenum">
-              <a:rPr lang="ru-RU" smtClean="0"/>
-              <a:t>16</a:t>
-            </a:fld>
-            <a:endParaRPr lang="ru-RU"/>
-          </a:p>
-        </p:txBody>
-      </p:sp>
-      <p:sp>
-        <p:nvSpPr>
-          <p:cNvPr id="5" name="Заголовок 1">
-            <a:extLst>
-              <a:ext uri="{FF2B5EF4-FFF2-40B4-BE49-F238E27FC236}">
-                <a16:creationId xmlns:a16="http://schemas.microsoft.com/office/drawing/2014/main" id="{2014B287-ED2C-4F3C-9770-2942AF804E73}"/>
+                <a16:creationId xmlns:a16="http://schemas.microsoft.com/office/drawing/2014/main" id="{8F34746D-92E6-4740-86DB-42743C36705C}"/>
               </a:ext>
             </a:extLst>
           </p:cNvPr>
@@ -9649,173 +9393,246 @@
                 <a:latin typeface="Calibri" panose="020F0502020204030204" pitchFamily="34" charset="0"/>
                 <a:cs typeface="Calibri" panose="020F0502020204030204" pitchFamily="34" charset="0"/>
               </a:rPr>
-              <a:t>Стоимость услуг конкурентов</a:t>
-            </a:r>
-          </a:p>
-        </p:txBody>
-      </p:sp>
-      <p:sp>
-        <p:nvSpPr>
-          <p:cNvPr id="3" name="Прямоугольник 2">
+              <a:t>Результат</a:t>
+            </a:r>
+          </a:p>
+        </p:txBody>
+      </p:sp>
+      <p:sp>
+        <p:nvSpPr>
+          <p:cNvPr id="3" name="Объект 2">
             <a:extLst>
               <a:ext uri="{FF2B5EF4-FFF2-40B4-BE49-F238E27FC236}">
-                <a16:creationId xmlns:a16="http://schemas.microsoft.com/office/drawing/2014/main" id="{882DB96F-74E6-466B-85E1-D5345CFF2A12}"/>
+                <a16:creationId xmlns:a16="http://schemas.microsoft.com/office/drawing/2014/main" id="{FDEBC7F3-3270-43E7-9EDC-7C5E8335150D}"/>
               </a:ext>
             </a:extLst>
           </p:cNvPr>
-          <p:cNvSpPr/>
-          <p:nvPr/>
+          <p:cNvSpPr>
+            <a:spLocks noGrp="1"/>
+          </p:cNvSpPr>
+          <p:nvPr>
+            <p:ph idx="1"/>
+          </p:nvPr>
         </p:nvSpPr>
         <p:spPr>
           <a:xfrm>
-            <a:off x="1311579" y="1714546"/>
-            <a:ext cx="9809825" cy="3416320"/>
+            <a:off x="1039662" y="1304065"/>
+            <a:ext cx="10112675" cy="5112774"/>
           </a:xfrm>
-          <a:prstGeom prst="rect">
-            <a:avLst/>
-          </a:prstGeom>
         </p:spPr>
         <p:txBody>
-          <a:bodyPr wrap="square">
-            <a:spAutoFit/>
+          <a:bodyPr>
+            <a:noAutofit/>
           </a:bodyPr>
           <a:lstStyle/>
           <a:p>
-            <a:r>
-              <a:rPr lang="ru-RU" sz="2400" b="1" dirty="0" err="1">
-                <a:latin typeface="Calibri" panose="020F0502020204030204" pitchFamily="34" charset="0"/>
-                <a:cs typeface="Calibri" panose="020F0502020204030204" pitchFamily="34" charset="0"/>
-              </a:rPr>
-              <a:t>StartExam</a:t>
-            </a:r>
+            <a:pPr>
+              <a:lnSpc>
+                <a:spcPct val="100000"/>
+              </a:lnSpc>
+              <a:spcBef>
+                <a:spcPts val="0"/>
+              </a:spcBef>
+            </a:pPr>
             <a:r>
               <a:rPr lang="ru-RU" sz="2400" dirty="0">
                 <a:latin typeface="Calibri" panose="020F0502020204030204" pitchFamily="34" charset="0"/>
                 <a:cs typeface="Calibri" panose="020F0502020204030204" pitchFamily="34" charset="0"/>
               </a:rPr>
-              <a:t> является предлагает тариф “Стандартный” за 10000 за 3 месяца или около </a:t>
-            </a:r>
-            <a:r>
-              <a:rPr lang="ru-RU" sz="2400" b="1" dirty="0">
-                <a:latin typeface="Calibri" panose="020F0502020204030204" pitchFamily="34" charset="0"/>
-                <a:cs typeface="Calibri" panose="020F0502020204030204" pitchFamily="34" charset="0"/>
-              </a:rPr>
-              <a:t>3333 руб</a:t>
-            </a:r>
+              <a:t>Произведен анализ предметной области</a:t>
+            </a:r>
+          </a:p>
+          <a:p>
+            <a:pPr lvl="1">
+              <a:lnSpc>
+                <a:spcPct val="100000"/>
+              </a:lnSpc>
+              <a:spcBef>
+                <a:spcPts val="0"/>
+              </a:spcBef>
+            </a:pPr>
             <a:r>
               <a:rPr lang="ru-RU" sz="2400" dirty="0">
                 <a:latin typeface="Calibri" panose="020F0502020204030204" pitchFamily="34" charset="0"/>
                 <a:cs typeface="Calibri" panose="020F0502020204030204" pitchFamily="34" charset="0"/>
               </a:rPr>
-              <a:t>. за месяц.</a:t>
-            </a:r>
-          </a:p>
-          <a:p>
+              <a:t>Изучена методика проведения тестирований среди сотрудников АНХК</a:t>
+            </a:r>
+          </a:p>
+          <a:p>
+            <a:pPr lvl="1">
+              <a:lnSpc>
+                <a:spcPct val="100000"/>
+              </a:lnSpc>
+              <a:spcBef>
+                <a:spcPts val="0"/>
+              </a:spcBef>
+            </a:pPr>
+            <a:r>
+              <a:rPr lang="ru-RU" sz="2400" dirty="0">
+                <a:latin typeface="Calibri" panose="020F0502020204030204" pitchFamily="34" charset="0"/>
+                <a:cs typeface="Calibri" panose="020F0502020204030204" pitchFamily="34" charset="0"/>
+              </a:rPr>
+              <a:t>Проведен критический анализ текущего подхода к проведению тестирований</a:t>
+            </a:r>
+          </a:p>
+          <a:p>
+            <a:pPr lvl="1">
+              <a:lnSpc>
+                <a:spcPct val="100000"/>
+              </a:lnSpc>
+              <a:spcBef>
+                <a:spcPts val="0"/>
+              </a:spcBef>
+            </a:pPr>
+            <a:r>
+              <a:rPr lang="ru-RU" sz="2400" dirty="0">
+                <a:latin typeface="Calibri" panose="020F0502020204030204" pitchFamily="34" charset="0"/>
+                <a:cs typeface="Calibri" panose="020F0502020204030204" pitchFamily="34" charset="0"/>
+              </a:rPr>
+              <a:t>Выполнен обзор ПО, предоставляющего средства для проведения тестирований</a:t>
+            </a:r>
+          </a:p>
+          <a:p>
+            <a:pPr>
+              <a:lnSpc>
+                <a:spcPct val="100000"/>
+              </a:lnSpc>
+              <a:spcBef>
+                <a:spcPts val="0"/>
+              </a:spcBef>
+            </a:pPr>
+            <a:r>
+              <a:rPr lang="ru-RU" sz="2400" dirty="0">
+                <a:latin typeface="Calibri" panose="020F0502020204030204" pitchFamily="34" charset="0"/>
+                <a:cs typeface="Calibri" panose="020F0502020204030204" pitchFamily="34" charset="0"/>
+              </a:rPr>
+              <a:t>Выполнено проектирование системы</a:t>
+            </a:r>
+          </a:p>
+          <a:p>
+            <a:pPr lvl="1">
+              <a:lnSpc>
+                <a:spcPct val="100000"/>
+              </a:lnSpc>
+              <a:spcBef>
+                <a:spcPts val="0"/>
+              </a:spcBef>
+            </a:pPr>
+            <a:r>
+              <a:rPr lang="ru-RU" sz="2400" dirty="0">
+                <a:latin typeface="Calibri" panose="020F0502020204030204" pitchFamily="34" charset="0"/>
+                <a:cs typeface="Calibri" panose="020F0502020204030204" pitchFamily="34" charset="0"/>
+              </a:rPr>
+              <a:t>Разработана архитектура системы</a:t>
+            </a:r>
+          </a:p>
+          <a:p>
+            <a:pPr lvl="1">
+              <a:lnSpc>
+                <a:spcPct val="100000"/>
+              </a:lnSpc>
+              <a:spcBef>
+                <a:spcPts val="0"/>
+              </a:spcBef>
+            </a:pPr>
+            <a:r>
+              <a:rPr lang="ru-RU" sz="2400" dirty="0">
+                <a:latin typeface="Calibri" panose="020F0502020204030204" pitchFamily="34" charset="0"/>
+                <a:cs typeface="Calibri" panose="020F0502020204030204" pitchFamily="34" charset="0"/>
+              </a:rPr>
+              <a:t>Обоснован выбор средств реализации</a:t>
+            </a:r>
+          </a:p>
+          <a:p>
+            <a:pPr lvl="1">
+              <a:lnSpc>
+                <a:spcPct val="100000"/>
+              </a:lnSpc>
+              <a:spcBef>
+                <a:spcPts val="0"/>
+              </a:spcBef>
+            </a:pPr>
+            <a:r>
+              <a:rPr lang="ru-RU" sz="2400" dirty="0">
+                <a:latin typeface="Calibri" panose="020F0502020204030204" pitchFamily="34" charset="0"/>
+                <a:cs typeface="Calibri" panose="020F0502020204030204" pitchFamily="34" charset="0"/>
+              </a:rPr>
+              <a:t>Спроектирован пользовательский интерфейс</a:t>
+            </a:r>
+          </a:p>
+          <a:p>
+            <a:pPr>
+              <a:lnSpc>
+                <a:spcPct val="100000"/>
+              </a:lnSpc>
+              <a:spcBef>
+                <a:spcPts val="0"/>
+              </a:spcBef>
+            </a:pPr>
+            <a:r>
+              <a:rPr lang="ru-RU" sz="2400" dirty="0">
+                <a:latin typeface="Calibri" panose="020F0502020204030204" pitchFamily="34" charset="0"/>
+                <a:cs typeface="Calibri" panose="020F0502020204030204" pitchFamily="34" charset="0"/>
+              </a:rPr>
+              <a:t>Осуществлена реализация системы</a:t>
+            </a:r>
+          </a:p>
+          <a:p>
+            <a:pPr lvl="1">
+              <a:lnSpc>
+                <a:spcPct val="100000"/>
+              </a:lnSpc>
+              <a:spcBef>
+                <a:spcPts val="0"/>
+              </a:spcBef>
+            </a:pPr>
             <a:endParaRPr lang="ru-RU" sz="2400" dirty="0">
               <a:latin typeface="Calibri" panose="020F0502020204030204" pitchFamily="34" charset="0"/>
               <a:cs typeface="Calibri" panose="020F0502020204030204" pitchFamily="34" charset="0"/>
             </a:endParaRPr>
           </a:p>
           <a:p>
-            <a:r>
-              <a:rPr lang="ru-RU" sz="2400" b="1" dirty="0" err="1">
-                <a:latin typeface="Calibri" panose="020F0502020204030204" pitchFamily="34" charset="0"/>
-                <a:cs typeface="Calibri" panose="020F0502020204030204" pitchFamily="34" charset="0"/>
-              </a:rPr>
-              <a:t>Let's</a:t>
-            </a:r>
-            <a:r>
-              <a:rPr lang="ru-RU" sz="2400" b="1" dirty="0">
-                <a:latin typeface="Calibri" panose="020F0502020204030204" pitchFamily="34" charset="0"/>
-                <a:cs typeface="Calibri" panose="020F0502020204030204" pitchFamily="34" charset="0"/>
-              </a:rPr>
-              <a:t> </a:t>
-            </a:r>
-            <a:r>
-              <a:rPr lang="ru-RU" sz="2400" b="1" dirty="0" err="1">
-                <a:latin typeface="Calibri" panose="020F0502020204030204" pitchFamily="34" charset="0"/>
-                <a:cs typeface="Calibri" panose="020F0502020204030204" pitchFamily="34" charset="0"/>
-              </a:rPr>
-              <a:t>test</a:t>
-            </a:r>
-            <a:r>
-              <a:rPr lang="ru-RU" sz="2400" b="1" dirty="0">
-                <a:latin typeface="Calibri" panose="020F0502020204030204" pitchFamily="34" charset="0"/>
-                <a:cs typeface="Calibri" panose="020F0502020204030204" pitchFamily="34" charset="0"/>
-              </a:rPr>
-              <a:t> </a:t>
-            </a:r>
-            <a:r>
-              <a:rPr lang="ru-RU" sz="2400" dirty="0">
-                <a:latin typeface="Calibri" panose="020F0502020204030204" pitchFamily="34" charset="0"/>
-                <a:cs typeface="Calibri" panose="020F0502020204030204" pitchFamily="34" charset="0"/>
-              </a:rPr>
-              <a:t>предлагает различные тарифы по тестированию, однако стоимость самого базового тарифа начинается с </a:t>
-            </a:r>
-            <a:r>
-              <a:rPr lang="ru-RU" sz="2400" b="1" dirty="0">
-                <a:latin typeface="Calibri" panose="020F0502020204030204" pitchFamily="34" charset="0"/>
-                <a:cs typeface="Calibri" panose="020F0502020204030204" pitchFamily="34" charset="0"/>
-              </a:rPr>
-              <a:t>5000 руб</a:t>
-            </a:r>
-            <a:r>
-              <a:rPr lang="ru-RU" sz="2400" dirty="0">
-                <a:latin typeface="Calibri" panose="020F0502020204030204" pitchFamily="34" charset="0"/>
-                <a:cs typeface="Calibri" panose="020F0502020204030204" pitchFamily="34" charset="0"/>
-              </a:rPr>
-              <a:t>.</a:t>
-            </a:r>
-          </a:p>
-          <a:p>
             <a:endParaRPr lang="ru-RU" sz="2400" dirty="0">
               <a:latin typeface="Calibri" panose="020F0502020204030204" pitchFamily="34" charset="0"/>
               <a:cs typeface="Calibri" panose="020F0502020204030204" pitchFamily="34" charset="0"/>
             </a:endParaRPr>
           </a:p>
-          <a:p>
-            <a:r>
-              <a:rPr lang="ru-RU" sz="2400" dirty="0">
-                <a:latin typeface="Calibri" panose="020F0502020204030204" pitchFamily="34" charset="0"/>
-                <a:cs typeface="Calibri" panose="020F0502020204030204" pitchFamily="34" charset="0"/>
-              </a:rPr>
-              <a:t>Сервис платформы </a:t>
-            </a:r>
-            <a:r>
-              <a:rPr lang="ru-RU" sz="2400" b="1" dirty="0" err="1">
-                <a:latin typeface="Calibri" panose="020F0502020204030204" pitchFamily="34" charset="0"/>
-                <a:cs typeface="Calibri" panose="020F0502020204030204" pitchFamily="34" charset="0"/>
-              </a:rPr>
-              <a:t>Profdialog</a:t>
-            </a:r>
-            <a:r>
-              <a:rPr lang="ru-RU" sz="2400" dirty="0">
-                <a:latin typeface="Calibri" panose="020F0502020204030204" pitchFamily="34" charset="0"/>
-                <a:cs typeface="Calibri" panose="020F0502020204030204" pitchFamily="34" charset="0"/>
-              </a:rPr>
-              <a:t> предлагает уже подготовленные тестирования различной направленности. Стоимость 1 тестирования данной платформы начинается с </a:t>
-            </a:r>
-            <a:r>
-              <a:rPr lang="ru-RU" sz="2400" b="1" dirty="0">
-                <a:latin typeface="Calibri" panose="020F0502020204030204" pitchFamily="34" charset="0"/>
-                <a:cs typeface="Calibri" panose="020F0502020204030204" pitchFamily="34" charset="0"/>
-              </a:rPr>
-              <a:t>1490 руб</a:t>
-            </a:r>
-            <a:r>
-              <a:rPr lang="ru-RU" sz="2400" dirty="0">
-                <a:latin typeface="Calibri" panose="020F0502020204030204" pitchFamily="34" charset="0"/>
-                <a:cs typeface="Calibri" panose="020F0502020204030204" pitchFamily="34" charset="0"/>
-              </a:rPr>
-              <a:t>.</a:t>
-            </a:r>
+        </p:txBody>
+      </p:sp>
+      <p:sp>
+        <p:nvSpPr>
+          <p:cNvPr id="7" name="Номер слайда 6">
+            <a:extLst>
+              <a:ext uri="{FF2B5EF4-FFF2-40B4-BE49-F238E27FC236}">
+                <a16:creationId xmlns:a16="http://schemas.microsoft.com/office/drawing/2014/main" id="{206692B5-100F-4936-9FA9-57E38E46D859}"/>
+              </a:ext>
+            </a:extLst>
+          </p:cNvPr>
+          <p:cNvSpPr>
+            <a:spLocks noGrp="1"/>
+          </p:cNvSpPr>
+          <p:nvPr>
+            <p:ph type="sldNum" sz="quarter" idx="12"/>
+          </p:nvPr>
+        </p:nvSpPr>
+        <p:spPr/>
+        <p:txBody>
+          <a:bodyPr/>
+          <a:lstStyle/>
+          <a:p>
+            <a:fld id="{F846435F-278B-4F8D-8B6E-49BFC1C98D0D}" type="slidenum">
+              <a:rPr lang="ru-RU" smtClean="0"/>
+              <a:t>16</a:t>
+            </a:fld>
+            <a:endParaRPr lang="ru-RU"/>
           </a:p>
         </p:txBody>
       </p:sp>
     </p:spTree>
     <p:extLst>
       <p:ext uri="{BB962C8B-B14F-4D97-AF65-F5344CB8AC3E}">
-        <p14:creationId xmlns:p14="http://schemas.microsoft.com/office/powerpoint/2010/main" val="1054895335"/>
+        <p14:creationId xmlns:p14="http://schemas.microsoft.com/office/powerpoint/2010/main" val="382035696"/>
       </p:ext>
     </p:extLst>
   </p:cSld>
@@ -9847,6 +9664,260 @@
           <p:cNvPr id="4" name="Номер слайда 3">
             <a:extLst>
               <a:ext uri="{FF2B5EF4-FFF2-40B4-BE49-F238E27FC236}">
+                <a16:creationId xmlns:a16="http://schemas.microsoft.com/office/drawing/2014/main" id="{90B7BB18-884C-4D57-8C7B-63414399E3C4}"/>
+              </a:ext>
+            </a:extLst>
+          </p:cNvPr>
+          <p:cNvSpPr>
+            <a:spLocks noGrp="1"/>
+          </p:cNvSpPr>
+          <p:nvPr>
+            <p:ph type="sldNum" sz="quarter" idx="12"/>
+          </p:nvPr>
+        </p:nvSpPr>
+        <p:spPr/>
+        <p:txBody>
+          <a:bodyPr/>
+          <a:lstStyle/>
+          <a:p>
+            <a:fld id="{F846435F-278B-4F8D-8B6E-49BFC1C98D0D}" type="slidenum">
+              <a:rPr lang="ru-RU" smtClean="0"/>
+              <a:t>17</a:t>
+            </a:fld>
+            <a:endParaRPr lang="ru-RU"/>
+          </a:p>
+        </p:txBody>
+      </p:sp>
+      <p:sp>
+        <p:nvSpPr>
+          <p:cNvPr id="5" name="Заголовок 1">
+            <a:extLst>
+              <a:ext uri="{FF2B5EF4-FFF2-40B4-BE49-F238E27FC236}">
+                <a16:creationId xmlns:a16="http://schemas.microsoft.com/office/drawing/2014/main" id="{2014B287-ED2C-4F3C-9770-2942AF804E73}"/>
+              </a:ext>
+            </a:extLst>
+          </p:cNvPr>
+          <p:cNvSpPr>
+            <a:spLocks noGrp="1"/>
+          </p:cNvSpPr>
+          <p:nvPr>
+            <p:ph type="title"/>
+          </p:nvPr>
+        </p:nvSpPr>
+        <p:spPr>
+          <a:xfrm>
+            <a:off x="924444" y="226143"/>
+            <a:ext cx="10353761" cy="678426"/>
+          </a:xfrm>
+        </p:spPr>
+        <p:txBody>
+          <a:bodyPr/>
+          <a:lstStyle/>
+          <a:p>
+            <a:pPr algn="ctr"/>
+            <a:r>
+              <a:rPr lang="ru-RU" dirty="0">
+                <a:latin typeface="Calibri" panose="020F0502020204030204" pitchFamily="34" charset="0"/>
+                <a:cs typeface="Calibri" panose="020F0502020204030204" pitchFamily="34" charset="0"/>
+              </a:rPr>
+              <a:t>Стоимость услуг конкурентов</a:t>
+            </a:r>
+          </a:p>
+        </p:txBody>
+      </p:sp>
+      <p:sp>
+        <p:nvSpPr>
+          <p:cNvPr id="3" name="Прямоугольник 2">
+            <a:extLst>
+              <a:ext uri="{FF2B5EF4-FFF2-40B4-BE49-F238E27FC236}">
+                <a16:creationId xmlns:a16="http://schemas.microsoft.com/office/drawing/2014/main" id="{882DB96F-74E6-466B-85E1-D5345CFF2A12}"/>
+              </a:ext>
+            </a:extLst>
+          </p:cNvPr>
+          <p:cNvSpPr/>
+          <p:nvPr/>
+        </p:nvSpPr>
+        <p:spPr>
+          <a:xfrm>
+            <a:off x="1311579" y="1714546"/>
+            <a:ext cx="9809825" cy="3416320"/>
+          </a:xfrm>
+          <a:prstGeom prst="rect">
+            <a:avLst/>
+          </a:prstGeom>
+        </p:spPr>
+        <p:txBody>
+          <a:bodyPr wrap="square">
+            <a:spAutoFit/>
+          </a:bodyPr>
+          <a:lstStyle/>
+          <a:p>
+            <a:r>
+              <a:rPr lang="ru-RU" sz="2400" b="1" dirty="0" err="1">
+                <a:latin typeface="Calibri" panose="020F0502020204030204" pitchFamily="34" charset="0"/>
+                <a:cs typeface="Calibri" panose="020F0502020204030204" pitchFamily="34" charset="0"/>
+              </a:rPr>
+              <a:t>StartExam</a:t>
+            </a:r>
+            <a:r>
+              <a:rPr lang="ru-RU" sz="2400" dirty="0">
+                <a:latin typeface="Calibri" panose="020F0502020204030204" pitchFamily="34" charset="0"/>
+                <a:cs typeface="Calibri" panose="020F0502020204030204" pitchFamily="34" charset="0"/>
+              </a:rPr>
+              <a:t> является предлагает тариф “Стандартный” за 10000 за 3 месяца или около </a:t>
+            </a:r>
+            <a:r>
+              <a:rPr lang="ru-RU" sz="2400" b="1" dirty="0">
+                <a:latin typeface="Calibri" panose="020F0502020204030204" pitchFamily="34" charset="0"/>
+                <a:cs typeface="Calibri" panose="020F0502020204030204" pitchFamily="34" charset="0"/>
+              </a:rPr>
+              <a:t>3333 руб</a:t>
+            </a:r>
+            <a:r>
+              <a:rPr lang="ru-RU" sz="2400" dirty="0">
+                <a:latin typeface="Calibri" panose="020F0502020204030204" pitchFamily="34" charset="0"/>
+                <a:cs typeface="Calibri" panose="020F0502020204030204" pitchFamily="34" charset="0"/>
+              </a:rPr>
+              <a:t>. за месяц.</a:t>
+            </a:r>
+          </a:p>
+          <a:p>
+            <a:endParaRPr lang="ru-RU" sz="2400" dirty="0">
+              <a:latin typeface="Calibri" panose="020F0502020204030204" pitchFamily="34" charset="0"/>
+              <a:cs typeface="Calibri" panose="020F0502020204030204" pitchFamily="34" charset="0"/>
+            </a:endParaRPr>
+          </a:p>
+          <a:p>
+            <a:r>
+              <a:rPr lang="ru-RU" sz="2400" b="1" dirty="0" err="1">
+                <a:latin typeface="Calibri" panose="020F0502020204030204" pitchFamily="34" charset="0"/>
+                <a:cs typeface="Calibri" panose="020F0502020204030204" pitchFamily="34" charset="0"/>
+              </a:rPr>
+              <a:t>Let's</a:t>
+            </a:r>
+            <a:r>
+              <a:rPr lang="ru-RU" sz="2400" b="1" dirty="0">
+                <a:latin typeface="Calibri" panose="020F0502020204030204" pitchFamily="34" charset="0"/>
+                <a:cs typeface="Calibri" panose="020F0502020204030204" pitchFamily="34" charset="0"/>
+              </a:rPr>
+              <a:t> </a:t>
+            </a:r>
+            <a:r>
+              <a:rPr lang="ru-RU" sz="2400" b="1" dirty="0" err="1">
+                <a:latin typeface="Calibri" panose="020F0502020204030204" pitchFamily="34" charset="0"/>
+                <a:cs typeface="Calibri" panose="020F0502020204030204" pitchFamily="34" charset="0"/>
+              </a:rPr>
+              <a:t>test</a:t>
+            </a:r>
+            <a:r>
+              <a:rPr lang="ru-RU" sz="2400" b="1" dirty="0">
+                <a:latin typeface="Calibri" panose="020F0502020204030204" pitchFamily="34" charset="0"/>
+                <a:cs typeface="Calibri" panose="020F0502020204030204" pitchFamily="34" charset="0"/>
+              </a:rPr>
+              <a:t> </a:t>
+            </a:r>
+            <a:r>
+              <a:rPr lang="ru-RU" sz="2400" dirty="0">
+                <a:latin typeface="Calibri" panose="020F0502020204030204" pitchFamily="34" charset="0"/>
+                <a:cs typeface="Calibri" panose="020F0502020204030204" pitchFamily="34" charset="0"/>
+              </a:rPr>
+              <a:t>предлагает различные тарифы по тестированию, однако стоимость самого базового тарифа начинается с </a:t>
+            </a:r>
+            <a:r>
+              <a:rPr lang="ru-RU" sz="2400" b="1" dirty="0">
+                <a:latin typeface="Calibri" panose="020F0502020204030204" pitchFamily="34" charset="0"/>
+                <a:cs typeface="Calibri" panose="020F0502020204030204" pitchFamily="34" charset="0"/>
+              </a:rPr>
+              <a:t>5000 руб</a:t>
+            </a:r>
+            <a:r>
+              <a:rPr lang="ru-RU" sz="2400" dirty="0">
+                <a:latin typeface="Calibri" panose="020F0502020204030204" pitchFamily="34" charset="0"/>
+                <a:cs typeface="Calibri" panose="020F0502020204030204" pitchFamily="34" charset="0"/>
+              </a:rPr>
+              <a:t>.</a:t>
+            </a:r>
+          </a:p>
+          <a:p>
+            <a:endParaRPr lang="ru-RU" sz="2400" dirty="0">
+              <a:latin typeface="Calibri" panose="020F0502020204030204" pitchFamily="34" charset="0"/>
+              <a:cs typeface="Calibri" panose="020F0502020204030204" pitchFamily="34" charset="0"/>
+            </a:endParaRPr>
+          </a:p>
+          <a:p>
+            <a:r>
+              <a:rPr lang="ru-RU" sz="2400" dirty="0">
+                <a:latin typeface="Calibri" panose="020F0502020204030204" pitchFamily="34" charset="0"/>
+                <a:cs typeface="Calibri" panose="020F0502020204030204" pitchFamily="34" charset="0"/>
+              </a:rPr>
+              <a:t>Сервис платформы </a:t>
+            </a:r>
+            <a:r>
+              <a:rPr lang="ru-RU" sz="2400" b="1" dirty="0" err="1">
+                <a:latin typeface="Calibri" panose="020F0502020204030204" pitchFamily="34" charset="0"/>
+                <a:cs typeface="Calibri" panose="020F0502020204030204" pitchFamily="34" charset="0"/>
+              </a:rPr>
+              <a:t>Profdialog</a:t>
+            </a:r>
+            <a:r>
+              <a:rPr lang="ru-RU" sz="2400" dirty="0">
+                <a:latin typeface="Calibri" panose="020F0502020204030204" pitchFamily="34" charset="0"/>
+                <a:cs typeface="Calibri" panose="020F0502020204030204" pitchFamily="34" charset="0"/>
+              </a:rPr>
+              <a:t> предлагает уже подготовленные тестирования различной направленности. Стоимость 1 тестирования данной платформы начинается с </a:t>
+            </a:r>
+            <a:r>
+              <a:rPr lang="ru-RU" sz="2400" b="1" dirty="0">
+                <a:latin typeface="Calibri" panose="020F0502020204030204" pitchFamily="34" charset="0"/>
+                <a:cs typeface="Calibri" panose="020F0502020204030204" pitchFamily="34" charset="0"/>
+              </a:rPr>
+              <a:t>1490 руб</a:t>
+            </a:r>
+            <a:r>
+              <a:rPr lang="ru-RU" sz="2400" dirty="0">
+                <a:latin typeface="Calibri" panose="020F0502020204030204" pitchFamily="34" charset="0"/>
+                <a:cs typeface="Calibri" panose="020F0502020204030204" pitchFamily="34" charset="0"/>
+              </a:rPr>
+              <a:t>.</a:t>
+            </a:r>
+          </a:p>
+        </p:txBody>
+      </p:sp>
+    </p:spTree>
+    <p:extLst>
+      <p:ext uri="{BB962C8B-B14F-4D97-AF65-F5344CB8AC3E}">
+        <p14:creationId xmlns:p14="http://schemas.microsoft.com/office/powerpoint/2010/main" val="1054895335"/>
+      </p:ext>
+    </p:extLst>
+  </p:cSld>
+  <p:clrMapOvr>
+    <a:masterClrMapping/>
+  </p:clrMapOvr>
+</p:sld>
+</file>
+
+<file path=ppt/slides/slide18.xml><?xml version="1.0" encoding="utf-8"?>
+<p:sld xmlns:a="http://schemas.openxmlformats.org/drawingml/2006/main" xmlns:r="http://schemas.openxmlformats.org/officeDocument/2006/relationships" xmlns:p="http://schemas.openxmlformats.org/presentationml/2006/main">
+  <p:cSld>
+    <p:spTree>
+      <p:nvGrpSpPr>
+        <p:cNvPr id="1" name=""/>
+        <p:cNvGrpSpPr/>
+        <p:nvPr/>
+      </p:nvGrpSpPr>
+      <p:grpSpPr>
+        <a:xfrm>
+          <a:off x="0" y="0"/>
+          <a:ext cx="0" cy="0"/>
+          <a:chOff x="0" y="0"/>
+          <a:chExt cx="0" cy="0"/>
+        </a:xfrm>
+      </p:grpSpPr>
+      <p:sp>
+        <p:nvSpPr>
+          <p:cNvPr id="4" name="Номер слайда 3">
+            <a:extLst>
+              <a:ext uri="{FF2B5EF4-FFF2-40B4-BE49-F238E27FC236}">
                 <a16:creationId xmlns:a16="http://schemas.microsoft.com/office/drawing/2014/main" id="{6161B9F1-1BC8-45A5-9A8B-57868D7E25A1}"/>
               </a:ext>
             </a:extLst>
@@ -9865,7 +9936,7 @@
           <a:p>
             <a:fld id="{F846435F-278B-4F8D-8B6E-49BFC1C98D0D}" type="slidenum">
               <a:rPr lang="ru-RU" smtClean="0"/>
-              <a:t>17</a:t>
+              <a:t>18</a:t>
             </a:fld>
             <a:endParaRPr lang="ru-RU"/>
           </a:p>
@@ -9936,7 +10007,7 @@
           <a:graphicData uri="http://schemas.openxmlformats.org/presentationml/2006/ole">
             <mc:AlternateContent xmlns:mc="http://schemas.openxmlformats.org/markup-compatibility/2006">
               <mc:Choice xmlns:v="urn:schemas-microsoft-com:vml" Requires="v">
-                <p:oleObj spid="_x0000_s2090" name="Worksheet" r:id="rId3" imgW="6743700" imgH="2676752" progId="Excel.Sheet.12">
+                <p:oleObj spid="_x0000_s2142" name="Worksheet" r:id="rId3" imgW="6743700" imgH="2676752" progId="Excel.Sheet.12">
                   <p:embed/>
                 </p:oleObj>
               </mc:Choice>
@@ -9984,7 +10055,7 @@
 </p:sld>
 </file>
 
-<file path=ppt/slides/slide18.xml><?xml version="1.0" encoding="utf-8"?>
+<file path=ppt/slides/slide19.xml><?xml version="1.0" encoding="utf-8"?>
 <p:sld xmlns:a="http://schemas.openxmlformats.org/drawingml/2006/main" xmlns:r="http://schemas.openxmlformats.org/officeDocument/2006/relationships" xmlns:p="http://schemas.openxmlformats.org/presentationml/2006/main">
   <p:cSld>
     <p:spTree>
@@ -10024,7 +10095,7 @@
           <a:p>
             <a:fld id="{F846435F-278B-4F8D-8B6E-49BFC1C98D0D}" type="slidenum">
               <a:rPr lang="ru-RU" smtClean="0"/>
-              <a:t>18</a:t>
+              <a:t>19</a:t>
             </a:fld>
             <a:endParaRPr lang="ru-RU"/>
           </a:p>
@@ -10122,13 +10193,13 @@
           <p:nvPr>
             <p:extLst>
               <p:ext uri="{D42A27DB-BD31-4B8C-83A1-F6EECF244321}">
-                <p14:modId xmlns:p14="http://schemas.microsoft.com/office/powerpoint/2010/main" val="1612175280"/>
+                <p14:modId xmlns:p14="http://schemas.microsoft.com/office/powerpoint/2010/main" val="1181227179"/>
               </p:ext>
             </p:extLst>
           </p:nvPr>
         </p:nvGraphicFramePr>
         <p:xfrm>
-          <a:off x="2032000" y="2858019"/>
+          <a:off x="2032000" y="2272988"/>
           <a:ext cx="8128000" cy="2312023"/>
         </p:xfrm>
         <a:graphic>
@@ -10414,7 +10485,7 @@
 </p:sld>
 </file>
 
-<file path=ppt/slides/slide19.xml><?xml version="1.0" encoding="utf-8"?>
+<file path=ppt/slides/slide2.xml><?xml version="1.0" encoding="utf-8"?>
 <p:sld xmlns:a="http://schemas.openxmlformats.org/drawingml/2006/main" xmlns:r="http://schemas.openxmlformats.org/officeDocument/2006/relationships" xmlns:p="http://schemas.openxmlformats.org/presentationml/2006/main">
   <p:cSld>
     <p:spTree>
@@ -10433,6 +10504,153 @@
       </p:grpSpPr>
       <p:sp>
         <p:nvSpPr>
+          <p:cNvPr id="2" name="Заголовок 1">
+            <a:extLst>
+              <a:ext uri="{FF2B5EF4-FFF2-40B4-BE49-F238E27FC236}">
+                <a16:creationId xmlns:a16="http://schemas.microsoft.com/office/drawing/2014/main" id="{07D25D7A-969A-4341-B403-9D454615F387}"/>
+              </a:ext>
+            </a:extLst>
+          </p:cNvPr>
+          <p:cNvSpPr>
+            <a:spLocks noGrp="1"/>
+          </p:cNvSpPr>
+          <p:nvPr>
+            <p:ph type="title"/>
+          </p:nvPr>
+        </p:nvSpPr>
+        <p:spPr>
+          <a:xfrm>
+            <a:off x="805809" y="302527"/>
+            <a:ext cx="10580380" cy="644251"/>
+          </a:xfrm>
+        </p:spPr>
+        <p:txBody>
+          <a:bodyPr/>
+          <a:lstStyle/>
+          <a:p>
+            <a:pPr algn="ctr"/>
+            <a:r>
+              <a:rPr lang="en-US" dirty="0">
+                <a:latin typeface="Calibri" panose="020F0502020204030204" pitchFamily="34" charset="0"/>
+                <a:cs typeface="Calibri" panose="020F0502020204030204" pitchFamily="34" charset="0"/>
+              </a:rPr>
+              <a:t>Well-being</a:t>
+            </a:r>
+            <a:endParaRPr lang="ru-RU" dirty="0">
+              <a:latin typeface="Calibri" panose="020F0502020204030204" pitchFamily="34" charset="0"/>
+              <a:cs typeface="Calibri" panose="020F0502020204030204" pitchFamily="34" charset="0"/>
+            </a:endParaRPr>
+          </a:p>
+        </p:txBody>
+      </p:sp>
+      <p:pic>
+        <p:nvPicPr>
+          <p:cNvPr id="1026" name="Picture 2">
+            <a:extLst>
+              <a:ext uri="{FF2B5EF4-FFF2-40B4-BE49-F238E27FC236}">
+                <a16:creationId xmlns:a16="http://schemas.microsoft.com/office/drawing/2014/main" id="{97F11522-582B-43D8-B543-9C3C6B403974}"/>
+              </a:ext>
+            </a:extLst>
+          </p:cNvPr>
+          <p:cNvPicPr>
+            <a:picLocks noChangeAspect="1" noChangeArrowheads="1"/>
+          </p:cNvPicPr>
+          <p:nvPr/>
+        </p:nvPicPr>
+        <p:blipFill>
+          <a:blip r:embed="rId2">
+            <a:extLst>
+              <a:ext uri="{28A0092B-C50C-407E-A947-70E740481C1C}">
+                <a14:useLocalDpi xmlns:a14="http://schemas.microsoft.com/office/drawing/2010/main" val="0"/>
+              </a:ext>
+            </a:extLst>
+          </a:blip>
+          <a:srcRect/>
+          <a:stretch>
+            <a:fillRect/>
+          </a:stretch>
+        </p:blipFill>
+        <p:spPr bwMode="auto">
+          <a:xfrm>
+            <a:off x="3354240" y="946778"/>
+            <a:ext cx="5483519" cy="5483519"/>
+          </a:xfrm>
+          <a:prstGeom prst="rect">
+            <a:avLst/>
+          </a:prstGeom>
+          <a:noFill/>
+          <a:extLst>
+            <a:ext uri="{909E8E84-426E-40DD-AFC4-6F175D3DCCD1}">
+              <a14:hiddenFill xmlns:a14="http://schemas.microsoft.com/office/drawing/2010/main">
+                <a:solidFill>
+                  <a:srgbClr val="FFFFFF"/>
+                </a:solidFill>
+              </a14:hiddenFill>
+            </a:ext>
+          </a:extLst>
+        </p:spPr>
+      </p:pic>
+      <p:sp>
+        <p:nvSpPr>
+          <p:cNvPr id="6" name="Номер слайда 5">
+            <a:extLst>
+              <a:ext uri="{FF2B5EF4-FFF2-40B4-BE49-F238E27FC236}">
+                <a16:creationId xmlns:a16="http://schemas.microsoft.com/office/drawing/2014/main" id="{D63C5440-D86F-40A3-A365-AD4A94046DDD}"/>
+              </a:ext>
+            </a:extLst>
+          </p:cNvPr>
+          <p:cNvSpPr>
+            <a:spLocks noGrp="1"/>
+          </p:cNvSpPr>
+          <p:nvPr>
+            <p:ph type="sldNum" sz="quarter" idx="12"/>
+          </p:nvPr>
+        </p:nvSpPr>
+        <p:spPr/>
+        <p:txBody>
+          <a:bodyPr/>
+          <a:lstStyle/>
+          <a:p>
+            <a:fld id="{F846435F-278B-4F8D-8B6E-49BFC1C98D0D}" type="slidenum">
+              <a:rPr lang="ru-RU" smtClean="0"/>
+              <a:t>2</a:t>
+            </a:fld>
+            <a:endParaRPr lang="ru-RU"/>
+          </a:p>
+        </p:txBody>
+      </p:sp>
+    </p:spTree>
+    <p:extLst>
+      <p:ext uri="{BB962C8B-B14F-4D97-AF65-F5344CB8AC3E}">
+        <p14:creationId xmlns:p14="http://schemas.microsoft.com/office/powerpoint/2010/main" val="3216759468"/>
+      </p:ext>
+    </p:extLst>
+  </p:cSld>
+  <p:clrMapOvr>
+    <a:masterClrMapping/>
+  </p:clrMapOvr>
+</p:sld>
+</file>
+
+<file path=ppt/slides/slide20.xml><?xml version="1.0" encoding="utf-8"?>
+<p:sld xmlns:a="http://schemas.openxmlformats.org/drawingml/2006/main" xmlns:r="http://schemas.openxmlformats.org/officeDocument/2006/relationships" xmlns:p="http://schemas.openxmlformats.org/presentationml/2006/main">
+  <p:cSld>
+    <p:spTree>
+      <p:nvGrpSpPr>
+        <p:cNvPr id="1" name=""/>
+        <p:cNvGrpSpPr/>
+        <p:nvPr/>
+      </p:nvGrpSpPr>
+      <p:grpSpPr>
+        <a:xfrm>
+          <a:off x="0" y="0"/>
+          <a:ext cx="0" cy="0"/>
+          <a:chOff x="0" y="0"/>
+          <a:chExt cx="0" cy="0"/>
+        </a:xfrm>
+      </p:grpSpPr>
+      <p:sp>
+        <p:nvSpPr>
           <p:cNvPr id="4" name="Номер слайда 3">
             <a:extLst>
               <a:ext uri="{FF2B5EF4-FFF2-40B4-BE49-F238E27FC236}">
@@ -10454,7 +10672,7 @@
           <a:p>
             <a:fld id="{F846435F-278B-4F8D-8B6E-49BFC1C98D0D}" type="slidenum">
               <a:rPr lang="ru-RU" smtClean="0"/>
-              <a:t>19</a:t>
+              <a:t>20</a:t>
             </a:fld>
             <a:endParaRPr lang="ru-RU"/>
           </a:p>
@@ -10585,7 +10803,7 @@
           <a:graphicData uri="http://schemas.openxmlformats.org/presentationml/2006/ole">
             <mc:AlternateContent xmlns:mc="http://schemas.openxmlformats.org/markup-compatibility/2006">
               <mc:Choice xmlns:v="urn:schemas-microsoft-com:vml" Requires="v">
-                <p:oleObj spid="_x0000_s1078" name="Worksheet" r:id="rId5" imgW="8029708" imgH="2266871" progId="Excel.Sheet.12">
+                <p:oleObj spid="_x0000_s1130" name="Worksheet" r:id="rId5" imgW="8029708" imgH="2266871" progId="Excel.Sheet.12">
                   <p:embed/>
                 </p:oleObj>
               </mc:Choice>
@@ -10633,7 +10851,7 @@
 </p:sld>
 </file>
 
-<file path=ppt/slides/slide2.xml><?xml version="1.0" encoding="utf-8"?>
+<file path=ppt/slides/slide21.xml><?xml version="1.0" encoding="utf-8"?>
 <p:sld xmlns:a="http://schemas.openxmlformats.org/drawingml/2006/main" xmlns:r="http://schemas.openxmlformats.org/officeDocument/2006/relationships" xmlns:p="http://schemas.openxmlformats.org/presentationml/2006/main">
   <p:cSld>
     <p:spTree>
@@ -10652,10 +10870,10 @@
       </p:grpSpPr>
       <p:sp>
         <p:nvSpPr>
-          <p:cNvPr id="2" name="Заголовок 1">
+          <p:cNvPr id="3" name="Объект 2">
             <a:extLst>
               <a:ext uri="{FF2B5EF4-FFF2-40B4-BE49-F238E27FC236}">
-                <a16:creationId xmlns:a16="http://schemas.microsoft.com/office/drawing/2014/main" id="{07D25D7A-969A-4341-B403-9D454615F387}"/>
+                <a16:creationId xmlns:a16="http://schemas.microsoft.com/office/drawing/2014/main" id="{5FEFD1D6-9B08-4218-88AA-5787B740CE5E}"/>
               </a:ext>
             </a:extLst>
           </p:cNvPr>
@@ -10663,90 +10881,32 @@
             <a:spLocks noGrp="1"/>
           </p:cNvSpPr>
           <p:nvPr>
-            <p:ph type="title"/>
+            <p:ph idx="1"/>
           </p:nvPr>
         </p:nvSpPr>
         <p:spPr>
           <a:xfrm>
-            <a:off x="805809" y="302527"/>
-            <a:ext cx="10580380" cy="644251"/>
+            <a:off x="0" y="0"/>
+            <a:ext cx="12192000" cy="6858000"/>
           </a:xfrm>
         </p:spPr>
         <p:txBody>
           <a:bodyPr/>
           <a:lstStyle/>
           <a:p>
-            <a:pPr algn="ctr"/>
-            <a:r>
-              <a:rPr lang="en-US" dirty="0">
-                <a:latin typeface="Calibri" panose="020F0502020204030204" pitchFamily="34" charset="0"/>
-                <a:cs typeface="Calibri" panose="020F0502020204030204" pitchFamily="34" charset="0"/>
-              </a:rPr>
-              <a:t>Well-being</a:t>
-            </a:r>
-            <a:endParaRPr lang="ru-RU" dirty="0">
-              <a:latin typeface="Calibri" panose="020F0502020204030204" pitchFamily="34" charset="0"/>
-              <a:cs typeface="Calibri" panose="020F0502020204030204" pitchFamily="34" charset="0"/>
-            </a:endParaRPr>
-          </a:p>
-        </p:txBody>
-      </p:sp>
-      <p:pic>
-        <p:nvPicPr>
-          <p:cNvPr id="1026" name="Picture 2">
+            <a:endParaRPr lang="ru-RU" dirty="0"/>
+          </a:p>
+        </p:txBody>
+      </p:sp>
+      <p:sp>
+        <p:nvSpPr>
+          <p:cNvPr id="4" name="Номер слайда 3">
             <a:extLst>
               <a:ext uri="{FF2B5EF4-FFF2-40B4-BE49-F238E27FC236}">
-                <a16:creationId xmlns:a16="http://schemas.microsoft.com/office/drawing/2014/main" id="{97F11522-582B-43D8-B543-9C3C6B403974}"/>
+                <a16:creationId xmlns:a16="http://schemas.microsoft.com/office/drawing/2014/main" id="{A277C17F-E116-4340-863C-F622FB99B9EE}"/>
               </a:ext>
             </a:extLst>
           </p:cNvPr>
-          <p:cNvPicPr>
-            <a:picLocks noChangeAspect="1" noChangeArrowheads="1"/>
-          </p:cNvPicPr>
-          <p:nvPr/>
-        </p:nvPicPr>
-        <p:blipFill>
-          <a:blip r:embed="rId2">
-            <a:extLst>
-              <a:ext uri="{28A0092B-C50C-407E-A947-70E740481C1C}">
-                <a14:useLocalDpi xmlns:a14="http://schemas.microsoft.com/office/drawing/2010/main" val="0"/>
-              </a:ext>
-            </a:extLst>
-          </a:blip>
-          <a:srcRect/>
-          <a:stretch>
-            <a:fillRect/>
-          </a:stretch>
-        </p:blipFill>
-        <p:spPr bwMode="auto">
-          <a:xfrm>
-            <a:off x="3354240" y="946778"/>
-            <a:ext cx="5483519" cy="5483519"/>
-          </a:xfrm>
-          <a:prstGeom prst="rect">
-            <a:avLst/>
-          </a:prstGeom>
-          <a:noFill/>
-          <a:extLst>
-            <a:ext uri="{909E8E84-426E-40DD-AFC4-6F175D3DCCD1}">
-              <a14:hiddenFill xmlns:a14="http://schemas.microsoft.com/office/drawing/2010/main">
-                <a:solidFill>
-                  <a:srgbClr val="FFFFFF"/>
-                </a:solidFill>
-              </a14:hiddenFill>
-            </a:ext>
-          </a:extLst>
-        </p:spPr>
-      </p:pic>
-      <p:sp>
-        <p:nvSpPr>
-          <p:cNvPr id="6" name="Номер слайда 5">
-            <a:extLst>
-              <a:ext uri="{FF2B5EF4-FFF2-40B4-BE49-F238E27FC236}">
-                <a16:creationId xmlns:a16="http://schemas.microsoft.com/office/drawing/2014/main" id="{D63C5440-D86F-40A3-A365-AD4A94046DDD}"/>
-              </a:ext>
-            </a:extLst>
-          </p:cNvPr>
           <p:cNvSpPr>
             <a:spLocks noGrp="1"/>
           </p:cNvSpPr>
@@ -10761,7 +10921,7 @@
           <a:p>
             <a:fld id="{F846435F-278B-4F8D-8B6E-49BFC1C98D0D}" type="slidenum">
               <a:rPr lang="ru-RU" smtClean="0"/>
-              <a:t>2</a:t>
+              <a:t>21</a:t>
             </a:fld>
             <a:endParaRPr lang="ru-RU"/>
           </a:p>
@@ -10770,7 +10930,7 @@
     </p:spTree>
     <p:extLst>
       <p:ext uri="{BB962C8B-B14F-4D97-AF65-F5344CB8AC3E}">
-        <p14:creationId xmlns:p14="http://schemas.microsoft.com/office/powerpoint/2010/main" val="3216759468"/>
+        <p14:creationId xmlns:p14="http://schemas.microsoft.com/office/powerpoint/2010/main" val="3150680587"/>
       </p:ext>
     </p:extLst>
   </p:cSld>
@@ -11032,7 +11192,7 @@
                 <a:latin typeface="Calibri" panose="020F0502020204030204" pitchFamily="34" charset="0"/>
                 <a:cs typeface="Calibri" panose="020F0502020204030204" pitchFamily="34" charset="0"/>
               </a:rPr>
-              <a:t>Насколько вы оцениваете психологическую обстановку в Вашем цехе? (1 Вариант ответа)</a:t>
+              <a:t>Насколько вы оцениваете психологическую обстановку в Вашем отделе? (1 Вариант ответа)</a:t>
             </a:r>
           </a:p>
           <a:p>
@@ -11074,7 +11234,7 @@
                 <a:latin typeface="Calibri" panose="020F0502020204030204" pitchFamily="34" charset="0"/>
                 <a:cs typeface="Calibri" panose="020F0502020204030204" pitchFamily="34" charset="0"/>
               </a:rPr>
-              <a:t>Данные вспомогательные факторы относятся к основному фактору профессионального благополучия</a:t>
+              <a:t>Данные вспомогательные факторы относятся к направлению профессионального благополучия</a:t>
             </a:r>
           </a:p>
           <a:p>
@@ -11413,14 +11573,14 @@
             <p:ph idx="1"/>
             <p:extLst>
               <p:ext uri="{D42A27DB-BD31-4B8C-83A1-F6EECF244321}">
-                <p14:modId xmlns:p14="http://schemas.microsoft.com/office/powerpoint/2010/main" val="4292215413"/>
+                <p14:modId xmlns:p14="http://schemas.microsoft.com/office/powerpoint/2010/main" val="3534042115"/>
               </p:ext>
             </p:extLst>
           </p:nvPr>
         </p:nvGraphicFramePr>
         <p:xfrm>
-          <a:off x="1199535" y="1337187"/>
-          <a:ext cx="10314042" cy="4650660"/>
+          <a:off x="1199535" y="1337186"/>
+          <a:ext cx="10314042" cy="4382095"/>
         </p:xfrm>
         <a:graphic>
           <a:graphicData uri="http://schemas.openxmlformats.org/drawingml/2006/table">
@@ -11465,7 +11625,7 @@
                   </a:extLst>
                 </a:gridCol>
               </a:tblGrid>
-              <a:tr h="344444">
+              <a:tr h="394239">
                 <a:tc>
                   <a:txBody>
                     <a:bodyPr/>
@@ -11604,7 +11764,7 @@
                   </a:ext>
                 </a:extLst>
               </a:tr>
-              <a:tr h="673644">
+              <a:tr h="771030">
                 <a:tc>
                   <a:txBody>
                     <a:bodyPr/>
@@ -11759,7 +11919,7 @@
                   </a:ext>
                 </a:extLst>
               </a:tr>
-              <a:tr h="968660">
+              <a:tr h="968714">
                 <a:tc>
                   <a:txBody>
                     <a:bodyPr/>
@@ -11906,7 +12066,7 @@
                   </a:ext>
                 </a:extLst>
               </a:tr>
-              <a:tr h="665327">
+              <a:tr h="761510">
                 <a:tc>
                   <a:txBody>
                     <a:bodyPr/>
@@ -12053,7 +12213,7 @@
                   </a:ext>
                 </a:extLst>
               </a:tr>
-              <a:tr h="340980">
+              <a:tr h="390274">
                 <a:tc>
                   <a:txBody>
                     <a:bodyPr/>
@@ -12200,7 +12360,7 @@
                   </a:ext>
                 </a:extLst>
               </a:tr>
-              <a:tr h="638570">
+              <a:tr h="730885">
                 <a:tc>
                   <a:txBody>
                     <a:bodyPr/>
@@ -12217,7 +12377,7 @@
                           <a:latin typeface="Calibri" panose="020F0502020204030204" pitchFamily="34" charset="0"/>
                           <a:cs typeface="Calibri" panose="020F0502020204030204" pitchFamily="34" charset="0"/>
                         </a:rPr>
-                        <a:t>Наличие готовых методик тестирования</a:t>
+                        <a:t>Наличие готовых методик оценки</a:t>
                       </a:r>
                       <a:endParaRPr lang="ru-RU" sz="2000" dirty="0">
                         <a:effectLst/>
@@ -12347,7 +12507,7 @@
                   </a:ext>
                 </a:extLst>
               </a:tr>
-              <a:tr h="319285">
+              <a:tr h="365443">
                 <a:tc>
                   <a:txBody>
                     <a:bodyPr/>
@@ -12489,153 +12649,6 @@
                   </a:ext>
                 </a:extLst>
               </a:tr>
-              <a:tr h="699750">
-                <a:tc>
-                  <a:txBody>
-                    <a:bodyPr/>
-                    <a:lstStyle/>
-                    <a:p>
-                      <a:pPr marL="0" indent="0" algn="just">
-                        <a:spcAft>
-                          <a:spcPts val="0"/>
-                        </a:spcAft>
-                      </a:pPr>
-                      <a:r>
-                        <a:rPr lang="ru-RU" sz="2000" dirty="0">
-                          <a:effectLst/>
-                          <a:latin typeface="Calibri" panose="020F0502020204030204" pitchFamily="34" charset="0"/>
-                          <a:cs typeface="Calibri" panose="020F0502020204030204" pitchFamily="34" charset="0"/>
-                        </a:rPr>
-                        <a:t>Хранение данных внутри компании</a:t>
-                      </a:r>
-                      <a:endParaRPr lang="ru-RU" sz="2000" dirty="0">
-                        <a:effectLst/>
-                        <a:latin typeface="Calibri" panose="020F0502020204030204" pitchFamily="34" charset="0"/>
-                        <a:ea typeface="Calibri" panose="020F0502020204030204" pitchFamily="34" charset="0"/>
-                        <a:cs typeface="Calibri" panose="020F0502020204030204" pitchFamily="34" charset="0"/>
-                      </a:endParaRPr>
-                    </a:p>
-                  </a:txBody>
-                  <a:tcPr marL="52802" marR="52802" marT="0" marB="0"/>
-                </a:tc>
-                <a:tc>
-                  <a:txBody>
-                    <a:bodyPr/>
-                    <a:lstStyle/>
-                    <a:p>
-                      <a:pPr marL="0" indent="0" algn="ctr">
-                        <a:spcAft>
-                          <a:spcPts val="0"/>
-                        </a:spcAft>
-                      </a:pPr>
-                      <a:r>
-                        <a:rPr lang="ru-RU" sz="2000" dirty="0">
-                          <a:effectLst/>
-                          <a:latin typeface="Calibri" panose="020F0502020204030204" pitchFamily="34" charset="0"/>
-                          <a:cs typeface="Calibri" panose="020F0502020204030204" pitchFamily="34" charset="0"/>
-                        </a:rPr>
-                        <a:t>–</a:t>
-                      </a:r>
-                      <a:endParaRPr lang="ru-RU" sz="2000" dirty="0">
-                        <a:effectLst/>
-                        <a:latin typeface="Calibri" panose="020F0502020204030204" pitchFamily="34" charset="0"/>
-                        <a:ea typeface="Calibri" panose="020F0502020204030204" pitchFamily="34" charset="0"/>
-                        <a:cs typeface="Calibri" panose="020F0502020204030204" pitchFamily="34" charset="0"/>
-                      </a:endParaRPr>
-                    </a:p>
-                  </a:txBody>
-                  <a:tcPr marL="52802" marR="52802" marT="0" marB="0" anchor="ctr"/>
-                </a:tc>
-                <a:tc>
-                  <a:txBody>
-                    <a:bodyPr/>
-                    <a:lstStyle/>
-                    <a:p>
-                      <a:pPr marL="0" indent="0" algn="ctr">
-                        <a:spcAft>
-                          <a:spcPts val="0"/>
-                        </a:spcAft>
-                      </a:pPr>
-                      <a:r>
-                        <a:rPr lang="ru-RU" sz="2000" dirty="0">
-                          <a:effectLst/>
-                          <a:latin typeface="Calibri" panose="020F0502020204030204" pitchFamily="34" charset="0"/>
-                          <a:cs typeface="Calibri" panose="020F0502020204030204" pitchFamily="34" charset="0"/>
-                        </a:rPr>
-                        <a:t>+</a:t>
-                      </a:r>
-                      <a:endParaRPr lang="ru-RU" sz="2000" dirty="0">
-                        <a:effectLst/>
-                        <a:latin typeface="Calibri" panose="020F0502020204030204" pitchFamily="34" charset="0"/>
-                        <a:ea typeface="Calibri" panose="020F0502020204030204" pitchFamily="34" charset="0"/>
-                        <a:cs typeface="Calibri" panose="020F0502020204030204" pitchFamily="34" charset="0"/>
-                      </a:endParaRPr>
-                    </a:p>
-                  </a:txBody>
-                  <a:tcPr marL="52802" marR="52802" marT="0" marB="0" anchor="ctr"/>
-                </a:tc>
-                <a:tc>
-                  <a:txBody>
-                    <a:bodyPr/>
-                    <a:lstStyle/>
-                    <a:p>
-                      <a:pPr marL="0" indent="0" algn="ctr">
-                        <a:spcAft>
-                          <a:spcPts val="0"/>
-                        </a:spcAft>
-                      </a:pPr>
-                      <a:r>
-                        <a:rPr lang="ru-RU" sz="2000" dirty="0">
-                          <a:effectLst/>
-                          <a:latin typeface="Calibri" panose="020F0502020204030204" pitchFamily="34" charset="0"/>
-                          <a:cs typeface="Calibri" panose="020F0502020204030204" pitchFamily="34" charset="0"/>
-                        </a:rPr>
-                        <a:t>–</a:t>
-                      </a:r>
-                      <a:endParaRPr lang="ru-RU" sz="2000" dirty="0">
-                        <a:effectLst/>
-                        <a:latin typeface="Calibri" panose="020F0502020204030204" pitchFamily="34" charset="0"/>
-                        <a:ea typeface="Calibri" panose="020F0502020204030204" pitchFamily="34" charset="0"/>
-                        <a:cs typeface="Calibri" panose="020F0502020204030204" pitchFamily="34" charset="0"/>
-                      </a:endParaRPr>
-                    </a:p>
-                  </a:txBody>
-                  <a:tcPr marL="52802" marR="52802" marT="0" marB="0" anchor="ctr"/>
-                </a:tc>
-                <a:tc>
-                  <a:txBody>
-                    <a:bodyPr/>
-                    <a:lstStyle/>
-                    <a:p>
-                      <a:pPr marL="0" indent="0" algn="ctr">
-                        <a:spcAft>
-                          <a:spcPts val="0"/>
-                        </a:spcAft>
-                      </a:pPr>
-                      <a:r>
-                        <a:rPr lang="ru-RU" sz="2000" dirty="0">
-                          <a:effectLst/>
-                          <a:latin typeface="Calibri" panose="020F0502020204030204" pitchFamily="34" charset="0"/>
-                          <a:cs typeface="Calibri" panose="020F0502020204030204" pitchFamily="34" charset="0"/>
-                        </a:rPr>
-                        <a:t>–</a:t>
-                      </a:r>
-                      <a:endParaRPr lang="ru-RU" sz="2000" dirty="0">
-                        <a:effectLst/>
-                        <a:latin typeface="Calibri" panose="020F0502020204030204" pitchFamily="34" charset="0"/>
-                        <a:ea typeface="Calibri" panose="020F0502020204030204" pitchFamily="34" charset="0"/>
-                        <a:cs typeface="Calibri" panose="020F0502020204030204" pitchFamily="34" charset="0"/>
-                      </a:endParaRPr>
-                    </a:p>
-                  </a:txBody>
-                  <a:tcPr marL="52802" marR="52802" marT="0" marB="0" anchor="ctr"/>
-                </a:tc>
-                <a:extLst>
-                  <a:ext uri="{0D108BD9-81ED-4DB2-BD59-A6C34878D82A}">
-                    <a16:rowId xmlns:a16="http://schemas.microsoft.com/office/drawing/2014/main" val="1183659147"/>
-                  </a:ext>
-                </a:extLst>
-              </a:tr>
             </a:tbl>
           </a:graphicData>
         </a:graphic>
@@ -12784,7 +12797,7 @@
                 <a:latin typeface="Calibri" panose="020F0502020204030204" pitchFamily="34" charset="0"/>
                 <a:cs typeface="Calibri" panose="020F0502020204030204" pitchFamily="34" charset="0"/>
               </a:rPr>
-              <a:t>: повышение оперативности и сокращение трудозатрат при проведении психологического тестирования и обработке его результатов</a:t>
+              <a:t>: повышение оперативности и сокращение трудозатрат при проведении психологических тестирований и обработке их результатов</a:t>
             </a:r>
           </a:p>
           <a:p>
@@ -12878,46 +12891,6 @@
               </a:rPr>
               <a:t>Тестирование</a:t>
             </a:r>
-          </a:p>
-          <a:p>
-            <a:pPr>
-              <a:spcBef>
-                <a:spcPts val="0"/>
-              </a:spcBef>
-            </a:pPr>
-            <a:r>
-              <a:rPr lang="ru-RU" sz="3200" dirty="0">
-                <a:latin typeface="Calibri" panose="020F0502020204030204" pitchFamily="34" charset="0"/>
-                <a:cs typeface="Calibri" panose="020F0502020204030204" pitchFamily="34" charset="0"/>
-              </a:rPr>
-              <a:t>Ввод в действие</a:t>
-            </a:r>
-          </a:p>
-          <a:p>
-            <a:pPr>
-              <a:spcBef>
-                <a:spcPts val="0"/>
-              </a:spcBef>
-            </a:pPr>
-            <a:r>
-              <a:rPr lang="ru-RU" sz="3200" dirty="0">
-                <a:latin typeface="Calibri" panose="020F0502020204030204" pitchFamily="34" charset="0"/>
-                <a:cs typeface="Calibri" panose="020F0502020204030204" pitchFamily="34" charset="0"/>
-              </a:rPr>
-              <a:t>Сопровождение</a:t>
-            </a:r>
-          </a:p>
-          <a:p>
-            <a:pPr marL="0" lvl="0" indent="0">
-              <a:spcBef>
-                <a:spcPts val="0"/>
-              </a:spcBef>
-              <a:buNone/>
-            </a:pPr>
-            <a:endParaRPr lang="ru-RU" sz="3200" dirty="0">
-              <a:latin typeface="Calibri" panose="020F0502020204030204" pitchFamily="34" charset="0"/>
-              <a:cs typeface="Calibri" panose="020F0502020204030204" pitchFamily="34" charset="0"/>
-            </a:endParaRPr>
           </a:p>
         </p:txBody>
       </p:sp>
@@ -13033,7 +13006,7 @@
             <p:ph idx="1"/>
             <p:extLst>
               <p:ext uri="{D42A27DB-BD31-4B8C-83A1-F6EECF244321}">
-                <p14:modId xmlns:p14="http://schemas.microsoft.com/office/powerpoint/2010/main" val="191347819"/>
+                <p14:modId xmlns:p14="http://schemas.microsoft.com/office/powerpoint/2010/main" val="1049109636"/>
               </p:ext>
             </p:extLst>
           </p:nvPr>
@@ -13146,7 +13119,7 @@
                           <a:latin typeface="Calibri" panose="020F0502020204030204" pitchFamily="34" charset="0"/>
                           <a:cs typeface="Calibri" panose="020F0502020204030204" pitchFamily="34" charset="0"/>
                         </a:rPr>
-                        <a:t>Прохождение тестирований и просмотр личных показателей благополучия.</a:t>
+                        <a:t>Прохождение тестирований и просмотр состояния показателей благополучия.</a:t>
                       </a:r>
                     </a:p>
                   </a:txBody>

--- a/Документы/Презентация ВКР.pptx
+++ b/Документы/Презентация ВКР.pptx
@@ -5,7 +5,7 @@
     <p:sldMasterId id="2147483719" r:id="rId1"/>
   </p:sldMasterIdLst>
   <p:notesMasterIdLst>
-    <p:notesMasterId r:id="rId23"/>
+    <p:notesMasterId r:id="rId24"/>
   </p:notesMasterIdLst>
   <p:sldIdLst>
     <p:sldId id="256" r:id="rId2"/>
@@ -28,7 +28,8 @@
     <p:sldId id="279" r:id="rId19"/>
     <p:sldId id="276" r:id="rId20"/>
     <p:sldId id="278" r:id="rId21"/>
-    <p:sldId id="282" r:id="rId22"/>
+    <p:sldId id="283" r:id="rId22"/>
+    <p:sldId id="282" r:id="rId23"/>
   </p:sldIdLst>
   <p:sldSz cx="12192000" cy="6858000"/>
   <p:notesSz cx="6858000" cy="9144000"/>
@@ -217,7 +218,7 @@
           <a:p>
             <a:fld id="{F8E7A9AA-D791-4CE8-A528-0ED1B3A93F2C}" type="datetimeFigureOut">
               <a:rPr lang="ru-RU" smtClean="0"/>
-              <a:t>16.06.2023</a:t>
+              <a:t>17.06.2023</a:t>
             </a:fld>
             <a:endParaRPr lang="ru-RU"/>
           </a:p>
@@ -672,7 +673,7 @@
           <a:p>
             <a:fld id="{9A01286C-D24D-4039-9B79-188014B81EF0}" type="datetime1">
               <a:rPr lang="ru-RU" smtClean="0"/>
-              <a:t>16.06.2023</a:t>
+              <a:t>17.06.2023</a:t>
             </a:fld>
             <a:endParaRPr lang="ru-RU"/>
           </a:p>
@@ -1010,7 +1011,7 @@
           <a:p>
             <a:fld id="{C7435AC7-7EFC-4C6A-8B4A-3A0ABD863A85}" type="datetime1">
               <a:rPr lang="ru-RU" smtClean="0"/>
-              <a:t>16.06.2023</a:t>
+              <a:t>17.06.2023</a:t>
             </a:fld>
             <a:endParaRPr lang="ru-RU"/>
           </a:p>
@@ -1411,7 +1412,7 @@
           <a:p>
             <a:fld id="{04FCF316-177D-4002-A014-31E42C580843}" type="datetime1">
               <a:rPr lang="ru-RU" smtClean="0"/>
-              <a:t>16.06.2023</a:t>
+              <a:t>17.06.2023</a:t>
             </a:fld>
             <a:endParaRPr lang="ru-RU"/>
           </a:p>
@@ -1746,7 +1747,7 @@
           <a:p>
             <a:fld id="{029AEA95-4A9D-4EBF-8A5F-0F900F8488E6}" type="datetime1">
               <a:rPr lang="ru-RU" smtClean="0"/>
-              <a:t>16.06.2023</a:t>
+              <a:t>17.06.2023</a:t>
             </a:fld>
             <a:endParaRPr lang="ru-RU"/>
           </a:p>
@@ -2066,7 +2067,7 @@
           <a:p>
             <a:fld id="{BEC51906-DCF6-42EE-9502-5BFAF385E1B7}" type="datetime1">
               <a:rPr lang="ru-RU" smtClean="0"/>
-              <a:t>16.06.2023</a:t>
+              <a:t>17.06.2023</a:t>
             </a:fld>
             <a:endParaRPr lang="ru-RU"/>
           </a:p>
@@ -2462,7 +2463,7 @@
           <a:p>
             <a:fld id="{A9EE9BC4-D6AA-4323-AC58-7EDF0473E5CD}" type="datetime1">
               <a:rPr lang="ru-RU" smtClean="0"/>
-              <a:t>16.06.2023</a:t>
+              <a:t>17.06.2023</a:t>
             </a:fld>
             <a:endParaRPr lang="ru-RU"/>
           </a:p>
@@ -2719,7 +2720,7 @@
           <a:p>
             <a:fld id="{2AD07951-DEFF-4C64-8DD9-36A1A4C04CF7}" type="datetime1">
               <a:rPr lang="ru-RU" smtClean="0"/>
-              <a:t>16.06.2023</a:t>
+              <a:t>17.06.2023</a:t>
             </a:fld>
             <a:endParaRPr lang="ru-RU"/>
           </a:p>
@@ -2981,7 +2982,7 @@
           <a:p>
             <a:fld id="{053B07EB-F58D-4FCB-9B0B-E065C5A425E6}" type="datetime1">
               <a:rPr lang="ru-RU" smtClean="0"/>
-              <a:t>16.06.2023</a:t>
+              <a:t>17.06.2023</a:t>
             </a:fld>
             <a:endParaRPr lang="ru-RU"/>
           </a:p>
@@ -3243,7 +3244,7 @@
           <a:p>
             <a:fld id="{448B1765-DCBF-461E-87CB-534CF379D7B5}" type="datetime1">
               <a:rPr lang="ru-RU" smtClean="0"/>
-              <a:t>16.06.2023</a:t>
+              <a:t>17.06.2023</a:t>
             </a:fld>
             <a:endParaRPr lang="ru-RU"/>
           </a:p>
@@ -3572,7 +3573,7 @@
           <a:p>
             <a:fld id="{106EE73D-979C-4FB3-8935-F4F6660FD339}" type="datetime1">
               <a:rPr lang="ru-RU" smtClean="0"/>
-              <a:t>16.06.2023</a:t>
+              <a:t>17.06.2023</a:t>
             </a:fld>
             <a:endParaRPr lang="ru-RU"/>
           </a:p>
@@ -3895,7 +3896,7 @@
           <a:p>
             <a:fld id="{26CBC4E0-4BA5-458D-B31E-4DA4974DD756}" type="datetime1">
               <a:rPr lang="ru-RU" smtClean="0"/>
-              <a:t>16.06.2023</a:t>
+              <a:t>17.06.2023</a:t>
             </a:fld>
             <a:endParaRPr lang="ru-RU"/>
           </a:p>
@@ -4352,7 +4353,7 @@
           <a:p>
             <a:fld id="{8BEF53F8-F77F-4C56-9AA6-639780451998}" type="datetime1">
               <a:rPr lang="ru-RU" smtClean="0"/>
-              <a:t>16.06.2023</a:t>
+              <a:t>17.06.2023</a:t>
             </a:fld>
             <a:endParaRPr lang="ru-RU"/>
           </a:p>
@@ -4557,7 +4558,7 @@
           <a:p>
             <a:fld id="{9862B62C-BB0B-418E-993D-5ADBF2901EBB}" type="datetime1">
               <a:rPr lang="ru-RU" smtClean="0"/>
-              <a:t>16.06.2023</a:t>
+              <a:t>17.06.2023</a:t>
             </a:fld>
             <a:endParaRPr lang="ru-RU"/>
           </a:p>
@@ -4734,7 +4735,7 @@
           <a:p>
             <a:fld id="{3BA0CB8E-CC9C-47E0-B1BC-6C08AE270C44}" type="datetime1">
               <a:rPr lang="ru-RU" smtClean="0"/>
-              <a:t>16.06.2023</a:t>
+              <a:t>17.06.2023</a:t>
             </a:fld>
             <a:endParaRPr lang="ru-RU"/>
           </a:p>
@@ -5067,7 +5068,7 @@
           <a:p>
             <a:fld id="{000ADB6F-36E4-4869-9ACC-BB1E179B1F20}" type="datetime1">
               <a:rPr lang="ru-RU" smtClean="0"/>
-              <a:t>16.06.2023</a:t>
+              <a:t>17.06.2023</a:t>
             </a:fld>
             <a:endParaRPr lang="ru-RU"/>
           </a:p>
@@ -5412,7 +5413,7 @@
           <a:p>
             <a:fld id="{D86C6135-D033-4B44-BF55-13FADD15A79E}" type="datetime1">
               <a:rPr lang="ru-RU" smtClean="0"/>
-              <a:t>16.06.2023</a:t>
+              <a:t>17.06.2023</a:t>
             </a:fld>
             <a:endParaRPr lang="ru-RU"/>
           </a:p>
@@ -7529,7 +7530,7 @@
           <a:p>
             <a:fld id="{14878BB3-8E20-4CB9-9A47-56C32F53986A}" type="datetime1">
               <a:rPr lang="ru-RU" smtClean="0"/>
-              <a:t>16.06.2023</a:t>
+              <a:t>17.06.2023</a:t>
             </a:fld>
             <a:endParaRPr lang="ru-RU"/>
           </a:p>
@@ -10007,7 +10008,7 @@
           <a:graphicData uri="http://schemas.openxmlformats.org/presentationml/2006/ole">
             <mc:AlternateContent xmlns:mc="http://schemas.openxmlformats.org/markup-compatibility/2006">
               <mc:Choice xmlns:v="urn:schemas-microsoft-com:vml" Requires="v">
-                <p:oleObj spid="_x0000_s2142" name="Worksheet" r:id="rId3" imgW="6743700" imgH="2676752" progId="Excel.Sheet.12">
+                <p:oleObj spid="_x0000_s2147" name="Worksheet" r:id="rId3" imgW="6743700" imgH="2676752" progId="Excel.Sheet.12">
                   <p:embed/>
                 </p:oleObj>
               </mc:Choice>
@@ -10803,7 +10804,7 @@
           <a:graphicData uri="http://schemas.openxmlformats.org/presentationml/2006/ole">
             <mc:AlternateContent xmlns:mc="http://schemas.openxmlformats.org/markup-compatibility/2006">
               <mc:Choice xmlns:v="urn:schemas-microsoft-com:vml" Requires="v">
-                <p:oleObj spid="_x0000_s1130" name="Worksheet" r:id="rId5" imgW="8029708" imgH="2266871" progId="Excel.Sheet.12">
+                <p:oleObj spid="_x0000_s1135" name="Worksheet" r:id="rId5" imgW="8029708" imgH="2266871" progId="Excel.Sheet.12">
                   <p:embed/>
                 </p:oleObj>
               </mc:Choice>
@@ -10870,6 +10871,169 @@
       </p:grpSpPr>
       <p:sp>
         <p:nvSpPr>
+          <p:cNvPr id="4" name="Номер слайда 3">
+            <a:extLst>
+              <a:ext uri="{FF2B5EF4-FFF2-40B4-BE49-F238E27FC236}">
+                <a16:creationId xmlns:a16="http://schemas.microsoft.com/office/drawing/2014/main" id="{ED22A122-58D3-488E-9AB8-B2CA61B0D962}"/>
+              </a:ext>
+            </a:extLst>
+          </p:cNvPr>
+          <p:cNvSpPr>
+            <a:spLocks noGrp="1"/>
+          </p:cNvSpPr>
+          <p:nvPr>
+            <p:ph type="sldNum" sz="quarter" idx="12"/>
+          </p:nvPr>
+        </p:nvSpPr>
+        <p:spPr/>
+        <p:txBody>
+          <a:bodyPr/>
+          <a:lstStyle/>
+          <a:p>
+            <a:fld id="{F846435F-278B-4F8D-8B6E-49BFC1C98D0D}" type="slidenum">
+              <a:rPr lang="ru-RU" smtClean="0"/>
+              <a:t>21</a:t>
+            </a:fld>
+            <a:endParaRPr lang="ru-RU"/>
+          </a:p>
+        </p:txBody>
+      </p:sp>
+      <p:sp>
+        <p:nvSpPr>
+          <p:cNvPr id="5" name="Заголовок 1">
+            <a:extLst>
+              <a:ext uri="{FF2B5EF4-FFF2-40B4-BE49-F238E27FC236}">
+                <a16:creationId xmlns:a16="http://schemas.microsoft.com/office/drawing/2014/main" id="{791D0697-738C-44DC-96CB-A4F8C8BEF5CC}"/>
+              </a:ext>
+            </a:extLst>
+          </p:cNvPr>
+          <p:cNvSpPr>
+            <a:spLocks noGrp="1"/>
+          </p:cNvSpPr>
+          <p:nvPr>
+            <p:ph type="title"/>
+          </p:nvPr>
+        </p:nvSpPr>
+        <p:spPr>
+          <a:xfrm>
+            <a:off x="919119" y="216340"/>
+            <a:ext cx="10353761" cy="678426"/>
+          </a:xfrm>
+        </p:spPr>
+        <p:txBody>
+          <a:bodyPr/>
+          <a:lstStyle/>
+          <a:p>
+            <a:pPr algn="ctr"/>
+            <a:r>
+              <a:rPr lang="ru-RU" dirty="0">
+                <a:latin typeface="Calibri" panose="020F0502020204030204" pitchFamily="34" charset="0"/>
+                <a:cs typeface="Calibri" panose="020F0502020204030204" pitchFamily="34" charset="0"/>
+              </a:rPr>
+              <a:t>Планы на будущее</a:t>
+            </a:r>
+          </a:p>
+        </p:txBody>
+      </p:sp>
+      <p:sp>
+        <p:nvSpPr>
+          <p:cNvPr id="6" name="Прямоугольник 5">
+            <a:extLst>
+              <a:ext uri="{FF2B5EF4-FFF2-40B4-BE49-F238E27FC236}">
+                <a16:creationId xmlns:a16="http://schemas.microsoft.com/office/drawing/2014/main" id="{06D53897-9A92-4EF9-9898-CC511694C520}"/>
+              </a:ext>
+            </a:extLst>
+          </p:cNvPr>
+          <p:cNvSpPr/>
+          <p:nvPr/>
+        </p:nvSpPr>
+        <p:spPr>
+          <a:xfrm>
+            <a:off x="1538473" y="2044005"/>
+            <a:ext cx="9115051" cy="1384995"/>
+          </a:xfrm>
+          <a:prstGeom prst="rect">
+            <a:avLst/>
+          </a:prstGeom>
+        </p:spPr>
+        <p:txBody>
+          <a:bodyPr wrap="square">
+            <a:spAutoFit/>
+          </a:bodyPr>
+          <a:lstStyle/>
+          <a:p>
+            <a:pPr marL="457200" indent="-457200">
+              <a:buFont typeface="+mj-lt"/>
+              <a:buAutoNum type="arabicPeriod"/>
+            </a:pPr>
+            <a:r>
+              <a:rPr lang="ru-RU" sz="2800" dirty="0">
+                <a:latin typeface="Calibri" panose="020F0502020204030204" pitchFamily="34" charset="0"/>
+                <a:cs typeface="Calibri" panose="020F0502020204030204" pitchFamily="34" charset="0"/>
+              </a:rPr>
+              <a:t>Адаптация под мобильные устройства</a:t>
+            </a:r>
+          </a:p>
+          <a:p>
+            <a:pPr marL="457200" indent="-457200">
+              <a:buFont typeface="+mj-lt"/>
+              <a:buAutoNum type="arabicPeriod"/>
+            </a:pPr>
+            <a:r>
+              <a:rPr lang="ru-RU" sz="2800" dirty="0">
+                <a:latin typeface="Calibri" panose="020F0502020204030204" pitchFamily="34" charset="0"/>
+                <a:cs typeface="Calibri" panose="020F0502020204030204" pitchFamily="34" charset="0"/>
+              </a:rPr>
+              <a:t>Внедрение дополнительных методик оценки</a:t>
+            </a:r>
+          </a:p>
+          <a:p>
+            <a:pPr marL="457200" indent="-457200">
+              <a:buFont typeface="+mj-lt"/>
+              <a:buAutoNum type="arabicPeriod"/>
+            </a:pPr>
+            <a:r>
+              <a:rPr lang="ru-RU" sz="2800" dirty="0">
+                <a:latin typeface="Calibri" panose="020F0502020204030204" pitchFamily="34" charset="0"/>
+                <a:cs typeface="Calibri" panose="020F0502020204030204" pitchFamily="34" charset="0"/>
+              </a:rPr>
+              <a:t>Разработка системы рекомендаций</a:t>
+            </a:r>
+          </a:p>
+        </p:txBody>
+      </p:sp>
+    </p:spTree>
+    <p:extLst>
+      <p:ext uri="{BB962C8B-B14F-4D97-AF65-F5344CB8AC3E}">
+        <p14:creationId xmlns:p14="http://schemas.microsoft.com/office/powerpoint/2010/main" val="180371675"/>
+      </p:ext>
+    </p:extLst>
+  </p:cSld>
+  <p:clrMapOvr>
+    <a:masterClrMapping/>
+  </p:clrMapOvr>
+</p:sld>
+</file>
+
+<file path=ppt/slides/slide22.xml><?xml version="1.0" encoding="utf-8"?>
+<p:sld xmlns:a="http://schemas.openxmlformats.org/drawingml/2006/main" xmlns:r="http://schemas.openxmlformats.org/officeDocument/2006/relationships" xmlns:p="http://schemas.openxmlformats.org/presentationml/2006/main">
+  <p:cSld>
+    <p:spTree>
+      <p:nvGrpSpPr>
+        <p:cNvPr id="1" name=""/>
+        <p:cNvGrpSpPr/>
+        <p:nvPr/>
+      </p:nvGrpSpPr>
+      <p:grpSpPr>
+        <a:xfrm>
+          <a:off x="0" y="0"/>
+          <a:ext cx="0" cy="0"/>
+          <a:chOff x="0" y="0"/>
+          <a:chExt cx="0" cy="0"/>
+        </a:xfrm>
+      </p:grpSpPr>
+      <p:sp>
+        <p:nvSpPr>
           <p:cNvPr id="3" name="Объект 2">
             <a:extLst>
               <a:ext uri="{FF2B5EF4-FFF2-40B4-BE49-F238E27FC236}">
@@ -10921,7 +11085,7 @@
           <a:p>
             <a:fld id="{F846435F-278B-4F8D-8B6E-49BFC1C98D0D}" type="slidenum">
               <a:rPr lang="ru-RU" smtClean="0"/>
-              <a:t>21</a:t>
+              <a:t>22</a:t>
             </a:fld>
             <a:endParaRPr lang="ru-RU"/>
           </a:p>

--- a/Документы/Презентация ВКР.pptx
+++ b/Документы/Презентация ВКР.pptx
@@ -5,7 +5,7 @@
     <p:sldMasterId id="2147483719" r:id="rId1"/>
   </p:sldMasterIdLst>
   <p:notesMasterIdLst>
-    <p:notesMasterId r:id="rId24"/>
+    <p:notesMasterId r:id="rId23"/>
   </p:notesMasterIdLst>
   <p:sldIdLst>
     <p:sldId id="256" r:id="rId2"/>
@@ -28,8 +28,7 @@
     <p:sldId id="279" r:id="rId19"/>
     <p:sldId id="276" r:id="rId20"/>
     <p:sldId id="278" r:id="rId21"/>
-    <p:sldId id="283" r:id="rId22"/>
-    <p:sldId id="282" r:id="rId23"/>
+    <p:sldId id="282" r:id="rId22"/>
   </p:sldIdLst>
   <p:sldSz cx="12192000" cy="6858000"/>
   <p:notesSz cx="6858000" cy="9144000"/>
@@ -218,7 +217,7 @@
           <a:p>
             <a:fld id="{F8E7A9AA-D791-4CE8-A528-0ED1B3A93F2C}" type="datetimeFigureOut">
               <a:rPr lang="ru-RU" smtClean="0"/>
-              <a:t>17.06.2023</a:t>
+              <a:t>18.06.2023</a:t>
             </a:fld>
             <a:endParaRPr lang="ru-RU"/>
           </a:p>
@@ -673,7 +672,7 @@
           <a:p>
             <a:fld id="{9A01286C-D24D-4039-9B79-188014B81EF0}" type="datetime1">
               <a:rPr lang="ru-RU" smtClean="0"/>
-              <a:t>17.06.2023</a:t>
+              <a:t>18.06.2023</a:t>
             </a:fld>
             <a:endParaRPr lang="ru-RU"/>
           </a:p>
@@ -1011,7 +1010,7 @@
           <a:p>
             <a:fld id="{C7435AC7-7EFC-4C6A-8B4A-3A0ABD863A85}" type="datetime1">
               <a:rPr lang="ru-RU" smtClean="0"/>
-              <a:t>17.06.2023</a:t>
+              <a:t>18.06.2023</a:t>
             </a:fld>
             <a:endParaRPr lang="ru-RU"/>
           </a:p>
@@ -1412,7 +1411,7 @@
           <a:p>
             <a:fld id="{04FCF316-177D-4002-A014-31E42C580843}" type="datetime1">
               <a:rPr lang="ru-RU" smtClean="0"/>
-              <a:t>17.06.2023</a:t>
+              <a:t>18.06.2023</a:t>
             </a:fld>
             <a:endParaRPr lang="ru-RU"/>
           </a:p>
@@ -1747,7 +1746,7 @@
           <a:p>
             <a:fld id="{029AEA95-4A9D-4EBF-8A5F-0F900F8488E6}" type="datetime1">
               <a:rPr lang="ru-RU" smtClean="0"/>
-              <a:t>17.06.2023</a:t>
+              <a:t>18.06.2023</a:t>
             </a:fld>
             <a:endParaRPr lang="ru-RU"/>
           </a:p>
@@ -2067,7 +2066,7 @@
           <a:p>
             <a:fld id="{BEC51906-DCF6-42EE-9502-5BFAF385E1B7}" type="datetime1">
               <a:rPr lang="ru-RU" smtClean="0"/>
-              <a:t>17.06.2023</a:t>
+              <a:t>18.06.2023</a:t>
             </a:fld>
             <a:endParaRPr lang="ru-RU"/>
           </a:p>
@@ -2463,7 +2462,7 @@
           <a:p>
             <a:fld id="{A9EE9BC4-D6AA-4323-AC58-7EDF0473E5CD}" type="datetime1">
               <a:rPr lang="ru-RU" smtClean="0"/>
-              <a:t>17.06.2023</a:t>
+              <a:t>18.06.2023</a:t>
             </a:fld>
             <a:endParaRPr lang="ru-RU"/>
           </a:p>
@@ -2720,7 +2719,7 @@
           <a:p>
             <a:fld id="{2AD07951-DEFF-4C64-8DD9-36A1A4C04CF7}" type="datetime1">
               <a:rPr lang="ru-RU" smtClean="0"/>
-              <a:t>17.06.2023</a:t>
+              <a:t>18.06.2023</a:t>
             </a:fld>
             <a:endParaRPr lang="ru-RU"/>
           </a:p>
@@ -2982,7 +2981,7 @@
           <a:p>
             <a:fld id="{053B07EB-F58D-4FCB-9B0B-E065C5A425E6}" type="datetime1">
               <a:rPr lang="ru-RU" smtClean="0"/>
-              <a:t>17.06.2023</a:t>
+              <a:t>18.06.2023</a:t>
             </a:fld>
             <a:endParaRPr lang="ru-RU"/>
           </a:p>
@@ -3244,7 +3243,7 @@
           <a:p>
             <a:fld id="{448B1765-DCBF-461E-87CB-534CF379D7B5}" type="datetime1">
               <a:rPr lang="ru-RU" smtClean="0"/>
-              <a:t>17.06.2023</a:t>
+              <a:t>18.06.2023</a:t>
             </a:fld>
             <a:endParaRPr lang="ru-RU"/>
           </a:p>
@@ -3573,7 +3572,7 @@
           <a:p>
             <a:fld id="{106EE73D-979C-4FB3-8935-F4F6660FD339}" type="datetime1">
               <a:rPr lang="ru-RU" smtClean="0"/>
-              <a:t>17.06.2023</a:t>
+              <a:t>18.06.2023</a:t>
             </a:fld>
             <a:endParaRPr lang="ru-RU"/>
           </a:p>
@@ -3896,7 +3895,7 @@
           <a:p>
             <a:fld id="{26CBC4E0-4BA5-458D-B31E-4DA4974DD756}" type="datetime1">
               <a:rPr lang="ru-RU" smtClean="0"/>
-              <a:t>17.06.2023</a:t>
+              <a:t>18.06.2023</a:t>
             </a:fld>
             <a:endParaRPr lang="ru-RU"/>
           </a:p>
@@ -4353,7 +4352,7 @@
           <a:p>
             <a:fld id="{8BEF53F8-F77F-4C56-9AA6-639780451998}" type="datetime1">
               <a:rPr lang="ru-RU" smtClean="0"/>
-              <a:t>17.06.2023</a:t>
+              <a:t>18.06.2023</a:t>
             </a:fld>
             <a:endParaRPr lang="ru-RU"/>
           </a:p>
@@ -4558,7 +4557,7 @@
           <a:p>
             <a:fld id="{9862B62C-BB0B-418E-993D-5ADBF2901EBB}" type="datetime1">
               <a:rPr lang="ru-RU" smtClean="0"/>
-              <a:t>17.06.2023</a:t>
+              <a:t>18.06.2023</a:t>
             </a:fld>
             <a:endParaRPr lang="ru-RU"/>
           </a:p>
@@ -4735,7 +4734,7 @@
           <a:p>
             <a:fld id="{3BA0CB8E-CC9C-47E0-B1BC-6C08AE270C44}" type="datetime1">
               <a:rPr lang="ru-RU" smtClean="0"/>
-              <a:t>17.06.2023</a:t>
+              <a:t>18.06.2023</a:t>
             </a:fld>
             <a:endParaRPr lang="ru-RU"/>
           </a:p>
@@ -5068,7 +5067,7 @@
           <a:p>
             <a:fld id="{000ADB6F-36E4-4869-9ACC-BB1E179B1F20}" type="datetime1">
               <a:rPr lang="ru-RU" smtClean="0"/>
-              <a:t>17.06.2023</a:t>
+              <a:t>18.06.2023</a:t>
             </a:fld>
             <a:endParaRPr lang="ru-RU"/>
           </a:p>
@@ -5413,7 +5412,7 @@
           <a:p>
             <a:fld id="{D86C6135-D033-4B44-BF55-13FADD15A79E}" type="datetime1">
               <a:rPr lang="ru-RU" smtClean="0"/>
-              <a:t>17.06.2023</a:t>
+              <a:t>18.06.2023</a:t>
             </a:fld>
             <a:endParaRPr lang="ru-RU"/>
           </a:p>
@@ -7530,7 +7529,7 @@
           <a:p>
             <a:fld id="{14878BB3-8E20-4CB9-9A47-56C32F53986A}" type="datetime1">
               <a:rPr lang="ru-RU" smtClean="0"/>
-              <a:t>17.06.2023</a:t>
+              <a:t>18.06.2023</a:t>
             </a:fld>
             <a:endParaRPr lang="ru-RU"/>
           </a:p>
@@ -9324,7 +9323,7 @@
         </p:blipFill>
         <p:spPr>
           <a:xfrm>
-            <a:off x="445361" y="2163520"/>
+            <a:off x="531812" y="2190153"/>
             <a:ext cx="11301275" cy="2087076"/>
           </a:xfrm>
           <a:prstGeom prst="rect">
@@ -9417,7 +9416,7 @@
         </p:nvSpPr>
         <p:spPr>
           <a:xfrm>
-            <a:off x="1039662" y="1304065"/>
+            <a:off x="1165530" y="1125321"/>
             <a:ext cx="10112675" cy="5112774"/>
           </a:xfrm>
         </p:spPr>
@@ -9436,7 +9435,7 @@
               </a:spcBef>
             </a:pPr>
             <a:r>
-              <a:rPr lang="ru-RU" sz="2400" dirty="0">
+              <a:rPr lang="ru-RU" sz="2800" dirty="0">
                 <a:latin typeface="Calibri" panose="020F0502020204030204" pitchFamily="34" charset="0"/>
                 <a:cs typeface="Calibri" panose="020F0502020204030204" pitchFamily="34" charset="0"/>
               </a:rPr>
@@ -9453,7 +9452,7 @@
               </a:spcBef>
             </a:pPr>
             <a:r>
-              <a:rPr lang="ru-RU" sz="2400" dirty="0">
+              <a:rPr lang="ru-RU" sz="2800" dirty="0">
                 <a:latin typeface="Calibri" panose="020F0502020204030204" pitchFamily="34" charset="0"/>
                 <a:cs typeface="Calibri" panose="020F0502020204030204" pitchFamily="34" charset="0"/>
               </a:rPr>
@@ -9470,7 +9469,7 @@
               </a:spcBef>
             </a:pPr>
             <a:r>
-              <a:rPr lang="ru-RU" sz="2400" dirty="0">
+              <a:rPr lang="ru-RU" sz="2800" dirty="0">
                 <a:latin typeface="Calibri" panose="020F0502020204030204" pitchFamily="34" charset="0"/>
                 <a:cs typeface="Calibri" panose="020F0502020204030204" pitchFamily="34" charset="0"/>
               </a:rPr>
@@ -9487,7 +9486,7 @@
               </a:spcBef>
             </a:pPr>
             <a:r>
-              <a:rPr lang="ru-RU" sz="2400" dirty="0">
+              <a:rPr lang="ru-RU" sz="2800" dirty="0">
                 <a:latin typeface="Calibri" panose="020F0502020204030204" pitchFamily="34" charset="0"/>
                 <a:cs typeface="Calibri" panose="020F0502020204030204" pitchFamily="34" charset="0"/>
               </a:rPr>
@@ -9504,7 +9503,7 @@
               </a:spcBef>
             </a:pPr>
             <a:r>
-              <a:rPr lang="ru-RU" sz="2400" dirty="0">
+              <a:rPr lang="ru-RU" sz="2800" dirty="0">
                 <a:latin typeface="Calibri" panose="020F0502020204030204" pitchFamily="34" charset="0"/>
                 <a:cs typeface="Calibri" panose="020F0502020204030204" pitchFamily="34" charset="0"/>
               </a:rPr>
@@ -9521,7 +9520,7 @@
               </a:spcBef>
             </a:pPr>
             <a:r>
-              <a:rPr lang="ru-RU" sz="2400" dirty="0">
+              <a:rPr lang="ru-RU" sz="2800" dirty="0">
                 <a:latin typeface="Calibri" panose="020F0502020204030204" pitchFamily="34" charset="0"/>
                 <a:cs typeface="Calibri" panose="020F0502020204030204" pitchFamily="34" charset="0"/>
               </a:rPr>
@@ -9538,7 +9537,7 @@
               </a:spcBef>
             </a:pPr>
             <a:r>
-              <a:rPr lang="ru-RU" sz="2400" dirty="0">
+              <a:rPr lang="ru-RU" sz="2800" dirty="0">
                 <a:latin typeface="Calibri" panose="020F0502020204030204" pitchFamily="34" charset="0"/>
                 <a:cs typeface="Calibri" panose="020F0502020204030204" pitchFamily="34" charset="0"/>
               </a:rPr>
@@ -9555,7 +9554,7 @@
               </a:spcBef>
             </a:pPr>
             <a:r>
-              <a:rPr lang="ru-RU" sz="2400" dirty="0">
+              <a:rPr lang="ru-RU" sz="2800" dirty="0">
                 <a:latin typeface="Calibri" panose="020F0502020204030204" pitchFamily="34" charset="0"/>
                 <a:cs typeface="Calibri" panose="020F0502020204030204" pitchFamily="34" charset="0"/>
               </a:rPr>
@@ -9572,7 +9571,7 @@
               </a:spcBef>
             </a:pPr>
             <a:r>
-              <a:rPr lang="ru-RU" sz="2400" dirty="0">
+              <a:rPr lang="ru-RU" sz="2800" dirty="0">
                 <a:latin typeface="Calibri" panose="020F0502020204030204" pitchFamily="34" charset="0"/>
                 <a:cs typeface="Calibri" panose="020F0502020204030204" pitchFamily="34" charset="0"/>
               </a:rPr>
@@ -9995,20 +9994,20 @@
           <p:nvPr>
             <p:extLst>
               <p:ext uri="{D42A27DB-BD31-4B8C-83A1-F6EECF244321}">
-                <p14:modId xmlns:p14="http://schemas.microsoft.com/office/powerpoint/2010/main" val="3702249476"/>
+                <p14:modId xmlns:p14="http://schemas.microsoft.com/office/powerpoint/2010/main" val="936321646"/>
               </p:ext>
             </p:extLst>
           </p:nvPr>
         </p:nvGraphicFramePr>
         <p:xfrm>
-          <a:off x="1838556" y="1739252"/>
-          <a:ext cx="8514887" cy="3379496"/>
+          <a:off x="1531968" y="1721496"/>
+          <a:ext cx="9128063" cy="3622861"/>
         </p:xfrm>
         <a:graphic>
           <a:graphicData uri="http://schemas.openxmlformats.org/presentationml/2006/ole">
             <mc:AlternateContent xmlns:mc="http://schemas.openxmlformats.org/markup-compatibility/2006">
               <mc:Choice xmlns:v="urn:schemas-microsoft-com:vml" Requires="v">
-                <p:oleObj spid="_x0000_s2147" name="Worksheet" r:id="rId3" imgW="6743700" imgH="2676752" progId="Excel.Sheet.12">
+                <p:oleObj spid="_x0000_s2177" name="Worksheet" r:id="rId3" imgW="6743700" imgH="2676752" progId="Excel.Sheet.12">
                   <p:embed/>
                 </p:oleObj>
               </mc:Choice>
@@ -10029,8 +10028,8 @@
                     </p:blipFill>
                     <p:spPr>
                       <a:xfrm>
-                        <a:off x="1838556" y="1739252"/>
-                        <a:ext cx="8514887" cy="3379496"/>
+                        <a:off x="1531968" y="1721496"/>
+                        <a:ext cx="9128063" cy="3622861"/>
                       </a:xfrm>
                       <a:prstGeom prst="rect">
                         <a:avLst/>
@@ -10804,7 +10803,7 @@
           <a:graphicData uri="http://schemas.openxmlformats.org/presentationml/2006/ole">
             <mc:AlternateContent xmlns:mc="http://schemas.openxmlformats.org/markup-compatibility/2006">
               <mc:Choice xmlns:v="urn:schemas-microsoft-com:vml" Requires="v">
-                <p:oleObj spid="_x0000_s1135" name="Worksheet" r:id="rId5" imgW="8029708" imgH="2266871" progId="Excel.Sheet.12">
+                <p:oleObj spid="_x0000_s1165" name="Worksheet" r:id="rId5" imgW="8029708" imgH="2266871" progId="Excel.Sheet.12">
                   <p:embed/>
                 </p:oleObj>
               </mc:Choice>
@@ -10871,169 +10870,6 @@
       </p:grpSpPr>
       <p:sp>
         <p:nvSpPr>
-          <p:cNvPr id="4" name="Номер слайда 3">
-            <a:extLst>
-              <a:ext uri="{FF2B5EF4-FFF2-40B4-BE49-F238E27FC236}">
-                <a16:creationId xmlns:a16="http://schemas.microsoft.com/office/drawing/2014/main" id="{ED22A122-58D3-488E-9AB8-B2CA61B0D962}"/>
-              </a:ext>
-            </a:extLst>
-          </p:cNvPr>
-          <p:cNvSpPr>
-            <a:spLocks noGrp="1"/>
-          </p:cNvSpPr>
-          <p:nvPr>
-            <p:ph type="sldNum" sz="quarter" idx="12"/>
-          </p:nvPr>
-        </p:nvSpPr>
-        <p:spPr/>
-        <p:txBody>
-          <a:bodyPr/>
-          <a:lstStyle/>
-          <a:p>
-            <a:fld id="{F846435F-278B-4F8D-8B6E-49BFC1C98D0D}" type="slidenum">
-              <a:rPr lang="ru-RU" smtClean="0"/>
-              <a:t>21</a:t>
-            </a:fld>
-            <a:endParaRPr lang="ru-RU"/>
-          </a:p>
-        </p:txBody>
-      </p:sp>
-      <p:sp>
-        <p:nvSpPr>
-          <p:cNvPr id="5" name="Заголовок 1">
-            <a:extLst>
-              <a:ext uri="{FF2B5EF4-FFF2-40B4-BE49-F238E27FC236}">
-                <a16:creationId xmlns:a16="http://schemas.microsoft.com/office/drawing/2014/main" id="{791D0697-738C-44DC-96CB-A4F8C8BEF5CC}"/>
-              </a:ext>
-            </a:extLst>
-          </p:cNvPr>
-          <p:cNvSpPr>
-            <a:spLocks noGrp="1"/>
-          </p:cNvSpPr>
-          <p:nvPr>
-            <p:ph type="title"/>
-          </p:nvPr>
-        </p:nvSpPr>
-        <p:spPr>
-          <a:xfrm>
-            <a:off x="919119" y="216340"/>
-            <a:ext cx="10353761" cy="678426"/>
-          </a:xfrm>
-        </p:spPr>
-        <p:txBody>
-          <a:bodyPr/>
-          <a:lstStyle/>
-          <a:p>
-            <a:pPr algn="ctr"/>
-            <a:r>
-              <a:rPr lang="ru-RU" dirty="0">
-                <a:latin typeface="Calibri" panose="020F0502020204030204" pitchFamily="34" charset="0"/>
-                <a:cs typeface="Calibri" panose="020F0502020204030204" pitchFamily="34" charset="0"/>
-              </a:rPr>
-              <a:t>Планы на будущее</a:t>
-            </a:r>
-          </a:p>
-        </p:txBody>
-      </p:sp>
-      <p:sp>
-        <p:nvSpPr>
-          <p:cNvPr id="6" name="Прямоугольник 5">
-            <a:extLst>
-              <a:ext uri="{FF2B5EF4-FFF2-40B4-BE49-F238E27FC236}">
-                <a16:creationId xmlns:a16="http://schemas.microsoft.com/office/drawing/2014/main" id="{06D53897-9A92-4EF9-9898-CC511694C520}"/>
-              </a:ext>
-            </a:extLst>
-          </p:cNvPr>
-          <p:cNvSpPr/>
-          <p:nvPr/>
-        </p:nvSpPr>
-        <p:spPr>
-          <a:xfrm>
-            <a:off x="1538473" y="2044005"/>
-            <a:ext cx="9115051" cy="1384995"/>
-          </a:xfrm>
-          <a:prstGeom prst="rect">
-            <a:avLst/>
-          </a:prstGeom>
-        </p:spPr>
-        <p:txBody>
-          <a:bodyPr wrap="square">
-            <a:spAutoFit/>
-          </a:bodyPr>
-          <a:lstStyle/>
-          <a:p>
-            <a:pPr marL="457200" indent="-457200">
-              <a:buFont typeface="+mj-lt"/>
-              <a:buAutoNum type="arabicPeriod"/>
-            </a:pPr>
-            <a:r>
-              <a:rPr lang="ru-RU" sz="2800" dirty="0">
-                <a:latin typeface="Calibri" panose="020F0502020204030204" pitchFamily="34" charset="0"/>
-                <a:cs typeface="Calibri" panose="020F0502020204030204" pitchFamily="34" charset="0"/>
-              </a:rPr>
-              <a:t>Адаптация под мобильные устройства</a:t>
-            </a:r>
-          </a:p>
-          <a:p>
-            <a:pPr marL="457200" indent="-457200">
-              <a:buFont typeface="+mj-lt"/>
-              <a:buAutoNum type="arabicPeriod"/>
-            </a:pPr>
-            <a:r>
-              <a:rPr lang="ru-RU" sz="2800" dirty="0">
-                <a:latin typeface="Calibri" panose="020F0502020204030204" pitchFamily="34" charset="0"/>
-                <a:cs typeface="Calibri" panose="020F0502020204030204" pitchFamily="34" charset="0"/>
-              </a:rPr>
-              <a:t>Внедрение дополнительных методик оценки</a:t>
-            </a:r>
-          </a:p>
-          <a:p>
-            <a:pPr marL="457200" indent="-457200">
-              <a:buFont typeface="+mj-lt"/>
-              <a:buAutoNum type="arabicPeriod"/>
-            </a:pPr>
-            <a:r>
-              <a:rPr lang="ru-RU" sz="2800" dirty="0">
-                <a:latin typeface="Calibri" panose="020F0502020204030204" pitchFamily="34" charset="0"/>
-                <a:cs typeface="Calibri" panose="020F0502020204030204" pitchFamily="34" charset="0"/>
-              </a:rPr>
-              <a:t>Разработка системы рекомендаций</a:t>
-            </a:r>
-          </a:p>
-        </p:txBody>
-      </p:sp>
-    </p:spTree>
-    <p:extLst>
-      <p:ext uri="{BB962C8B-B14F-4D97-AF65-F5344CB8AC3E}">
-        <p14:creationId xmlns:p14="http://schemas.microsoft.com/office/powerpoint/2010/main" val="180371675"/>
-      </p:ext>
-    </p:extLst>
-  </p:cSld>
-  <p:clrMapOvr>
-    <a:masterClrMapping/>
-  </p:clrMapOvr>
-</p:sld>
-</file>
-
-<file path=ppt/slides/slide22.xml><?xml version="1.0" encoding="utf-8"?>
-<p:sld xmlns:a="http://schemas.openxmlformats.org/drawingml/2006/main" xmlns:r="http://schemas.openxmlformats.org/officeDocument/2006/relationships" xmlns:p="http://schemas.openxmlformats.org/presentationml/2006/main">
-  <p:cSld>
-    <p:spTree>
-      <p:nvGrpSpPr>
-        <p:cNvPr id="1" name=""/>
-        <p:cNvGrpSpPr/>
-        <p:nvPr/>
-      </p:nvGrpSpPr>
-      <p:grpSpPr>
-        <a:xfrm>
-          <a:off x="0" y="0"/>
-          <a:ext cx="0" cy="0"/>
-          <a:chOff x="0" y="0"/>
-          <a:chExt cx="0" cy="0"/>
-        </a:xfrm>
-      </p:grpSpPr>
-      <p:sp>
-        <p:nvSpPr>
           <p:cNvPr id="3" name="Объект 2">
             <a:extLst>
               <a:ext uri="{FF2B5EF4-FFF2-40B4-BE49-F238E27FC236}">
@@ -11085,7 +10921,7 @@
           <a:p>
             <a:fld id="{F846435F-278B-4F8D-8B6E-49BFC1C98D0D}" type="slidenum">
               <a:rPr lang="ru-RU" smtClean="0"/>
-              <a:t>22</a:t>
+              <a:t>21</a:t>
             </a:fld>
             <a:endParaRPr lang="ru-RU"/>
           </a:p>
@@ -11219,7 +11055,7 @@
                 <a:latin typeface="Calibri" panose="020F0502020204030204" pitchFamily="34" charset="0"/>
                 <a:cs typeface="Calibri" panose="020F0502020204030204" pitchFamily="34" charset="0"/>
               </a:rPr>
-              <a:t>В компании проводятся тестирования, направленные на улучшение условий их труда. Для этого используются тесты, позволяющие оценить различные стороны ожиданий сотрудников от компании.</a:t>
+              <a:t>В компании проводятся тестирования, направленные на оценку благополучия сотрудников. Для этого в тестах используются многофакторные вопросы, позволяющие оценить различные стороны ожиданий сотрудников.</a:t>
             </a:r>
           </a:p>
         </p:txBody>
@@ -11340,13 +11176,13 @@
         </p:nvSpPr>
         <p:spPr>
           <a:xfrm>
-            <a:off x="1406013" y="1465006"/>
-            <a:ext cx="10128096" cy="4562168"/>
+            <a:off x="1406013" y="1278384"/>
+            <a:ext cx="10128096" cy="4748790"/>
           </a:xfrm>
         </p:spPr>
         <p:txBody>
           <a:bodyPr>
-            <a:normAutofit fontScale="92500" lnSpcReduction="20000"/>
+            <a:normAutofit fontScale="92500" lnSpcReduction="10000"/>
           </a:bodyPr>
           <a:lstStyle/>
           <a:p>
@@ -11356,7 +11192,7 @@
                 <a:latin typeface="Calibri" panose="020F0502020204030204" pitchFamily="34" charset="0"/>
                 <a:cs typeface="Calibri" panose="020F0502020204030204" pitchFamily="34" charset="0"/>
               </a:rPr>
-              <a:t>Насколько вы оцениваете психологическую обстановку в Вашем отделе? (1 Вариант ответа)</a:t>
+              <a:t>Насколько Вы  бы оценили эмоциональную обстановку в Вашем отделе? (1 Вариант ответа)</a:t>
             </a:r>
           </a:p>
           <a:p>
@@ -11398,7 +11234,7 @@
                 <a:latin typeface="Calibri" panose="020F0502020204030204" pitchFamily="34" charset="0"/>
                 <a:cs typeface="Calibri" panose="020F0502020204030204" pitchFamily="34" charset="0"/>
               </a:rPr>
-              <a:t>Данные вспомогательные факторы относятся к направлению профессионального благополучия</a:t>
+              <a:t>Обозначенные факторы относятся к направлению профессионального благополучия</a:t>
             </a:r>
           </a:p>
           <a:p>
@@ -11410,7 +11246,7 @@
                 <a:latin typeface="Calibri" panose="020F0502020204030204" pitchFamily="34" charset="0"/>
                 <a:cs typeface="Calibri" panose="020F0502020204030204" pitchFamily="34" charset="0"/>
               </a:rPr>
-              <a:t>Таким образом, профессиональное благополучие при выборе 2 варианта ответа составляет 50%, для 2 вспомогательных факторов.</a:t>
+              <a:t>Таким образом, профессиональное благополучие при выборе 2 варианта ответа составит 50%.</a:t>
             </a:r>
           </a:p>
         </p:txBody>
@@ -11555,7 +11391,7 @@
                 <a:latin typeface="Calibri" panose="020F0502020204030204" pitchFamily="34" charset="0"/>
                 <a:cs typeface="Calibri" panose="020F0502020204030204" pitchFamily="34" charset="0"/>
               </a:rPr>
-              <a:t>Затраты большого количества времени на подготовку и проведение тестирования</a:t>
+              <a:t>Затраты большого количества времени на подготовку и проведение тестирований</a:t>
             </a:r>
           </a:p>
           <a:p>
@@ -11591,7 +11427,7 @@
                 <a:latin typeface="Calibri" panose="020F0502020204030204" pitchFamily="34" charset="0"/>
                 <a:cs typeface="Calibri" panose="020F0502020204030204" pitchFamily="34" charset="0"/>
               </a:rPr>
-              <a:t>Затраты времени на обработку результатов тестирования</a:t>
+              <a:t>Затраты времени на обработку результатов тестирований</a:t>
             </a:r>
           </a:p>
           <a:p>
@@ -11609,7 +11445,7 @@
                 <a:latin typeface="Calibri" panose="020F0502020204030204" pitchFamily="34" charset="0"/>
                 <a:cs typeface="Calibri" panose="020F0502020204030204" pitchFamily="34" charset="0"/>
               </a:rPr>
-              <a:t>Отсутствие контроля за прохождением тестирования</a:t>
+              <a:t>Отсутствие контроля за прохождением тестирований</a:t>
             </a:r>
           </a:p>
           <a:p>
@@ -13555,7 +13391,7 @@
                 <a:latin typeface="Calibri" panose="020F0502020204030204" pitchFamily="34" charset="0"/>
                 <a:cs typeface="Calibri" panose="020F0502020204030204" pitchFamily="34" charset="0"/>
               </a:rPr>
-              <a:t>Создание произвольных измеряемых факторов</a:t>
+              <a:t>Создание и применение факторов для измерений</a:t>
             </a:r>
           </a:p>
           <a:p>
@@ -13601,7 +13437,7 @@
                 <a:latin typeface="Calibri" panose="020F0502020204030204" pitchFamily="34" charset="0"/>
                 <a:cs typeface="Calibri" panose="020F0502020204030204" pitchFamily="34" charset="0"/>
               </a:rPr>
-              <a:t>Доступ к системе только после авторизации в системе</a:t>
+              <a:t>Доступ к системе только после авторизации </a:t>
             </a:r>
           </a:p>
           <a:p>
@@ -13610,7 +13446,7 @@
                 <a:latin typeface="Calibri" panose="020F0502020204030204" pitchFamily="34" charset="0"/>
                 <a:cs typeface="Calibri" panose="020F0502020204030204" pitchFamily="34" charset="0"/>
               </a:rPr>
-              <a:t>Регистрация пользователей только по заранее подготовленному коду сотрудника для каждого из сотрудников компании</a:t>
+              <a:t>Регистрация пользователей только по заранее подготовленному коду сотрудника</a:t>
             </a:r>
           </a:p>
         </p:txBody>

--- a/Документы/Презентация ВКР.pptx
+++ b/Документы/Презентация ВКР.pptx
@@ -9416,7 +9416,7 @@
         </p:nvSpPr>
         <p:spPr>
           <a:xfrm>
-            <a:off x="1165530" y="1125321"/>
+            <a:off x="1378594" y="1031298"/>
             <a:ext cx="10112675" cy="5112774"/>
           </a:xfrm>
         </p:spPr>
@@ -9739,8 +9739,8 @@
         </p:nvSpPr>
         <p:spPr>
           <a:xfrm>
-            <a:off x="1311579" y="1714546"/>
-            <a:ext cx="9809825" cy="3416320"/>
+            <a:off x="1311579" y="1659285"/>
+            <a:ext cx="9809825" cy="3539430"/>
           </a:xfrm>
           <a:prstGeom prst="rect">
             <a:avLst/>
@@ -9753,28 +9753,28 @@
           <a:lstStyle/>
           <a:p>
             <a:r>
-              <a:rPr lang="ru-RU" sz="2400" b="1" dirty="0" err="1">
+              <a:rPr lang="ru-RU" sz="2800" b="1" dirty="0" err="1">
                 <a:latin typeface="Calibri" panose="020F0502020204030204" pitchFamily="34" charset="0"/>
                 <a:cs typeface="Calibri" panose="020F0502020204030204" pitchFamily="34" charset="0"/>
               </a:rPr>
               <a:t>StartExam</a:t>
             </a:r>
             <a:r>
-              <a:rPr lang="ru-RU" sz="2400" dirty="0">
+              <a:rPr lang="ru-RU" sz="2800" dirty="0">
                 <a:latin typeface="Calibri" panose="020F0502020204030204" pitchFamily="34" charset="0"/>
                 <a:cs typeface="Calibri" panose="020F0502020204030204" pitchFamily="34" charset="0"/>
               </a:rPr>
-              <a:t> является предлагает тариф “Стандартный” за 10000 за 3 месяца или около </a:t>
-            </a:r>
-            <a:r>
-              <a:rPr lang="ru-RU" sz="2400" b="1" dirty="0">
+              <a:t> предлагает тариф “Стандартный” за 10000 за 3 месяца или около </a:t>
+            </a:r>
+            <a:r>
+              <a:rPr lang="ru-RU" sz="2800" b="1" dirty="0">
                 <a:latin typeface="Calibri" panose="020F0502020204030204" pitchFamily="34" charset="0"/>
                 <a:cs typeface="Calibri" panose="020F0502020204030204" pitchFamily="34" charset="0"/>
               </a:rPr>
               <a:t>3333 руб</a:t>
             </a:r>
             <a:r>
-              <a:rPr lang="ru-RU" sz="2400" dirty="0">
+              <a:rPr lang="ru-RU" sz="2800" dirty="0">
                 <a:latin typeface="Calibri" panose="020F0502020204030204" pitchFamily="34" charset="0"/>
                 <a:cs typeface="Calibri" panose="020F0502020204030204" pitchFamily="34" charset="0"/>
               </a:rPr>
@@ -9782,56 +9782,50 @@
             </a:r>
           </a:p>
           <a:p>
-            <a:endParaRPr lang="ru-RU" sz="2400" dirty="0">
-              <a:latin typeface="Calibri" panose="020F0502020204030204" pitchFamily="34" charset="0"/>
-              <a:cs typeface="Calibri" panose="020F0502020204030204" pitchFamily="34" charset="0"/>
-            </a:endParaRPr>
-          </a:p>
-          <a:p>
-            <a:r>
-              <a:rPr lang="ru-RU" sz="2400" b="1" dirty="0" err="1">
+            <a:r>
+              <a:rPr lang="ru-RU" sz="2800" b="1" dirty="0" err="1">
                 <a:latin typeface="Calibri" panose="020F0502020204030204" pitchFamily="34" charset="0"/>
                 <a:cs typeface="Calibri" panose="020F0502020204030204" pitchFamily="34" charset="0"/>
               </a:rPr>
               <a:t>Let's</a:t>
             </a:r>
             <a:r>
-              <a:rPr lang="ru-RU" sz="2400" b="1" dirty="0">
+              <a:rPr lang="ru-RU" sz="2800" b="1" dirty="0">
                 <a:latin typeface="Calibri" panose="020F0502020204030204" pitchFamily="34" charset="0"/>
                 <a:cs typeface="Calibri" panose="020F0502020204030204" pitchFamily="34" charset="0"/>
               </a:rPr>
               <a:t> </a:t>
             </a:r>
             <a:r>
-              <a:rPr lang="ru-RU" sz="2400" b="1" dirty="0" err="1">
+              <a:rPr lang="ru-RU" sz="2800" b="1" dirty="0" err="1">
                 <a:latin typeface="Calibri" panose="020F0502020204030204" pitchFamily="34" charset="0"/>
                 <a:cs typeface="Calibri" panose="020F0502020204030204" pitchFamily="34" charset="0"/>
               </a:rPr>
               <a:t>test</a:t>
             </a:r>
             <a:r>
-              <a:rPr lang="ru-RU" sz="2400" b="1" dirty="0">
+              <a:rPr lang="ru-RU" sz="2800" b="1" dirty="0">
                 <a:latin typeface="Calibri" panose="020F0502020204030204" pitchFamily="34" charset="0"/>
                 <a:cs typeface="Calibri" panose="020F0502020204030204" pitchFamily="34" charset="0"/>
               </a:rPr>
               <a:t> </a:t>
             </a:r>
             <a:r>
-              <a:rPr lang="ru-RU" sz="2400" dirty="0">
+              <a:rPr lang="ru-RU" sz="2800" dirty="0">
                 <a:latin typeface="Calibri" panose="020F0502020204030204" pitchFamily="34" charset="0"/>
                 <a:cs typeface="Calibri" panose="020F0502020204030204" pitchFamily="34" charset="0"/>
               </a:rPr>
-              <a:t>предлагает различные тарифы по тестированию, однако стоимость самого базового тарифа начинается с </a:t>
-            </a:r>
-            <a:r>
-              <a:rPr lang="ru-RU" sz="2400" b="1" dirty="0">
+              <a:t>предлагает различные тарифы для тестирований, однако стоимость самого базового тарифа начинается с </a:t>
+            </a:r>
+            <a:r>
+              <a:rPr lang="ru-RU" sz="2800" b="1" dirty="0">
                 <a:latin typeface="Calibri" panose="020F0502020204030204" pitchFamily="34" charset="0"/>
                 <a:cs typeface="Calibri" panose="020F0502020204030204" pitchFamily="34" charset="0"/>
               </a:rPr>
               <a:t>5000 руб</a:t>
             </a:r>
             <a:r>
-              <a:rPr lang="ru-RU" sz="2400" dirty="0">
+              <a:rPr lang="ru-RU" sz="2800" dirty="0">
                 <a:latin typeface="Calibri" panose="020F0502020204030204" pitchFamily="34" charset="0"/>
                 <a:cs typeface="Calibri" panose="020F0502020204030204" pitchFamily="34" charset="0"/>
               </a:rPr>
@@ -9839,42 +9833,36 @@
             </a:r>
           </a:p>
           <a:p>
-            <a:endParaRPr lang="ru-RU" sz="2400" dirty="0">
-              <a:latin typeface="Calibri" panose="020F0502020204030204" pitchFamily="34" charset="0"/>
-              <a:cs typeface="Calibri" panose="020F0502020204030204" pitchFamily="34" charset="0"/>
-            </a:endParaRPr>
-          </a:p>
-          <a:p>
-            <a:r>
-              <a:rPr lang="ru-RU" sz="2400" dirty="0">
+            <a:r>
+              <a:rPr lang="ru-RU" sz="2800" dirty="0">
                 <a:latin typeface="Calibri" panose="020F0502020204030204" pitchFamily="34" charset="0"/>
                 <a:cs typeface="Calibri" panose="020F0502020204030204" pitchFamily="34" charset="0"/>
               </a:rPr>
               <a:t>Сервис платформы </a:t>
             </a:r>
             <a:r>
-              <a:rPr lang="ru-RU" sz="2400" b="1" dirty="0" err="1">
+              <a:rPr lang="ru-RU" sz="2800" b="1" dirty="0" err="1">
                 <a:latin typeface="Calibri" panose="020F0502020204030204" pitchFamily="34" charset="0"/>
                 <a:cs typeface="Calibri" panose="020F0502020204030204" pitchFamily="34" charset="0"/>
               </a:rPr>
               <a:t>Profdialog</a:t>
             </a:r>
             <a:r>
-              <a:rPr lang="ru-RU" sz="2400" dirty="0">
+              <a:rPr lang="ru-RU" sz="2800" dirty="0">
                 <a:latin typeface="Calibri" panose="020F0502020204030204" pitchFamily="34" charset="0"/>
                 <a:cs typeface="Calibri" panose="020F0502020204030204" pitchFamily="34" charset="0"/>
               </a:rPr>
-              <a:t> предлагает уже подготовленные тестирования различной направленности. Стоимость 1 тестирования данной платформы начинается с </a:t>
-            </a:r>
-            <a:r>
-              <a:rPr lang="ru-RU" sz="2400" b="1" dirty="0">
+              <a:t> предлагает уже подготовленные тесты различной направленности. Стоимость 1 тестирования данной платформы начинается с </a:t>
+            </a:r>
+            <a:r>
+              <a:rPr lang="ru-RU" sz="2800" b="1" dirty="0">
                 <a:latin typeface="Calibri" panose="020F0502020204030204" pitchFamily="34" charset="0"/>
                 <a:cs typeface="Calibri" panose="020F0502020204030204" pitchFamily="34" charset="0"/>
               </a:rPr>
               <a:t>1490 руб</a:t>
             </a:r>
             <a:r>
-              <a:rPr lang="ru-RU" sz="2400" dirty="0">
+              <a:rPr lang="ru-RU" sz="2800" dirty="0">
                 <a:latin typeface="Calibri" panose="020F0502020204030204" pitchFamily="34" charset="0"/>
                 <a:cs typeface="Calibri" panose="020F0502020204030204" pitchFamily="34" charset="0"/>
               </a:rPr>
@@ -10007,7 +9995,7 @@
           <a:graphicData uri="http://schemas.openxmlformats.org/presentationml/2006/ole">
             <mc:AlternateContent xmlns:mc="http://schemas.openxmlformats.org/markup-compatibility/2006">
               <mc:Choice xmlns:v="urn:schemas-microsoft-com:vml" Requires="v">
-                <p:oleObj spid="_x0000_s2177" name="Worksheet" r:id="rId3" imgW="6743700" imgH="2676752" progId="Excel.Sheet.12">
+                <p:oleObj spid="_x0000_s2200" name="Worksheet" r:id="rId3" imgW="6743700" imgH="2676752" progId="Excel.Sheet.12">
                   <p:embed/>
                 </p:oleObj>
               </mc:Choice>
@@ -10193,13 +10181,13 @@
           <p:nvPr>
             <p:extLst>
               <p:ext uri="{D42A27DB-BD31-4B8C-83A1-F6EECF244321}">
-                <p14:modId xmlns:p14="http://schemas.microsoft.com/office/powerpoint/2010/main" val="1181227179"/>
+                <p14:modId xmlns:p14="http://schemas.microsoft.com/office/powerpoint/2010/main" val="1786286648"/>
               </p:ext>
             </p:extLst>
           </p:nvPr>
         </p:nvGraphicFramePr>
         <p:xfrm>
-          <a:off x="2032000" y="2272988"/>
+          <a:off x="2032000" y="2519464"/>
           <a:ext cx="8128000" cy="2312023"/>
         </p:xfrm>
         <a:graphic>
@@ -10737,7 +10725,7 @@
         </p:blipFill>
         <p:spPr>
           <a:xfrm>
-            <a:off x="443606" y="1583676"/>
+            <a:off x="742347" y="1583676"/>
             <a:ext cx="10999712" cy="400050"/>
           </a:xfrm>
           <a:prstGeom prst="rect">
@@ -10767,7 +10755,7 @@
         </p:blipFill>
         <p:spPr>
           <a:xfrm>
-            <a:off x="443605" y="2358062"/>
+            <a:off x="443605" y="2265884"/>
             <a:ext cx="11597196" cy="396949"/>
           </a:xfrm>
           <a:prstGeom prst="rect">
@@ -10803,7 +10791,7 @@
           <a:graphicData uri="http://schemas.openxmlformats.org/presentationml/2006/ole">
             <mc:AlternateContent xmlns:mc="http://schemas.openxmlformats.org/markup-compatibility/2006">
               <mc:Choice xmlns:v="urn:schemas-microsoft-com:vml" Requires="v">
-                <p:oleObj spid="_x0000_s1165" name="Worksheet" r:id="rId5" imgW="8029708" imgH="2266871" progId="Excel.Sheet.12">
+                <p:oleObj spid="_x0000_s1188" name="Worksheet" r:id="rId5" imgW="8029708" imgH="2266871" progId="Excel.Sheet.12">
                   <p:embed/>
                 </p:oleObj>
               </mc:Choice>
@@ -11039,7 +11027,7 @@
         </p:nvSpPr>
         <p:spPr>
           <a:xfrm>
-            <a:off x="1474839" y="1278194"/>
+            <a:off x="1226265" y="1437190"/>
             <a:ext cx="10029773" cy="4633028"/>
           </a:xfrm>
         </p:spPr>
@@ -11055,7 +11043,7 @@
                 <a:latin typeface="Calibri" panose="020F0502020204030204" pitchFamily="34" charset="0"/>
                 <a:cs typeface="Calibri" panose="020F0502020204030204" pitchFamily="34" charset="0"/>
               </a:rPr>
-              <a:t>В компании проводятся тестирования, направленные на оценку благополучия сотрудников. Для этого в тестах используются многофакторные вопросы, позволяющие оценить различные стороны ожиданий сотрудников.</a:t>
+              <a:t>В компании проводятся тестирования, направленные на оценку благополучия сотрудников. Для этого в тестах используются многофакторные вопросы, позволяющие оценить различные стороны удовлетворенности сотрудников.</a:t>
             </a:r>
           </a:p>
         </p:txBody>
@@ -11536,7 +11524,7 @@
         </p:nvSpPr>
         <p:spPr>
           <a:xfrm>
-            <a:off x="1640156" y="250484"/>
+            <a:off x="1640156" y="249173"/>
             <a:ext cx="8911687" cy="663916"/>
           </a:xfrm>
         </p:spPr>

--- a/Документы/Презентация ВКР.pptx
+++ b/Документы/Презентация ВКР.pptx
@@ -9739,8 +9739,8 @@
         </p:nvSpPr>
         <p:spPr>
           <a:xfrm>
-            <a:off x="1311579" y="1659285"/>
-            <a:ext cx="9809825" cy="3539430"/>
+            <a:off x="1311579" y="1543876"/>
+            <a:ext cx="9809825" cy="3970318"/>
           </a:xfrm>
           <a:prstGeom prst="rect">
             <a:avLst/>
@@ -9764,22 +9764,14 @@
                 <a:latin typeface="Calibri" panose="020F0502020204030204" pitchFamily="34" charset="0"/>
                 <a:cs typeface="Calibri" panose="020F0502020204030204" pitchFamily="34" charset="0"/>
               </a:rPr>
-              <a:t> предлагает тариф “Стандартный” за 10000 за 3 месяца или около </a:t>
-            </a:r>
-            <a:r>
-              <a:rPr lang="ru-RU" sz="2800" b="1" dirty="0">
-                <a:latin typeface="Calibri" panose="020F0502020204030204" pitchFamily="34" charset="0"/>
-                <a:cs typeface="Calibri" panose="020F0502020204030204" pitchFamily="34" charset="0"/>
-              </a:rPr>
-              <a:t>3333 руб</a:t>
-            </a:r>
-            <a:r>
-              <a:rPr lang="ru-RU" sz="2800" dirty="0">
-                <a:latin typeface="Calibri" panose="020F0502020204030204" pitchFamily="34" charset="0"/>
-                <a:cs typeface="Calibri" panose="020F0502020204030204" pitchFamily="34" charset="0"/>
-              </a:rPr>
-              <a:t>. за месяц.</a:t>
-            </a:r>
+              <a:t> предлагает тариф “Стандартный” стоимость которого – 10000 руб. за 3 месяца.</a:t>
+            </a:r>
+          </a:p>
+          <a:p>
+            <a:endParaRPr lang="ru-RU" sz="2800" dirty="0">
+              <a:latin typeface="Calibri" panose="020F0502020204030204" pitchFamily="34" charset="0"/>
+              <a:cs typeface="Calibri" panose="020F0502020204030204" pitchFamily="34" charset="0"/>
+            </a:endParaRPr>
           </a:p>
           <a:p>
             <a:r>
@@ -9815,7 +9807,7 @@
                 <a:latin typeface="Calibri" panose="020F0502020204030204" pitchFamily="34" charset="0"/>
                 <a:cs typeface="Calibri" panose="020F0502020204030204" pitchFamily="34" charset="0"/>
               </a:rPr>
-              <a:t>предлагает различные тарифы для тестирований, однако стоимость самого базового тарифа начинается с </a:t>
+              <a:t>предлагает различные тарифы для тестирований, однако стоимость базового тарифа начинается с </a:t>
             </a:r>
             <a:r>
               <a:rPr lang="ru-RU" sz="2800" b="1" dirty="0">
@@ -9831,6 +9823,12 @@
               </a:rPr>
               <a:t>.</a:t>
             </a:r>
+          </a:p>
+          <a:p>
+            <a:endParaRPr lang="ru-RU" sz="2800" dirty="0">
+              <a:latin typeface="Calibri" panose="020F0502020204030204" pitchFamily="34" charset="0"/>
+              <a:cs typeface="Calibri" panose="020F0502020204030204" pitchFamily="34" charset="0"/>
+            </a:endParaRPr>
           </a:p>
           <a:p>
             <a:r>
@@ -9995,7 +9993,7 @@
           <a:graphicData uri="http://schemas.openxmlformats.org/presentationml/2006/ole">
             <mc:AlternateContent xmlns:mc="http://schemas.openxmlformats.org/markup-compatibility/2006">
               <mc:Choice xmlns:v="urn:schemas-microsoft-com:vml" Requires="v">
-                <p:oleObj spid="_x0000_s2200" name="Worksheet" r:id="rId3" imgW="6743700" imgH="2676752" progId="Excel.Sheet.12">
+                <p:oleObj spid="_x0000_s2216" name="Worksheet" r:id="rId3" imgW="6743700" imgH="2676752" progId="Excel.Sheet.12">
                   <p:embed/>
                 </p:oleObj>
               </mc:Choice>
@@ -10181,7 +10179,7 @@
           <p:nvPr>
             <p:extLst>
               <p:ext uri="{D42A27DB-BD31-4B8C-83A1-F6EECF244321}">
-                <p14:modId xmlns:p14="http://schemas.microsoft.com/office/powerpoint/2010/main" val="1786286648"/>
+                <p14:modId xmlns:p14="http://schemas.microsoft.com/office/powerpoint/2010/main" val="171977112"/>
               </p:ext>
             </p:extLst>
           </p:nvPr>
@@ -10402,7 +10400,7 @@
                       <a:pPr algn="ctr"/>
                       <a:r>
                         <a:rPr lang="ru-RU" dirty="0"/>
-                        <a:t>11,25</a:t>
+                        <a:t>11,25 мес.</a:t>
                       </a:r>
                     </a:p>
                   </a:txBody>
@@ -10444,7 +10442,7 @@
                       <a:pPr algn="ctr"/>
                       <a:r>
                         <a:rPr lang="ru-RU" dirty="0"/>
-                        <a:t>12,07</a:t>
+                        <a:t>12,07 мес.</a:t>
                       </a:r>
                     </a:p>
                   </a:txBody>
@@ -10791,7 +10789,7 @@
           <a:graphicData uri="http://schemas.openxmlformats.org/presentationml/2006/ole">
             <mc:AlternateContent xmlns:mc="http://schemas.openxmlformats.org/markup-compatibility/2006">
               <mc:Choice xmlns:v="urn:schemas-microsoft-com:vml" Requires="v">
-                <p:oleObj spid="_x0000_s1188" name="Worksheet" r:id="rId5" imgW="8029708" imgH="2266871" progId="Excel.Sheet.12">
+                <p:oleObj spid="_x0000_s1204" name="Worksheet" r:id="rId5" imgW="8029708" imgH="2266871" progId="Excel.Sheet.12">
                   <p:embed/>
                 </p:oleObj>
               </mc:Choice>
@@ -11174,7 +11172,9 @@
           </a:bodyPr>
           <a:lstStyle/>
           <a:p>
-            <a:pPr lvl="0"/>
+            <a:pPr marL="0" lvl="0" indent="0">
+              <a:buNone/>
+            </a:pPr>
             <a:r>
               <a:rPr lang="ru-RU" sz="3200" dirty="0">
                 <a:latin typeface="Calibri" panose="020F0502020204030204" pitchFamily="34" charset="0"/>
@@ -11222,7 +11222,7 @@
                 <a:latin typeface="Calibri" panose="020F0502020204030204" pitchFamily="34" charset="0"/>
                 <a:cs typeface="Calibri" panose="020F0502020204030204" pitchFamily="34" charset="0"/>
               </a:rPr>
-              <a:t>Обозначенные факторы относятся к направлению профессионального благополучия</a:t>
+              <a:t>Обозначенные факторы относятся к направлению профессионального благополучия.</a:t>
             </a:r>
           </a:p>
           <a:p>
@@ -13379,7 +13379,7 @@
                 <a:latin typeface="Calibri" panose="020F0502020204030204" pitchFamily="34" charset="0"/>
                 <a:cs typeface="Calibri" panose="020F0502020204030204" pitchFamily="34" charset="0"/>
               </a:rPr>
-              <a:t>Создание и применение факторов для измерений</a:t>
+              <a:t>Создание и применение факторов в вопросах</a:t>
             </a:r>
           </a:p>
           <a:p>

--- a/Документы/Презентация ВКР.pptx
+++ b/Документы/Презентация ВКР.pptx
@@ -5,7 +5,7 @@
     <p:sldMasterId id="2147483719" r:id="rId1"/>
   </p:sldMasterIdLst>
   <p:notesMasterIdLst>
-    <p:notesMasterId r:id="rId23"/>
+    <p:notesMasterId r:id="rId26"/>
   </p:notesMasterIdLst>
   <p:sldIdLst>
     <p:sldId id="256" r:id="rId2"/>
@@ -19,16 +19,19 @@
     <p:sldId id="261" r:id="rId10"/>
     <p:sldId id="263" r:id="rId11"/>
     <p:sldId id="281" r:id="rId12"/>
-    <p:sldId id="268" r:id="rId13"/>
-    <p:sldId id="273" r:id="rId14"/>
-    <p:sldId id="262" r:id="rId15"/>
-    <p:sldId id="264" r:id="rId16"/>
-    <p:sldId id="266" r:id="rId17"/>
-    <p:sldId id="280" r:id="rId18"/>
-    <p:sldId id="279" r:id="rId19"/>
-    <p:sldId id="276" r:id="rId20"/>
-    <p:sldId id="278" r:id="rId21"/>
-    <p:sldId id="282" r:id="rId22"/>
+    <p:sldId id="282" r:id="rId13"/>
+    <p:sldId id="284" r:id="rId14"/>
+    <p:sldId id="285" r:id="rId15"/>
+    <p:sldId id="268" r:id="rId16"/>
+    <p:sldId id="273" r:id="rId17"/>
+    <p:sldId id="262" r:id="rId18"/>
+    <p:sldId id="264" r:id="rId19"/>
+    <p:sldId id="266" r:id="rId20"/>
+    <p:sldId id="280" r:id="rId21"/>
+    <p:sldId id="279" r:id="rId22"/>
+    <p:sldId id="276" r:id="rId23"/>
+    <p:sldId id="278" r:id="rId24"/>
+    <p:sldId id="283" r:id="rId25"/>
   </p:sldIdLst>
   <p:sldSz cx="12192000" cy="6858000"/>
   <p:notesSz cx="6858000" cy="9144000"/>
@@ -217,7 +220,7 @@
           <a:p>
             <a:fld id="{F8E7A9AA-D791-4CE8-A528-0ED1B3A93F2C}" type="datetimeFigureOut">
               <a:rPr lang="ru-RU" smtClean="0"/>
-              <a:t>18.06.2023</a:t>
+              <a:t>19.06.2023</a:t>
             </a:fld>
             <a:endParaRPr lang="ru-RU"/>
           </a:p>
@@ -672,7 +675,7 @@
           <a:p>
             <a:fld id="{9A01286C-D24D-4039-9B79-188014B81EF0}" type="datetime1">
               <a:rPr lang="ru-RU" smtClean="0"/>
-              <a:t>18.06.2023</a:t>
+              <a:t>19.06.2023</a:t>
             </a:fld>
             <a:endParaRPr lang="ru-RU"/>
           </a:p>
@@ -1010,7 +1013,7 @@
           <a:p>
             <a:fld id="{C7435AC7-7EFC-4C6A-8B4A-3A0ABD863A85}" type="datetime1">
               <a:rPr lang="ru-RU" smtClean="0"/>
-              <a:t>18.06.2023</a:t>
+              <a:t>19.06.2023</a:t>
             </a:fld>
             <a:endParaRPr lang="ru-RU"/>
           </a:p>
@@ -1411,7 +1414,7 @@
           <a:p>
             <a:fld id="{04FCF316-177D-4002-A014-31E42C580843}" type="datetime1">
               <a:rPr lang="ru-RU" smtClean="0"/>
-              <a:t>18.06.2023</a:t>
+              <a:t>19.06.2023</a:t>
             </a:fld>
             <a:endParaRPr lang="ru-RU"/>
           </a:p>
@@ -1746,7 +1749,7 @@
           <a:p>
             <a:fld id="{029AEA95-4A9D-4EBF-8A5F-0F900F8488E6}" type="datetime1">
               <a:rPr lang="ru-RU" smtClean="0"/>
-              <a:t>18.06.2023</a:t>
+              <a:t>19.06.2023</a:t>
             </a:fld>
             <a:endParaRPr lang="ru-RU"/>
           </a:p>
@@ -2066,7 +2069,7 @@
           <a:p>
             <a:fld id="{BEC51906-DCF6-42EE-9502-5BFAF385E1B7}" type="datetime1">
               <a:rPr lang="ru-RU" smtClean="0"/>
-              <a:t>18.06.2023</a:t>
+              <a:t>19.06.2023</a:t>
             </a:fld>
             <a:endParaRPr lang="ru-RU"/>
           </a:p>
@@ -2462,7 +2465,7 @@
           <a:p>
             <a:fld id="{A9EE9BC4-D6AA-4323-AC58-7EDF0473E5CD}" type="datetime1">
               <a:rPr lang="ru-RU" smtClean="0"/>
-              <a:t>18.06.2023</a:t>
+              <a:t>19.06.2023</a:t>
             </a:fld>
             <a:endParaRPr lang="ru-RU"/>
           </a:p>
@@ -2719,7 +2722,7 @@
           <a:p>
             <a:fld id="{2AD07951-DEFF-4C64-8DD9-36A1A4C04CF7}" type="datetime1">
               <a:rPr lang="ru-RU" smtClean="0"/>
-              <a:t>18.06.2023</a:t>
+              <a:t>19.06.2023</a:t>
             </a:fld>
             <a:endParaRPr lang="ru-RU"/>
           </a:p>
@@ -2981,7 +2984,7 @@
           <a:p>
             <a:fld id="{053B07EB-F58D-4FCB-9B0B-E065C5A425E6}" type="datetime1">
               <a:rPr lang="ru-RU" smtClean="0"/>
-              <a:t>18.06.2023</a:t>
+              <a:t>19.06.2023</a:t>
             </a:fld>
             <a:endParaRPr lang="ru-RU"/>
           </a:p>
@@ -3243,7 +3246,7 @@
           <a:p>
             <a:fld id="{448B1765-DCBF-461E-87CB-534CF379D7B5}" type="datetime1">
               <a:rPr lang="ru-RU" smtClean="0"/>
-              <a:t>18.06.2023</a:t>
+              <a:t>19.06.2023</a:t>
             </a:fld>
             <a:endParaRPr lang="ru-RU"/>
           </a:p>
@@ -3572,7 +3575,7 @@
           <a:p>
             <a:fld id="{106EE73D-979C-4FB3-8935-F4F6660FD339}" type="datetime1">
               <a:rPr lang="ru-RU" smtClean="0"/>
-              <a:t>18.06.2023</a:t>
+              <a:t>19.06.2023</a:t>
             </a:fld>
             <a:endParaRPr lang="ru-RU"/>
           </a:p>
@@ -3895,7 +3898,7 @@
           <a:p>
             <a:fld id="{26CBC4E0-4BA5-458D-B31E-4DA4974DD756}" type="datetime1">
               <a:rPr lang="ru-RU" smtClean="0"/>
-              <a:t>18.06.2023</a:t>
+              <a:t>19.06.2023</a:t>
             </a:fld>
             <a:endParaRPr lang="ru-RU"/>
           </a:p>
@@ -4352,7 +4355,7 @@
           <a:p>
             <a:fld id="{8BEF53F8-F77F-4C56-9AA6-639780451998}" type="datetime1">
               <a:rPr lang="ru-RU" smtClean="0"/>
-              <a:t>18.06.2023</a:t>
+              <a:t>19.06.2023</a:t>
             </a:fld>
             <a:endParaRPr lang="ru-RU"/>
           </a:p>
@@ -4557,7 +4560,7 @@
           <a:p>
             <a:fld id="{9862B62C-BB0B-418E-993D-5ADBF2901EBB}" type="datetime1">
               <a:rPr lang="ru-RU" smtClean="0"/>
-              <a:t>18.06.2023</a:t>
+              <a:t>19.06.2023</a:t>
             </a:fld>
             <a:endParaRPr lang="ru-RU"/>
           </a:p>
@@ -4734,7 +4737,7 @@
           <a:p>
             <a:fld id="{3BA0CB8E-CC9C-47E0-B1BC-6C08AE270C44}" type="datetime1">
               <a:rPr lang="ru-RU" smtClean="0"/>
-              <a:t>18.06.2023</a:t>
+              <a:t>19.06.2023</a:t>
             </a:fld>
             <a:endParaRPr lang="ru-RU"/>
           </a:p>
@@ -5067,7 +5070,7 @@
           <a:p>
             <a:fld id="{000ADB6F-36E4-4869-9ACC-BB1E179B1F20}" type="datetime1">
               <a:rPr lang="ru-RU" smtClean="0"/>
-              <a:t>18.06.2023</a:t>
+              <a:t>19.06.2023</a:t>
             </a:fld>
             <a:endParaRPr lang="ru-RU"/>
           </a:p>
@@ -5412,7 +5415,7 @@
           <a:p>
             <a:fld id="{D86C6135-D033-4B44-BF55-13FADD15A79E}" type="datetime1">
               <a:rPr lang="ru-RU" smtClean="0"/>
-              <a:t>18.06.2023</a:t>
+              <a:t>19.06.2023</a:t>
             </a:fld>
             <a:endParaRPr lang="ru-RU"/>
           </a:p>
@@ -7529,7 +7532,7 @@
           <a:p>
             <a:fld id="{14878BB3-8E20-4CB9-9A47-56C32F53986A}" type="datetime1">
               <a:rPr lang="ru-RU" smtClean="0"/>
-              <a:t>18.06.2023</a:t>
+              <a:t>19.06.2023</a:t>
             </a:fld>
             <a:endParaRPr lang="ru-RU"/>
           </a:p>
@@ -8534,6 +8537,412 @@
       </p:grpSpPr>
       <p:sp>
         <p:nvSpPr>
+          <p:cNvPr id="4" name="Номер слайда 3">
+            <a:extLst>
+              <a:ext uri="{FF2B5EF4-FFF2-40B4-BE49-F238E27FC236}">
+                <a16:creationId xmlns:a16="http://schemas.microsoft.com/office/drawing/2014/main" id="{3F34CBEB-08F8-4F33-B3AF-DA0E510C58D1}"/>
+              </a:ext>
+            </a:extLst>
+          </p:cNvPr>
+          <p:cNvSpPr>
+            <a:spLocks noGrp="1"/>
+          </p:cNvSpPr>
+          <p:nvPr>
+            <p:ph type="sldNum" sz="quarter" idx="12"/>
+          </p:nvPr>
+        </p:nvSpPr>
+        <p:spPr/>
+        <p:txBody>
+          <a:bodyPr/>
+          <a:lstStyle/>
+          <a:p>
+            <a:fld id="{F846435F-278B-4F8D-8B6E-49BFC1C98D0D}" type="slidenum">
+              <a:rPr lang="ru-RU" smtClean="0"/>
+              <a:t>12</a:t>
+            </a:fld>
+            <a:endParaRPr lang="ru-RU"/>
+          </a:p>
+        </p:txBody>
+      </p:sp>
+      <p:sp>
+        <p:nvSpPr>
+          <p:cNvPr id="5" name="Заголовок 1">
+            <a:extLst>
+              <a:ext uri="{FF2B5EF4-FFF2-40B4-BE49-F238E27FC236}">
+                <a16:creationId xmlns:a16="http://schemas.microsoft.com/office/drawing/2014/main" id="{5D2CF582-41D3-4B8D-8B17-CD3FCEB06B86}"/>
+              </a:ext>
+            </a:extLst>
+          </p:cNvPr>
+          <p:cNvSpPr>
+            <a:spLocks noGrp="1"/>
+          </p:cNvSpPr>
+          <p:nvPr>
+            <p:ph type="title"/>
+          </p:nvPr>
+        </p:nvSpPr>
+        <p:spPr>
+          <a:xfrm>
+            <a:off x="0" y="87688"/>
+            <a:ext cx="12172336" cy="762238"/>
+          </a:xfrm>
+        </p:spPr>
+        <p:txBody>
+          <a:bodyPr>
+            <a:normAutofit/>
+          </a:bodyPr>
+          <a:lstStyle/>
+          <a:p>
+            <a:pPr algn="ctr"/>
+            <a:r>
+              <a:rPr lang="ru-RU" sz="4000" dirty="0">
+                <a:latin typeface="Calibri" panose="020F0502020204030204" pitchFamily="34" charset="0"/>
+                <a:cs typeface="Calibri" panose="020F0502020204030204" pitchFamily="34" charset="0"/>
+              </a:rPr>
+              <a:t>Инфологическая модель данных</a:t>
+            </a:r>
+          </a:p>
+        </p:txBody>
+      </p:sp>
+      <p:pic>
+        <p:nvPicPr>
+          <p:cNvPr id="6" name="Рисунок 5">
+            <a:extLst>
+              <a:ext uri="{FF2B5EF4-FFF2-40B4-BE49-F238E27FC236}">
+                <a16:creationId xmlns:a16="http://schemas.microsoft.com/office/drawing/2014/main" id="{65AFBD14-0D2C-4758-8060-499E6F7FF43A}"/>
+              </a:ext>
+            </a:extLst>
+          </p:cNvPr>
+          <p:cNvPicPr/>
+          <p:nvPr/>
+        </p:nvPicPr>
+        <p:blipFill>
+          <a:blip r:embed="rId2">
+            <a:extLst>
+              <a:ext uri="{28A0092B-C50C-407E-A947-70E740481C1C}">
+                <a14:useLocalDpi xmlns:a14="http://schemas.microsoft.com/office/drawing/2010/main" val="0"/>
+              </a:ext>
+            </a:extLst>
+          </a:blip>
+          <a:srcRect/>
+          <a:stretch>
+            <a:fillRect/>
+          </a:stretch>
+        </p:blipFill>
+        <p:spPr bwMode="auto">
+          <a:xfrm>
+            <a:off x="1523564" y="1018117"/>
+            <a:ext cx="9484746" cy="4821765"/>
+          </a:xfrm>
+          <a:prstGeom prst="rect">
+            <a:avLst/>
+          </a:prstGeom>
+          <a:noFill/>
+          <a:ln>
+            <a:noFill/>
+          </a:ln>
+        </p:spPr>
+      </p:pic>
+    </p:spTree>
+    <p:extLst>
+      <p:ext uri="{BB962C8B-B14F-4D97-AF65-F5344CB8AC3E}">
+        <p14:creationId xmlns:p14="http://schemas.microsoft.com/office/powerpoint/2010/main" val="1531264821"/>
+      </p:ext>
+    </p:extLst>
+  </p:cSld>
+  <p:clrMapOvr>
+    <a:masterClrMapping/>
+  </p:clrMapOvr>
+</p:sld>
+</file>
+
+<file path=ppt/slides/slide13.xml><?xml version="1.0" encoding="utf-8"?>
+<p:sld xmlns:a="http://schemas.openxmlformats.org/drawingml/2006/main" xmlns:r="http://schemas.openxmlformats.org/officeDocument/2006/relationships" xmlns:p="http://schemas.openxmlformats.org/presentationml/2006/main">
+  <p:cSld>
+    <p:spTree>
+      <p:nvGrpSpPr>
+        <p:cNvPr id="1" name=""/>
+        <p:cNvGrpSpPr/>
+        <p:nvPr/>
+      </p:nvGrpSpPr>
+      <p:grpSpPr>
+        <a:xfrm>
+          <a:off x="0" y="0"/>
+          <a:ext cx="0" cy="0"/>
+          <a:chOff x="0" y="0"/>
+          <a:chExt cx="0" cy="0"/>
+        </a:xfrm>
+      </p:grpSpPr>
+      <p:sp>
+        <p:nvSpPr>
+          <p:cNvPr id="4" name="Номер слайда 3">
+            <a:extLst>
+              <a:ext uri="{FF2B5EF4-FFF2-40B4-BE49-F238E27FC236}">
+                <a16:creationId xmlns:a16="http://schemas.microsoft.com/office/drawing/2014/main" id="{AA989461-C1D5-4034-9F12-329E80A06CE5}"/>
+              </a:ext>
+            </a:extLst>
+          </p:cNvPr>
+          <p:cNvSpPr>
+            <a:spLocks noGrp="1"/>
+          </p:cNvSpPr>
+          <p:nvPr>
+            <p:ph type="sldNum" sz="quarter" idx="12"/>
+          </p:nvPr>
+        </p:nvSpPr>
+        <p:spPr/>
+        <p:txBody>
+          <a:bodyPr/>
+          <a:lstStyle/>
+          <a:p>
+            <a:fld id="{F846435F-278B-4F8D-8B6E-49BFC1C98D0D}" type="slidenum">
+              <a:rPr lang="ru-RU" smtClean="0"/>
+              <a:t>13</a:t>
+            </a:fld>
+            <a:endParaRPr lang="ru-RU"/>
+          </a:p>
+        </p:txBody>
+      </p:sp>
+      <p:pic>
+        <p:nvPicPr>
+          <p:cNvPr id="5" name="Рисунок 4">
+            <a:extLst>
+              <a:ext uri="{FF2B5EF4-FFF2-40B4-BE49-F238E27FC236}">
+                <a16:creationId xmlns:a16="http://schemas.microsoft.com/office/drawing/2014/main" id="{77B85778-48E7-4CA8-9C54-EA970B748968}"/>
+              </a:ext>
+            </a:extLst>
+          </p:cNvPr>
+          <p:cNvPicPr/>
+          <p:nvPr/>
+        </p:nvPicPr>
+        <p:blipFill rotWithShape="1">
+          <a:blip r:embed="rId2">
+            <a:extLst>
+              <a:ext uri="{28A0092B-C50C-407E-A947-70E740481C1C}">
+                <a14:useLocalDpi xmlns:a14="http://schemas.microsoft.com/office/drawing/2010/main" val="0"/>
+              </a:ext>
+            </a:extLst>
+          </a:blip>
+          <a:srcRect l="4710" t="6723" r="4376" b="5573"/>
+          <a:stretch/>
+        </p:blipFill>
+        <p:spPr bwMode="auto">
+          <a:xfrm>
+            <a:off x="3012489" y="849926"/>
+            <a:ext cx="6167022" cy="5282436"/>
+          </a:xfrm>
+          <a:prstGeom prst="rect">
+            <a:avLst/>
+          </a:prstGeom>
+          <a:noFill/>
+          <a:ln>
+            <a:noFill/>
+          </a:ln>
+          <a:extLst>
+            <a:ext uri="{53640926-AAD7-44D8-BBD7-CCE9431645EC}">
+              <a14:shadowObscured xmlns:a14="http://schemas.microsoft.com/office/drawing/2010/main"/>
+            </a:ext>
+          </a:extLst>
+        </p:spPr>
+      </p:pic>
+      <p:sp>
+        <p:nvSpPr>
+          <p:cNvPr id="6" name="Заголовок 1">
+            <a:extLst>
+              <a:ext uri="{FF2B5EF4-FFF2-40B4-BE49-F238E27FC236}">
+                <a16:creationId xmlns:a16="http://schemas.microsoft.com/office/drawing/2014/main" id="{03087097-EF5B-4525-8FFB-79BE2D22B04C}"/>
+              </a:ext>
+            </a:extLst>
+          </p:cNvPr>
+          <p:cNvSpPr>
+            <a:spLocks noGrp="1"/>
+          </p:cNvSpPr>
+          <p:nvPr>
+            <p:ph type="title"/>
+          </p:nvPr>
+        </p:nvSpPr>
+        <p:spPr>
+          <a:xfrm>
+            <a:off x="0" y="87688"/>
+            <a:ext cx="12172336" cy="762238"/>
+          </a:xfrm>
+        </p:spPr>
+        <p:txBody>
+          <a:bodyPr>
+            <a:normAutofit/>
+          </a:bodyPr>
+          <a:lstStyle/>
+          <a:p>
+            <a:pPr algn="ctr"/>
+            <a:r>
+              <a:rPr lang="ru-RU" sz="4000" dirty="0">
+                <a:latin typeface="Calibri" panose="020F0502020204030204" pitchFamily="34" charset="0"/>
+                <a:cs typeface="Calibri" panose="020F0502020204030204" pitchFamily="34" charset="0"/>
+              </a:rPr>
+              <a:t>Логическая модель данных</a:t>
+            </a:r>
+          </a:p>
+        </p:txBody>
+      </p:sp>
+    </p:spTree>
+    <p:extLst>
+      <p:ext uri="{BB962C8B-B14F-4D97-AF65-F5344CB8AC3E}">
+        <p14:creationId xmlns:p14="http://schemas.microsoft.com/office/powerpoint/2010/main" val="4024898852"/>
+      </p:ext>
+    </p:extLst>
+  </p:cSld>
+  <p:clrMapOvr>
+    <a:masterClrMapping/>
+  </p:clrMapOvr>
+</p:sld>
+</file>
+
+<file path=ppt/slides/slide14.xml><?xml version="1.0" encoding="utf-8"?>
+<p:sld xmlns:a="http://schemas.openxmlformats.org/drawingml/2006/main" xmlns:r="http://schemas.openxmlformats.org/officeDocument/2006/relationships" xmlns:p="http://schemas.openxmlformats.org/presentationml/2006/main">
+  <p:cSld>
+    <p:spTree>
+      <p:nvGrpSpPr>
+        <p:cNvPr id="1" name=""/>
+        <p:cNvGrpSpPr/>
+        <p:nvPr/>
+      </p:nvGrpSpPr>
+      <p:grpSpPr>
+        <a:xfrm>
+          <a:off x="0" y="0"/>
+          <a:ext cx="0" cy="0"/>
+          <a:chOff x="0" y="0"/>
+          <a:chExt cx="0" cy="0"/>
+        </a:xfrm>
+      </p:grpSpPr>
+      <p:sp>
+        <p:nvSpPr>
+          <p:cNvPr id="4" name="Номер слайда 3">
+            <a:extLst>
+              <a:ext uri="{FF2B5EF4-FFF2-40B4-BE49-F238E27FC236}">
+                <a16:creationId xmlns:a16="http://schemas.microsoft.com/office/drawing/2014/main" id="{0F2A0C39-6B08-44AA-AFFB-48E1DD387094}"/>
+              </a:ext>
+            </a:extLst>
+          </p:cNvPr>
+          <p:cNvSpPr>
+            <a:spLocks noGrp="1"/>
+          </p:cNvSpPr>
+          <p:nvPr>
+            <p:ph type="sldNum" sz="quarter" idx="12"/>
+          </p:nvPr>
+        </p:nvSpPr>
+        <p:spPr/>
+        <p:txBody>
+          <a:bodyPr/>
+          <a:lstStyle/>
+          <a:p>
+            <a:fld id="{F846435F-278B-4F8D-8B6E-49BFC1C98D0D}" type="slidenum">
+              <a:rPr lang="ru-RU" smtClean="0"/>
+              <a:t>14</a:t>
+            </a:fld>
+            <a:endParaRPr lang="ru-RU"/>
+          </a:p>
+        </p:txBody>
+      </p:sp>
+      <p:pic>
+        <p:nvPicPr>
+          <p:cNvPr id="5" name="Рисунок 4">
+            <a:extLst>
+              <a:ext uri="{FF2B5EF4-FFF2-40B4-BE49-F238E27FC236}">
+                <a16:creationId xmlns:a16="http://schemas.microsoft.com/office/drawing/2014/main" id="{01B7017D-709B-46F1-B9BF-1F4C8C6E7966}"/>
+              </a:ext>
+            </a:extLst>
+          </p:cNvPr>
+          <p:cNvPicPr/>
+          <p:nvPr/>
+        </p:nvPicPr>
+        <p:blipFill>
+          <a:blip r:embed="rId2"/>
+          <a:stretch>
+            <a:fillRect/>
+          </a:stretch>
+        </p:blipFill>
+        <p:spPr>
+          <a:xfrm>
+            <a:off x="2828277" y="938813"/>
+            <a:ext cx="6535445" cy="5151268"/>
+          </a:xfrm>
+          <a:prstGeom prst="rect">
+            <a:avLst/>
+          </a:prstGeom>
+          <a:ln>
+            <a:noFill/>
+          </a:ln>
+        </p:spPr>
+      </p:pic>
+      <p:sp>
+        <p:nvSpPr>
+          <p:cNvPr id="6" name="Заголовок 1">
+            <a:extLst>
+              <a:ext uri="{FF2B5EF4-FFF2-40B4-BE49-F238E27FC236}">
+                <a16:creationId xmlns:a16="http://schemas.microsoft.com/office/drawing/2014/main" id="{84187C3E-6119-4DEA-8C27-073D6EB25864}"/>
+              </a:ext>
+            </a:extLst>
+          </p:cNvPr>
+          <p:cNvSpPr>
+            <a:spLocks noGrp="1"/>
+          </p:cNvSpPr>
+          <p:nvPr>
+            <p:ph type="title"/>
+          </p:nvPr>
+        </p:nvSpPr>
+        <p:spPr>
+          <a:xfrm>
+            <a:off x="0" y="87688"/>
+            <a:ext cx="12172336" cy="762238"/>
+          </a:xfrm>
+        </p:spPr>
+        <p:txBody>
+          <a:bodyPr>
+            <a:normAutofit/>
+          </a:bodyPr>
+          <a:lstStyle/>
+          <a:p>
+            <a:pPr algn="ctr"/>
+            <a:r>
+              <a:rPr lang="ru-RU" sz="4000" dirty="0">
+                <a:latin typeface="Calibri" panose="020F0502020204030204" pitchFamily="34" charset="0"/>
+                <a:cs typeface="Calibri" panose="020F0502020204030204" pitchFamily="34" charset="0"/>
+              </a:rPr>
+              <a:t>Физическая модель данных</a:t>
+            </a:r>
+          </a:p>
+        </p:txBody>
+      </p:sp>
+    </p:spTree>
+    <p:extLst>
+      <p:ext uri="{BB962C8B-B14F-4D97-AF65-F5344CB8AC3E}">
+        <p14:creationId xmlns:p14="http://schemas.microsoft.com/office/powerpoint/2010/main" val="4246838883"/>
+      </p:ext>
+    </p:extLst>
+  </p:cSld>
+  <p:clrMapOvr>
+    <a:masterClrMapping/>
+  </p:clrMapOvr>
+</p:sld>
+</file>
+
+<file path=ppt/slides/slide15.xml><?xml version="1.0" encoding="utf-8"?>
+<p:sld xmlns:a="http://schemas.openxmlformats.org/drawingml/2006/main" xmlns:r="http://schemas.openxmlformats.org/officeDocument/2006/relationships" xmlns:p="http://schemas.openxmlformats.org/presentationml/2006/main">
+  <p:cSld>
+    <p:spTree>
+      <p:nvGrpSpPr>
+        <p:cNvPr id="1" name=""/>
+        <p:cNvGrpSpPr/>
+        <p:nvPr/>
+      </p:nvGrpSpPr>
+      <p:grpSpPr>
+        <a:xfrm>
+          <a:off x="0" y="0"/>
+          <a:ext cx="0" cy="0"/>
+          <a:chOff x="0" y="0"/>
+          <a:chExt cx="0" cy="0"/>
+        </a:xfrm>
+      </p:grpSpPr>
+      <p:sp>
+        <p:nvSpPr>
           <p:cNvPr id="2" name="Заголовок 1">
             <a:extLst>
               <a:ext uri="{FF2B5EF4-FFF2-40B4-BE49-F238E27FC236}">
@@ -8751,21 +9160,7 @@
                 <a:latin typeface="Calibri" panose="020F0502020204030204" pitchFamily="34" charset="0"/>
                 <a:cs typeface="Calibri" panose="020F0502020204030204" pitchFamily="34" charset="0"/>
               </a:rPr>
-              <a:t>Angular</a:t>
-            </a:r>
-            <a:r>
-              <a:rPr lang="ru-RU" sz="3300" dirty="0">
-                <a:latin typeface="Calibri" panose="020F0502020204030204" pitchFamily="34" charset="0"/>
-                <a:cs typeface="Calibri" panose="020F0502020204030204" pitchFamily="34" charset="0"/>
-              </a:rPr>
-              <a:t> </a:t>
-            </a:r>
-            <a:r>
-              <a:rPr lang="en-US" sz="3300" dirty="0">
-                <a:latin typeface="Calibri" panose="020F0502020204030204" pitchFamily="34" charset="0"/>
-                <a:cs typeface="Calibri" panose="020F0502020204030204" pitchFamily="34" charset="0"/>
-              </a:rPr>
-              <a:t>15.1 </a:t>
+              <a:t>Angular </a:t>
             </a:r>
           </a:p>
         </p:txBody>
@@ -8814,7 +9209,7 @@
                 <a:latin typeface="Calibri" panose="020F0502020204030204" pitchFamily="34" charset="0"/>
                 <a:cs typeface="Calibri" panose="020F0502020204030204" pitchFamily="34" charset="0"/>
               </a:rPr>
-              <a:t> 19.4.0  </a:t>
+              <a:t>  </a:t>
             </a:r>
             <a:endParaRPr lang="en-US" sz="3300" dirty="0">
               <a:latin typeface="Calibri" panose="020F0502020204030204" pitchFamily="34" charset="0"/>
@@ -8867,7 +9262,7 @@
                 <a:latin typeface="Calibri" panose="020F0502020204030204" pitchFamily="34" charset="0"/>
                 <a:cs typeface="Calibri" panose="020F0502020204030204" pitchFamily="34" charset="0"/>
               </a:rPr>
-              <a:t> 4.18.2             </a:t>
+              <a:t>             </a:t>
             </a:r>
           </a:p>
         </p:txBody>
@@ -8916,7 +9311,7 @@
                 <a:latin typeface="Calibri" panose="020F0502020204030204" pitchFamily="34" charset="0"/>
                 <a:cs typeface="Calibri" panose="020F0502020204030204" pitchFamily="34" charset="0"/>
               </a:rPr>
-              <a:t>PostgreSQL   15.1</a:t>
+              <a:t>PostgreSQL </a:t>
             </a:r>
           </a:p>
         </p:txBody>
@@ -8944,7 +9339,7 @@
           <a:p>
             <a:fld id="{F846435F-278B-4F8D-8B6E-49BFC1C98D0D}" type="slidenum">
               <a:rPr lang="ru-RU" smtClean="0"/>
-              <a:t>12</a:t>
+              <a:t>15</a:t>
             </a:fld>
             <a:endParaRPr lang="ru-RU"/>
           </a:p>
@@ -8963,7 +9358,7 @@
 </p:sld>
 </file>
 
-<file path=ppt/slides/slide13.xml><?xml version="1.0" encoding="utf-8"?>
+<file path=ppt/slides/slide16.xml><?xml version="1.0" encoding="utf-8"?>
 <p:sld xmlns:a="http://schemas.openxmlformats.org/drawingml/2006/main" xmlns:r="http://schemas.openxmlformats.org/officeDocument/2006/relationships" xmlns:p="http://schemas.openxmlformats.org/presentationml/2006/main">
   <p:cSld>
     <p:spTree>
@@ -9042,7 +9437,7 @@
           <a:p>
             <a:fld id="{F846435F-278B-4F8D-8B6E-49BFC1C98D0D}" type="slidenum">
               <a:rPr lang="ru-RU" smtClean="0"/>
-              <a:t>13</a:t>
+              <a:t>16</a:t>
             </a:fld>
             <a:endParaRPr lang="ru-RU"/>
           </a:p>
@@ -9068,7 +9463,7 @@
         </p:blipFill>
         <p:spPr>
           <a:xfrm>
-            <a:off x="1891729" y="849926"/>
+            <a:off x="1881897" y="787782"/>
             <a:ext cx="8408542" cy="5717219"/>
           </a:xfrm>
           <a:prstGeom prst="rect">
@@ -9089,7 +9484,7 @@
 </p:sld>
 </file>
 
-<file path=ppt/slides/slide14.xml><?xml version="1.0" encoding="utf-8"?>
+<file path=ppt/slides/slide17.xml><?xml version="1.0" encoding="utf-8"?>
 <p:sld xmlns:a="http://schemas.openxmlformats.org/drawingml/2006/main" xmlns:r="http://schemas.openxmlformats.org/officeDocument/2006/relationships" xmlns:p="http://schemas.openxmlformats.org/presentationml/2006/main">
   <p:cSld>
     <p:spTree>
@@ -9168,7 +9563,7 @@
           <a:p>
             <a:fld id="{F846435F-278B-4F8D-8B6E-49BFC1C98D0D}" type="slidenum">
               <a:rPr lang="ru-RU" smtClean="0"/>
-              <a:t>14</a:t>
+              <a:t>17</a:t>
             </a:fld>
             <a:endParaRPr lang="ru-RU"/>
           </a:p>
@@ -9216,7 +9611,7 @@
 </p:sld>
 </file>
 
-<file path=ppt/slides/slide15.xml><?xml version="1.0" encoding="utf-8"?>
+<file path=ppt/slides/slide18.xml><?xml version="1.0" encoding="utf-8"?>
 <p:sld xmlns:a="http://schemas.openxmlformats.org/drawingml/2006/main" xmlns:r="http://schemas.openxmlformats.org/officeDocument/2006/relationships" xmlns:p="http://schemas.openxmlformats.org/presentationml/2006/main">
   <p:cSld>
     <p:spTree>
@@ -9295,7 +9690,7 @@
           <a:p>
             <a:fld id="{F846435F-278B-4F8D-8B6E-49BFC1C98D0D}" type="slidenum">
               <a:rPr lang="ru-RU" smtClean="0"/>
-              <a:t>15</a:t>
+              <a:t>18</a:t>
             </a:fld>
             <a:endParaRPr lang="ru-RU"/>
           </a:p>
@@ -9344,7 +9739,7 @@
 </p:sld>
 </file>
 
-<file path=ppt/slides/slide16.xml><?xml version="1.0" encoding="utf-8"?>
+<file path=ppt/slides/slide19.xml><?xml version="1.0" encoding="utf-8"?>
 <p:sld xmlns:a="http://schemas.openxmlformats.org/drawingml/2006/main" xmlns:r="http://schemas.openxmlformats.org/officeDocument/2006/relationships" xmlns:p="http://schemas.openxmlformats.org/presentationml/2006/main">
   <p:cSld>
     <p:spTree>
@@ -9623,7 +10018,7 @@
           <a:p>
             <a:fld id="{F846435F-278B-4F8D-8B6E-49BFC1C98D0D}" type="slidenum">
               <a:rPr lang="ru-RU" smtClean="0"/>
-              <a:t>16</a:t>
+              <a:t>19</a:t>
             </a:fld>
             <a:endParaRPr lang="ru-RU"/>
           </a:p>
@@ -9642,7 +10037,7 @@
 </p:sld>
 </file>
 
-<file path=ppt/slides/slide17.xml><?xml version="1.0" encoding="utf-8"?>
+<file path=ppt/slides/slide2.xml><?xml version="1.0" encoding="utf-8"?>
 <p:sld xmlns:a="http://schemas.openxmlformats.org/drawingml/2006/main" xmlns:r="http://schemas.openxmlformats.org/officeDocument/2006/relationships" xmlns:p="http://schemas.openxmlformats.org/presentationml/2006/main">
   <p:cSld>
     <p:spTree>
@@ -9661,10 +10056,10 @@
       </p:grpSpPr>
       <p:sp>
         <p:nvSpPr>
-          <p:cNvPr id="4" name="Номер слайда 3">
+          <p:cNvPr id="2" name="Заголовок 1">
             <a:extLst>
               <a:ext uri="{FF2B5EF4-FFF2-40B4-BE49-F238E27FC236}">
-                <a16:creationId xmlns:a16="http://schemas.microsoft.com/office/drawing/2014/main" id="{90B7BB18-884C-4D57-8C7B-63414399E3C4}"/>
+                <a16:creationId xmlns:a16="http://schemas.microsoft.com/office/drawing/2014/main" id="{07D25D7A-969A-4341-B403-9D454615F387}"/>
               </a:ext>
             </a:extLst>
           </p:cNvPr>
@@ -9672,207 +10067,114 @@
             <a:spLocks noGrp="1"/>
           </p:cNvSpPr>
           <p:nvPr>
-            <p:ph type="sldNum" sz="quarter" idx="12"/>
-          </p:nvPr>
-        </p:nvSpPr>
-        <p:spPr/>
+            <p:ph type="title"/>
+          </p:nvPr>
+        </p:nvSpPr>
+        <p:spPr>
+          <a:xfrm>
+            <a:off x="805809" y="302527"/>
+            <a:ext cx="10580380" cy="644251"/>
+          </a:xfrm>
+        </p:spPr>
         <p:txBody>
           <a:bodyPr/>
           <a:lstStyle/>
           <a:p>
-            <a:fld id="{F846435F-278B-4F8D-8B6E-49BFC1C98D0D}" type="slidenum">
-              <a:rPr lang="ru-RU" smtClean="0"/>
-              <a:t>17</a:t>
-            </a:fld>
-            <a:endParaRPr lang="ru-RU"/>
-          </a:p>
-        </p:txBody>
-      </p:sp>
-      <p:sp>
-        <p:nvSpPr>
-          <p:cNvPr id="5" name="Заголовок 1">
+            <a:pPr algn="ctr"/>
+            <a:r>
+              <a:rPr lang="en-US" dirty="0">
+                <a:latin typeface="Calibri" panose="020F0502020204030204" pitchFamily="34" charset="0"/>
+                <a:cs typeface="Calibri" panose="020F0502020204030204" pitchFamily="34" charset="0"/>
+              </a:rPr>
+              <a:t>Well-being</a:t>
+            </a:r>
+            <a:endParaRPr lang="ru-RU" dirty="0">
+              <a:latin typeface="Calibri" panose="020F0502020204030204" pitchFamily="34" charset="0"/>
+              <a:cs typeface="Calibri" panose="020F0502020204030204" pitchFamily="34" charset="0"/>
+            </a:endParaRPr>
+          </a:p>
+        </p:txBody>
+      </p:sp>
+      <p:pic>
+        <p:nvPicPr>
+          <p:cNvPr id="1026" name="Picture 2">
             <a:extLst>
               <a:ext uri="{FF2B5EF4-FFF2-40B4-BE49-F238E27FC236}">
-                <a16:creationId xmlns:a16="http://schemas.microsoft.com/office/drawing/2014/main" id="{2014B287-ED2C-4F3C-9770-2942AF804E73}"/>
+                <a16:creationId xmlns:a16="http://schemas.microsoft.com/office/drawing/2014/main" id="{97F11522-582B-43D8-B543-9C3C6B403974}"/>
               </a:ext>
             </a:extLst>
           </p:cNvPr>
-          <p:cNvSpPr>
-            <a:spLocks noGrp="1"/>
-          </p:cNvSpPr>
-          <p:nvPr>
-            <p:ph type="title"/>
-          </p:nvPr>
-        </p:nvSpPr>
-        <p:spPr>
-          <a:xfrm>
-            <a:off x="924444" y="226143"/>
-            <a:ext cx="10353761" cy="678426"/>
-          </a:xfrm>
-        </p:spPr>
-        <p:txBody>
-          <a:bodyPr/>
-          <a:lstStyle/>
-          <a:p>
-            <a:pPr algn="ctr"/>
-            <a:r>
-              <a:rPr lang="ru-RU" dirty="0">
-                <a:latin typeface="Calibri" panose="020F0502020204030204" pitchFamily="34" charset="0"/>
-                <a:cs typeface="Calibri" panose="020F0502020204030204" pitchFamily="34" charset="0"/>
-              </a:rPr>
-              <a:t>Стоимость услуг конкурентов</a:t>
-            </a:r>
-          </a:p>
-        </p:txBody>
-      </p:sp>
-      <p:sp>
-        <p:nvSpPr>
-          <p:cNvPr id="3" name="Прямоугольник 2">
+          <p:cNvPicPr>
+            <a:picLocks noChangeAspect="1" noChangeArrowheads="1"/>
+          </p:cNvPicPr>
+          <p:nvPr/>
+        </p:nvPicPr>
+        <p:blipFill>
+          <a:blip r:embed="rId2">
             <a:extLst>
-              <a:ext uri="{FF2B5EF4-FFF2-40B4-BE49-F238E27FC236}">
-                <a16:creationId xmlns:a16="http://schemas.microsoft.com/office/drawing/2014/main" id="{882DB96F-74E6-466B-85E1-D5345CFF2A12}"/>
+              <a:ext uri="{28A0092B-C50C-407E-A947-70E740481C1C}">
+                <a14:useLocalDpi xmlns:a14="http://schemas.microsoft.com/office/drawing/2010/main" val="0"/>
               </a:ext>
             </a:extLst>
-          </p:cNvPr>
-          <p:cNvSpPr/>
-          <p:nvPr/>
-        </p:nvSpPr>
-        <p:spPr>
+          </a:blip>
+          <a:srcRect/>
+          <a:stretch>
+            <a:fillRect/>
+          </a:stretch>
+        </p:blipFill>
+        <p:spPr bwMode="auto">
           <a:xfrm>
-            <a:off x="1311579" y="1543876"/>
-            <a:ext cx="9809825" cy="3970318"/>
+            <a:off x="3354240" y="946778"/>
+            <a:ext cx="5483519" cy="5483519"/>
           </a:xfrm>
           <a:prstGeom prst="rect">
             <a:avLst/>
           </a:prstGeom>
+          <a:noFill/>
+          <a:extLst>
+            <a:ext uri="{909E8E84-426E-40DD-AFC4-6F175D3DCCD1}">
+              <a14:hiddenFill xmlns:a14="http://schemas.microsoft.com/office/drawing/2010/main">
+                <a:solidFill>
+                  <a:srgbClr val="FFFFFF"/>
+                </a:solidFill>
+              </a14:hiddenFill>
+            </a:ext>
+          </a:extLst>
         </p:spPr>
-        <p:txBody>
-          <a:bodyPr wrap="square">
-            <a:spAutoFit/>
-          </a:bodyPr>
+      </p:pic>
+      <p:sp>
+        <p:nvSpPr>
+          <p:cNvPr id="6" name="Номер слайда 5">
+            <a:extLst>
+              <a:ext uri="{FF2B5EF4-FFF2-40B4-BE49-F238E27FC236}">
+                <a16:creationId xmlns:a16="http://schemas.microsoft.com/office/drawing/2014/main" id="{D63C5440-D86F-40A3-A365-AD4A94046DDD}"/>
+              </a:ext>
+            </a:extLst>
+          </p:cNvPr>
+          <p:cNvSpPr>
+            <a:spLocks noGrp="1"/>
+          </p:cNvSpPr>
+          <p:nvPr>
+            <p:ph type="sldNum" sz="quarter" idx="12"/>
+          </p:nvPr>
+        </p:nvSpPr>
+        <p:spPr/>
+        <p:txBody>
+          <a:bodyPr/>
           <a:lstStyle/>
           <a:p>
-            <a:r>
-              <a:rPr lang="ru-RU" sz="2800" b="1" dirty="0" err="1">
-                <a:latin typeface="Calibri" panose="020F0502020204030204" pitchFamily="34" charset="0"/>
-                <a:cs typeface="Calibri" panose="020F0502020204030204" pitchFamily="34" charset="0"/>
-              </a:rPr>
-              <a:t>StartExam</a:t>
-            </a:r>
-            <a:r>
-              <a:rPr lang="ru-RU" sz="2800" dirty="0">
-                <a:latin typeface="Calibri" panose="020F0502020204030204" pitchFamily="34" charset="0"/>
-                <a:cs typeface="Calibri" panose="020F0502020204030204" pitchFamily="34" charset="0"/>
-              </a:rPr>
-              <a:t> предлагает тариф “Стандартный” стоимость которого – 10000 руб. за 3 месяца.</a:t>
-            </a:r>
-          </a:p>
-          <a:p>
-            <a:endParaRPr lang="ru-RU" sz="2800" dirty="0">
-              <a:latin typeface="Calibri" panose="020F0502020204030204" pitchFamily="34" charset="0"/>
-              <a:cs typeface="Calibri" panose="020F0502020204030204" pitchFamily="34" charset="0"/>
-            </a:endParaRPr>
-          </a:p>
-          <a:p>
-            <a:r>
-              <a:rPr lang="ru-RU" sz="2800" b="1" dirty="0" err="1">
-                <a:latin typeface="Calibri" panose="020F0502020204030204" pitchFamily="34" charset="0"/>
-                <a:cs typeface="Calibri" panose="020F0502020204030204" pitchFamily="34" charset="0"/>
-              </a:rPr>
-              <a:t>Let's</a:t>
-            </a:r>
-            <a:r>
-              <a:rPr lang="ru-RU" sz="2800" b="1" dirty="0">
-                <a:latin typeface="Calibri" panose="020F0502020204030204" pitchFamily="34" charset="0"/>
-                <a:cs typeface="Calibri" panose="020F0502020204030204" pitchFamily="34" charset="0"/>
-              </a:rPr>
-              <a:t> </a:t>
-            </a:r>
-            <a:r>
-              <a:rPr lang="ru-RU" sz="2800" b="1" dirty="0" err="1">
-                <a:latin typeface="Calibri" panose="020F0502020204030204" pitchFamily="34" charset="0"/>
-                <a:cs typeface="Calibri" panose="020F0502020204030204" pitchFamily="34" charset="0"/>
-              </a:rPr>
-              <a:t>test</a:t>
-            </a:r>
-            <a:r>
-              <a:rPr lang="ru-RU" sz="2800" b="1" dirty="0">
-                <a:latin typeface="Calibri" panose="020F0502020204030204" pitchFamily="34" charset="0"/>
-                <a:cs typeface="Calibri" panose="020F0502020204030204" pitchFamily="34" charset="0"/>
-              </a:rPr>
-              <a:t> </a:t>
-            </a:r>
-            <a:r>
-              <a:rPr lang="ru-RU" sz="2800" dirty="0">
-                <a:latin typeface="Calibri" panose="020F0502020204030204" pitchFamily="34" charset="0"/>
-                <a:cs typeface="Calibri" panose="020F0502020204030204" pitchFamily="34" charset="0"/>
-              </a:rPr>
-              <a:t>предлагает различные тарифы для тестирований, однако стоимость базового тарифа начинается с </a:t>
-            </a:r>
-            <a:r>
-              <a:rPr lang="ru-RU" sz="2800" b="1" dirty="0">
-                <a:latin typeface="Calibri" panose="020F0502020204030204" pitchFamily="34" charset="0"/>
-                <a:cs typeface="Calibri" panose="020F0502020204030204" pitchFamily="34" charset="0"/>
-              </a:rPr>
-              <a:t>5000 руб</a:t>
-            </a:r>
-            <a:r>
-              <a:rPr lang="ru-RU" sz="2800" dirty="0">
-                <a:latin typeface="Calibri" panose="020F0502020204030204" pitchFamily="34" charset="0"/>
-                <a:cs typeface="Calibri" panose="020F0502020204030204" pitchFamily="34" charset="0"/>
-              </a:rPr>
-              <a:t>.</a:t>
-            </a:r>
-          </a:p>
-          <a:p>
-            <a:endParaRPr lang="ru-RU" sz="2800" dirty="0">
-              <a:latin typeface="Calibri" panose="020F0502020204030204" pitchFamily="34" charset="0"/>
-              <a:cs typeface="Calibri" panose="020F0502020204030204" pitchFamily="34" charset="0"/>
-            </a:endParaRPr>
-          </a:p>
-          <a:p>
-            <a:r>
-              <a:rPr lang="ru-RU" sz="2800" dirty="0">
-                <a:latin typeface="Calibri" panose="020F0502020204030204" pitchFamily="34" charset="0"/>
-                <a:cs typeface="Calibri" panose="020F0502020204030204" pitchFamily="34" charset="0"/>
-              </a:rPr>
-              <a:t>Сервис платформы </a:t>
-            </a:r>
-            <a:r>
-              <a:rPr lang="ru-RU" sz="2800" b="1" dirty="0" err="1">
-                <a:latin typeface="Calibri" panose="020F0502020204030204" pitchFamily="34" charset="0"/>
-                <a:cs typeface="Calibri" panose="020F0502020204030204" pitchFamily="34" charset="0"/>
-              </a:rPr>
-              <a:t>Profdialog</a:t>
-            </a:r>
-            <a:r>
-              <a:rPr lang="ru-RU" sz="2800" dirty="0">
-                <a:latin typeface="Calibri" panose="020F0502020204030204" pitchFamily="34" charset="0"/>
-                <a:cs typeface="Calibri" panose="020F0502020204030204" pitchFamily="34" charset="0"/>
-              </a:rPr>
-              <a:t> предлагает уже подготовленные тесты различной направленности. Стоимость 1 тестирования данной платформы начинается с </a:t>
-            </a:r>
-            <a:r>
-              <a:rPr lang="ru-RU" sz="2800" b="1" dirty="0">
-                <a:latin typeface="Calibri" panose="020F0502020204030204" pitchFamily="34" charset="0"/>
-                <a:cs typeface="Calibri" panose="020F0502020204030204" pitchFamily="34" charset="0"/>
-              </a:rPr>
-              <a:t>1490 руб</a:t>
-            </a:r>
-            <a:r>
-              <a:rPr lang="ru-RU" sz="2800" dirty="0">
-                <a:latin typeface="Calibri" panose="020F0502020204030204" pitchFamily="34" charset="0"/>
-                <a:cs typeface="Calibri" panose="020F0502020204030204" pitchFamily="34" charset="0"/>
-              </a:rPr>
-              <a:t>.</a:t>
-            </a:r>
+            <a:fld id="{F846435F-278B-4F8D-8B6E-49BFC1C98D0D}" type="slidenum">
+              <a:rPr lang="ru-RU" smtClean="0"/>
+              <a:t>2</a:t>
+            </a:fld>
+            <a:endParaRPr lang="ru-RU"/>
           </a:p>
         </p:txBody>
       </p:sp>
     </p:spTree>
     <p:extLst>
       <p:ext uri="{BB962C8B-B14F-4D97-AF65-F5344CB8AC3E}">
-        <p14:creationId xmlns:p14="http://schemas.microsoft.com/office/powerpoint/2010/main" val="1054895335"/>
+        <p14:creationId xmlns:p14="http://schemas.microsoft.com/office/powerpoint/2010/main" val="3216759468"/>
       </p:ext>
     </p:extLst>
   </p:cSld>
@@ -9882,7 +10184,7 @@
 </p:sld>
 </file>
 
-<file path=ppt/slides/slide18.xml><?xml version="1.0" encoding="utf-8"?>
+<file path=ppt/slides/slide20.xml><?xml version="1.0" encoding="utf-8"?>
 <p:sld xmlns:a="http://schemas.openxmlformats.org/drawingml/2006/main" xmlns:r="http://schemas.openxmlformats.org/officeDocument/2006/relationships" xmlns:p="http://schemas.openxmlformats.org/presentationml/2006/main">
   <p:cSld>
     <p:spTree>
@@ -9904,6 +10206,246 @@
           <p:cNvPr id="4" name="Номер слайда 3">
             <a:extLst>
               <a:ext uri="{FF2B5EF4-FFF2-40B4-BE49-F238E27FC236}">
+                <a16:creationId xmlns:a16="http://schemas.microsoft.com/office/drawing/2014/main" id="{90B7BB18-884C-4D57-8C7B-63414399E3C4}"/>
+              </a:ext>
+            </a:extLst>
+          </p:cNvPr>
+          <p:cNvSpPr>
+            <a:spLocks noGrp="1"/>
+          </p:cNvSpPr>
+          <p:nvPr>
+            <p:ph type="sldNum" sz="quarter" idx="12"/>
+          </p:nvPr>
+        </p:nvSpPr>
+        <p:spPr/>
+        <p:txBody>
+          <a:bodyPr/>
+          <a:lstStyle/>
+          <a:p>
+            <a:fld id="{F846435F-278B-4F8D-8B6E-49BFC1C98D0D}" type="slidenum">
+              <a:rPr lang="ru-RU" smtClean="0"/>
+              <a:t>20</a:t>
+            </a:fld>
+            <a:endParaRPr lang="ru-RU"/>
+          </a:p>
+        </p:txBody>
+      </p:sp>
+      <p:sp>
+        <p:nvSpPr>
+          <p:cNvPr id="5" name="Заголовок 1">
+            <a:extLst>
+              <a:ext uri="{FF2B5EF4-FFF2-40B4-BE49-F238E27FC236}">
+                <a16:creationId xmlns:a16="http://schemas.microsoft.com/office/drawing/2014/main" id="{2014B287-ED2C-4F3C-9770-2942AF804E73}"/>
+              </a:ext>
+            </a:extLst>
+          </p:cNvPr>
+          <p:cNvSpPr>
+            <a:spLocks noGrp="1"/>
+          </p:cNvSpPr>
+          <p:nvPr>
+            <p:ph type="title"/>
+          </p:nvPr>
+        </p:nvSpPr>
+        <p:spPr>
+          <a:xfrm>
+            <a:off x="924444" y="226143"/>
+            <a:ext cx="10353761" cy="678426"/>
+          </a:xfrm>
+        </p:spPr>
+        <p:txBody>
+          <a:bodyPr/>
+          <a:lstStyle/>
+          <a:p>
+            <a:pPr algn="ctr"/>
+            <a:r>
+              <a:rPr lang="ru-RU" dirty="0">
+                <a:latin typeface="Calibri" panose="020F0502020204030204" pitchFamily="34" charset="0"/>
+                <a:cs typeface="Calibri" panose="020F0502020204030204" pitchFamily="34" charset="0"/>
+              </a:rPr>
+              <a:t>Стоимость услуг конкурентов</a:t>
+            </a:r>
+          </a:p>
+        </p:txBody>
+      </p:sp>
+      <p:sp>
+        <p:nvSpPr>
+          <p:cNvPr id="3" name="Прямоугольник 2">
+            <a:extLst>
+              <a:ext uri="{FF2B5EF4-FFF2-40B4-BE49-F238E27FC236}">
+                <a16:creationId xmlns:a16="http://schemas.microsoft.com/office/drawing/2014/main" id="{882DB96F-74E6-466B-85E1-D5345CFF2A12}"/>
+              </a:ext>
+            </a:extLst>
+          </p:cNvPr>
+          <p:cNvSpPr/>
+          <p:nvPr/>
+        </p:nvSpPr>
+        <p:spPr>
+          <a:xfrm>
+            <a:off x="1311579" y="1543876"/>
+            <a:ext cx="9809825" cy="3970318"/>
+          </a:xfrm>
+          <a:prstGeom prst="rect">
+            <a:avLst/>
+          </a:prstGeom>
+        </p:spPr>
+        <p:txBody>
+          <a:bodyPr wrap="square">
+            <a:spAutoFit/>
+          </a:bodyPr>
+          <a:lstStyle/>
+          <a:p>
+            <a:r>
+              <a:rPr lang="ru-RU" sz="2800" b="1" dirty="0" err="1">
+                <a:latin typeface="Calibri" panose="020F0502020204030204" pitchFamily="34" charset="0"/>
+                <a:cs typeface="Calibri" panose="020F0502020204030204" pitchFamily="34" charset="0"/>
+              </a:rPr>
+              <a:t>StartExam</a:t>
+            </a:r>
+            <a:r>
+              <a:rPr lang="ru-RU" sz="2800" dirty="0">
+                <a:latin typeface="Calibri" panose="020F0502020204030204" pitchFamily="34" charset="0"/>
+                <a:cs typeface="Calibri" panose="020F0502020204030204" pitchFamily="34" charset="0"/>
+              </a:rPr>
+              <a:t> предлагает тариф “Стандартный”, стоимость которого – 10000 руб. за 3 месяца.</a:t>
+            </a:r>
+          </a:p>
+          <a:p>
+            <a:endParaRPr lang="ru-RU" sz="2800" dirty="0">
+              <a:latin typeface="Calibri" panose="020F0502020204030204" pitchFamily="34" charset="0"/>
+              <a:cs typeface="Calibri" panose="020F0502020204030204" pitchFamily="34" charset="0"/>
+            </a:endParaRPr>
+          </a:p>
+          <a:p>
+            <a:r>
+              <a:rPr lang="ru-RU" sz="2800" b="1" dirty="0" err="1">
+                <a:latin typeface="Calibri" panose="020F0502020204030204" pitchFamily="34" charset="0"/>
+                <a:cs typeface="Calibri" panose="020F0502020204030204" pitchFamily="34" charset="0"/>
+              </a:rPr>
+              <a:t>Let's</a:t>
+            </a:r>
+            <a:r>
+              <a:rPr lang="ru-RU" sz="2800" b="1" dirty="0">
+                <a:latin typeface="Calibri" panose="020F0502020204030204" pitchFamily="34" charset="0"/>
+                <a:cs typeface="Calibri" panose="020F0502020204030204" pitchFamily="34" charset="0"/>
+              </a:rPr>
+              <a:t> </a:t>
+            </a:r>
+            <a:r>
+              <a:rPr lang="ru-RU" sz="2800" b="1" dirty="0" err="1">
+                <a:latin typeface="Calibri" panose="020F0502020204030204" pitchFamily="34" charset="0"/>
+                <a:cs typeface="Calibri" panose="020F0502020204030204" pitchFamily="34" charset="0"/>
+              </a:rPr>
+              <a:t>test</a:t>
+            </a:r>
+            <a:r>
+              <a:rPr lang="ru-RU" sz="2800" b="1" dirty="0">
+                <a:latin typeface="Calibri" panose="020F0502020204030204" pitchFamily="34" charset="0"/>
+                <a:cs typeface="Calibri" panose="020F0502020204030204" pitchFamily="34" charset="0"/>
+              </a:rPr>
+              <a:t> </a:t>
+            </a:r>
+            <a:r>
+              <a:rPr lang="ru-RU" sz="2800" dirty="0">
+                <a:latin typeface="Calibri" panose="020F0502020204030204" pitchFamily="34" charset="0"/>
+                <a:cs typeface="Calibri" panose="020F0502020204030204" pitchFamily="34" charset="0"/>
+              </a:rPr>
+              <a:t>предлагает различные тарифы для тестирований, однако стоимость базового тарифа начинается с </a:t>
+            </a:r>
+            <a:r>
+              <a:rPr lang="ru-RU" sz="2800" b="1" dirty="0">
+                <a:latin typeface="Calibri" panose="020F0502020204030204" pitchFamily="34" charset="0"/>
+                <a:cs typeface="Calibri" panose="020F0502020204030204" pitchFamily="34" charset="0"/>
+              </a:rPr>
+              <a:t>5000 руб</a:t>
+            </a:r>
+            <a:r>
+              <a:rPr lang="ru-RU" sz="2800" dirty="0">
+                <a:latin typeface="Calibri" panose="020F0502020204030204" pitchFamily="34" charset="0"/>
+                <a:cs typeface="Calibri" panose="020F0502020204030204" pitchFamily="34" charset="0"/>
+              </a:rPr>
+              <a:t>.</a:t>
+            </a:r>
+          </a:p>
+          <a:p>
+            <a:endParaRPr lang="ru-RU" sz="2800" dirty="0">
+              <a:latin typeface="Calibri" panose="020F0502020204030204" pitchFamily="34" charset="0"/>
+              <a:cs typeface="Calibri" panose="020F0502020204030204" pitchFamily="34" charset="0"/>
+            </a:endParaRPr>
+          </a:p>
+          <a:p>
+            <a:r>
+              <a:rPr lang="ru-RU" sz="2800" dirty="0">
+                <a:latin typeface="Calibri" panose="020F0502020204030204" pitchFamily="34" charset="0"/>
+                <a:cs typeface="Calibri" panose="020F0502020204030204" pitchFamily="34" charset="0"/>
+              </a:rPr>
+              <a:t>Сервис платформы </a:t>
+            </a:r>
+            <a:r>
+              <a:rPr lang="ru-RU" sz="2800" b="1" dirty="0" err="1">
+                <a:latin typeface="Calibri" panose="020F0502020204030204" pitchFamily="34" charset="0"/>
+                <a:cs typeface="Calibri" panose="020F0502020204030204" pitchFamily="34" charset="0"/>
+              </a:rPr>
+              <a:t>Profdialog</a:t>
+            </a:r>
+            <a:r>
+              <a:rPr lang="ru-RU" sz="2800" dirty="0">
+                <a:latin typeface="Calibri" panose="020F0502020204030204" pitchFamily="34" charset="0"/>
+                <a:cs typeface="Calibri" panose="020F0502020204030204" pitchFamily="34" charset="0"/>
+              </a:rPr>
+              <a:t> предлагает уже подготовленные тесты различной направленности. Стоимость 1 тестирования данной платформы начинается с </a:t>
+            </a:r>
+            <a:r>
+              <a:rPr lang="ru-RU" sz="2800" b="1" dirty="0">
+                <a:latin typeface="Calibri" panose="020F0502020204030204" pitchFamily="34" charset="0"/>
+                <a:cs typeface="Calibri" panose="020F0502020204030204" pitchFamily="34" charset="0"/>
+              </a:rPr>
+              <a:t>1490 руб</a:t>
+            </a:r>
+            <a:r>
+              <a:rPr lang="ru-RU" sz="2800" dirty="0">
+                <a:latin typeface="Calibri" panose="020F0502020204030204" pitchFamily="34" charset="0"/>
+                <a:cs typeface="Calibri" panose="020F0502020204030204" pitchFamily="34" charset="0"/>
+              </a:rPr>
+              <a:t>.</a:t>
+            </a:r>
+          </a:p>
+        </p:txBody>
+      </p:sp>
+    </p:spTree>
+    <p:extLst>
+      <p:ext uri="{BB962C8B-B14F-4D97-AF65-F5344CB8AC3E}">
+        <p14:creationId xmlns:p14="http://schemas.microsoft.com/office/powerpoint/2010/main" val="1054895335"/>
+      </p:ext>
+    </p:extLst>
+  </p:cSld>
+  <p:clrMapOvr>
+    <a:masterClrMapping/>
+  </p:clrMapOvr>
+</p:sld>
+</file>
+
+<file path=ppt/slides/slide21.xml><?xml version="1.0" encoding="utf-8"?>
+<p:sld xmlns:a="http://schemas.openxmlformats.org/drawingml/2006/main" xmlns:r="http://schemas.openxmlformats.org/officeDocument/2006/relationships" xmlns:p="http://schemas.openxmlformats.org/presentationml/2006/main">
+  <p:cSld>
+    <p:spTree>
+      <p:nvGrpSpPr>
+        <p:cNvPr id="1" name=""/>
+        <p:cNvGrpSpPr/>
+        <p:nvPr/>
+      </p:nvGrpSpPr>
+      <p:grpSpPr>
+        <a:xfrm>
+          <a:off x="0" y="0"/>
+          <a:ext cx="0" cy="0"/>
+          <a:chOff x="0" y="0"/>
+          <a:chExt cx="0" cy="0"/>
+        </a:xfrm>
+      </p:grpSpPr>
+      <p:sp>
+        <p:nvSpPr>
+          <p:cNvPr id="4" name="Номер слайда 3">
+            <a:extLst>
+              <a:ext uri="{FF2B5EF4-FFF2-40B4-BE49-F238E27FC236}">
                 <a16:creationId xmlns:a16="http://schemas.microsoft.com/office/drawing/2014/main" id="{6161B9F1-1BC8-45A5-9A8B-57868D7E25A1}"/>
               </a:ext>
             </a:extLst>
@@ -9922,7 +10464,7 @@
           <a:p>
             <a:fld id="{F846435F-278B-4F8D-8B6E-49BFC1C98D0D}" type="slidenum">
               <a:rPr lang="ru-RU" smtClean="0"/>
-              <a:t>18</a:t>
+              <a:t>21</a:t>
             </a:fld>
             <a:endParaRPr lang="ru-RU"/>
           </a:p>
@@ -9993,7 +10535,7 @@
           <a:graphicData uri="http://schemas.openxmlformats.org/presentationml/2006/ole">
             <mc:AlternateContent xmlns:mc="http://schemas.openxmlformats.org/markup-compatibility/2006">
               <mc:Choice xmlns:v="urn:schemas-microsoft-com:vml" Requires="v">
-                <p:oleObj spid="_x0000_s2216" name="Worksheet" r:id="rId3" imgW="6743700" imgH="2676752" progId="Excel.Sheet.12">
+                <p:oleObj spid="_x0000_s2240" name="Worksheet" r:id="rId3" imgW="6743700" imgH="2676752" progId="Excel.Sheet.12">
                   <p:embed/>
                 </p:oleObj>
               </mc:Choice>
@@ -10041,7 +10583,7 @@
 </p:sld>
 </file>
 
-<file path=ppt/slides/slide19.xml><?xml version="1.0" encoding="utf-8"?>
+<file path=ppt/slides/slide22.xml><?xml version="1.0" encoding="utf-8"?>
 <p:sld xmlns:a="http://schemas.openxmlformats.org/drawingml/2006/main" xmlns:r="http://schemas.openxmlformats.org/officeDocument/2006/relationships" xmlns:p="http://schemas.openxmlformats.org/presentationml/2006/main">
   <p:cSld>
     <p:spTree>
@@ -10081,7 +10623,7 @@
           <a:p>
             <a:fld id="{F846435F-278B-4F8D-8B6E-49BFC1C98D0D}" type="slidenum">
               <a:rPr lang="ru-RU" smtClean="0"/>
-              <a:t>19</a:t>
+              <a:t>22</a:t>
             </a:fld>
             <a:endParaRPr lang="ru-RU"/>
           </a:p>
@@ -10471,7 +11013,7 @@
 </p:sld>
 </file>
 
-<file path=ppt/slides/slide2.xml><?xml version="1.0" encoding="utf-8"?>
+<file path=ppt/slides/slide23.xml><?xml version="1.0" encoding="utf-8"?>
 <p:sld xmlns:a="http://schemas.openxmlformats.org/drawingml/2006/main" xmlns:r="http://schemas.openxmlformats.org/officeDocument/2006/relationships" xmlns:p="http://schemas.openxmlformats.org/presentationml/2006/main">
   <p:cSld>
     <p:spTree>
@@ -10490,153 +11032,6 @@
       </p:grpSpPr>
       <p:sp>
         <p:nvSpPr>
-          <p:cNvPr id="2" name="Заголовок 1">
-            <a:extLst>
-              <a:ext uri="{FF2B5EF4-FFF2-40B4-BE49-F238E27FC236}">
-                <a16:creationId xmlns:a16="http://schemas.microsoft.com/office/drawing/2014/main" id="{07D25D7A-969A-4341-B403-9D454615F387}"/>
-              </a:ext>
-            </a:extLst>
-          </p:cNvPr>
-          <p:cNvSpPr>
-            <a:spLocks noGrp="1"/>
-          </p:cNvSpPr>
-          <p:nvPr>
-            <p:ph type="title"/>
-          </p:nvPr>
-        </p:nvSpPr>
-        <p:spPr>
-          <a:xfrm>
-            <a:off x="805809" y="302527"/>
-            <a:ext cx="10580380" cy="644251"/>
-          </a:xfrm>
-        </p:spPr>
-        <p:txBody>
-          <a:bodyPr/>
-          <a:lstStyle/>
-          <a:p>
-            <a:pPr algn="ctr"/>
-            <a:r>
-              <a:rPr lang="en-US" dirty="0">
-                <a:latin typeface="Calibri" panose="020F0502020204030204" pitchFamily="34" charset="0"/>
-                <a:cs typeface="Calibri" panose="020F0502020204030204" pitchFamily="34" charset="0"/>
-              </a:rPr>
-              <a:t>Well-being</a:t>
-            </a:r>
-            <a:endParaRPr lang="ru-RU" dirty="0">
-              <a:latin typeface="Calibri" panose="020F0502020204030204" pitchFamily="34" charset="0"/>
-              <a:cs typeface="Calibri" panose="020F0502020204030204" pitchFamily="34" charset="0"/>
-            </a:endParaRPr>
-          </a:p>
-        </p:txBody>
-      </p:sp>
-      <p:pic>
-        <p:nvPicPr>
-          <p:cNvPr id="1026" name="Picture 2">
-            <a:extLst>
-              <a:ext uri="{FF2B5EF4-FFF2-40B4-BE49-F238E27FC236}">
-                <a16:creationId xmlns:a16="http://schemas.microsoft.com/office/drawing/2014/main" id="{97F11522-582B-43D8-B543-9C3C6B403974}"/>
-              </a:ext>
-            </a:extLst>
-          </p:cNvPr>
-          <p:cNvPicPr>
-            <a:picLocks noChangeAspect="1" noChangeArrowheads="1"/>
-          </p:cNvPicPr>
-          <p:nvPr/>
-        </p:nvPicPr>
-        <p:blipFill>
-          <a:blip r:embed="rId2">
-            <a:extLst>
-              <a:ext uri="{28A0092B-C50C-407E-A947-70E740481C1C}">
-                <a14:useLocalDpi xmlns:a14="http://schemas.microsoft.com/office/drawing/2010/main" val="0"/>
-              </a:ext>
-            </a:extLst>
-          </a:blip>
-          <a:srcRect/>
-          <a:stretch>
-            <a:fillRect/>
-          </a:stretch>
-        </p:blipFill>
-        <p:spPr bwMode="auto">
-          <a:xfrm>
-            <a:off x="3354240" y="946778"/>
-            <a:ext cx="5483519" cy="5483519"/>
-          </a:xfrm>
-          <a:prstGeom prst="rect">
-            <a:avLst/>
-          </a:prstGeom>
-          <a:noFill/>
-          <a:extLst>
-            <a:ext uri="{909E8E84-426E-40DD-AFC4-6F175D3DCCD1}">
-              <a14:hiddenFill xmlns:a14="http://schemas.microsoft.com/office/drawing/2010/main">
-                <a:solidFill>
-                  <a:srgbClr val="FFFFFF"/>
-                </a:solidFill>
-              </a14:hiddenFill>
-            </a:ext>
-          </a:extLst>
-        </p:spPr>
-      </p:pic>
-      <p:sp>
-        <p:nvSpPr>
-          <p:cNvPr id="6" name="Номер слайда 5">
-            <a:extLst>
-              <a:ext uri="{FF2B5EF4-FFF2-40B4-BE49-F238E27FC236}">
-                <a16:creationId xmlns:a16="http://schemas.microsoft.com/office/drawing/2014/main" id="{D63C5440-D86F-40A3-A365-AD4A94046DDD}"/>
-              </a:ext>
-            </a:extLst>
-          </p:cNvPr>
-          <p:cNvSpPr>
-            <a:spLocks noGrp="1"/>
-          </p:cNvSpPr>
-          <p:nvPr>
-            <p:ph type="sldNum" sz="quarter" idx="12"/>
-          </p:nvPr>
-        </p:nvSpPr>
-        <p:spPr/>
-        <p:txBody>
-          <a:bodyPr/>
-          <a:lstStyle/>
-          <a:p>
-            <a:fld id="{F846435F-278B-4F8D-8B6E-49BFC1C98D0D}" type="slidenum">
-              <a:rPr lang="ru-RU" smtClean="0"/>
-              <a:t>2</a:t>
-            </a:fld>
-            <a:endParaRPr lang="ru-RU"/>
-          </a:p>
-        </p:txBody>
-      </p:sp>
-    </p:spTree>
-    <p:extLst>
-      <p:ext uri="{BB962C8B-B14F-4D97-AF65-F5344CB8AC3E}">
-        <p14:creationId xmlns:p14="http://schemas.microsoft.com/office/powerpoint/2010/main" val="3216759468"/>
-      </p:ext>
-    </p:extLst>
-  </p:cSld>
-  <p:clrMapOvr>
-    <a:masterClrMapping/>
-  </p:clrMapOvr>
-</p:sld>
-</file>
-
-<file path=ppt/slides/slide20.xml><?xml version="1.0" encoding="utf-8"?>
-<p:sld xmlns:a="http://schemas.openxmlformats.org/drawingml/2006/main" xmlns:r="http://schemas.openxmlformats.org/officeDocument/2006/relationships" xmlns:p="http://schemas.openxmlformats.org/presentationml/2006/main">
-  <p:cSld>
-    <p:spTree>
-      <p:nvGrpSpPr>
-        <p:cNvPr id="1" name=""/>
-        <p:cNvGrpSpPr/>
-        <p:nvPr/>
-      </p:nvGrpSpPr>
-      <p:grpSpPr>
-        <a:xfrm>
-          <a:off x="0" y="0"/>
-          <a:ext cx="0" cy="0"/>
-          <a:chOff x="0" y="0"/>
-          <a:chExt cx="0" cy="0"/>
-        </a:xfrm>
-      </p:grpSpPr>
-      <p:sp>
-        <p:nvSpPr>
           <p:cNvPr id="4" name="Номер слайда 3">
             <a:extLst>
               <a:ext uri="{FF2B5EF4-FFF2-40B4-BE49-F238E27FC236}">
@@ -10658,7 +11053,7 @@
           <a:p>
             <a:fld id="{F846435F-278B-4F8D-8B6E-49BFC1C98D0D}" type="slidenum">
               <a:rPr lang="ru-RU" smtClean="0"/>
-              <a:t>20</a:t>
+              <a:t>23</a:t>
             </a:fld>
             <a:endParaRPr lang="ru-RU"/>
           </a:p>
@@ -10789,7 +11184,7 @@
           <a:graphicData uri="http://schemas.openxmlformats.org/presentationml/2006/ole">
             <mc:AlternateContent xmlns:mc="http://schemas.openxmlformats.org/markup-compatibility/2006">
               <mc:Choice xmlns:v="urn:schemas-microsoft-com:vml" Requires="v">
-                <p:oleObj spid="_x0000_s1204" name="Worksheet" r:id="rId5" imgW="8029708" imgH="2266871" progId="Excel.Sheet.12">
+                <p:oleObj spid="_x0000_s1228" name="Worksheet" r:id="rId5" imgW="8029708" imgH="2266871" progId="Excel.Sheet.12">
                   <p:embed/>
                 </p:oleObj>
               </mc:Choice>
@@ -10837,7 +11232,7 @@
 </p:sld>
 </file>
 
-<file path=ppt/slides/slide21.xml><?xml version="1.0" encoding="utf-8"?>
+<file path=ppt/slides/slide24.xml><?xml version="1.0" encoding="utf-8"?>
 <p:sld xmlns:a="http://schemas.openxmlformats.org/drawingml/2006/main" xmlns:r="http://schemas.openxmlformats.org/officeDocument/2006/relationships" xmlns:p="http://schemas.openxmlformats.org/presentationml/2006/main">
   <p:cSld>
     <p:spTree>
@@ -10856,10 +11251,10 @@
       </p:grpSpPr>
       <p:sp>
         <p:nvSpPr>
-          <p:cNvPr id="3" name="Объект 2">
+          <p:cNvPr id="4" name="Номер слайда 3">
             <a:extLst>
               <a:ext uri="{FF2B5EF4-FFF2-40B4-BE49-F238E27FC236}">
-                <a16:creationId xmlns:a16="http://schemas.microsoft.com/office/drawing/2014/main" id="{5FEFD1D6-9B08-4218-88AA-5787B740CE5E}"/>
+                <a16:creationId xmlns:a16="http://schemas.microsoft.com/office/drawing/2014/main" id="{977B2443-8492-42B1-A32D-EE08D2F45203}"/>
               </a:ext>
             </a:extLst>
           </p:cNvPr>
@@ -10867,29 +11262,28 @@
             <a:spLocks noGrp="1"/>
           </p:cNvSpPr>
           <p:nvPr>
-            <p:ph idx="1"/>
-          </p:nvPr>
-        </p:nvSpPr>
-        <p:spPr>
-          <a:xfrm>
-            <a:off x="0" y="0"/>
-            <a:ext cx="12192000" cy="6858000"/>
-          </a:xfrm>
-        </p:spPr>
+            <p:ph type="sldNum" sz="quarter" idx="12"/>
+          </p:nvPr>
+        </p:nvSpPr>
+        <p:spPr/>
         <p:txBody>
           <a:bodyPr/>
           <a:lstStyle/>
           <a:p>
-            <a:endParaRPr lang="ru-RU" dirty="0"/>
-          </a:p>
-        </p:txBody>
-      </p:sp>
-      <p:sp>
-        <p:nvSpPr>
-          <p:cNvPr id="4" name="Номер слайда 3">
+            <a:fld id="{F846435F-278B-4F8D-8B6E-49BFC1C98D0D}" type="slidenum">
+              <a:rPr lang="ru-RU" smtClean="0"/>
+              <a:t>24</a:t>
+            </a:fld>
+            <a:endParaRPr lang="ru-RU"/>
+          </a:p>
+        </p:txBody>
+      </p:sp>
+      <p:sp>
+        <p:nvSpPr>
+          <p:cNvPr id="5" name="Заголовок 1">
             <a:extLst>
               <a:ext uri="{FF2B5EF4-FFF2-40B4-BE49-F238E27FC236}">
-                <a16:creationId xmlns:a16="http://schemas.microsoft.com/office/drawing/2014/main" id="{A277C17F-E116-4340-863C-F622FB99B9EE}"/>
+                <a16:creationId xmlns:a16="http://schemas.microsoft.com/office/drawing/2014/main" id="{50C4E133-300D-47A6-AA61-2C3F7E71CE83}"/>
               </a:ext>
             </a:extLst>
           </p:cNvPr>
@@ -10897,26 +11291,98 @@
             <a:spLocks noGrp="1"/>
           </p:cNvSpPr>
           <p:nvPr>
-            <p:ph type="sldNum" sz="quarter" idx="12"/>
-          </p:nvPr>
-        </p:nvSpPr>
-        <p:spPr/>
+            <p:ph type="title"/>
+          </p:nvPr>
+        </p:nvSpPr>
+        <p:spPr>
+          <a:xfrm>
+            <a:off x="924444" y="226143"/>
+            <a:ext cx="10353761" cy="678426"/>
+          </a:xfrm>
+        </p:spPr>
         <p:txBody>
           <a:bodyPr/>
           <a:lstStyle/>
           <a:p>
-            <a:fld id="{F846435F-278B-4F8D-8B6E-49BFC1C98D0D}" type="slidenum">
-              <a:rPr lang="ru-RU" smtClean="0"/>
-              <a:t>21</a:t>
-            </a:fld>
-            <a:endParaRPr lang="ru-RU"/>
+            <a:pPr algn="ctr"/>
+            <a:r>
+              <a:rPr lang="ru-RU" dirty="0">
+                <a:latin typeface="Calibri" panose="020F0502020204030204" pitchFamily="34" charset="0"/>
+                <a:cs typeface="Calibri" panose="020F0502020204030204" pitchFamily="34" charset="0"/>
+              </a:rPr>
+              <a:t>Планы на будущее</a:t>
+            </a:r>
+          </a:p>
+        </p:txBody>
+      </p:sp>
+      <p:sp>
+        <p:nvSpPr>
+          <p:cNvPr id="6" name="Прямоугольник 5">
+            <a:extLst>
+              <a:ext uri="{FF2B5EF4-FFF2-40B4-BE49-F238E27FC236}">
+                <a16:creationId xmlns:a16="http://schemas.microsoft.com/office/drawing/2014/main" id="{AE224F83-95F8-4D32-B38E-40603567369C}"/>
+              </a:ext>
+            </a:extLst>
+          </p:cNvPr>
+          <p:cNvSpPr/>
+          <p:nvPr/>
+        </p:nvSpPr>
+        <p:spPr>
+          <a:xfrm>
+            <a:off x="1311579" y="2044005"/>
+            <a:ext cx="9809825" cy="1384995"/>
+          </a:xfrm>
+          <a:prstGeom prst="rect">
+            <a:avLst/>
+          </a:prstGeom>
+        </p:spPr>
+        <p:txBody>
+          <a:bodyPr wrap="square">
+            <a:spAutoFit/>
+          </a:bodyPr>
+          <a:lstStyle/>
+          <a:p>
+            <a:pPr marL="514350" indent="-514350">
+              <a:buAutoNum type="arabicPeriod"/>
+            </a:pPr>
+            <a:r>
+              <a:rPr lang="ru-RU" sz="2800" dirty="0">
+                <a:latin typeface="Calibri" panose="020F0502020204030204" pitchFamily="34" charset="0"/>
+                <a:cs typeface="Calibri" panose="020F0502020204030204" pitchFamily="34" charset="0"/>
+              </a:rPr>
+              <a:t>Доработка дизайна веб-приложения</a:t>
+            </a:r>
+          </a:p>
+          <a:p>
+            <a:pPr marL="514350" indent="-514350">
+              <a:buAutoNum type="arabicPeriod"/>
+            </a:pPr>
+            <a:r>
+              <a:rPr lang="ru-RU" sz="2800" dirty="0">
+                <a:latin typeface="Calibri" panose="020F0502020204030204" pitchFamily="34" charset="0"/>
+                <a:cs typeface="Calibri" panose="020F0502020204030204" pitchFamily="34" charset="0"/>
+              </a:rPr>
+              <a:t>Внедрение дополнительных методик оценки благополучия</a:t>
+            </a:r>
+          </a:p>
+          <a:p>
+            <a:pPr marL="514350" indent="-514350">
+              <a:buAutoNum type="arabicPeriod"/>
+            </a:pPr>
+            <a:r>
+              <a:rPr lang="ru-RU" sz="2800" dirty="0">
+                <a:latin typeface="Calibri" panose="020F0502020204030204" pitchFamily="34" charset="0"/>
+                <a:cs typeface="Calibri" panose="020F0502020204030204" pitchFamily="34" charset="0"/>
+              </a:rPr>
+              <a:t>Создание системы рекомендаций</a:t>
+            </a:r>
           </a:p>
         </p:txBody>
       </p:sp>
     </p:spTree>
     <p:extLst>
       <p:ext uri="{BB962C8B-B14F-4D97-AF65-F5344CB8AC3E}">
-        <p14:creationId xmlns:p14="http://schemas.microsoft.com/office/powerpoint/2010/main" val="3150680587"/>
+        <p14:creationId xmlns:p14="http://schemas.microsoft.com/office/powerpoint/2010/main" val="3649302199"/>
       </p:ext>
     </p:extLst>
   </p:cSld>

--- a/Документы/Презентация ВКР.pptx
+++ b/Документы/Презентация ВКР.pptx
@@ -5,7 +5,7 @@
     <p:sldMasterId id="2147483719" r:id="rId1"/>
   </p:sldMasterIdLst>
   <p:notesMasterIdLst>
-    <p:notesMasterId r:id="rId26"/>
+    <p:notesMasterId r:id="rId27"/>
   </p:notesMasterIdLst>
   <p:sldIdLst>
     <p:sldId id="256" r:id="rId2"/>
@@ -32,6 +32,7 @@
     <p:sldId id="276" r:id="rId23"/>
     <p:sldId id="278" r:id="rId24"/>
     <p:sldId id="283" r:id="rId25"/>
+    <p:sldId id="286" r:id="rId26"/>
   </p:sldIdLst>
   <p:sldSz cx="12192000" cy="6858000"/>
   <p:notesSz cx="6858000" cy="9144000"/>
@@ -220,7 +221,7 @@
           <a:p>
             <a:fld id="{F8E7A9AA-D791-4CE8-A528-0ED1B3A93F2C}" type="datetimeFigureOut">
               <a:rPr lang="ru-RU" smtClean="0"/>
-              <a:t>19.06.2023</a:t>
+              <a:t>20.06.2023</a:t>
             </a:fld>
             <a:endParaRPr lang="ru-RU"/>
           </a:p>
@@ -675,7 +676,7 @@
           <a:p>
             <a:fld id="{9A01286C-D24D-4039-9B79-188014B81EF0}" type="datetime1">
               <a:rPr lang="ru-RU" smtClean="0"/>
-              <a:t>19.06.2023</a:t>
+              <a:t>20.06.2023</a:t>
             </a:fld>
             <a:endParaRPr lang="ru-RU"/>
           </a:p>
@@ -1013,7 +1014,7 @@
           <a:p>
             <a:fld id="{C7435AC7-7EFC-4C6A-8B4A-3A0ABD863A85}" type="datetime1">
               <a:rPr lang="ru-RU" smtClean="0"/>
-              <a:t>19.06.2023</a:t>
+              <a:t>20.06.2023</a:t>
             </a:fld>
             <a:endParaRPr lang="ru-RU"/>
           </a:p>
@@ -1414,7 +1415,7 @@
           <a:p>
             <a:fld id="{04FCF316-177D-4002-A014-31E42C580843}" type="datetime1">
               <a:rPr lang="ru-RU" smtClean="0"/>
-              <a:t>19.06.2023</a:t>
+              <a:t>20.06.2023</a:t>
             </a:fld>
             <a:endParaRPr lang="ru-RU"/>
           </a:p>
@@ -1749,7 +1750,7 @@
           <a:p>
             <a:fld id="{029AEA95-4A9D-4EBF-8A5F-0F900F8488E6}" type="datetime1">
               <a:rPr lang="ru-RU" smtClean="0"/>
-              <a:t>19.06.2023</a:t>
+              <a:t>20.06.2023</a:t>
             </a:fld>
             <a:endParaRPr lang="ru-RU"/>
           </a:p>
@@ -2069,7 +2070,7 @@
           <a:p>
             <a:fld id="{BEC51906-DCF6-42EE-9502-5BFAF385E1B7}" type="datetime1">
               <a:rPr lang="ru-RU" smtClean="0"/>
-              <a:t>19.06.2023</a:t>
+              <a:t>20.06.2023</a:t>
             </a:fld>
             <a:endParaRPr lang="ru-RU"/>
           </a:p>
@@ -2465,7 +2466,7 @@
           <a:p>
             <a:fld id="{A9EE9BC4-D6AA-4323-AC58-7EDF0473E5CD}" type="datetime1">
               <a:rPr lang="ru-RU" smtClean="0"/>
-              <a:t>19.06.2023</a:t>
+              <a:t>20.06.2023</a:t>
             </a:fld>
             <a:endParaRPr lang="ru-RU"/>
           </a:p>
@@ -2722,7 +2723,7 @@
           <a:p>
             <a:fld id="{2AD07951-DEFF-4C64-8DD9-36A1A4C04CF7}" type="datetime1">
               <a:rPr lang="ru-RU" smtClean="0"/>
-              <a:t>19.06.2023</a:t>
+              <a:t>20.06.2023</a:t>
             </a:fld>
             <a:endParaRPr lang="ru-RU"/>
           </a:p>
@@ -2984,7 +2985,7 @@
           <a:p>
             <a:fld id="{053B07EB-F58D-4FCB-9B0B-E065C5A425E6}" type="datetime1">
               <a:rPr lang="ru-RU" smtClean="0"/>
-              <a:t>19.06.2023</a:t>
+              <a:t>20.06.2023</a:t>
             </a:fld>
             <a:endParaRPr lang="ru-RU"/>
           </a:p>
@@ -3246,7 +3247,7 @@
           <a:p>
             <a:fld id="{448B1765-DCBF-461E-87CB-534CF379D7B5}" type="datetime1">
               <a:rPr lang="ru-RU" smtClean="0"/>
-              <a:t>19.06.2023</a:t>
+              <a:t>20.06.2023</a:t>
             </a:fld>
             <a:endParaRPr lang="ru-RU"/>
           </a:p>
@@ -3575,7 +3576,7 @@
           <a:p>
             <a:fld id="{106EE73D-979C-4FB3-8935-F4F6660FD339}" type="datetime1">
               <a:rPr lang="ru-RU" smtClean="0"/>
-              <a:t>19.06.2023</a:t>
+              <a:t>20.06.2023</a:t>
             </a:fld>
             <a:endParaRPr lang="ru-RU"/>
           </a:p>
@@ -3898,7 +3899,7 @@
           <a:p>
             <a:fld id="{26CBC4E0-4BA5-458D-B31E-4DA4974DD756}" type="datetime1">
               <a:rPr lang="ru-RU" smtClean="0"/>
-              <a:t>19.06.2023</a:t>
+              <a:t>20.06.2023</a:t>
             </a:fld>
             <a:endParaRPr lang="ru-RU"/>
           </a:p>
@@ -4355,7 +4356,7 @@
           <a:p>
             <a:fld id="{8BEF53F8-F77F-4C56-9AA6-639780451998}" type="datetime1">
               <a:rPr lang="ru-RU" smtClean="0"/>
-              <a:t>19.06.2023</a:t>
+              <a:t>20.06.2023</a:t>
             </a:fld>
             <a:endParaRPr lang="ru-RU"/>
           </a:p>
@@ -4560,7 +4561,7 @@
           <a:p>
             <a:fld id="{9862B62C-BB0B-418E-993D-5ADBF2901EBB}" type="datetime1">
               <a:rPr lang="ru-RU" smtClean="0"/>
-              <a:t>19.06.2023</a:t>
+              <a:t>20.06.2023</a:t>
             </a:fld>
             <a:endParaRPr lang="ru-RU"/>
           </a:p>
@@ -4737,7 +4738,7 @@
           <a:p>
             <a:fld id="{3BA0CB8E-CC9C-47E0-B1BC-6C08AE270C44}" type="datetime1">
               <a:rPr lang="ru-RU" smtClean="0"/>
-              <a:t>19.06.2023</a:t>
+              <a:t>20.06.2023</a:t>
             </a:fld>
             <a:endParaRPr lang="ru-RU"/>
           </a:p>
@@ -5070,7 +5071,7 @@
           <a:p>
             <a:fld id="{000ADB6F-36E4-4869-9ACC-BB1E179B1F20}" type="datetime1">
               <a:rPr lang="ru-RU" smtClean="0"/>
-              <a:t>19.06.2023</a:t>
+              <a:t>20.06.2023</a:t>
             </a:fld>
             <a:endParaRPr lang="ru-RU"/>
           </a:p>
@@ -5415,7 +5416,7 @@
           <a:p>
             <a:fld id="{D86C6135-D033-4B44-BF55-13FADD15A79E}" type="datetime1">
               <a:rPr lang="ru-RU" smtClean="0"/>
-              <a:t>19.06.2023</a:t>
+              <a:t>20.06.2023</a:t>
             </a:fld>
             <a:endParaRPr lang="ru-RU"/>
           </a:p>
@@ -7532,7 +7533,7 @@
           <a:p>
             <a:fld id="{14878BB3-8E20-4CB9-9A47-56C32F53986A}" type="datetime1">
               <a:rPr lang="ru-RU" smtClean="0"/>
-              <a:t>19.06.2023</a:t>
+              <a:t>20.06.2023</a:t>
             </a:fld>
             <a:endParaRPr lang="ru-RU"/>
           </a:p>
@@ -8861,8 +8862,8 @@
         </p:blipFill>
         <p:spPr>
           <a:xfrm>
-            <a:off x="2828277" y="938813"/>
-            <a:ext cx="6535445" cy="5151268"/>
+            <a:off x="2644221" y="849926"/>
+            <a:ext cx="6883894" cy="5390966"/>
           </a:xfrm>
           <a:prstGeom prst="rect">
             <a:avLst/>
@@ -9953,7 +9954,7 @@
                 <a:latin typeface="Calibri" panose="020F0502020204030204" pitchFamily="34" charset="0"/>
                 <a:cs typeface="Calibri" panose="020F0502020204030204" pitchFamily="34" charset="0"/>
               </a:rPr>
-              <a:t>Спроектирован пользовательский интерфейс</a:t>
+              <a:t>Спроектирован пользовательский интерфейс и база данных</a:t>
             </a:r>
           </a:p>
           <a:p>
@@ -10535,7 +10536,7 @@
           <a:graphicData uri="http://schemas.openxmlformats.org/presentationml/2006/ole">
             <mc:AlternateContent xmlns:mc="http://schemas.openxmlformats.org/markup-compatibility/2006">
               <mc:Choice xmlns:v="urn:schemas-microsoft-com:vml" Requires="v">
-                <p:oleObj spid="_x0000_s2240" name="Worksheet" r:id="rId3" imgW="6743700" imgH="2676752" progId="Excel.Sheet.12">
+                <p:oleObj spid="_x0000_s2254" name="Worksheet" r:id="rId3" imgW="6743700" imgH="2676752" progId="Excel.Sheet.12">
                   <p:embed/>
                 </p:oleObj>
               </mc:Choice>
@@ -11184,7 +11185,7 @@
           <a:graphicData uri="http://schemas.openxmlformats.org/presentationml/2006/ole">
             <mc:AlternateContent xmlns:mc="http://schemas.openxmlformats.org/markup-compatibility/2006">
               <mc:Choice xmlns:v="urn:schemas-microsoft-com:vml" Requires="v">
-                <p:oleObj spid="_x0000_s1228" name="Worksheet" r:id="rId5" imgW="8029708" imgH="2266871" progId="Excel.Sheet.12">
+                <p:oleObj spid="_x0000_s1242" name="Worksheet" r:id="rId5" imgW="8029708" imgH="2266871" progId="Excel.Sheet.12">
                   <p:embed/>
                 </p:oleObj>
               </mc:Choice>
@@ -11296,7 +11297,7 @@
         </p:nvSpPr>
         <p:spPr>
           <a:xfrm>
-            <a:off x="924444" y="226143"/>
+            <a:off x="921695" y="291918"/>
             <a:ext cx="10353761" cy="678426"/>
           </a:xfrm>
         </p:spPr>
@@ -11330,7 +11331,7 @@
         <p:spPr>
           <a:xfrm>
             <a:off x="1311579" y="2044005"/>
-            <a:ext cx="9809825" cy="1384995"/>
+            <a:ext cx="9809825" cy="1815882"/>
           </a:xfrm>
           <a:prstGeom prst="rect">
             <a:avLst/>
@@ -11375,6 +11376,18 @@
                 <a:cs typeface="Calibri" panose="020F0502020204030204" pitchFamily="34" charset="0"/>
               </a:rPr>
               <a:t>Создание системы рекомендаций</a:t>
+            </a:r>
+          </a:p>
+          <a:p>
+            <a:pPr marL="514350" indent="-514350">
+              <a:buAutoNum type="arabicPeriod"/>
+            </a:pPr>
+            <a:r>
+              <a:rPr lang="ru-RU" sz="2800" dirty="0">
+                <a:latin typeface="Calibri" panose="020F0502020204030204" pitchFamily="34" charset="0"/>
+                <a:cs typeface="Calibri" panose="020F0502020204030204" pitchFamily="34" charset="0"/>
+              </a:rPr>
+              <a:t>Добавление новых типов вопросов</a:t>
             </a:r>
           </a:p>
         </p:txBody>
@@ -11389,6 +11402,238 @@
   <p:clrMapOvr>
     <a:masterClrMapping/>
   </p:clrMapOvr>
+</p:sld>
+</file>
+
+<file path=ppt/slides/slide25.xml><?xml version="1.0" encoding="utf-8"?>
+<p:sld xmlns:a="http://schemas.openxmlformats.org/drawingml/2006/main" xmlns:r="http://schemas.openxmlformats.org/officeDocument/2006/relationships" xmlns:p="http://schemas.openxmlformats.org/presentationml/2006/main">
+  <p:cSld>
+    <p:spTree>
+      <p:nvGrpSpPr>
+        <p:cNvPr id="1" name=""/>
+        <p:cNvGrpSpPr/>
+        <p:nvPr/>
+      </p:nvGrpSpPr>
+      <p:grpSpPr>
+        <a:xfrm>
+          <a:off x="0" y="0"/>
+          <a:ext cx="0" cy="0"/>
+          <a:chOff x="0" y="0"/>
+          <a:chExt cx="0" cy="0"/>
+        </a:xfrm>
+      </p:grpSpPr>
+      <p:sp>
+        <p:nvSpPr>
+          <p:cNvPr id="4" name="Номер слайда 3">
+            <a:extLst>
+              <a:ext uri="{FF2B5EF4-FFF2-40B4-BE49-F238E27FC236}">
+                <a16:creationId xmlns:a16="http://schemas.microsoft.com/office/drawing/2014/main" id="{12E8DCA7-BDDA-4C56-97D7-ABE4B4327509}"/>
+              </a:ext>
+            </a:extLst>
+          </p:cNvPr>
+          <p:cNvSpPr>
+            <a:spLocks noGrp="1"/>
+          </p:cNvSpPr>
+          <p:nvPr>
+            <p:ph type="sldNum" sz="quarter" idx="12"/>
+          </p:nvPr>
+        </p:nvSpPr>
+        <p:spPr/>
+        <p:txBody>
+          <a:bodyPr/>
+          <a:lstStyle/>
+          <a:p>
+            <a:fld id="{F846435F-278B-4F8D-8B6E-49BFC1C98D0D}" type="slidenum">
+              <a:rPr lang="ru-RU" smtClean="0"/>
+              <a:t>25</a:t>
+            </a:fld>
+            <a:endParaRPr lang="ru-RU"/>
+          </a:p>
+        </p:txBody>
+      </p:sp>
+      <p:pic>
+        <p:nvPicPr>
+          <p:cNvPr id="5" name="Готовая видел-демонстрация">
+            <a:hlinkClick r:id="" action="ppaction://media"/>
+            <a:extLst>
+              <a:ext uri="{FF2B5EF4-FFF2-40B4-BE49-F238E27FC236}">
+                <a16:creationId xmlns:a16="http://schemas.microsoft.com/office/drawing/2014/main" id="{7A9FC45B-4720-4ADD-BFCE-293305F07293}"/>
+              </a:ext>
+            </a:extLst>
+          </p:cNvPr>
+          <p:cNvPicPr>
+            <a:picLocks noChangeAspect="1"/>
+          </p:cNvPicPr>
+          <p:nvPr>
+            <a:videoFile r:link="rId2"/>
+            <p:extLst>
+              <p:ext uri="{DAA4B4D4-6D71-4841-9C94-3DE7FCFB9230}">
+                <p14:media xmlns:p14="http://schemas.microsoft.com/office/powerpoint/2010/main" r:embed="rId1"/>
+              </p:ext>
+            </p:extLst>
+          </p:nvPr>
+        </p:nvPicPr>
+        <p:blipFill>
+          <a:blip r:embed="rId4"/>
+          <a:stretch>
+            <a:fillRect/>
+          </a:stretch>
+        </p:blipFill>
+        <p:spPr>
+          <a:xfrm>
+            <a:off x="0" y="0"/>
+            <a:ext cx="12192000" cy="6858000"/>
+          </a:xfrm>
+          <a:prstGeom prst="rect">
+            <a:avLst/>
+          </a:prstGeom>
+        </p:spPr>
+      </p:pic>
+    </p:spTree>
+    <p:extLst>
+      <p:ext uri="{BB962C8B-B14F-4D97-AF65-F5344CB8AC3E}">
+        <p14:creationId xmlns:p14="http://schemas.microsoft.com/office/powerpoint/2010/main" val="1059559519"/>
+      </p:ext>
+    </p:extLst>
+  </p:cSld>
+  <p:clrMapOvr>
+    <a:masterClrMapping/>
+  </p:clrMapOvr>
+  <p:timing>
+    <p:tnLst>
+      <p:par>
+        <p:cTn id="1" dur="indefinite" restart="never" nodeType="tmRoot">
+          <p:childTnLst>
+            <p:seq concurrent="1" nextAc="seek">
+              <p:cTn id="2" dur="indefinite" nodeType="mainSeq">
+                <p:childTnLst>
+                  <p:par>
+                    <p:cTn id="3" fill="hold">
+                      <p:stCondLst>
+                        <p:cond delay="indefinite"/>
+                      </p:stCondLst>
+                      <p:childTnLst>
+                        <p:par>
+                          <p:cTn id="4" fill="hold">
+                            <p:stCondLst>
+                              <p:cond delay="0"/>
+                            </p:stCondLst>
+                            <p:childTnLst>
+                              <p:par>
+                                <p:cTn id="5" presetID="1" presetClass="mediacall" presetSubtype="0" fill="hold" nodeType="clickEffect">
+                                  <p:stCondLst>
+                                    <p:cond delay="0"/>
+                                  </p:stCondLst>
+                                  <p:childTnLst>
+                                    <p:cmd type="call" cmd="playFrom(0.0)">
+                                      <p:cBhvr>
+                                        <p:cTn id="6" dur="78440" fill="hold"/>
+                                        <p:tgtEl>
+                                          <p:spTgt spid="5"/>
+                                        </p:tgtEl>
+                                      </p:cBhvr>
+                                    </p:cmd>
+                                  </p:childTnLst>
+                                </p:cTn>
+                              </p:par>
+                            </p:childTnLst>
+                          </p:cTn>
+                        </p:par>
+                      </p:childTnLst>
+                    </p:cTn>
+                  </p:par>
+                </p:childTnLst>
+              </p:cTn>
+              <p:prevCondLst>
+                <p:cond evt="onPrev" delay="0">
+                  <p:tgtEl>
+                    <p:sldTgt/>
+                  </p:tgtEl>
+                </p:cond>
+              </p:prevCondLst>
+              <p:nextCondLst>
+                <p:cond evt="onNext" delay="0">
+                  <p:tgtEl>
+                    <p:sldTgt/>
+                  </p:tgtEl>
+                </p:cond>
+              </p:nextCondLst>
+            </p:seq>
+            <p:video>
+              <p:cMediaNode vol="80000">
+                <p:cTn id="7" fill="hold" display="0">
+                  <p:stCondLst>
+                    <p:cond delay="indefinite"/>
+                  </p:stCondLst>
+                </p:cTn>
+                <p:tgtEl>
+                  <p:spTgt spid="5"/>
+                </p:tgtEl>
+              </p:cMediaNode>
+            </p:video>
+            <p:seq concurrent="1" nextAc="seek">
+              <p:cTn id="8" restart="whenNotActive" fill="hold" evtFilter="cancelBubble" nodeType="interactiveSeq">
+                <p:stCondLst>
+                  <p:cond evt="onClick" delay="0">
+                    <p:tgtEl>
+                      <p:spTgt spid="5"/>
+                    </p:tgtEl>
+                  </p:cond>
+                </p:stCondLst>
+                <p:endSync evt="end" delay="0">
+                  <p:rtn val="all"/>
+                </p:endSync>
+                <p:childTnLst>
+                  <p:par>
+                    <p:cTn id="9" fill="hold">
+                      <p:stCondLst>
+                        <p:cond delay="0"/>
+                      </p:stCondLst>
+                      <p:childTnLst>
+                        <p:par>
+                          <p:cTn id="10" fill="hold">
+                            <p:stCondLst>
+                              <p:cond delay="0"/>
+                            </p:stCondLst>
+                            <p:childTnLst>
+                              <p:par>
+                                <p:cTn id="11" presetID="2" presetClass="mediacall" presetSubtype="0" fill="hold" nodeType="clickEffect">
+                                  <p:stCondLst>
+                                    <p:cond delay="0"/>
+                                  </p:stCondLst>
+                                  <p:childTnLst>
+                                    <p:cmd type="call" cmd="togglePause">
+                                      <p:cBhvr>
+                                        <p:cTn id="12" dur="1" fill="hold"/>
+                                        <p:tgtEl>
+                                          <p:spTgt spid="5"/>
+                                        </p:tgtEl>
+                                      </p:cBhvr>
+                                    </p:cmd>
+                                  </p:childTnLst>
+                                </p:cTn>
+                              </p:par>
+                            </p:childTnLst>
+                          </p:cTn>
+                        </p:par>
+                      </p:childTnLst>
+                    </p:cTn>
+                  </p:par>
+                </p:childTnLst>
+              </p:cTn>
+              <p:nextCondLst>
+                <p:cond evt="onClick" delay="0">
+                  <p:tgtEl>
+                    <p:spTgt spid="5"/>
+                  </p:tgtEl>
+                </p:cond>
+              </p:nextCondLst>
+            </p:seq>
+          </p:childTnLst>
+        </p:cTn>
+      </p:par>
+    </p:tnLst>
+  </p:timing>
 </p:sld>
 </file>
 

--- a/Документы/Презентация ВКР.pptx
+++ b/Документы/Презентация ВКР.pptx
@@ -221,7 +221,7 @@
           <a:p>
             <a:fld id="{F8E7A9AA-D791-4CE8-A528-0ED1B3A93F2C}" type="datetimeFigureOut">
               <a:rPr lang="ru-RU" smtClean="0"/>
-              <a:t>20.06.2023</a:t>
+              <a:t>22.06.2023</a:t>
             </a:fld>
             <a:endParaRPr lang="ru-RU"/>
           </a:p>
@@ -676,7 +676,7 @@
           <a:p>
             <a:fld id="{9A01286C-D24D-4039-9B79-188014B81EF0}" type="datetime1">
               <a:rPr lang="ru-RU" smtClean="0"/>
-              <a:t>20.06.2023</a:t>
+              <a:t>22.06.2023</a:t>
             </a:fld>
             <a:endParaRPr lang="ru-RU"/>
           </a:p>
@@ -1014,7 +1014,7 @@
           <a:p>
             <a:fld id="{C7435AC7-7EFC-4C6A-8B4A-3A0ABD863A85}" type="datetime1">
               <a:rPr lang="ru-RU" smtClean="0"/>
-              <a:t>20.06.2023</a:t>
+              <a:t>22.06.2023</a:t>
             </a:fld>
             <a:endParaRPr lang="ru-RU"/>
           </a:p>
@@ -1415,7 +1415,7 @@
           <a:p>
             <a:fld id="{04FCF316-177D-4002-A014-31E42C580843}" type="datetime1">
               <a:rPr lang="ru-RU" smtClean="0"/>
-              <a:t>20.06.2023</a:t>
+              <a:t>22.06.2023</a:t>
             </a:fld>
             <a:endParaRPr lang="ru-RU"/>
           </a:p>
@@ -1750,7 +1750,7 @@
           <a:p>
             <a:fld id="{029AEA95-4A9D-4EBF-8A5F-0F900F8488E6}" type="datetime1">
               <a:rPr lang="ru-RU" smtClean="0"/>
-              <a:t>20.06.2023</a:t>
+              <a:t>22.06.2023</a:t>
             </a:fld>
             <a:endParaRPr lang="ru-RU"/>
           </a:p>
@@ -2070,7 +2070,7 @@
           <a:p>
             <a:fld id="{BEC51906-DCF6-42EE-9502-5BFAF385E1B7}" type="datetime1">
               <a:rPr lang="ru-RU" smtClean="0"/>
-              <a:t>20.06.2023</a:t>
+              <a:t>22.06.2023</a:t>
             </a:fld>
             <a:endParaRPr lang="ru-RU"/>
           </a:p>
@@ -2466,7 +2466,7 @@
           <a:p>
             <a:fld id="{A9EE9BC4-D6AA-4323-AC58-7EDF0473E5CD}" type="datetime1">
               <a:rPr lang="ru-RU" smtClean="0"/>
-              <a:t>20.06.2023</a:t>
+              <a:t>22.06.2023</a:t>
             </a:fld>
             <a:endParaRPr lang="ru-RU"/>
           </a:p>
@@ -2723,7 +2723,7 @@
           <a:p>
             <a:fld id="{2AD07951-DEFF-4C64-8DD9-36A1A4C04CF7}" type="datetime1">
               <a:rPr lang="ru-RU" smtClean="0"/>
-              <a:t>20.06.2023</a:t>
+              <a:t>22.06.2023</a:t>
             </a:fld>
             <a:endParaRPr lang="ru-RU"/>
           </a:p>
@@ -2985,7 +2985,7 @@
           <a:p>
             <a:fld id="{053B07EB-F58D-4FCB-9B0B-E065C5A425E6}" type="datetime1">
               <a:rPr lang="ru-RU" smtClean="0"/>
-              <a:t>20.06.2023</a:t>
+              <a:t>22.06.2023</a:t>
             </a:fld>
             <a:endParaRPr lang="ru-RU"/>
           </a:p>
@@ -3247,7 +3247,7 @@
           <a:p>
             <a:fld id="{448B1765-DCBF-461E-87CB-534CF379D7B5}" type="datetime1">
               <a:rPr lang="ru-RU" smtClean="0"/>
-              <a:t>20.06.2023</a:t>
+              <a:t>22.06.2023</a:t>
             </a:fld>
             <a:endParaRPr lang="ru-RU"/>
           </a:p>
@@ -3576,7 +3576,7 @@
           <a:p>
             <a:fld id="{106EE73D-979C-4FB3-8935-F4F6660FD339}" type="datetime1">
               <a:rPr lang="ru-RU" smtClean="0"/>
-              <a:t>20.06.2023</a:t>
+              <a:t>22.06.2023</a:t>
             </a:fld>
             <a:endParaRPr lang="ru-RU"/>
           </a:p>
@@ -3899,7 +3899,7 @@
           <a:p>
             <a:fld id="{26CBC4E0-4BA5-458D-B31E-4DA4974DD756}" type="datetime1">
               <a:rPr lang="ru-RU" smtClean="0"/>
-              <a:t>20.06.2023</a:t>
+              <a:t>22.06.2023</a:t>
             </a:fld>
             <a:endParaRPr lang="ru-RU"/>
           </a:p>
@@ -4356,7 +4356,7 @@
           <a:p>
             <a:fld id="{8BEF53F8-F77F-4C56-9AA6-639780451998}" type="datetime1">
               <a:rPr lang="ru-RU" smtClean="0"/>
-              <a:t>20.06.2023</a:t>
+              <a:t>22.06.2023</a:t>
             </a:fld>
             <a:endParaRPr lang="ru-RU"/>
           </a:p>
@@ -4561,7 +4561,7 @@
           <a:p>
             <a:fld id="{9862B62C-BB0B-418E-993D-5ADBF2901EBB}" type="datetime1">
               <a:rPr lang="ru-RU" smtClean="0"/>
-              <a:t>20.06.2023</a:t>
+              <a:t>22.06.2023</a:t>
             </a:fld>
             <a:endParaRPr lang="ru-RU"/>
           </a:p>
@@ -4738,7 +4738,7 @@
           <a:p>
             <a:fld id="{3BA0CB8E-CC9C-47E0-B1BC-6C08AE270C44}" type="datetime1">
               <a:rPr lang="ru-RU" smtClean="0"/>
-              <a:t>20.06.2023</a:t>
+              <a:t>22.06.2023</a:t>
             </a:fld>
             <a:endParaRPr lang="ru-RU"/>
           </a:p>
@@ -5071,7 +5071,7 @@
           <a:p>
             <a:fld id="{000ADB6F-36E4-4869-9ACC-BB1E179B1F20}" type="datetime1">
               <a:rPr lang="ru-RU" smtClean="0"/>
-              <a:t>20.06.2023</a:t>
+              <a:t>22.06.2023</a:t>
             </a:fld>
             <a:endParaRPr lang="ru-RU"/>
           </a:p>
@@ -5416,7 +5416,7 @@
           <a:p>
             <a:fld id="{D86C6135-D033-4B44-BF55-13FADD15A79E}" type="datetime1">
               <a:rPr lang="ru-RU" smtClean="0"/>
-              <a:t>20.06.2023</a:t>
+              <a:t>22.06.2023</a:t>
             </a:fld>
             <a:endParaRPr lang="ru-RU"/>
           </a:p>
@@ -7533,7 +7533,7 @@
           <a:p>
             <a:fld id="{14878BB3-8E20-4CB9-9A47-56C32F53986A}" type="datetime1">
               <a:rPr lang="ru-RU" smtClean="0"/>
-              <a:t>20.06.2023</a:t>
+              <a:t>22.06.2023</a:t>
             </a:fld>
             <a:endParaRPr lang="ru-RU"/>
           </a:p>
@@ -10536,7 +10536,7 @@
           <a:graphicData uri="http://schemas.openxmlformats.org/presentationml/2006/ole">
             <mc:AlternateContent xmlns:mc="http://schemas.openxmlformats.org/markup-compatibility/2006">
               <mc:Choice xmlns:v="urn:schemas-microsoft-com:vml" Requires="v">
-                <p:oleObj spid="_x0000_s2254" name="Worksheet" r:id="rId3" imgW="6743700" imgH="2676752" progId="Excel.Sheet.12">
+                <p:oleObj spid="_x0000_s2255" name="Worksheet" r:id="rId3" imgW="6743700" imgH="2676752" progId="Excel.Sheet.12">
                   <p:embed/>
                 </p:oleObj>
               </mc:Choice>
@@ -11185,7 +11185,7 @@
           <a:graphicData uri="http://schemas.openxmlformats.org/presentationml/2006/ole">
             <mc:AlternateContent xmlns:mc="http://schemas.openxmlformats.org/markup-compatibility/2006">
               <mc:Choice xmlns:v="urn:schemas-microsoft-com:vml" Requires="v">
-                <p:oleObj spid="_x0000_s1242" name="Worksheet" r:id="rId5" imgW="8029708" imgH="2266871" progId="Excel.Sheet.12">
+                <p:oleObj spid="_x0000_s1243" name="Worksheet" r:id="rId5" imgW="8029708" imgH="2266871" progId="Excel.Sheet.12">
                   <p:embed/>
                 </p:oleObj>
               </mc:Choice>
